--- a/UT/.slides/01-introduction-to-gtest.pptx
+++ b/UT/.slides/01-introduction-to-gtest.pptx
@@ -7,7 +7,7 @@
     <p:sldMasterId id="2147483864" r:id="rId3"/>
   </p:sldMasterIdLst>
   <p:notesMasterIdLst>
-    <p:notesMasterId r:id="rId21"/>
+    <p:notesMasterId r:id="rId29"/>
   </p:notesMasterIdLst>
   <p:sldIdLst>
     <p:sldId id="262" r:id="rId4"/>
@@ -18,15 +18,23 @@
     <p:sldId id="287" r:id="rId9"/>
     <p:sldId id="288" r:id="rId10"/>
     <p:sldId id="291" r:id="rId11"/>
-    <p:sldId id="293" r:id="rId12"/>
-    <p:sldId id="296" r:id="rId13"/>
-    <p:sldId id="294" r:id="rId14"/>
-    <p:sldId id="289" r:id="rId15"/>
-    <p:sldId id="290" r:id="rId16"/>
-    <p:sldId id="292" r:id="rId17"/>
-    <p:sldId id="295" r:id="rId18"/>
-    <p:sldId id="297" r:id="rId19"/>
-    <p:sldId id="256" r:id="rId20"/>
+    <p:sldId id="298" r:id="rId12"/>
+    <p:sldId id="293" r:id="rId13"/>
+    <p:sldId id="296" r:id="rId14"/>
+    <p:sldId id="294" r:id="rId15"/>
+    <p:sldId id="299" r:id="rId16"/>
+    <p:sldId id="308" r:id="rId17"/>
+    <p:sldId id="306" r:id="rId18"/>
+    <p:sldId id="307" r:id="rId19"/>
+    <p:sldId id="301" r:id="rId20"/>
+    <p:sldId id="300" r:id="rId21"/>
+    <p:sldId id="302" r:id="rId22"/>
+    <p:sldId id="304" r:id="rId23"/>
+    <p:sldId id="305" r:id="rId24"/>
+    <p:sldId id="292" r:id="rId25"/>
+    <p:sldId id="295" r:id="rId26"/>
+    <p:sldId id="297" r:id="rId27"/>
+    <p:sldId id="256" r:id="rId28"/>
   </p:sldIdLst>
   <p:sldSz cx="13004800" cy="9753600"/>
   <p:notesSz cx="6858000" cy="9144000"/>
@@ -303,7 +311,7 @@
               <a:pPr>
                 <a:defRPr/>
               </a:pPr>
-              <a:t>10/25/2015</a:t>
+              <a:t>8/8/2016</a:t>
             </a:fld>
             <a:endParaRPr lang="en-US"/>
           </a:p>
@@ -339,7 +347,7 @@
           <a:lstStyle/>
           <a:p>
             <a:pPr lvl="0"/>
-            <a:endParaRPr lang="en-US" noProof="0" smtClean="0"/>
+            <a:endParaRPr lang="en-US" noProof="0"/>
           </a:p>
         </p:txBody>
       </p:sp>
@@ -368,35 +376,35 @@
           <a:p>
             <a:pPr lvl="0"/>
             <a:r>
-              <a:rPr lang="en-US" noProof="0" smtClean="0"/>
+              <a:rPr lang="en-US" noProof="0"/>
               <a:t>Click to edit Master text styles</a:t>
             </a:r>
           </a:p>
           <a:p>
             <a:pPr lvl="1"/>
             <a:r>
-              <a:rPr lang="en-US" noProof="0" smtClean="0"/>
+              <a:rPr lang="en-US" noProof="0"/>
               <a:t>Second level</a:t>
             </a:r>
           </a:p>
           <a:p>
             <a:pPr lvl="2"/>
             <a:r>
-              <a:rPr lang="en-US" noProof="0" smtClean="0"/>
+              <a:rPr lang="en-US" noProof="0"/>
               <a:t>Third level</a:t>
             </a:r>
           </a:p>
           <a:p>
             <a:pPr lvl="3"/>
             <a:r>
-              <a:rPr lang="en-US" noProof="0" smtClean="0"/>
+              <a:rPr lang="en-US" noProof="0"/>
               <a:t>Fourth level</a:t>
             </a:r>
           </a:p>
           <a:p>
             <a:pPr lvl="4"/>
             <a:r>
-              <a:rPr lang="en-US" noProof="0" smtClean="0"/>
+              <a:rPr lang="en-US" noProof="0"/>
               <a:t>Fifth level</a:t>
             </a:r>
           </a:p>
@@ -654,7 +662,7 @@
           </a:ln>
           <a:extLst>
             <a:ext uri="{909E8E84-426E-40dd-AFC4-6F175D3DCCD1}">
-              <a14:hiddenFill xmlns:a14="http://schemas.microsoft.com/office/drawing/2010/main" xmlns="">
+              <a14:hiddenFill xmlns="" xmlns:a14="http://schemas.microsoft.com/office/drawing/2010/main">
                 <a:noFill/>
               </a14:hiddenFill>
             </a:ext>
@@ -698,7 +706,7 @@
           </a:ln>
           <a:extLst>
             <a:ext uri="{909E8E84-426E-40dd-AFC4-6F175D3DCCD1}">
-              <a14:hiddenFill xmlns:a14="http://schemas.microsoft.com/office/drawing/2010/main" xmlns="">
+              <a14:hiddenFill xmlns="" xmlns:a14="http://schemas.microsoft.com/office/drawing/2010/main">
                 <a:noFill/>
               </a14:hiddenFill>
             </a:ext>
@@ -747,14 +755,14 @@
           </a:ln>
           <a:extLst>
             <a:ext uri="{909E8E84-426E-40dd-AFC4-6F175D3DCCD1}">
-              <a14:hiddenFill xmlns:a14="http://schemas.microsoft.com/office/drawing/2010/main" xmlns="">
+              <a14:hiddenFill xmlns="" xmlns:a14="http://schemas.microsoft.com/office/drawing/2010/main">
                 <a:solidFill>
                   <a:srgbClr val="FFFFFF"/>
                 </a:solidFill>
               </a14:hiddenFill>
             </a:ext>
             <a:ext uri="{91240B29-F687-4f45-9708-019B960494DF}">
-              <a14:hiddenLine xmlns:a14="http://schemas.microsoft.com/office/drawing/2010/main" xmlns="" w="9525">
+              <a14:hiddenLine xmlns="" xmlns:a14="http://schemas.microsoft.com/office/drawing/2010/main" w="9525">
                 <a:solidFill>
                   <a:srgbClr val="000000"/>
                 </a:solidFill>
@@ -793,7 +801,7 @@
           </a:lstStyle>
           <a:p>
             <a:r>
-              <a:rPr lang="zh-Hans" altLang="en-US" smtClean="0"/>
+              <a:rPr lang="zh-Hans" altLang="en-US"/>
               <a:t>单击此处编辑母版标题样式</a:t>
             </a:r>
             <a:endParaRPr lang="en-US" dirty="0"/>
@@ -853,35 +861,35 @@
           <a:p>
             <a:pPr lvl="0"/>
             <a:r>
-              <a:rPr lang="zh-Hans" altLang="en-US" smtClean="0"/>
+              <a:rPr lang="zh-Hans" altLang="en-US"/>
               <a:t>单击此处编辑母版文本样式</a:t>
             </a:r>
           </a:p>
           <a:p>
             <a:pPr lvl="1"/>
             <a:r>
-              <a:rPr lang="zh-Hans" altLang="en-US" smtClean="0"/>
+              <a:rPr lang="zh-Hans" altLang="en-US"/>
               <a:t>第二级</a:t>
             </a:r>
           </a:p>
           <a:p>
             <a:pPr lvl="2"/>
             <a:r>
-              <a:rPr lang="zh-Hans" altLang="en-US" smtClean="0"/>
+              <a:rPr lang="zh-Hans" altLang="en-US"/>
               <a:t>第三级</a:t>
             </a:r>
           </a:p>
           <a:p>
             <a:pPr lvl="3"/>
             <a:r>
-              <a:rPr lang="zh-Hans" altLang="en-US" smtClean="0"/>
+              <a:rPr lang="zh-Hans" altLang="en-US"/>
               <a:t>第四级</a:t>
             </a:r>
           </a:p>
           <a:p>
             <a:pPr lvl="4"/>
             <a:r>
-              <a:rPr lang="zh-Hans" altLang="en-US" smtClean="0"/>
+              <a:rPr lang="zh-Hans" altLang="en-US"/>
               <a:t>第五级</a:t>
             </a:r>
             <a:endParaRPr lang="en-US" dirty="0"/>
@@ -964,7 +972,7 @@
           <a:p>
             <a:pPr lvl="0"/>
             <a:r>
-              <a:rPr lang="zh-Hans" altLang="en-US" smtClean="0"/>
+              <a:rPr lang="zh-Hans" altLang="en-US"/>
               <a:t>单击此处编辑母版文本样式</a:t>
             </a:r>
           </a:p>
@@ -1099,7 +1107,7 @@
           </a:ln>
           <a:extLst>
             <a:ext uri="{909E8E84-426E-40dd-AFC4-6F175D3DCCD1}">
-              <a14:hiddenFill xmlns:a14="http://schemas.microsoft.com/office/drawing/2010/main" xmlns="">
+              <a14:hiddenFill xmlns="" xmlns:a14="http://schemas.microsoft.com/office/drawing/2010/main">
                 <a:noFill/>
               </a14:hiddenFill>
             </a:ext>
@@ -1148,14 +1156,14 @@
           </a:ln>
           <a:extLst>
             <a:ext uri="{909E8E84-426E-40dd-AFC4-6F175D3DCCD1}">
-              <a14:hiddenFill xmlns:a14="http://schemas.microsoft.com/office/drawing/2010/main" xmlns="">
+              <a14:hiddenFill xmlns="" xmlns:a14="http://schemas.microsoft.com/office/drawing/2010/main">
                 <a:solidFill>
                   <a:srgbClr val="FFFFFF"/>
                 </a:solidFill>
               </a14:hiddenFill>
             </a:ext>
             <a:ext uri="{91240B29-F687-4f45-9708-019B960494DF}">
-              <a14:hiddenLine xmlns:a14="http://schemas.microsoft.com/office/drawing/2010/main" xmlns="" w="9525">
+              <a14:hiddenLine xmlns="" xmlns:a14="http://schemas.microsoft.com/office/drawing/2010/main" w="9525">
                 <a:solidFill>
                   <a:srgbClr val="000000"/>
                 </a:solidFill>
@@ -1194,7 +1202,7 @@
           </a:lstStyle>
           <a:p>
             <a:r>
-              <a:rPr lang="zh-Hans" altLang="en-US" smtClean="0"/>
+              <a:rPr lang="zh-Hans" altLang="en-US"/>
               <a:t>单击此处编辑母版标题样式</a:t>
             </a:r>
             <a:endParaRPr lang="en-US" dirty="0"/>
@@ -1289,35 +1297,35 @@
           <a:p>
             <a:pPr lvl="0"/>
             <a:r>
-              <a:rPr lang="zh-Hans" altLang="en-US" smtClean="0"/>
+              <a:rPr lang="zh-Hans" altLang="en-US"/>
               <a:t>单击此处编辑母版文本样式</a:t>
             </a:r>
           </a:p>
           <a:p>
             <a:pPr lvl="1"/>
             <a:r>
-              <a:rPr lang="zh-Hans" altLang="en-US" smtClean="0"/>
+              <a:rPr lang="zh-Hans" altLang="en-US"/>
               <a:t>第二级</a:t>
             </a:r>
           </a:p>
           <a:p>
             <a:pPr lvl="2"/>
             <a:r>
-              <a:rPr lang="zh-Hans" altLang="en-US" smtClean="0"/>
+              <a:rPr lang="zh-Hans" altLang="en-US"/>
               <a:t>第三级</a:t>
             </a:r>
           </a:p>
           <a:p>
             <a:pPr lvl="3"/>
             <a:r>
-              <a:rPr lang="zh-Hans" altLang="en-US" smtClean="0"/>
+              <a:rPr lang="zh-Hans" altLang="en-US"/>
               <a:t>第四级</a:t>
             </a:r>
           </a:p>
           <a:p>
             <a:pPr lvl="4"/>
             <a:r>
-              <a:rPr lang="zh-Hans" altLang="en-US" smtClean="0"/>
+              <a:rPr lang="zh-Hans" altLang="en-US"/>
               <a:t>第五级</a:t>
             </a:r>
             <a:endParaRPr lang="en-US" dirty="0"/>
@@ -1382,7 +1390,7 @@
           </a:ln>
           <a:extLst>
             <a:ext uri="{909E8E84-426E-40dd-AFC4-6F175D3DCCD1}">
-              <a14:hiddenFill xmlns:a14="http://schemas.microsoft.com/office/drawing/2010/main" xmlns="">
+              <a14:hiddenFill xmlns="" xmlns:a14="http://schemas.microsoft.com/office/drawing/2010/main">
                 <a:noFill/>
               </a14:hiddenFill>
             </a:ext>
@@ -1426,7 +1434,7 @@
           </a:ln>
           <a:extLst>
             <a:ext uri="{909E8E84-426E-40dd-AFC4-6F175D3DCCD1}">
-              <a14:hiddenFill xmlns:a14="http://schemas.microsoft.com/office/drawing/2010/main" xmlns="">
+              <a14:hiddenFill xmlns="" xmlns:a14="http://schemas.microsoft.com/office/drawing/2010/main">
                 <a:noFill/>
               </a14:hiddenFill>
             </a:ext>
@@ -1475,14 +1483,14 @@
           </a:ln>
           <a:extLst>
             <a:ext uri="{909E8E84-426E-40dd-AFC4-6F175D3DCCD1}">
-              <a14:hiddenFill xmlns:a14="http://schemas.microsoft.com/office/drawing/2010/main" xmlns="">
+              <a14:hiddenFill xmlns="" xmlns:a14="http://schemas.microsoft.com/office/drawing/2010/main">
                 <a:solidFill>
                   <a:srgbClr val="FFFFFF"/>
                 </a:solidFill>
               </a14:hiddenFill>
             </a:ext>
             <a:ext uri="{91240B29-F687-4f45-9708-019B960494DF}">
-              <a14:hiddenLine xmlns:a14="http://schemas.microsoft.com/office/drawing/2010/main" xmlns="" w="9525">
+              <a14:hiddenLine xmlns="" xmlns:a14="http://schemas.microsoft.com/office/drawing/2010/main" w="9525">
                 <a:solidFill>
                   <a:srgbClr val="000000"/>
                 </a:solidFill>
@@ -1521,10 +1529,9 @@
           </a:lstStyle>
           <a:p>
             <a:r>
-              <a:rPr lang="en-US" dirty="0" smtClean="0"/>
+              <a:rPr lang="en-US" dirty="0"/>
               <a:t>Click to edit Master title style</a:t>
             </a:r>
-            <a:endParaRPr lang="en-US" dirty="0"/>
           </a:p>
         </p:txBody>
       </p:sp>
@@ -1581,38 +1588,37 @@
           <a:p>
             <a:pPr lvl="0"/>
             <a:r>
-              <a:rPr lang="en-US" dirty="0" smtClean="0"/>
+              <a:rPr lang="en-US" dirty="0"/>
               <a:t>Click to edit Master text styles</a:t>
             </a:r>
           </a:p>
           <a:p>
             <a:pPr lvl="1"/>
             <a:r>
-              <a:rPr lang="en-US" dirty="0" smtClean="0"/>
+              <a:rPr lang="en-US" dirty="0"/>
               <a:t>Second level</a:t>
             </a:r>
           </a:p>
           <a:p>
             <a:pPr lvl="2"/>
             <a:r>
-              <a:rPr lang="en-US" dirty="0" smtClean="0"/>
+              <a:rPr lang="en-US" dirty="0"/>
               <a:t>Third level</a:t>
             </a:r>
           </a:p>
           <a:p>
             <a:pPr lvl="3"/>
             <a:r>
-              <a:rPr lang="en-US" dirty="0" smtClean="0"/>
+              <a:rPr lang="en-US" dirty="0"/>
               <a:t>Fourth level</a:t>
             </a:r>
           </a:p>
           <a:p>
             <a:pPr lvl="4"/>
             <a:r>
-              <a:rPr lang="en-US" dirty="0" smtClean="0"/>
+              <a:rPr lang="en-US" dirty="0"/>
               <a:t>Fifth level</a:t>
             </a:r>
-            <a:endParaRPr lang="en-US" dirty="0"/>
           </a:p>
         </p:txBody>
       </p:sp>
@@ -1692,7 +1698,7 @@
           <a:p>
             <a:pPr lvl="0"/>
             <a:r>
-              <a:rPr lang="en-US" smtClean="0"/>
+              <a:rPr lang="en-US"/>
               <a:t>Click to edit Master text styles</a:t>
             </a:r>
           </a:p>
@@ -1756,7 +1762,7 @@
           </a:ln>
           <a:extLst>
             <a:ext uri="{909E8E84-426E-40dd-AFC4-6F175D3DCCD1}">
-              <a14:hiddenFill xmlns:a14="http://schemas.microsoft.com/office/drawing/2010/main" xmlns="">
+              <a14:hiddenFill xmlns="" xmlns:a14="http://schemas.microsoft.com/office/drawing/2010/main">
                 <a:noFill/>
               </a14:hiddenFill>
             </a:ext>
@@ -1786,10 +1792,9 @@
           <a:lstStyle/>
           <a:p>
             <a:r>
-              <a:rPr lang="en-US" smtClean="0"/>
+              <a:rPr lang="en-US"/>
               <a:t>Click to edit Master title style</a:t>
             </a:r>
-            <a:endParaRPr lang="en-US"/>
           </a:p>
         </p:txBody>
       </p:sp>
@@ -1835,38 +1840,37 @@
           <a:p>
             <a:pPr lvl="0"/>
             <a:r>
-              <a:rPr lang="en-US" dirty="0" smtClean="0"/>
+              <a:rPr lang="en-US" dirty="0"/>
               <a:t>Click to edit Master text styles</a:t>
             </a:r>
           </a:p>
           <a:p>
             <a:pPr lvl="1"/>
             <a:r>
-              <a:rPr lang="en-US" dirty="0" smtClean="0"/>
+              <a:rPr lang="en-US" dirty="0"/>
               <a:t>Second level</a:t>
             </a:r>
           </a:p>
           <a:p>
             <a:pPr lvl="2"/>
             <a:r>
-              <a:rPr lang="en-US" dirty="0" smtClean="0"/>
+              <a:rPr lang="en-US" dirty="0"/>
               <a:t>Third level</a:t>
             </a:r>
           </a:p>
           <a:p>
             <a:pPr lvl="3"/>
             <a:r>
-              <a:rPr lang="en-US" dirty="0" smtClean="0"/>
+              <a:rPr lang="en-US" dirty="0"/>
               <a:t>Fourth level</a:t>
             </a:r>
           </a:p>
           <a:p>
             <a:pPr lvl="4"/>
             <a:r>
-              <a:rPr lang="en-US" dirty="0" smtClean="0"/>
+              <a:rPr lang="en-US" dirty="0"/>
               <a:t>Fifth level</a:t>
             </a:r>
-            <a:endParaRPr lang="en-US" dirty="0"/>
           </a:p>
         </p:txBody>
       </p:sp>
@@ -1961,7 +1965,7 @@
           </a:ln>
           <a:extLst>
             <a:ext uri="{909E8E84-426E-40dd-AFC4-6F175D3DCCD1}">
-              <a14:hiddenFill xmlns:a14="http://schemas.microsoft.com/office/drawing/2010/main" xmlns="">
+              <a14:hiddenFill xmlns="" xmlns:a14="http://schemas.microsoft.com/office/drawing/2010/main">
                 <a:noFill/>
               </a14:hiddenFill>
             </a:ext>
@@ -1991,10 +1995,9 @@
           <a:lstStyle/>
           <a:p>
             <a:r>
-              <a:rPr lang="en-US" smtClean="0"/>
+              <a:rPr lang="en-US"/>
               <a:t>Click to edit Master title style</a:t>
             </a:r>
-            <a:endParaRPr lang="en-US"/>
           </a:p>
         </p:txBody>
       </p:sp>
@@ -2045,38 +2048,37 @@
           <a:p>
             <a:pPr lvl="0"/>
             <a:r>
-              <a:rPr lang="en-US" dirty="0" smtClean="0"/>
+              <a:rPr lang="en-US" dirty="0"/>
               <a:t>Click to edit Master text styles</a:t>
             </a:r>
           </a:p>
           <a:p>
             <a:pPr lvl="1"/>
             <a:r>
-              <a:rPr lang="en-US" dirty="0" smtClean="0"/>
+              <a:rPr lang="en-US" dirty="0"/>
               <a:t>Second level</a:t>
             </a:r>
           </a:p>
           <a:p>
             <a:pPr lvl="2"/>
             <a:r>
-              <a:rPr lang="en-US" dirty="0" smtClean="0"/>
+              <a:rPr lang="en-US" dirty="0"/>
               <a:t>Third level</a:t>
             </a:r>
           </a:p>
           <a:p>
             <a:pPr lvl="3"/>
             <a:r>
-              <a:rPr lang="en-US" dirty="0" smtClean="0"/>
+              <a:rPr lang="en-US" dirty="0"/>
               <a:t>Fourth level</a:t>
             </a:r>
           </a:p>
           <a:p>
             <a:pPr lvl="4"/>
             <a:r>
-              <a:rPr lang="en-US" dirty="0" smtClean="0"/>
+              <a:rPr lang="en-US" dirty="0"/>
               <a:t>Fifth level</a:t>
             </a:r>
-            <a:endParaRPr lang="en-US" dirty="0"/>
           </a:p>
         </p:txBody>
       </p:sp>
@@ -2171,7 +2173,7 @@
           </a:ln>
           <a:extLst>
             <a:ext uri="{909E8E84-426E-40dd-AFC4-6F175D3DCCD1}">
-              <a14:hiddenFill xmlns:a14="http://schemas.microsoft.com/office/drawing/2010/main" xmlns="">
+              <a14:hiddenFill xmlns="" xmlns:a14="http://schemas.microsoft.com/office/drawing/2010/main">
                 <a:noFill/>
               </a14:hiddenFill>
             </a:ext>
@@ -2201,10 +2203,9 @@
           <a:lstStyle/>
           <a:p>
             <a:r>
-              <a:rPr lang="en-US" smtClean="0"/>
+              <a:rPr lang="en-US"/>
               <a:t>Click to edit Master title style</a:t>
             </a:r>
-            <a:endParaRPr lang="en-US"/>
           </a:p>
         </p:txBody>
       </p:sp>
@@ -2296,38 +2297,37 @@
           <a:p>
             <a:pPr lvl="0"/>
             <a:r>
-              <a:rPr lang="en-US" dirty="0" smtClean="0"/>
+              <a:rPr lang="en-US" dirty="0"/>
               <a:t>Click to edit Master text styles</a:t>
             </a:r>
           </a:p>
           <a:p>
             <a:pPr lvl="1"/>
             <a:r>
-              <a:rPr lang="en-US" dirty="0" smtClean="0"/>
+              <a:rPr lang="en-US" dirty="0"/>
               <a:t>Second level</a:t>
             </a:r>
           </a:p>
           <a:p>
             <a:pPr lvl="2"/>
             <a:r>
-              <a:rPr lang="en-US" dirty="0" smtClean="0"/>
+              <a:rPr lang="en-US" dirty="0"/>
               <a:t>Third level</a:t>
             </a:r>
           </a:p>
           <a:p>
             <a:pPr lvl="3"/>
             <a:r>
-              <a:rPr lang="en-US" dirty="0" smtClean="0"/>
+              <a:rPr lang="en-US" dirty="0"/>
               <a:t>Fourth level</a:t>
             </a:r>
           </a:p>
           <a:p>
             <a:pPr lvl="4"/>
             <a:r>
-              <a:rPr lang="en-US" dirty="0" smtClean="0"/>
+              <a:rPr lang="en-US" dirty="0"/>
               <a:t>Fifth level</a:t>
             </a:r>
-            <a:endParaRPr lang="en-US" dirty="0"/>
           </a:p>
         </p:txBody>
       </p:sp>
@@ -2422,7 +2422,7 @@
           </a:ln>
           <a:extLst>
             <a:ext uri="{909E8E84-426E-40dd-AFC4-6F175D3DCCD1}">
-              <a14:hiddenFill xmlns:a14="http://schemas.microsoft.com/office/drawing/2010/main" xmlns="">
+              <a14:hiddenFill xmlns="" xmlns:a14="http://schemas.microsoft.com/office/drawing/2010/main">
                 <a:noFill/>
               </a14:hiddenFill>
             </a:ext>
@@ -2471,14 +2471,14 @@
           </a:ln>
           <a:extLst>
             <a:ext uri="{909E8E84-426E-40dd-AFC4-6F175D3DCCD1}">
-              <a14:hiddenFill xmlns:a14="http://schemas.microsoft.com/office/drawing/2010/main" xmlns="">
+              <a14:hiddenFill xmlns="" xmlns:a14="http://schemas.microsoft.com/office/drawing/2010/main">
                 <a:solidFill>
                   <a:srgbClr val="FFFFFF"/>
                 </a:solidFill>
               </a14:hiddenFill>
             </a:ext>
             <a:ext uri="{91240B29-F687-4f45-9708-019B960494DF}">
-              <a14:hiddenLine xmlns:a14="http://schemas.microsoft.com/office/drawing/2010/main" xmlns="" w="9525">
+              <a14:hiddenLine xmlns="" xmlns:a14="http://schemas.microsoft.com/office/drawing/2010/main" w="9525">
                 <a:solidFill>
                   <a:srgbClr val="000000"/>
                 </a:solidFill>
@@ -2529,7 +2529,7 @@
           </a:lstStyle>
           <a:p>
             <a:r>
-              <a:rPr lang="en-US" noProof="0" dirty="0" smtClean="0">
+              <a:rPr lang="en-US" noProof="0" dirty="0">
                 <a:sym typeface="Open Sans Extrabold" charset="0"/>
               </a:rPr>
               <a:t>Click to edit Master title style</a:t>
@@ -2606,38 +2606,37 @@
           <a:p>
             <a:pPr lvl="0"/>
             <a:r>
-              <a:rPr lang="en-US" dirty="0" smtClean="0"/>
+              <a:rPr lang="en-US" dirty="0"/>
               <a:t>Click to edit Master text styles</a:t>
             </a:r>
           </a:p>
           <a:p>
             <a:pPr lvl="1"/>
             <a:r>
-              <a:rPr lang="en-US" dirty="0" smtClean="0"/>
+              <a:rPr lang="en-US" dirty="0"/>
               <a:t>Second level</a:t>
             </a:r>
           </a:p>
           <a:p>
             <a:pPr lvl="2"/>
             <a:r>
-              <a:rPr lang="en-US" dirty="0" smtClean="0"/>
+              <a:rPr lang="en-US" dirty="0"/>
               <a:t>Third level</a:t>
             </a:r>
           </a:p>
           <a:p>
             <a:pPr lvl="3"/>
             <a:r>
-              <a:rPr lang="en-US" dirty="0" smtClean="0"/>
+              <a:rPr lang="en-US" dirty="0"/>
               <a:t>Fourth level</a:t>
             </a:r>
           </a:p>
           <a:p>
             <a:pPr lvl="4"/>
             <a:r>
-              <a:rPr lang="en-US" dirty="0" smtClean="0"/>
+              <a:rPr lang="en-US" dirty="0"/>
               <a:t>Fifth level</a:t>
             </a:r>
-            <a:endParaRPr lang="en-US" dirty="0"/>
           </a:p>
         </p:txBody>
       </p:sp>
@@ -2740,7 +2739,7 @@
           </a:ln>
           <a:extLst>
             <a:ext uri="{909E8E84-426E-40dd-AFC4-6F175D3DCCD1}">
-              <a14:hiddenFill xmlns:a14="http://schemas.microsoft.com/office/drawing/2010/main" xmlns="">
+              <a14:hiddenFill xmlns="" xmlns:a14="http://schemas.microsoft.com/office/drawing/2010/main">
                 <a:noFill/>
               </a14:hiddenFill>
             </a:ext>
@@ -2789,14 +2788,14 @@
           </a:ln>
           <a:extLst>
             <a:ext uri="{909E8E84-426E-40dd-AFC4-6F175D3DCCD1}">
-              <a14:hiddenFill xmlns:a14="http://schemas.microsoft.com/office/drawing/2010/main" xmlns="">
+              <a14:hiddenFill xmlns="" xmlns:a14="http://schemas.microsoft.com/office/drawing/2010/main">
                 <a:solidFill>
                   <a:srgbClr val="FFFFFF"/>
                 </a:solidFill>
               </a14:hiddenFill>
             </a:ext>
             <a:ext uri="{91240B29-F687-4f45-9708-019B960494DF}">
-              <a14:hiddenLine xmlns:a14="http://schemas.microsoft.com/office/drawing/2010/main" xmlns="" w="9525">
+              <a14:hiddenLine xmlns="" xmlns:a14="http://schemas.microsoft.com/office/drawing/2010/main" w="9525">
                 <a:solidFill>
                   <a:srgbClr val="000000"/>
                 </a:solidFill>
@@ -2851,7 +2850,7 @@
           </a:lstStyle>
           <a:p>
             <a:r>
-              <a:rPr lang="en-US" noProof="0" dirty="0" smtClean="0">
+              <a:rPr lang="en-US" noProof="0" dirty="0">
                 <a:sym typeface="Open Sans Extrabold" charset="0"/>
               </a:rPr>
               <a:t>Click to edit Master title style</a:t>
@@ -2943,38 +2942,37 @@
           <a:p>
             <a:pPr lvl="0"/>
             <a:r>
-              <a:rPr lang="en-US" dirty="0" smtClean="0"/>
+              <a:rPr lang="en-US" dirty="0"/>
               <a:t>Click to edit Master text styles</a:t>
             </a:r>
           </a:p>
           <a:p>
             <a:pPr lvl="1"/>
             <a:r>
-              <a:rPr lang="en-US" dirty="0" smtClean="0"/>
+              <a:rPr lang="en-US" dirty="0"/>
               <a:t>Second level</a:t>
             </a:r>
           </a:p>
           <a:p>
             <a:pPr lvl="2"/>
             <a:r>
-              <a:rPr lang="en-US" dirty="0" smtClean="0"/>
+              <a:rPr lang="en-US" dirty="0"/>
               <a:t>Third level</a:t>
             </a:r>
           </a:p>
           <a:p>
             <a:pPr lvl="3"/>
             <a:r>
-              <a:rPr lang="en-US" dirty="0" smtClean="0"/>
+              <a:rPr lang="en-US" dirty="0"/>
               <a:t>Fourth level</a:t>
             </a:r>
           </a:p>
           <a:p>
             <a:pPr lvl="4"/>
             <a:r>
-              <a:rPr lang="en-US" dirty="0" smtClean="0"/>
+              <a:rPr lang="en-US" dirty="0"/>
               <a:t>Fifth level</a:t>
             </a:r>
-            <a:endParaRPr lang="en-US" dirty="0"/>
           </a:p>
         </p:txBody>
       </p:sp>
@@ -3063,10 +3061,9 @@
           <a:lstStyle/>
           <a:p>
             <a:r>
-              <a:rPr lang="en-US" dirty="0" smtClean="0"/>
+              <a:rPr lang="en-US" dirty="0"/>
               <a:t>Click to edit Master title style</a:t>
             </a:r>
-            <a:endParaRPr lang="en-US" dirty="0"/>
           </a:p>
         </p:txBody>
       </p:sp>
@@ -3132,38 +3129,37 @@
           <a:p>
             <a:pPr lvl="0"/>
             <a:r>
-              <a:rPr lang="en-US" dirty="0" smtClean="0"/>
+              <a:rPr lang="en-US" dirty="0"/>
               <a:t>Click to edit Master text styles</a:t>
             </a:r>
           </a:p>
           <a:p>
             <a:pPr lvl="1"/>
             <a:r>
-              <a:rPr lang="en-US" dirty="0" smtClean="0"/>
+              <a:rPr lang="en-US" dirty="0"/>
               <a:t>Second level</a:t>
             </a:r>
           </a:p>
           <a:p>
             <a:pPr lvl="2"/>
             <a:r>
-              <a:rPr lang="en-US" dirty="0" smtClean="0"/>
+              <a:rPr lang="en-US" dirty="0"/>
               <a:t>Third level</a:t>
             </a:r>
           </a:p>
           <a:p>
             <a:pPr lvl="3"/>
             <a:r>
-              <a:rPr lang="en-US" dirty="0" smtClean="0"/>
+              <a:rPr lang="en-US" dirty="0"/>
               <a:t>Fourth level</a:t>
             </a:r>
           </a:p>
           <a:p>
             <a:pPr lvl="4"/>
             <a:r>
-              <a:rPr lang="en-US" dirty="0" smtClean="0"/>
+              <a:rPr lang="en-US" dirty="0"/>
               <a:t>Fifth level</a:t>
             </a:r>
-            <a:endParaRPr lang="en-US" dirty="0"/>
           </a:p>
         </p:txBody>
       </p:sp>
@@ -3313,38 +3309,37 @@
           <a:p>
             <a:pPr lvl="0"/>
             <a:r>
-              <a:rPr lang="en-US" dirty="0" smtClean="0"/>
+              <a:rPr lang="en-US" dirty="0"/>
               <a:t>Click to edit Master text styles</a:t>
             </a:r>
           </a:p>
           <a:p>
             <a:pPr lvl="1"/>
             <a:r>
-              <a:rPr lang="en-US" dirty="0" smtClean="0"/>
+              <a:rPr lang="en-US" dirty="0"/>
               <a:t>Second level</a:t>
             </a:r>
           </a:p>
           <a:p>
             <a:pPr lvl="2"/>
             <a:r>
-              <a:rPr lang="en-US" dirty="0" smtClean="0"/>
+              <a:rPr lang="en-US" dirty="0"/>
               <a:t>Third level</a:t>
             </a:r>
           </a:p>
           <a:p>
             <a:pPr lvl="3"/>
             <a:r>
-              <a:rPr lang="en-US" dirty="0" smtClean="0"/>
+              <a:rPr lang="en-US" dirty="0"/>
               <a:t>Fourth level</a:t>
             </a:r>
           </a:p>
           <a:p>
             <a:pPr lvl="4"/>
             <a:r>
-              <a:rPr lang="en-US" dirty="0" smtClean="0"/>
+              <a:rPr lang="en-US" dirty="0"/>
               <a:t>Fifth level</a:t>
             </a:r>
-            <a:endParaRPr lang="en-US" dirty="0"/>
           </a:p>
         </p:txBody>
       </p:sp>
@@ -3441,7 +3436,7 @@
           </a:ln>
           <a:extLst>
             <a:ext uri="{909E8E84-426E-40dd-AFC4-6F175D3DCCD1}">
-              <a14:hiddenFill xmlns:a14="http://schemas.microsoft.com/office/drawing/2010/main" xmlns="">
+              <a14:hiddenFill xmlns="" xmlns:a14="http://schemas.microsoft.com/office/drawing/2010/main">
                 <a:noFill/>
               </a14:hiddenFill>
             </a:ext>
@@ -3471,7 +3466,7 @@
           <a:lstStyle/>
           <a:p>
             <a:r>
-              <a:rPr lang="zh-Hans" altLang="en-US" smtClean="0"/>
+              <a:rPr lang="zh-Hans" altLang="en-US"/>
               <a:t>单击此处编辑母版标题样式</a:t>
             </a:r>
             <a:endParaRPr lang="en-US"/>
@@ -3508,35 +3503,35 @@
           <a:p>
             <a:pPr lvl="0"/>
             <a:r>
-              <a:rPr lang="zh-Hans" altLang="en-US" smtClean="0"/>
+              <a:rPr lang="zh-Hans" altLang="en-US"/>
               <a:t>单击此处编辑母版文本样式</a:t>
             </a:r>
           </a:p>
           <a:p>
             <a:pPr lvl="1"/>
             <a:r>
-              <a:rPr lang="zh-Hans" altLang="en-US" smtClean="0"/>
+              <a:rPr lang="zh-Hans" altLang="en-US"/>
               <a:t>第二级</a:t>
             </a:r>
           </a:p>
           <a:p>
             <a:pPr lvl="2"/>
             <a:r>
-              <a:rPr lang="zh-Hans" altLang="en-US" smtClean="0"/>
+              <a:rPr lang="zh-Hans" altLang="en-US"/>
               <a:t>第三级</a:t>
             </a:r>
           </a:p>
           <a:p>
             <a:pPr lvl="3"/>
             <a:r>
-              <a:rPr lang="zh-Hans" altLang="en-US" smtClean="0"/>
+              <a:rPr lang="zh-Hans" altLang="en-US"/>
               <a:t>第四级</a:t>
             </a:r>
           </a:p>
           <a:p>
             <a:pPr lvl="4"/>
             <a:r>
-              <a:rPr lang="zh-Hans" altLang="en-US" smtClean="0"/>
+              <a:rPr lang="zh-Hans" altLang="en-US"/>
               <a:t>第五级</a:t>
             </a:r>
             <a:endParaRPr lang="en-US" dirty="0"/>
@@ -3634,7 +3629,7 @@
           </a:ln>
           <a:extLst>
             <a:ext uri="{909E8E84-426E-40dd-AFC4-6F175D3DCCD1}">
-              <a14:hiddenFill xmlns:a14="http://schemas.microsoft.com/office/drawing/2010/main" xmlns="">
+              <a14:hiddenFill xmlns="" xmlns:a14="http://schemas.microsoft.com/office/drawing/2010/main">
                 <a:noFill/>
               </a14:hiddenFill>
             </a:ext>
@@ -3675,7 +3670,7 @@
           </a:ln>
           <a:extLst>
             <a:ext uri="{909E8E84-426E-40dd-AFC4-6F175D3DCCD1}">
-              <a14:hiddenFill xmlns:a14="http://schemas.microsoft.com/office/drawing/2010/main" xmlns="">
+              <a14:hiddenFill xmlns="" xmlns:a14="http://schemas.microsoft.com/office/drawing/2010/main">
                 <a:noFill/>
               </a14:hiddenFill>
             </a:ext>
@@ -3714,10 +3709,9 @@
           </a:lstStyle>
           <a:p>
             <a:r>
-              <a:rPr lang="en-US" dirty="0" smtClean="0"/>
+              <a:rPr lang="en-US" dirty="0"/>
               <a:t>Click to edit Master title style</a:t>
             </a:r>
-            <a:endParaRPr lang="en-US" dirty="0"/>
           </a:p>
         </p:txBody>
       </p:sp>
@@ -3886,7 +3880,7 @@
           </a:ln>
           <a:extLst>
             <a:ext uri="{909E8E84-426E-40dd-AFC4-6F175D3DCCD1}">
-              <a14:hiddenFill xmlns:a14="http://schemas.microsoft.com/office/drawing/2010/main" xmlns="">
+              <a14:hiddenFill xmlns="" xmlns:a14="http://schemas.microsoft.com/office/drawing/2010/main">
                 <a:noFill/>
               </a14:hiddenFill>
             </a:ext>
@@ -3935,14 +3929,14 @@
           </a:ln>
           <a:extLst>
             <a:ext uri="{909E8E84-426E-40dd-AFC4-6F175D3DCCD1}">
-              <a14:hiddenFill xmlns:a14="http://schemas.microsoft.com/office/drawing/2010/main" xmlns="">
+              <a14:hiddenFill xmlns="" xmlns:a14="http://schemas.microsoft.com/office/drawing/2010/main">
                 <a:solidFill>
                   <a:srgbClr val="FFFFFF"/>
                 </a:solidFill>
               </a14:hiddenFill>
             </a:ext>
             <a:ext uri="{91240B29-F687-4f45-9708-019B960494DF}">
-              <a14:hiddenLine xmlns:a14="http://schemas.microsoft.com/office/drawing/2010/main" xmlns="" w="9525">
+              <a14:hiddenLine xmlns="" xmlns:a14="http://schemas.microsoft.com/office/drawing/2010/main" w="9525">
                 <a:solidFill>
                   <a:srgbClr val="000000"/>
                 </a:solidFill>
@@ -3985,10 +3979,9 @@
           </a:lstStyle>
           <a:p>
             <a:r>
-              <a:rPr lang="en-US" dirty="0" smtClean="0"/>
+              <a:rPr lang="en-US" dirty="0"/>
               <a:t>Click to edit Master title style</a:t>
             </a:r>
-            <a:endParaRPr lang="en-US" dirty="0"/>
           </a:p>
         </p:txBody>
       </p:sp>
@@ -4080,38 +4073,37 @@
           <a:p>
             <a:pPr lvl="0"/>
             <a:r>
-              <a:rPr lang="en-US" dirty="0" smtClean="0"/>
+              <a:rPr lang="en-US" dirty="0"/>
               <a:t>Click to edit Master text styles</a:t>
             </a:r>
           </a:p>
           <a:p>
             <a:pPr lvl="1"/>
             <a:r>
-              <a:rPr lang="en-US" dirty="0" smtClean="0"/>
+              <a:rPr lang="en-US" dirty="0"/>
               <a:t>Second level</a:t>
             </a:r>
           </a:p>
           <a:p>
             <a:pPr lvl="2"/>
             <a:r>
-              <a:rPr lang="en-US" dirty="0" smtClean="0"/>
+              <a:rPr lang="en-US" dirty="0"/>
               <a:t>Third level</a:t>
             </a:r>
           </a:p>
           <a:p>
             <a:pPr lvl="3"/>
             <a:r>
-              <a:rPr lang="en-US" dirty="0" smtClean="0"/>
+              <a:rPr lang="en-US" dirty="0"/>
               <a:t>Fourth level</a:t>
             </a:r>
           </a:p>
           <a:p>
             <a:pPr lvl="4"/>
             <a:r>
-              <a:rPr lang="en-US" dirty="0" smtClean="0"/>
+              <a:rPr lang="en-US" dirty="0"/>
               <a:t>Fifth level</a:t>
             </a:r>
-            <a:endParaRPr lang="en-US" dirty="0"/>
           </a:p>
         </p:txBody>
       </p:sp>
@@ -4173,7 +4165,7 @@
           </a:ln>
           <a:extLst>
             <a:ext uri="{909E8E84-426E-40dd-AFC4-6F175D3DCCD1}">
-              <a14:hiddenFill xmlns:a14="http://schemas.microsoft.com/office/drawing/2010/main" xmlns="">
+              <a14:hiddenFill xmlns="" xmlns:a14="http://schemas.microsoft.com/office/drawing/2010/main">
                 <a:noFill/>
               </a14:hiddenFill>
             </a:ext>
@@ -4217,7 +4209,7 @@
           </a:ln>
           <a:extLst>
             <a:ext uri="{909E8E84-426E-40dd-AFC4-6F175D3DCCD1}">
-              <a14:hiddenFill xmlns:a14="http://schemas.microsoft.com/office/drawing/2010/main" xmlns="">
+              <a14:hiddenFill xmlns="" xmlns:a14="http://schemas.microsoft.com/office/drawing/2010/main">
                 <a:noFill/>
               </a14:hiddenFill>
             </a:ext>
@@ -4266,14 +4258,14 @@
           </a:ln>
           <a:extLst>
             <a:ext uri="{909E8E84-426E-40dd-AFC4-6F175D3DCCD1}">
-              <a14:hiddenFill xmlns:a14="http://schemas.microsoft.com/office/drawing/2010/main" xmlns="">
+              <a14:hiddenFill xmlns="" xmlns:a14="http://schemas.microsoft.com/office/drawing/2010/main">
                 <a:solidFill>
                   <a:srgbClr val="FFFFFF"/>
                 </a:solidFill>
               </a14:hiddenFill>
             </a:ext>
             <a:ext uri="{91240B29-F687-4f45-9708-019B960494DF}">
-              <a14:hiddenLine xmlns:a14="http://schemas.microsoft.com/office/drawing/2010/main" xmlns="" w="9525">
+              <a14:hiddenLine xmlns="" xmlns:a14="http://schemas.microsoft.com/office/drawing/2010/main" w="9525">
                 <a:solidFill>
                   <a:srgbClr val="000000"/>
                 </a:solidFill>
@@ -4312,10 +4304,9 @@
           </a:lstStyle>
           <a:p>
             <a:r>
-              <a:rPr lang="en-US" dirty="0" smtClean="0"/>
+              <a:rPr lang="en-US" dirty="0"/>
               <a:t>Click to edit Master title style</a:t>
             </a:r>
-            <a:endParaRPr lang="en-US" dirty="0"/>
           </a:p>
         </p:txBody>
       </p:sp>
@@ -4372,38 +4363,37 @@
           <a:p>
             <a:pPr lvl="0"/>
             <a:r>
-              <a:rPr lang="en-US" dirty="0" smtClean="0"/>
+              <a:rPr lang="en-US" dirty="0"/>
               <a:t>Click to edit Master text styles</a:t>
             </a:r>
           </a:p>
           <a:p>
             <a:pPr lvl="1"/>
             <a:r>
-              <a:rPr lang="en-US" dirty="0" smtClean="0"/>
+              <a:rPr lang="en-US" dirty="0"/>
               <a:t>Second level</a:t>
             </a:r>
           </a:p>
           <a:p>
             <a:pPr lvl="2"/>
             <a:r>
-              <a:rPr lang="en-US" dirty="0" smtClean="0"/>
+              <a:rPr lang="en-US" dirty="0"/>
               <a:t>Third level</a:t>
             </a:r>
           </a:p>
           <a:p>
             <a:pPr lvl="3"/>
             <a:r>
-              <a:rPr lang="en-US" dirty="0" smtClean="0"/>
+              <a:rPr lang="en-US" dirty="0"/>
               <a:t>Fourth level</a:t>
             </a:r>
           </a:p>
           <a:p>
             <a:pPr lvl="4"/>
             <a:r>
-              <a:rPr lang="en-US" dirty="0" smtClean="0"/>
+              <a:rPr lang="en-US" dirty="0"/>
               <a:t>Fifth level</a:t>
             </a:r>
-            <a:endParaRPr lang="en-US" dirty="0"/>
           </a:p>
         </p:txBody>
       </p:sp>
@@ -4483,7 +4473,7 @@
           <a:p>
             <a:pPr lvl="0"/>
             <a:r>
-              <a:rPr lang="en-US" smtClean="0"/>
+              <a:rPr lang="en-US"/>
               <a:t>Click to edit Master text styles</a:t>
             </a:r>
           </a:p>
@@ -4547,7 +4537,7 @@
           </a:ln>
           <a:extLst>
             <a:ext uri="{909E8E84-426E-40dd-AFC4-6F175D3DCCD1}">
-              <a14:hiddenFill xmlns:a14="http://schemas.microsoft.com/office/drawing/2010/main" xmlns="">
+              <a14:hiddenFill xmlns="" xmlns:a14="http://schemas.microsoft.com/office/drawing/2010/main">
                 <a:noFill/>
               </a14:hiddenFill>
             </a:ext>
@@ -4577,10 +4567,9 @@
           <a:lstStyle/>
           <a:p>
             <a:r>
-              <a:rPr lang="en-US" smtClean="0"/>
+              <a:rPr lang="en-US"/>
               <a:t>Click to edit Master title style</a:t>
             </a:r>
-            <a:endParaRPr lang="en-US"/>
           </a:p>
         </p:txBody>
       </p:sp>
@@ -4635,38 +4624,37 @@
           <a:p>
             <a:pPr lvl="0"/>
             <a:r>
-              <a:rPr lang="en-US" dirty="0" smtClean="0"/>
+              <a:rPr lang="en-US" dirty="0"/>
               <a:t>Click to edit Master text styles</a:t>
             </a:r>
           </a:p>
           <a:p>
             <a:pPr lvl="1"/>
             <a:r>
-              <a:rPr lang="en-US" dirty="0" smtClean="0"/>
+              <a:rPr lang="en-US" dirty="0"/>
               <a:t>Second level</a:t>
             </a:r>
           </a:p>
           <a:p>
             <a:pPr lvl="2"/>
             <a:r>
-              <a:rPr lang="en-US" dirty="0" smtClean="0"/>
+              <a:rPr lang="en-US" dirty="0"/>
               <a:t>Third level</a:t>
             </a:r>
           </a:p>
           <a:p>
             <a:pPr lvl="3"/>
             <a:r>
-              <a:rPr lang="en-US" dirty="0" smtClean="0"/>
+              <a:rPr lang="en-US" dirty="0"/>
               <a:t>Fourth level</a:t>
             </a:r>
           </a:p>
           <a:p>
             <a:pPr lvl="4"/>
             <a:r>
-              <a:rPr lang="en-US" dirty="0" smtClean="0"/>
+              <a:rPr lang="en-US" dirty="0"/>
               <a:t>Fifth level</a:t>
             </a:r>
-            <a:endParaRPr lang="en-US" dirty="0"/>
           </a:p>
         </p:txBody>
       </p:sp>
@@ -4761,7 +4749,7 @@
           </a:ln>
           <a:extLst>
             <a:ext uri="{909E8E84-426E-40dd-AFC4-6F175D3DCCD1}">
-              <a14:hiddenFill xmlns:a14="http://schemas.microsoft.com/office/drawing/2010/main" xmlns="">
+              <a14:hiddenFill xmlns="" xmlns:a14="http://schemas.microsoft.com/office/drawing/2010/main">
                 <a:noFill/>
               </a14:hiddenFill>
             </a:ext>
@@ -4791,10 +4779,9 @@
           <a:lstStyle/>
           <a:p>
             <a:r>
-              <a:rPr lang="en-US" smtClean="0"/>
+              <a:rPr lang="en-US"/>
               <a:t>Click to edit Master title style</a:t>
             </a:r>
-            <a:endParaRPr lang="en-US"/>
           </a:p>
         </p:txBody>
       </p:sp>
@@ -4854,38 +4841,37 @@
           <a:p>
             <a:pPr lvl="0"/>
             <a:r>
-              <a:rPr lang="en-US" dirty="0" smtClean="0"/>
+              <a:rPr lang="en-US" dirty="0"/>
               <a:t>Click to edit Master text styles</a:t>
             </a:r>
           </a:p>
           <a:p>
             <a:pPr lvl="1"/>
             <a:r>
-              <a:rPr lang="en-US" dirty="0" smtClean="0"/>
+              <a:rPr lang="en-US" dirty="0"/>
               <a:t>Second level</a:t>
             </a:r>
           </a:p>
           <a:p>
             <a:pPr lvl="2"/>
             <a:r>
-              <a:rPr lang="en-US" dirty="0" smtClean="0"/>
+              <a:rPr lang="en-US" dirty="0"/>
               <a:t>Third level</a:t>
             </a:r>
           </a:p>
           <a:p>
             <a:pPr lvl="3"/>
             <a:r>
-              <a:rPr lang="en-US" dirty="0" smtClean="0"/>
+              <a:rPr lang="en-US" dirty="0"/>
               <a:t>Fourth level</a:t>
             </a:r>
           </a:p>
           <a:p>
             <a:pPr lvl="4"/>
             <a:r>
-              <a:rPr lang="en-US" dirty="0" smtClean="0"/>
+              <a:rPr lang="en-US" dirty="0"/>
               <a:t>Fifth level</a:t>
             </a:r>
-            <a:endParaRPr lang="en-US" dirty="0"/>
           </a:p>
         </p:txBody>
       </p:sp>
@@ -4980,7 +4966,7 @@
           </a:ln>
           <a:extLst>
             <a:ext uri="{909E8E84-426E-40dd-AFC4-6F175D3DCCD1}">
-              <a14:hiddenFill xmlns:a14="http://schemas.microsoft.com/office/drawing/2010/main" xmlns="">
+              <a14:hiddenFill xmlns="" xmlns:a14="http://schemas.microsoft.com/office/drawing/2010/main">
                 <a:noFill/>
               </a14:hiddenFill>
             </a:ext>
@@ -5010,10 +4996,9 @@
           <a:lstStyle/>
           <a:p>
             <a:r>
-              <a:rPr lang="en-US" smtClean="0"/>
+              <a:rPr lang="en-US"/>
               <a:t>Click to edit Master title style</a:t>
             </a:r>
-            <a:endParaRPr lang="en-US"/>
           </a:p>
         </p:txBody>
       </p:sp>
@@ -5105,38 +5090,37 @@
           <a:p>
             <a:pPr lvl="0"/>
             <a:r>
-              <a:rPr lang="en-US" dirty="0" smtClean="0"/>
+              <a:rPr lang="en-US" dirty="0"/>
               <a:t>Click to edit Master text styles</a:t>
             </a:r>
           </a:p>
           <a:p>
             <a:pPr lvl="1"/>
             <a:r>
-              <a:rPr lang="en-US" dirty="0" smtClean="0"/>
+              <a:rPr lang="en-US" dirty="0"/>
               <a:t>Second level</a:t>
             </a:r>
           </a:p>
           <a:p>
             <a:pPr lvl="2"/>
             <a:r>
-              <a:rPr lang="en-US" dirty="0" smtClean="0"/>
+              <a:rPr lang="en-US" dirty="0"/>
               <a:t>Third level</a:t>
             </a:r>
           </a:p>
           <a:p>
             <a:pPr lvl="3"/>
             <a:r>
-              <a:rPr lang="en-US" dirty="0" smtClean="0"/>
+              <a:rPr lang="en-US" dirty="0"/>
               <a:t>Fourth level</a:t>
             </a:r>
           </a:p>
           <a:p>
             <a:pPr lvl="4"/>
             <a:r>
-              <a:rPr lang="en-US" dirty="0" smtClean="0"/>
+              <a:rPr lang="en-US" dirty="0"/>
               <a:t>Fifth level</a:t>
             </a:r>
-            <a:endParaRPr lang="en-US" dirty="0"/>
           </a:p>
         </p:txBody>
       </p:sp>
@@ -5231,7 +5215,7 @@
           </a:ln>
           <a:extLst>
             <a:ext uri="{909E8E84-426E-40dd-AFC4-6F175D3DCCD1}">
-              <a14:hiddenFill xmlns:a14="http://schemas.microsoft.com/office/drawing/2010/main" xmlns="">
+              <a14:hiddenFill xmlns="" xmlns:a14="http://schemas.microsoft.com/office/drawing/2010/main">
                 <a:noFill/>
               </a14:hiddenFill>
             </a:ext>
@@ -5280,14 +5264,14 @@
           </a:ln>
           <a:extLst>
             <a:ext uri="{909E8E84-426E-40dd-AFC4-6F175D3DCCD1}">
-              <a14:hiddenFill xmlns:a14="http://schemas.microsoft.com/office/drawing/2010/main" xmlns="">
+              <a14:hiddenFill xmlns="" xmlns:a14="http://schemas.microsoft.com/office/drawing/2010/main">
                 <a:solidFill>
                   <a:srgbClr val="FFFFFF"/>
                 </a:solidFill>
               </a14:hiddenFill>
             </a:ext>
             <a:ext uri="{91240B29-F687-4f45-9708-019B960494DF}">
-              <a14:hiddenLine xmlns:a14="http://schemas.microsoft.com/office/drawing/2010/main" xmlns="" w="9525">
+              <a14:hiddenLine xmlns="" xmlns:a14="http://schemas.microsoft.com/office/drawing/2010/main" w="9525">
                 <a:solidFill>
                   <a:srgbClr val="000000"/>
                 </a:solidFill>
@@ -5338,7 +5322,7 @@
           </a:lstStyle>
           <a:p>
             <a:r>
-              <a:rPr lang="en-US" noProof="0" dirty="0" smtClean="0">
+              <a:rPr lang="en-US" noProof="0" dirty="0">
                 <a:sym typeface="Open Sans Extrabold" charset="0"/>
               </a:rPr>
               <a:t>Click to edit Master title style</a:t>
@@ -5415,38 +5399,37 @@
           <a:p>
             <a:pPr lvl="0"/>
             <a:r>
-              <a:rPr lang="en-US" dirty="0" smtClean="0"/>
+              <a:rPr lang="en-US" dirty="0"/>
               <a:t>Click to edit Master text styles</a:t>
             </a:r>
           </a:p>
           <a:p>
             <a:pPr lvl="1"/>
             <a:r>
-              <a:rPr lang="en-US" dirty="0" smtClean="0"/>
+              <a:rPr lang="en-US" dirty="0"/>
               <a:t>Second level</a:t>
             </a:r>
           </a:p>
           <a:p>
             <a:pPr lvl="2"/>
             <a:r>
-              <a:rPr lang="en-US" dirty="0" smtClean="0"/>
+              <a:rPr lang="en-US" dirty="0"/>
               <a:t>Third level</a:t>
             </a:r>
           </a:p>
           <a:p>
             <a:pPr lvl="3"/>
             <a:r>
-              <a:rPr lang="en-US" dirty="0" smtClean="0"/>
+              <a:rPr lang="en-US" dirty="0"/>
               <a:t>Fourth level</a:t>
             </a:r>
           </a:p>
           <a:p>
             <a:pPr lvl="4"/>
             <a:r>
-              <a:rPr lang="en-US" dirty="0" smtClean="0"/>
+              <a:rPr lang="en-US" dirty="0"/>
               <a:t>Fifth level</a:t>
             </a:r>
-            <a:endParaRPr lang="en-US" dirty="0"/>
           </a:p>
         </p:txBody>
       </p:sp>
@@ -5549,7 +5532,7 @@
           </a:ln>
           <a:extLst>
             <a:ext uri="{909E8E84-426E-40dd-AFC4-6F175D3DCCD1}">
-              <a14:hiddenFill xmlns:a14="http://schemas.microsoft.com/office/drawing/2010/main" xmlns="">
+              <a14:hiddenFill xmlns="" xmlns:a14="http://schemas.microsoft.com/office/drawing/2010/main">
                 <a:noFill/>
               </a14:hiddenFill>
             </a:ext>
@@ -5598,14 +5581,14 @@
           </a:ln>
           <a:extLst>
             <a:ext uri="{909E8E84-426E-40dd-AFC4-6F175D3DCCD1}">
-              <a14:hiddenFill xmlns:a14="http://schemas.microsoft.com/office/drawing/2010/main" xmlns="">
+              <a14:hiddenFill xmlns="" xmlns:a14="http://schemas.microsoft.com/office/drawing/2010/main">
                 <a:solidFill>
                   <a:srgbClr val="FFFFFF"/>
                 </a:solidFill>
               </a14:hiddenFill>
             </a:ext>
             <a:ext uri="{91240B29-F687-4f45-9708-019B960494DF}">
-              <a14:hiddenLine xmlns:a14="http://schemas.microsoft.com/office/drawing/2010/main" xmlns="" w="9525">
+              <a14:hiddenLine xmlns="" xmlns:a14="http://schemas.microsoft.com/office/drawing/2010/main" w="9525">
                 <a:solidFill>
                   <a:srgbClr val="000000"/>
                 </a:solidFill>
@@ -5660,7 +5643,7 @@
           </a:lstStyle>
           <a:p>
             <a:r>
-              <a:rPr lang="en-US" noProof="0" dirty="0" smtClean="0">
+              <a:rPr lang="en-US" noProof="0" dirty="0">
                 <a:sym typeface="Open Sans Extrabold" charset="0"/>
               </a:rPr>
               <a:t>Click to edit Master title style</a:t>
@@ -5752,38 +5735,37 @@
           <a:p>
             <a:pPr lvl="0"/>
             <a:r>
-              <a:rPr lang="en-US" dirty="0" smtClean="0"/>
+              <a:rPr lang="en-US" dirty="0"/>
               <a:t>Click to edit Master text styles</a:t>
             </a:r>
           </a:p>
           <a:p>
             <a:pPr lvl="1"/>
             <a:r>
-              <a:rPr lang="en-US" dirty="0" smtClean="0"/>
+              <a:rPr lang="en-US" dirty="0"/>
               <a:t>Second level</a:t>
             </a:r>
           </a:p>
           <a:p>
             <a:pPr lvl="2"/>
             <a:r>
-              <a:rPr lang="en-US" dirty="0" smtClean="0"/>
+              <a:rPr lang="en-US" dirty="0"/>
               <a:t>Third level</a:t>
             </a:r>
           </a:p>
           <a:p>
             <a:pPr lvl="3"/>
             <a:r>
-              <a:rPr lang="en-US" dirty="0" smtClean="0"/>
+              <a:rPr lang="en-US" dirty="0"/>
               <a:t>Fourth level</a:t>
             </a:r>
           </a:p>
           <a:p>
             <a:pPr lvl="4"/>
             <a:r>
-              <a:rPr lang="en-US" dirty="0" smtClean="0"/>
+              <a:rPr lang="en-US" dirty="0"/>
               <a:t>Fifth level</a:t>
             </a:r>
-            <a:endParaRPr lang="en-US" dirty="0"/>
           </a:p>
         </p:txBody>
       </p:sp>
@@ -5872,10 +5854,9 @@
           <a:lstStyle/>
           <a:p>
             <a:r>
-              <a:rPr lang="en-US" dirty="0" smtClean="0"/>
+              <a:rPr lang="en-US" dirty="0"/>
               <a:t>Click to edit Master title style</a:t>
             </a:r>
-            <a:endParaRPr lang="en-US" dirty="0"/>
           </a:p>
         </p:txBody>
       </p:sp>
@@ -5947,38 +5928,37 @@
           <a:p>
             <a:pPr lvl="0"/>
             <a:r>
-              <a:rPr lang="en-US" dirty="0" smtClean="0"/>
+              <a:rPr lang="en-US" dirty="0"/>
               <a:t>Click to edit Master text styles</a:t>
             </a:r>
           </a:p>
           <a:p>
             <a:pPr lvl="1"/>
             <a:r>
-              <a:rPr lang="en-US" dirty="0" smtClean="0"/>
+              <a:rPr lang="en-US" dirty="0"/>
               <a:t>Second level</a:t>
             </a:r>
           </a:p>
           <a:p>
             <a:pPr lvl="2"/>
             <a:r>
-              <a:rPr lang="en-US" dirty="0" smtClean="0"/>
+              <a:rPr lang="en-US" dirty="0"/>
               <a:t>Third level</a:t>
             </a:r>
           </a:p>
           <a:p>
             <a:pPr lvl="3"/>
             <a:r>
-              <a:rPr lang="en-US" dirty="0" smtClean="0"/>
+              <a:rPr lang="en-US" dirty="0"/>
               <a:t>Fourth level</a:t>
             </a:r>
           </a:p>
           <a:p>
             <a:pPr lvl="4"/>
             <a:r>
-              <a:rPr lang="en-US" dirty="0" smtClean="0"/>
+              <a:rPr lang="en-US" dirty="0"/>
               <a:t>Fifth level</a:t>
             </a:r>
-            <a:endParaRPr lang="en-US" dirty="0"/>
           </a:p>
         </p:txBody>
       </p:sp>
@@ -6075,7 +6055,7 @@
           </a:ln>
           <a:extLst>
             <a:ext uri="{909E8E84-426E-40dd-AFC4-6F175D3DCCD1}">
-              <a14:hiddenFill xmlns:a14="http://schemas.microsoft.com/office/drawing/2010/main" xmlns="">
+              <a14:hiddenFill xmlns="" xmlns:a14="http://schemas.microsoft.com/office/drawing/2010/main">
                 <a:noFill/>
               </a14:hiddenFill>
             </a:ext>
@@ -6105,7 +6085,7 @@
           <a:lstStyle/>
           <a:p>
             <a:r>
-              <a:rPr lang="zh-Hans" altLang="en-US" smtClean="0"/>
+              <a:rPr lang="zh-Hans" altLang="en-US"/>
               <a:t>单击此处编辑母版标题样式</a:t>
             </a:r>
             <a:endParaRPr lang="en-US"/>
@@ -6147,35 +6127,35 @@
           <a:p>
             <a:pPr lvl="0"/>
             <a:r>
-              <a:rPr lang="zh-Hans" altLang="en-US" smtClean="0"/>
+              <a:rPr lang="zh-Hans" altLang="en-US"/>
               <a:t>单击此处编辑母版文本样式</a:t>
             </a:r>
           </a:p>
           <a:p>
             <a:pPr lvl="1"/>
             <a:r>
-              <a:rPr lang="zh-Hans" altLang="en-US" smtClean="0"/>
+              <a:rPr lang="zh-Hans" altLang="en-US"/>
               <a:t>第二级</a:t>
             </a:r>
           </a:p>
           <a:p>
             <a:pPr lvl="2"/>
             <a:r>
-              <a:rPr lang="zh-Hans" altLang="en-US" smtClean="0"/>
+              <a:rPr lang="zh-Hans" altLang="en-US"/>
               <a:t>第三级</a:t>
             </a:r>
           </a:p>
           <a:p>
             <a:pPr lvl="3"/>
             <a:r>
-              <a:rPr lang="zh-Hans" altLang="en-US" smtClean="0"/>
+              <a:rPr lang="zh-Hans" altLang="en-US"/>
               <a:t>第四级</a:t>
             </a:r>
           </a:p>
           <a:p>
             <a:pPr lvl="4"/>
             <a:r>
-              <a:rPr lang="zh-Hans" altLang="en-US" smtClean="0"/>
+              <a:rPr lang="zh-Hans" altLang="en-US"/>
               <a:t>第五级</a:t>
             </a:r>
             <a:endParaRPr lang="en-US" dirty="0"/>
@@ -6326,38 +6306,37 @@
           <a:p>
             <a:pPr lvl="0"/>
             <a:r>
-              <a:rPr lang="en-US" dirty="0" smtClean="0"/>
+              <a:rPr lang="en-US" dirty="0"/>
               <a:t>Click to edit Master text styles</a:t>
             </a:r>
           </a:p>
           <a:p>
             <a:pPr lvl="1"/>
             <a:r>
-              <a:rPr lang="en-US" dirty="0" smtClean="0"/>
+              <a:rPr lang="en-US" dirty="0"/>
               <a:t>Second level</a:t>
             </a:r>
           </a:p>
           <a:p>
             <a:pPr lvl="2"/>
             <a:r>
-              <a:rPr lang="en-US" dirty="0" smtClean="0"/>
+              <a:rPr lang="en-US" dirty="0"/>
               <a:t>Third level</a:t>
             </a:r>
           </a:p>
           <a:p>
             <a:pPr lvl="3"/>
             <a:r>
-              <a:rPr lang="en-US" dirty="0" smtClean="0"/>
+              <a:rPr lang="en-US" dirty="0"/>
               <a:t>Fourth level</a:t>
             </a:r>
           </a:p>
           <a:p>
             <a:pPr lvl="4"/>
             <a:r>
-              <a:rPr lang="en-US" dirty="0" smtClean="0"/>
+              <a:rPr lang="en-US" dirty="0"/>
               <a:t>Fifth level</a:t>
             </a:r>
-            <a:endParaRPr lang="en-US" dirty="0"/>
           </a:p>
         </p:txBody>
       </p:sp>
@@ -6454,7 +6433,7 @@
           </a:ln>
           <a:extLst>
             <a:ext uri="{909E8E84-426E-40dd-AFC4-6F175D3DCCD1}">
-              <a14:hiddenFill xmlns:a14="http://schemas.microsoft.com/office/drawing/2010/main" xmlns="">
+              <a14:hiddenFill xmlns="" xmlns:a14="http://schemas.microsoft.com/office/drawing/2010/main">
                 <a:noFill/>
               </a14:hiddenFill>
             </a:ext>
@@ -6495,7 +6474,7 @@
           </a:ln>
           <a:extLst>
             <a:ext uri="{909E8E84-426E-40dd-AFC4-6F175D3DCCD1}">
-              <a14:hiddenFill xmlns:a14="http://schemas.microsoft.com/office/drawing/2010/main" xmlns="">
+              <a14:hiddenFill xmlns="" xmlns:a14="http://schemas.microsoft.com/office/drawing/2010/main">
                 <a:noFill/>
               </a14:hiddenFill>
             </a:ext>
@@ -6534,10 +6513,9 @@
           </a:lstStyle>
           <a:p>
             <a:r>
-              <a:rPr lang="en-US" dirty="0" smtClean="0"/>
+              <a:rPr lang="en-US" dirty="0"/>
               <a:t>Click to edit Master title style</a:t>
             </a:r>
-            <a:endParaRPr lang="en-US" dirty="0"/>
           </a:p>
         </p:txBody>
       </p:sp>
@@ -6706,7 +6684,7 @@
           </a:ln>
           <a:extLst>
             <a:ext uri="{909E8E84-426E-40dd-AFC4-6F175D3DCCD1}">
-              <a14:hiddenFill xmlns:a14="http://schemas.microsoft.com/office/drawing/2010/main" xmlns="">
+              <a14:hiddenFill xmlns="" xmlns:a14="http://schemas.microsoft.com/office/drawing/2010/main">
                 <a:noFill/>
               </a14:hiddenFill>
             </a:ext>
@@ -6755,14 +6733,14 @@
           </a:ln>
           <a:extLst>
             <a:ext uri="{909E8E84-426E-40dd-AFC4-6F175D3DCCD1}">
-              <a14:hiddenFill xmlns:a14="http://schemas.microsoft.com/office/drawing/2010/main" xmlns="">
+              <a14:hiddenFill xmlns="" xmlns:a14="http://schemas.microsoft.com/office/drawing/2010/main">
                 <a:solidFill>
                   <a:srgbClr val="FFFFFF"/>
                 </a:solidFill>
               </a14:hiddenFill>
             </a:ext>
             <a:ext uri="{91240B29-F687-4f45-9708-019B960494DF}">
-              <a14:hiddenLine xmlns:a14="http://schemas.microsoft.com/office/drawing/2010/main" xmlns="" w="9525">
+              <a14:hiddenLine xmlns="" xmlns:a14="http://schemas.microsoft.com/office/drawing/2010/main" w="9525">
                 <a:solidFill>
                   <a:srgbClr val="000000"/>
                 </a:solidFill>
@@ -6805,10 +6783,9 @@
           </a:lstStyle>
           <a:p>
             <a:r>
-              <a:rPr lang="en-US" dirty="0" smtClean="0"/>
+              <a:rPr lang="en-US" dirty="0"/>
               <a:t>Click to edit Master title style</a:t>
             </a:r>
-            <a:endParaRPr lang="en-US" dirty="0"/>
           </a:p>
         </p:txBody>
       </p:sp>
@@ -6900,38 +6877,37 @@
           <a:p>
             <a:pPr lvl="0"/>
             <a:r>
-              <a:rPr lang="en-US" dirty="0" smtClean="0"/>
+              <a:rPr lang="en-US" dirty="0"/>
               <a:t>Click to edit Master text styles</a:t>
             </a:r>
           </a:p>
           <a:p>
             <a:pPr lvl="1"/>
             <a:r>
-              <a:rPr lang="en-US" dirty="0" smtClean="0"/>
+              <a:rPr lang="en-US" dirty="0"/>
               <a:t>Second level</a:t>
             </a:r>
           </a:p>
           <a:p>
             <a:pPr lvl="2"/>
             <a:r>
-              <a:rPr lang="en-US" dirty="0" smtClean="0"/>
+              <a:rPr lang="en-US" dirty="0"/>
               <a:t>Third level</a:t>
             </a:r>
           </a:p>
           <a:p>
             <a:pPr lvl="3"/>
             <a:r>
-              <a:rPr lang="en-US" dirty="0" smtClean="0"/>
+              <a:rPr lang="en-US" dirty="0"/>
               <a:t>Fourth level</a:t>
             </a:r>
           </a:p>
           <a:p>
             <a:pPr lvl="4"/>
             <a:r>
-              <a:rPr lang="en-US" dirty="0" smtClean="0"/>
+              <a:rPr lang="en-US" dirty="0"/>
               <a:t>Fifth level</a:t>
             </a:r>
-            <a:endParaRPr lang="en-US" dirty="0"/>
           </a:p>
         </p:txBody>
       </p:sp>
@@ -6993,7 +6969,7 @@
           </a:ln>
           <a:extLst>
             <a:ext uri="{909E8E84-426E-40dd-AFC4-6F175D3DCCD1}">
-              <a14:hiddenFill xmlns:a14="http://schemas.microsoft.com/office/drawing/2010/main" xmlns="">
+              <a14:hiddenFill xmlns="" xmlns:a14="http://schemas.microsoft.com/office/drawing/2010/main">
                 <a:noFill/>
               </a14:hiddenFill>
             </a:ext>
@@ -7023,7 +6999,7 @@
           <a:lstStyle/>
           <a:p>
             <a:r>
-              <a:rPr lang="zh-Hans" altLang="en-US" smtClean="0"/>
+              <a:rPr lang="zh-Hans" altLang="en-US"/>
               <a:t>单击此处编辑母版标题样式</a:t>
             </a:r>
             <a:endParaRPr lang="en-US"/>
@@ -7118,35 +7094,35 @@
           <a:p>
             <a:pPr lvl="0"/>
             <a:r>
-              <a:rPr lang="zh-Hans" altLang="en-US" smtClean="0"/>
+              <a:rPr lang="zh-Hans" altLang="en-US"/>
               <a:t>单击此处编辑母版文本样式</a:t>
             </a:r>
           </a:p>
           <a:p>
             <a:pPr lvl="1"/>
             <a:r>
-              <a:rPr lang="zh-Hans" altLang="en-US" smtClean="0"/>
+              <a:rPr lang="zh-Hans" altLang="en-US"/>
               <a:t>第二级</a:t>
             </a:r>
           </a:p>
           <a:p>
             <a:pPr lvl="2"/>
             <a:r>
-              <a:rPr lang="zh-Hans" altLang="en-US" smtClean="0"/>
+              <a:rPr lang="zh-Hans" altLang="en-US"/>
               <a:t>第三级</a:t>
             </a:r>
           </a:p>
           <a:p>
             <a:pPr lvl="3"/>
             <a:r>
-              <a:rPr lang="zh-Hans" altLang="en-US" smtClean="0"/>
+              <a:rPr lang="zh-Hans" altLang="en-US"/>
               <a:t>第四级</a:t>
             </a:r>
           </a:p>
           <a:p>
             <a:pPr lvl="4"/>
             <a:r>
-              <a:rPr lang="zh-Hans" altLang="en-US" smtClean="0"/>
+              <a:rPr lang="zh-Hans" altLang="en-US"/>
               <a:t>第五级</a:t>
             </a:r>
             <a:endParaRPr lang="en-US" dirty="0"/>
@@ -7244,7 +7220,7 @@
           </a:ln>
           <a:extLst>
             <a:ext uri="{909E8E84-426E-40dd-AFC4-6F175D3DCCD1}">
-              <a14:hiddenFill xmlns:a14="http://schemas.microsoft.com/office/drawing/2010/main" xmlns="">
+              <a14:hiddenFill xmlns="" xmlns:a14="http://schemas.microsoft.com/office/drawing/2010/main">
                 <a:noFill/>
               </a14:hiddenFill>
             </a:ext>
@@ -7293,14 +7269,14 @@
           </a:ln>
           <a:extLst>
             <a:ext uri="{909E8E84-426E-40dd-AFC4-6F175D3DCCD1}">
-              <a14:hiddenFill xmlns:a14="http://schemas.microsoft.com/office/drawing/2010/main" xmlns="">
+              <a14:hiddenFill xmlns="" xmlns:a14="http://schemas.microsoft.com/office/drawing/2010/main">
                 <a:solidFill>
                   <a:srgbClr val="FFFFFF"/>
                 </a:solidFill>
               </a14:hiddenFill>
             </a:ext>
             <a:ext uri="{91240B29-F687-4f45-9708-019B960494DF}">
-              <a14:hiddenLine xmlns:a14="http://schemas.microsoft.com/office/drawing/2010/main" xmlns="" w="9525">
+              <a14:hiddenLine xmlns="" xmlns:a14="http://schemas.microsoft.com/office/drawing/2010/main" w="9525">
                 <a:solidFill>
                   <a:srgbClr val="000000"/>
                 </a:solidFill>
@@ -7351,7 +7327,7 @@
           </a:lstStyle>
           <a:p>
             <a:r>
-              <a:rPr lang="zh-Hans" altLang="en-US" noProof="0" smtClean="0">
+              <a:rPr lang="zh-Hans" altLang="en-US" noProof="0">
                 <a:sym typeface="Open Sans Extrabold" charset="0"/>
               </a:rPr>
               <a:t>单击此处编辑母版标题样式</a:t>
@@ -7428,35 +7404,35 @@
           <a:p>
             <a:pPr lvl="0"/>
             <a:r>
-              <a:rPr lang="zh-Hans" altLang="en-US" smtClean="0"/>
+              <a:rPr lang="zh-Hans" altLang="en-US"/>
               <a:t>单击此处编辑母版文本样式</a:t>
             </a:r>
           </a:p>
           <a:p>
             <a:pPr lvl="1"/>
             <a:r>
-              <a:rPr lang="zh-Hans" altLang="en-US" smtClean="0"/>
+              <a:rPr lang="zh-Hans" altLang="en-US"/>
               <a:t>第二级</a:t>
             </a:r>
           </a:p>
           <a:p>
             <a:pPr lvl="2"/>
             <a:r>
-              <a:rPr lang="zh-Hans" altLang="en-US" smtClean="0"/>
+              <a:rPr lang="zh-Hans" altLang="en-US"/>
               <a:t>第三级</a:t>
             </a:r>
           </a:p>
           <a:p>
             <a:pPr lvl="3"/>
             <a:r>
-              <a:rPr lang="zh-Hans" altLang="en-US" smtClean="0"/>
+              <a:rPr lang="zh-Hans" altLang="en-US"/>
               <a:t>第四级</a:t>
             </a:r>
           </a:p>
           <a:p>
             <a:pPr lvl="4"/>
             <a:r>
-              <a:rPr lang="zh-Hans" altLang="en-US" smtClean="0"/>
+              <a:rPr lang="zh-Hans" altLang="en-US"/>
               <a:t>第五级</a:t>
             </a:r>
             <a:endParaRPr lang="en-US" dirty="0"/>
@@ -7562,7 +7538,7 @@
           </a:ln>
           <a:extLst>
             <a:ext uri="{909E8E84-426E-40dd-AFC4-6F175D3DCCD1}">
-              <a14:hiddenFill xmlns:a14="http://schemas.microsoft.com/office/drawing/2010/main" xmlns="">
+              <a14:hiddenFill xmlns="" xmlns:a14="http://schemas.microsoft.com/office/drawing/2010/main">
                 <a:noFill/>
               </a14:hiddenFill>
             </a:ext>
@@ -7611,14 +7587,14 @@
           </a:ln>
           <a:extLst>
             <a:ext uri="{909E8E84-426E-40dd-AFC4-6F175D3DCCD1}">
-              <a14:hiddenFill xmlns:a14="http://schemas.microsoft.com/office/drawing/2010/main" xmlns="">
+              <a14:hiddenFill xmlns="" xmlns:a14="http://schemas.microsoft.com/office/drawing/2010/main">
                 <a:solidFill>
                   <a:srgbClr val="FFFFFF"/>
                 </a:solidFill>
               </a14:hiddenFill>
             </a:ext>
             <a:ext uri="{91240B29-F687-4f45-9708-019B960494DF}">
-              <a14:hiddenLine xmlns:a14="http://schemas.microsoft.com/office/drawing/2010/main" xmlns="" w="9525">
+              <a14:hiddenLine xmlns="" xmlns:a14="http://schemas.microsoft.com/office/drawing/2010/main" w="9525">
                 <a:solidFill>
                   <a:srgbClr val="000000"/>
                 </a:solidFill>
@@ -7673,7 +7649,7 @@
           </a:lstStyle>
           <a:p>
             <a:r>
-              <a:rPr lang="zh-Hans" altLang="en-US" noProof="0" smtClean="0">
+              <a:rPr lang="zh-Hans" altLang="en-US" noProof="0">
                 <a:sym typeface="Open Sans Extrabold" charset="0"/>
               </a:rPr>
               <a:t>单击此处编辑母版标题样式</a:t>
@@ -7765,35 +7741,35 @@
           <a:p>
             <a:pPr lvl="0"/>
             <a:r>
-              <a:rPr lang="zh-Hans" altLang="en-US" smtClean="0"/>
+              <a:rPr lang="zh-Hans" altLang="en-US"/>
               <a:t>单击此处编辑母版文本样式</a:t>
             </a:r>
           </a:p>
           <a:p>
             <a:pPr lvl="1"/>
             <a:r>
-              <a:rPr lang="zh-Hans" altLang="en-US" smtClean="0"/>
+              <a:rPr lang="zh-Hans" altLang="en-US"/>
               <a:t>第二级</a:t>
             </a:r>
           </a:p>
           <a:p>
             <a:pPr lvl="2"/>
             <a:r>
-              <a:rPr lang="zh-Hans" altLang="en-US" smtClean="0"/>
+              <a:rPr lang="zh-Hans" altLang="en-US"/>
               <a:t>第三级</a:t>
             </a:r>
           </a:p>
           <a:p>
             <a:pPr lvl="3"/>
             <a:r>
-              <a:rPr lang="zh-Hans" altLang="en-US" smtClean="0"/>
+              <a:rPr lang="zh-Hans" altLang="en-US"/>
               <a:t>第四级</a:t>
             </a:r>
           </a:p>
           <a:p>
             <a:pPr lvl="4"/>
             <a:r>
-              <a:rPr lang="zh-Hans" altLang="en-US" smtClean="0"/>
+              <a:rPr lang="zh-Hans" altLang="en-US"/>
               <a:t>第五级</a:t>
             </a:r>
             <a:endParaRPr lang="en-US" dirty="0"/>
@@ -7885,7 +7861,7 @@
           <a:lstStyle/>
           <a:p>
             <a:r>
-              <a:rPr lang="zh-Hans" altLang="en-US" smtClean="0"/>
+              <a:rPr lang="zh-Hans" altLang="en-US"/>
               <a:t>单击此处编辑母版标题样式</a:t>
             </a:r>
             <a:endParaRPr lang="en-US" dirty="0"/>
@@ -7945,35 +7921,35 @@
           <a:p>
             <a:pPr lvl="0"/>
             <a:r>
-              <a:rPr lang="zh-Hans" altLang="en-US" smtClean="0"/>
+              <a:rPr lang="zh-Hans" altLang="en-US"/>
               <a:t>单击此处编辑母版文本样式</a:t>
             </a:r>
           </a:p>
           <a:p>
             <a:pPr lvl="1"/>
             <a:r>
-              <a:rPr lang="zh-Hans" altLang="en-US" smtClean="0"/>
+              <a:rPr lang="zh-Hans" altLang="en-US"/>
               <a:t>第二级</a:t>
             </a:r>
           </a:p>
           <a:p>
             <a:pPr lvl="2"/>
             <a:r>
-              <a:rPr lang="zh-Hans" altLang="en-US" smtClean="0"/>
+              <a:rPr lang="zh-Hans" altLang="en-US"/>
               <a:t>第三级</a:t>
             </a:r>
           </a:p>
           <a:p>
             <a:pPr lvl="3"/>
             <a:r>
-              <a:rPr lang="zh-Hans" altLang="en-US" smtClean="0"/>
+              <a:rPr lang="zh-Hans" altLang="en-US"/>
               <a:t>第四级</a:t>
             </a:r>
           </a:p>
           <a:p>
             <a:pPr lvl="4"/>
             <a:r>
-              <a:rPr lang="zh-Hans" altLang="en-US" smtClean="0"/>
+              <a:rPr lang="zh-Hans" altLang="en-US"/>
               <a:t>第五级</a:t>
             </a:r>
             <a:endParaRPr lang="en-US" dirty="0"/>
@@ -8126,35 +8102,35 @@
           <a:p>
             <a:pPr lvl="0"/>
             <a:r>
-              <a:rPr lang="zh-Hans" altLang="en-US" smtClean="0"/>
+              <a:rPr lang="zh-Hans" altLang="en-US"/>
               <a:t>单击此处编辑母版文本样式</a:t>
             </a:r>
           </a:p>
           <a:p>
             <a:pPr lvl="1"/>
             <a:r>
-              <a:rPr lang="zh-Hans" altLang="en-US" smtClean="0"/>
+              <a:rPr lang="zh-Hans" altLang="en-US"/>
               <a:t>第二级</a:t>
             </a:r>
           </a:p>
           <a:p>
             <a:pPr lvl="2"/>
             <a:r>
-              <a:rPr lang="zh-Hans" altLang="en-US" smtClean="0"/>
+              <a:rPr lang="zh-Hans" altLang="en-US"/>
               <a:t>第三级</a:t>
             </a:r>
           </a:p>
           <a:p>
             <a:pPr lvl="3"/>
             <a:r>
-              <a:rPr lang="zh-Hans" altLang="en-US" smtClean="0"/>
+              <a:rPr lang="zh-Hans" altLang="en-US"/>
               <a:t>第四级</a:t>
             </a:r>
           </a:p>
           <a:p>
             <a:pPr lvl="4"/>
             <a:r>
-              <a:rPr lang="zh-Hans" altLang="en-US" smtClean="0"/>
+              <a:rPr lang="zh-Hans" altLang="en-US"/>
               <a:t>第五级</a:t>
             </a:r>
             <a:endParaRPr lang="en-US" dirty="0"/>
@@ -8254,7 +8230,7 @@
           </a:ln>
           <a:extLst>
             <a:ext uri="{909E8E84-426E-40dd-AFC4-6F175D3DCCD1}">
-              <a14:hiddenFill xmlns:a14="http://schemas.microsoft.com/office/drawing/2010/main" xmlns="">
+              <a14:hiddenFill xmlns="" xmlns:a14="http://schemas.microsoft.com/office/drawing/2010/main">
                 <a:noFill/>
               </a14:hiddenFill>
             </a:ext>
@@ -8295,7 +8271,7 @@
           </a:ln>
           <a:extLst>
             <a:ext uri="{909E8E84-426E-40dd-AFC4-6F175D3DCCD1}">
-              <a14:hiddenFill xmlns:a14="http://schemas.microsoft.com/office/drawing/2010/main" xmlns="">
+              <a14:hiddenFill xmlns="" xmlns:a14="http://schemas.microsoft.com/office/drawing/2010/main">
                 <a:noFill/>
               </a14:hiddenFill>
             </a:ext>
@@ -8334,7 +8310,7 @@
           </a:lstStyle>
           <a:p>
             <a:r>
-              <a:rPr lang="zh-Hans" altLang="en-US" smtClean="0"/>
+              <a:rPr lang="zh-Hans" altLang="en-US"/>
               <a:t>单击此处编辑母版标题样式</a:t>
             </a:r>
             <a:endParaRPr lang="en-US" dirty="0"/>
@@ -8438,17 +8414,17 @@
           <a:effectLst/>
           <a:extLst>
             <a:ext uri="{FAA26D3D-D897-4be2-8F04-BA451C77F1D7}">
-              <ma14:placeholderFlag xmlns="" xmlns:ma14="http://schemas.microsoft.com/office/mac/drawingml/2011/main" val="1"/>
+              <ma14:placeholderFlag xmlns:ma14="http://schemas.microsoft.com/office/mac/drawingml/2011/main" xmlns="" val="1"/>
             </a:ext>
             <a:ext uri="{909E8E84-426E-40dd-AFC4-6F175D3DCCD1}">
-              <a14:hiddenFill xmlns:a14="http://schemas.microsoft.com/office/drawing/2010/main" xmlns="">
+              <a14:hiddenFill xmlns="" xmlns:a14="http://schemas.microsoft.com/office/drawing/2010/main">
                 <a:solidFill>
                   <a:srgbClr val="FFFFFF"/>
                 </a:solidFill>
               </a14:hiddenFill>
             </a:ext>
             <a:ext uri="{91240B29-F687-4f45-9708-019B960494DF}">
-              <a14:hiddenLine xmlns:a14="http://schemas.microsoft.com/office/drawing/2010/main" xmlns="" w="12700">
+              <a14:hiddenLine xmlns="" xmlns:a14="http://schemas.microsoft.com/office/drawing/2010/main" w="12700">
                 <a:solidFill>
                   <a:schemeClr val="tx1"/>
                 </a:solidFill>
@@ -8458,7 +8434,7 @@
               </a14:hiddenLine>
             </a:ext>
             <a:ext uri="{AF507438-7753-43e0-B8FC-AC1667EBCBE1}">
-              <a14:hiddenEffects xmlns:a14="http://schemas.microsoft.com/office/drawing/2010/main" xmlns="">
+              <a14:hiddenEffects xmlns="" xmlns:a14="http://schemas.microsoft.com/office/drawing/2010/main">
                 <a:effectLst>
                   <a:outerShdw blurRad="63500" dist="38099" dir="2700000" algn="ctr" rotWithShape="0">
                     <a:srgbClr val="000000">
@@ -8480,7 +8456,7 @@
           <a:p>
             <a:pPr lvl="0"/>
             <a:r>
-              <a:rPr lang="zh-Hans" altLang="en-US" smtClean="0">
+              <a:rPr lang="zh-Hans" altLang="en-US">
                 <a:sym typeface="Open Sans Extrabold" charset="0"/>
               </a:rPr>
               <a:t>单击此处编辑母版标题样式</a:t>
@@ -8516,17 +8492,17 @@
           <a:effectLst/>
           <a:extLst>
             <a:ext uri="{FAA26D3D-D897-4be2-8F04-BA451C77F1D7}">
-              <ma14:placeholderFlag xmlns="" xmlns:ma14="http://schemas.microsoft.com/office/mac/drawingml/2011/main" val="1"/>
+              <ma14:placeholderFlag xmlns:ma14="http://schemas.microsoft.com/office/mac/drawingml/2011/main" xmlns="" val="1"/>
             </a:ext>
             <a:ext uri="{909E8E84-426E-40dd-AFC4-6F175D3DCCD1}">
-              <a14:hiddenFill xmlns:a14="http://schemas.microsoft.com/office/drawing/2010/main" xmlns="">
+              <a14:hiddenFill xmlns="" xmlns:a14="http://schemas.microsoft.com/office/drawing/2010/main">
                 <a:solidFill>
                   <a:srgbClr val="FFFFFF"/>
                 </a:solidFill>
               </a14:hiddenFill>
             </a:ext>
             <a:ext uri="{91240B29-F687-4f45-9708-019B960494DF}">
-              <a14:hiddenLine xmlns:a14="http://schemas.microsoft.com/office/drawing/2010/main" xmlns="" w="12700">
+              <a14:hiddenLine xmlns="" xmlns:a14="http://schemas.microsoft.com/office/drawing/2010/main" w="12700">
                 <a:solidFill>
                   <a:schemeClr val="tx1"/>
                 </a:solidFill>
@@ -8536,7 +8512,7 @@
               </a14:hiddenLine>
             </a:ext>
             <a:ext uri="{AF507438-7753-43e0-B8FC-AC1667EBCBE1}">
-              <a14:hiddenEffects xmlns:a14="http://schemas.microsoft.com/office/drawing/2010/main" xmlns="">
+              <a14:hiddenEffects xmlns="" xmlns:a14="http://schemas.microsoft.com/office/drawing/2010/main">
                 <a:effectLst>
                   <a:outerShdw blurRad="63500" dist="38099" dir="2700000" algn="ctr" rotWithShape="0">
                     <a:srgbClr val="000000">
@@ -8558,7 +8534,7 @@
           <a:p>
             <a:pPr lvl="0"/>
             <a:r>
-              <a:rPr lang="zh-Hans" altLang="en-US" smtClean="0">
+              <a:rPr lang="zh-Hans" altLang="en-US">
                 <a:sym typeface="Open Sans Light" charset="0"/>
               </a:rPr>
               <a:t>单击此处编辑母版文本样式</a:t>
@@ -8567,7 +8543,7 @@
           <a:p>
             <a:pPr lvl="1"/>
             <a:r>
-              <a:rPr lang="zh-Hans" altLang="en-US" smtClean="0">
+              <a:rPr lang="zh-Hans" altLang="en-US">
                 <a:sym typeface="Open Sans Light" charset="0"/>
               </a:rPr>
               <a:t>第二级</a:t>
@@ -8576,7 +8552,7 @@
           <a:p>
             <a:pPr lvl="2"/>
             <a:r>
-              <a:rPr lang="zh-Hans" altLang="en-US" smtClean="0">
+              <a:rPr lang="zh-Hans" altLang="en-US">
                 <a:sym typeface="Open Sans Light" charset="0"/>
               </a:rPr>
               <a:t>第三级</a:t>
@@ -8585,7 +8561,7 @@
           <a:p>
             <a:pPr lvl="3"/>
             <a:r>
-              <a:rPr lang="zh-Hans" altLang="en-US" smtClean="0">
+              <a:rPr lang="zh-Hans" altLang="en-US">
                 <a:sym typeface="Open Sans Light" charset="0"/>
               </a:rPr>
               <a:t>第四级</a:t>
@@ -8594,7 +8570,7 @@
           <a:p>
             <a:pPr lvl="4"/>
             <a:r>
-              <a:rPr lang="zh-Hans" altLang="en-US" smtClean="0">
+              <a:rPr lang="zh-Hans" altLang="en-US">
                 <a:sym typeface="Open Sans Light" charset="0"/>
               </a:rPr>
               <a:t>第五级</a:t>
@@ -8630,14 +8606,14 @@
           <a:effectLst/>
           <a:extLst>
             <a:ext uri="{909E8E84-426E-40dd-AFC4-6F175D3DCCD1}">
-              <a14:hiddenFill xmlns:a14="http://schemas.microsoft.com/office/drawing/2010/main" xmlns="">
+              <a14:hiddenFill xmlns="" xmlns:a14="http://schemas.microsoft.com/office/drawing/2010/main">
                 <a:solidFill>
                   <a:srgbClr val="FFFFFF"/>
                 </a:solidFill>
               </a14:hiddenFill>
             </a:ext>
             <a:ext uri="{91240B29-F687-4f45-9708-019B960494DF}">
-              <a14:hiddenLine xmlns:a14="http://schemas.microsoft.com/office/drawing/2010/main" xmlns="" w="12700">
+              <a14:hiddenLine xmlns="" xmlns:a14="http://schemas.microsoft.com/office/drawing/2010/main" w="12700">
                 <a:solidFill>
                   <a:schemeClr val="tx1"/>
                 </a:solidFill>
@@ -8647,7 +8623,7 @@
               </a14:hiddenLine>
             </a:ext>
             <a:ext uri="{AF507438-7753-43e0-B8FC-AC1667EBCBE1}">
-              <a14:hiddenEffects xmlns:a14="http://schemas.microsoft.com/office/drawing/2010/main" xmlns="">
+              <a14:hiddenEffects xmlns="" xmlns:a14="http://schemas.microsoft.com/office/drawing/2010/main">
                 <a:effectLst>
                   <a:outerShdw blurRad="63500" dist="38099" dir="2700000" algn="ctr" rotWithShape="0">
                     <a:srgbClr val="000000">
@@ -9333,17 +9309,17 @@
           <a:effectLst/>
           <a:extLst>
             <a:ext uri="{FAA26D3D-D897-4be2-8F04-BA451C77F1D7}">
-              <ma14:placeholderFlag xmlns="" xmlns:ma14="http://schemas.microsoft.com/office/mac/drawingml/2011/main" val="1"/>
+              <ma14:placeholderFlag xmlns:ma14="http://schemas.microsoft.com/office/mac/drawingml/2011/main" xmlns="" val="1"/>
             </a:ext>
             <a:ext uri="{909E8E84-426E-40dd-AFC4-6F175D3DCCD1}">
-              <a14:hiddenFill xmlns:a14="http://schemas.microsoft.com/office/drawing/2010/main" xmlns="">
+              <a14:hiddenFill xmlns="" xmlns:a14="http://schemas.microsoft.com/office/drawing/2010/main">
                 <a:solidFill>
                   <a:srgbClr val="FFFFFF"/>
                 </a:solidFill>
               </a14:hiddenFill>
             </a:ext>
             <a:ext uri="{91240B29-F687-4f45-9708-019B960494DF}">
-              <a14:hiddenLine xmlns:a14="http://schemas.microsoft.com/office/drawing/2010/main" xmlns="" w="12700">
+              <a14:hiddenLine xmlns="" xmlns:a14="http://schemas.microsoft.com/office/drawing/2010/main" w="12700">
                 <a:solidFill>
                   <a:schemeClr val="tx1"/>
                 </a:solidFill>
@@ -9353,7 +9329,7 @@
               </a14:hiddenLine>
             </a:ext>
             <a:ext uri="{AF507438-7753-43e0-B8FC-AC1667EBCBE1}">
-              <a14:hiddenEffects xmlns:a14="http://schemas.microsoft.com/office/drawing/2010/main" xmlns="">
+              <a14:hiddenEffects xmlns="" xmlns:a14="http://schemas.microsoft.com/office/drawing/2010/main">
                 <a:effectLst>
                   <a:outerShdw blurRad="63500" dist="38099" dir="2700000" algn="ctr" rotWithShape="0">
                     <a:srgbClr val="000000">
@@ -9408,17 +9384,17 @@
           <a:effectLst/>
           <a:extLst>
             <a:ext uri="{FAA26D3D-D897-4be2-8F04-BA451C77F1D7}">
-              <ma14:placeholderFlag xmlns="" xmlns:ma14="http://schemas.microsoft.com/office/mac/drawingml/2011/main" val="1"/>
+              <ma14:placeholderFlag xmlns:ma14="http://schemas.microsoft.com/office/mac/drawingml/2011/main" xmlns="" val="1"/>
             </a:ext>
             <a:ext uri="{909E8E84-426E-40dd-AFC4-6F175D3DCCD1}">
-              <a14:hiddenFill xmlns:a14="http://schemas.microsoft.com/office/drawing/2010/main" xmlns="">
+              <a14:hiddenFill xmlns="" xmlns:a14="http://schemas.microsoft.com/office/drawing/2010/main">
                 <a:solidFill>
                   <a:srgbClr val="FFFFFF"/>
                 </a:solidFill>
               </a14:hiddenFill>
             </a:ext>
             <a:ext uri="{91240B29-F687-4f45-9708-019B960494DF}">
-              <a14:hiddenLine xmlns:a14="http://schemas.microsoft.com/office/drawing/2010/main" xmlns="" w="12700">
+              <a14:hiddenLine xmlns="" xmlns:a14="http://schemas.microsoft.com/office/drawing/2010/main" w="12700">
                 <a:solidFill>
                   <a:schemeClr val="tx1"/>
                 </a:solidFill>
@@ -9428,7 +9404,7 @@
               </a14:hiddenLine>
             </a:ext>
             <a:ext uri="{AF507438-7753-43e0-B8FC-AC1667EBCBE1}">
-              <a14:hiddenEffects xmlns:a14="http://schemas.microsoft.com/office/drawing/2010/main" xmlns="">
+              <a14:hiddenEffects xmlns="" xmlns:a14="http://schemas.microsoft.com/office/drawing/2010/main">
                 <a:effectLst>
                   <a:outerShdw blurRad="63500" dist="38099" dir="2700000" algn="ctr" rotWithShape="0">
                     <a:srgbClr val="000000">
@@ -9519,14 +9495,14 @@
           <a:effectLst/>
           <a:extLst>
             <a:ext uri="{909E8E84-426E-40dd-AFC4-6F175D3DCCD1}">
-              <a14:hiddenFill xmlns:a14="http://schemas.microsoft.com/office/drawing/2010/main" xmlns="">
+              <a14:hiddenFill xmlns="" xmlns:a14="http://schemas.microsoft.com/office/drawing/2010/main">
                 <a:solidFill>
                   <a:srgbClr val="FFFFFF"/>
                 </a:solidFill>
               </a14:hiddenFill>
             </a:ext>
             <a:ext uri="{91240B29-F687-4f45-9708-019B960494DF}">
-              <a14:hiddenLine xmlns:a14="http://schemas.microsoft.com/office/drawing/2010/main" xmlns="" w="12700">
+              <a14:hiddenLine xmlns="" xmlns:a14="http://schemas.microsoft.com/office/drawing/2010/main" w="12700">
                 <a:solidFill>
                   <a:schemeClr val="tx1"/>
                 </a:solidFill>
@@ -9536,7 +9512,7 @@
               </a14:hiddenLine>
             </a:ext>
             <a:ext uri="{AF507438-7753-43e0-B8FC-AC1667EBCBE1}">
-              <a14:hiddenEffects xmlns:a14="http://schemas.microsoft.com/office/drawing/2010/main" xmlns="">
+              <a14:hiddenEffects xmlns="" xmlns:a14="http://schemas.microsoft.com/office/drawing/2010/main">
                 <a:effectLst>
                   <a:outerShdw blurRad="63500" dist="38099" dir="2700000" algn="ctr" rotWithShape="0">
                     <a:srgbClr val="000000">
@@ -10231,17 +10207,17 @@
           <a:effectLst/>
           <a:extLst>
             <a:ext uri="{FAA26D3D-D897-4be2-8F04-BA451C77F1D7}">
-              <ma14:placeholderFlag xmlns="" xmlns:ma14="http://schemas.microsoft.com/office/mac/drawingml/2011/main" val="1"/>
+              <ma14:placeholderFlag xmlns:ma14="http://schemas.microsoft.com/office/mac/drawingml/2011/main" xmlns="" val="1"/>
             </a:ext>
             <a:ext uri="{909E8E84-426E-40dd-AFC4-6F175D3DCCD1}">
-              <a14:hiddenFill xmlns:a14="http://schemas.microsoft.com/office/drawing/2010/main" xmlns="">
+              <a14:hiddenFill xmlns="" xmlns:a14="http://schemas.microsoft.com/office/drawing/2010/main">
                 <a:solidFill>
                   <a:srgbClr val="FFFFFF"/>
                 </a:solidFill>
               </a14:hiddenFill>
             </a:ext>
             <a:ext uri="{91240B29-F687-4f45-9708-019B960494DF}">
-              <a14:hiddenLine xmlns:a14="http://schemas.microsoft.com/office/drawing/2010/main" xmlns="" w="12700">
+              <a14:hiddenLine xmlns="" xmlns:a14="http://schemas.microsoft.com/office/drawing/2010/main" w="12700">
                 <a:solidFill>
                   <a:schemeClr val="tx1"/>
                 </a:solidFill>
@@ -10251,7 +10227,7 @@
               </a14:hiddenLine>
             </a:ext>
             <a:ext uri="{AF507438-7753-43e0-B8FC-AC1667EBCBE1}">
-              <a14:hiddenEffects xmlns:a14="http://schemas.microsoft.com/office/drawing/2010/main" xmlns="">
+              <a14:hiddenEffects xmlns="" xmlns:a14="http://schemas.microsoft.com/office/drawing/2010/main">
                 <a:effectLst>
                   <a:outerShdw blurRad="63500" dist="38099" dir="2700000" algn="ctr" rotWithShape="0">
                     <a:srgbClr val="000000">
@@ -10306,17 +10282,17 @@
           <a:effectLst/>
           <a:extLst>
             <a:ext uri="{FAA26D3D-D897-4be2-8F04-BA451C77F1D7}">
-              <ma14:placeholderFlag xmlns="" xmlns:ma14="http://schemas.microsoft.com/office/mac/drawingml/2011/main" val="1"/>
+              <ma14:placeholderFlag xmlns:ma14="http://schemas.microsoft.com/office/mac/drawingml/2011/main" xmlns="" val="1"/>
             </a:ext>
             <a:ext uri="{909E8E84-426E-40dd-AFC4-6F175D3DCCD1}">
-              <a14:hiddenFill xmlns:a14="http://schemas.microsoft.com/office/drawing/2010/main" xmlns="">
+              <a14:hiddenFill xmlns="" xmlns:a14="http://schemas.microsoft.com/office/drawing/2010/main">
                 <a:solidFill>
                   <a:srgbClr val="FFFFFF"/>
                 </a:solidFill>
               </a14:hiddenFill>
             </a:ext>
             <a:ext uri="{91240B29-F687-4f45-9708-019B960494DF}">
-              <a14:hiddenLine xmlns:a14="http://schemas.microsoft.com/office/drawing/2010/main" xmlns="" w="12700">
+              <a14:hiddenLine xmlns="" xmlns:a14="http://schemas.microsoft.com/office/drawing/2010/main" w="12700">
                 <a:solidFill>
                   <a:schemeClr val="tx1"/>
                 </a:solidFill>
@@ -10326,7 +10302,7 @@
               </a14:hiddenLine>
             </a:ext>
             <a:ext uri="{AF507438-7753-43e0-B8FC-AC1667EBCBE1}">
-              <a14:hiddenEffects xmlns:a14="http://schemas.microsoft.com/office/drawing/2010/main" xmlns="">
+              <a14:hiddenEffects xmlns="" xmlns:a14="http://schemas.microsoft.com/office/drawing/2010/main">
                 <a:effectLst>
                   <a:outerShdw blurRad="63500" dist="38099" dir="2700000" algn="ctr" rotWithShape="0">
                     <a:srgbClr val="000000">
@@ -10417,14 +10393,14 @@
           <a:effectLst/>
           <a:extLst>
             <a:ext uri="{909E8E84-426E-40dd-AFC4-6F175D3DCCD1}">
-              <a14:hiddenFill xmlns:a14="http://schemas.microsoft.com/office/drawing/2010/main" xmlns="">
+              <a14:hiddenFill xmlns="" xmlns:a14="http://schemas.microsoft.com/office/drawing/2010/main">
                 <a:solidFill>
                   <a:srgbClr val="FFFFFF"/>
                 </a:solidFill>
               </a14:hiddenFill>
             </a:ext>
             <a:ext uri="{91240B29-F687-4f45-9708-019B960494DF}">
-              <a14:hiddenLine xmlns:a14="http://schemas.microsoft.com/office/drawing/2010/main" xmlns="" w="12700">
+              <a14:hiddenLine xmlns="" xmlns:a14="http://schemas.microsoft.com/office/drawing/2010/main" w="12700">
                 <a:solidFill>
                   <a:schemeClr val="tx1"/>
                 </a:solidFill>
@@ -10434,7 +10410,7 @@
               </a14:hiddenLine>
             </a:ext>
             <a:ext uri="{AF507438-7753-43e0-B8FC-AC1667EBCBE1}">
-              <a14:hiddenEffects xmlns:a14="http://schemas.microsoft.com/office/drawing/2010/main" xmlns="">
+              <a14:hiddenEffects xmlns="" xmlns:a14="http://schemas.microsoft.com/office/drawing/2010/main">
                 <a:effectLst>
                   <a:outerShdw blurRad="63500" dist="38099" dir="2700000" algn="ctr" rotWithShape="0">
                     <a:srgbClr val="000000">
@@ -11115,14 +11091,14 @@
               <a:defRPr/>
             </a:pPr>
             <a:r>
-              <a:rPr lang="en-US" cap="none" dirty="0" smtClean="0"/>
+              <a:rPr lang="en-US" cap="none" dirty="0"/>
               <a:t>Introduction To </a:t>
             </a:r>
             <a:r>
-              <a:rPr lang="en-US" cap="none" dirty="0" err="1" smtClean="0"/>
+              <a:rPr lang="en-US" cap="none" dirty="0" err="1"/>
               <a:t>GTest</a:t>
             </a:r>
-            <a:endParaRPr lang="en-US" cap="none" dirty="0" smtClean="0"/>
+            <a:endParaRPr lang="en-US" cap="none" dirty="0"/>
           </a:p>
         </p:txBody>
       </p:sp>
@@ -11160,8 +11136,8 @@
         </p:nvSpPr>
         <p:spPr>
           <a:xfrm>
-            <a:off x="4448255" y="2673404"/>
-            <a:ext cx="4121000" cy="757130"/>
+            <a:off x="4602143" y="2673404"/>
+            <a:ext cx="3813223" cy="757130"/>
           </a:xfrm>
         </p:spPr>
         <p:txBody>
@@ -11172,8 +11148,8 @@
               <a:defRPr/>
             </a:pPr>
             <a:r>
-              <a:rPr lang="en-US" dirty="0" smtClean="0"/>
-              <a:t>C++ Unit Testing</a:t>
+              <a:rPr lang="en-US" dirty="0"/>
+              <a:t>C Unit Testing</a:t>
             </a:r>
           </a:p>
         </p:txBody>
@@ -11184,13 +11160,6 @@
     <a:masterClrMapping/>
   </p:clrMapOvr>
   <p:transition/>
-  <p:timing>
-    <p:tnLst>
-      <p:par>
-        <p:cTn id="1" dur="indefinite" restart="never" nodeType="tmRoot"/>
-      </p:par>
-    </p:tnLst>
-  </p:timing>
 </p:sld>
 </file>
 
@@ -11233,10 +11202,16 @@
           <a:p>
             <a:pPr algn="ctr"/>
             <a:r>
-              <a:rPr lang="en-US" altLang="zh-Hans" sz="4800" dirty="0" smtClean="0"/>
-              <a:t>To DO</a:t>
-            </a:r>
-            <a:endParaRPr lang="zh-Hans" altLang="en-US" sz="4800" dirty="0"/>
+              <a:rPr lang="en-US" altLang="zh-Hans" sz="4800" dirty="0">
+                <a:latin typeface="微软雅黑" panose="020B0503020204020204" pitchFamily="34" charset="-122"/>
+                <a:ea typeface="微软雅黑" panose="020B0503020204020204" pitchFamily="34" charset="-122"/>
+              </a:rPr>
+              <a:t>EXERCISE</a:t>
+            </a:r>
+            <a:endParaRPr lang="zh-Hans" altLang="en-US" sz="4800" dirty="0">
+              <a:latin typeface="微软雅黑" panose="020B0503020204020204" pitchFamily="34" charset="-122"/>
+              <a:ea typeface="微软雅黑" panose="020B0503020204020204" pitchFamily="34" charset="-122"/>
+            </a:endParaRPr>
           </a:p>
         </p:txBody>
       </p:sp>
@@ -11255,307 +11230,180 @@
           <a:bodyPr/>
           <a:lstStyle/>
           <a:p>
-            <a:pPr marL="0" indent="0">
-              <a:lnSpc>
-                <a:spcPct val="120000"/>
-              </a:lnSpc>
-              <a:spcBef>
-                <a:spcPts val="1200"/>
-              </a:spcBef>
-              <a:buClr>
-                <a:schemeClr val="tx2"/>
-              </a:buClr>
-            </a:pPr>
-            <a:endParaRPr lang="en-US" altLang="zh-Hans" sz="800" dirty="0" smtClean="0">
-              <a:latin typeface="微软雅黑" panose="020B0503020204020204" pitchFamily="34" charset="-122"/>
-              <a:ea typeface="微软雅黑" panose="020B0503020204020204" pitchFamily="34" charset="-122"/>
-            </a:endParaRPr>
-          </a:p>
-          <a:p>
-            <a:pPr marL="0" indent="0">
-              <a:lnSpc>
-                <a:spcPct val="120000"/>
-              </a:lnSpc>
-              <a:spcBef>
-                <a:spcPts val="1200"/>
-              </a:spcBef>
-              <a:buClr>
-                <a:schemeClr val="tx2"/>
-              </a:buClr>
-            </a:pPr>
-            <a:endParaRPr lang="en-US" altLang="zh-Hans" sz="800" dirty="0" smtClean="0">
-              <a:latin typeface="微软雅黑" panose="020B0503020204020204" pitchFamily="34" charset="-122"/>
-              <a:ea typeface="微软雅黑" panose="020B0503020204020204" pitchFamily="34" charset="-122"/>
-            </a:endParaRPr>
-          </a:p>
-          <a:p>
-            <a:pPr marL="0" indent="0">
-              <a:lnSpc>
-                <a:spcPct val="120000"/>
-              </a:lnSpc>
-              <a:spcBef>
-                <a:spcPts val="1200"/>
-              </a:spcBef>
-              <a:buClr>
-                <a:schemeClr val="tx2"/>
-              </a:buClr>
-            </a:pPr>
-            <a:endParaRPr lang="en-US" altLang="zh-CN" sz="500" dirty="0" smtClean="0">
-              <a:latin typeface="微软雅黑" panose="020B0503020204020204" pitchFamily="34" charset="-122"/>
-              <a:ea typeface="微软雅黑" panose="020B0503020204020204" pitchFamily="34" charset="-122"/>
-            </a:endParaRPr>
-          </a:p>
-          <a:p>
-            <a:pPr marL="520700" indent="-520700" latinLnBrk="1">
-              <a:lnSpc>
-                <a:spcPct val="120000"/>
-              </a:lnSpc>
-              <a:spcBef>
-                <a:spcPts val="1200"/>
-              </a:spcBef>
-              <a:buClr>
-                <a:schemeClr val="tx2"/>
-              </a:buClr>
-              <a:buFont typeface="Wingdings" charset="2"/>
-              <a:buChar char=""/>
-            </a:pPr>
-            <a:r>
-              <a:rPr lang="en-US" altLang="zh-CN" sz="3600" dirty="0" smtClean="0">
+            <a:r>
+              <a:rPr lang="zh-CN" altLang="en-US" sz="3600" dirty="0">
                 <a:latin typeface="微软雅黑" panose="020B0503020204020204" pitchFamily="34" charset="-122"/>
                 <a:ea typeface="微软雅黑" panose="020B0503020204020204" pitchFamily="34" charset="-122"/>
               </a:rPr>
-              <a:t>F</a:t>
-            </a:r>
-            <a:r>
-              <a:rPr lang="en-US" altLang="zh-Hans" sz="3600" dirty="0" smtClean="0">
+              <a:t>你是一名体育老师，在某次课距离下课还有五分钟时，你决定搞一个游戏。此时有</a:t>
+            </a:r>
+            <a:r>
+              <a:rPr lang="en-US" altLang="zh-CN" sz="3600" dirty="0">
                 <a:latin typeface="微软雅黑" panose="020B0503020204020204" pitchFamily="34" charset="-122"/>
                 <a:ea typeface="微软雅黑" panose="020B0503020204020204" pitchFamily="34" charset="-122"/>
               </a:rPr>
-              <a:t>ork </a:t>
-            </a:r>
-            <a:r>
-              <a:rPr lang="en-US" altLang="zh-Hans" sz="3600" dirty="0">
-                <a:latin typeface="微软雅黑" panose="020B0503020204020204" pitchFamily="34" charset="-122"/>
-                <a:ea typeface="微软雅黑" panose="020B0503020204020204" pitchFamily="34" charset="-122"/>
-                <a:hlinkClick r:id="rId2"/>
-              </a:rPr>
-              <a:t>http</a:t>
-            </a:r>
-            <a:r>
-              <a:rPr lang="en-US" altLang="zh-Hans" sz="3600" dirty="0">
-                <a:latin typeface="微软雅黑" panose="020B0503020204020204" pitchFamily="34" charset="-122"/>
-                <a:ea typeface="微软雅黑" panose="020B0503020204020204" pitchFamily="34" charset="-122"/>
-                <a:hlinkClick r:id="rId2"/>
-              </a:rPr>
-              <a:t>:// </a:t>
-            </a:r>
-            <a:r>
-              <a:rPr lang="en-US" altLang="zh-Hans" sz="3600" dirty="0" err="1">
-                <a:latin typeface="微软雅黑" panose="020B0503020204020204" pitchFamily="34" charset="-122"/>
-                <a:ea typeface="微软雅黑" panose="020B0503020204020204" pitchFamily="34" charset="-122"/>
-                <a:hlinkClick r:id="rId2"/>
-              </a:rPr>
-              <a:t>github</a:t>
-            </a:r>
-            <a:r>
-              <a:rPr lang="en-US" altLang="zh-Hans" sz="3600" dirty="0">
-                <a:latin typeface="微软雅黑" panose="020B0503020204020204" pitchFamily="34" charset="-122"/>
-                <a:ea typeface="微软雅黑" panose="020B0503020204020204" pitchFamily="34" charset="-122"/>
-                <a:hlinkClick r:id="rId2"/>
-              </a:rPr>
-              <a:t> /</a:t>
-            </a:r>
-            <a:r>
-              <a:rPr lang="en-US" altLang="zh-Hans" sz="3600" dirty="0" smtClean="0">
-                <a:latin typeface="微软雅黑" panose="020B0503020204020204" pitchFamily="34" charset="-122"/>
-                <a:ea typeface="微软雅黑" panose="020B0503020204020204" pitchFamily="34" charset="-122"/>
-                <a:hlinkClick r:id="rId2"/>
-              </a:rPr>
-              <a:t>DT</a:t>
-            </a:r>
-            <a:endParaRPr lang="en-US" altLang="zh-Hans" sz="3600" dirty="0" smtClean="0">
-              <a:latin typeface="微软雅黑" panose="020B0503020204020204" pitchFamily="34" charset="-122"/>
-              <a:ea typeface="微软雅黑" panose="020B0503020204020204" pitchFamily="34" charset="-122"/>
-            </a:endParaRPr>
-          </a:p>
-          <a:p>
-            <a:pPr marL="520700" indent="-520700" latinLnBrk="1">
-              <a:lnSpc>
-                <a:spcPct val="120000"/>
-              </a:lnSpc>
-              <a:spcBef>
-                <a:spcPts val="1200"/>
-              </a:spcBef>
-              <a:buClr>
-                <a:schemeClr val="tx2"/>
-              </a:buClr>
-              <a:buFont typeface="Wingdings" charset="2"/>
-              <a:buChar char=""/>
-            </a:pPr>
-            <a:r>
-              <a:rPr lang="en-US" altLang="zh-Hans" sz="3600" dirty="0" smtClean="0">
+              <a:t>100</a:t>
+            </a:r>
+            <a:r>
+              <a:rPr lang="zh-CN" altLang="en-US" sz="3600" dirty="0">
                 <a:latin typeface="微软雅黑" panose="020B0503020204020204" pitchFamily="34" charset="-122"/>
                 <a:ea typeface="微软雅黑" panose="020B0503020204020204" pitchFamily="34" charset="-122"/>
               </a:rPr>
-              <a:t>Clone</a:t>
-            </a:r>
-            <a:r>
-              <a:rPr lang="zh-CN" altLang="en-US" sz="3600" dirty="0" smtClean="0">
+              <a:t>名学生在上课。游戏的规则是：</a:t>
+            </a:r>
+          </a:p>
+          <a:p>
+            <a:pPr marL="514350" indent="-514350">
+              <a:buFont typeface="Wingdings" panose="05000000000000000000" pitchFamily="2" charset="2"/>
+              <a:buChar char="p"/>
+            </a:pPr>
+            <a:r>
+              <a:rPr lang="zh-CN" altLang="en-US" sz="3600" dirty="0">
                 <a:latin typeface="微软雅黑" panose="020B0503020204020204" pitchFamily="34" charset="-122"/>
                 <a:ea typeface="微软雅黑" panose="020B0503020204020204" pitchFamily="34" charset="-122"/>
               </a:rPr>
-              <a:t>代码到本地</a:t>
-            </a:r>
-            <a:r>
-              <a:rPr lang="en-US" altLang="zh-CN" sz="3600" dirty="0" smtClean="0">
+              <a:t>你首先说出三个不同的特殊数，要求必须是个位数，比如</a:t>
+            </a:r>
+            <a:r>
+              <a:rPr lang="en-US" altLang="zh-CN" sz="3600" dirty="0">
                 <a:latin typeface="微软雅黑" panose="020B0503020204020204" pitchFamily="34" charset="-122"/>
                 <a:ea typeface="微软雅黑" panose="020B0503020204020204" pitchFamily="34" charset="-122"/>
               </a:rPr>
-              <a:t>, </a:t>
-            </a:r>
-            <a:r>
-              <a:rPr lang="zh-CN" altLang="en-US" sz="3600" dirty="0" smtClean="0">
+              <a:t>3</a:t>
+            </a:r>
+            <a:r>
+              <a:rPr lang="zh-CN" altLang="en-US" sz="3600" dirty="0">
                 <a:latin typeface="微软雅黑" panose="020B0503020204020204" pitchFamily="34" charset="-122"/>
                 <a:ea typeface="微软雅黑" panose="020B0503020204020204" pitchFamily="34" charset="-122"/>
               </a:rPr>
-              <a:t>打开工程</a:t>
-            </a:r>
-            <a:r>
-              <a:rPr lang="en-US" altLang="zh-CN" sz="3600" dirty="0" smtClean="0">
+              <a:t>、</a:t>
+            </a:r>
+            <a:r>
+              <a:rPr lang="en-US" altLang="zh-CN" sz="3600" dirty="0">
                 <a:latin typeface="微软雅黑" panose="020B0503020204020204" pitchFamily="34" charset="-122"/>
                 <a:ea typeface="微软雅黑" panose="020B0503020204020204" pitchFamily="34" charset="-122"/>
               </a:rPr>
-              <a:t>01-Gtest.sln</a:t>
-            </a:r>
-            <a:endParaRPr lang="en-US" altLang="zh-Hans" sz="3600" dirty="0" smtClean="0">
-              <a:latin typeface="微软雅黑" panose="020B0503020204020204" pitchFamily="34" charset="-122"/>
-              <a:ea typeface="微软雅黑" panose="020B0503020204020204" pitchFamily="34" charset="-122"/>
-            </a:endParaRPr>
-          </a:p>
-          <a:p>
-            <a:pPr marL="0" indent="0">
-              <a:lnSpc>
-                <a:spcPct val="120000"/>
-              </a:lnSpc>
-              <a:spcBef>
-                <a:spcPts val="1200"/>
-              </a:spcBef>
-              <a:buClr>
-                <a:schemeClr val="tx2"/>
-              </a:buClr>
-            </a:pPr>
-            <a:endParaRPr lang="zh-Hans" altLang="en-US" sz="800" dirty="0">
-              <a:latin typeface="微软雅黑" panose="020B0503020204020204" pitchFamily="34" charset="-122"/>
-              <a:ea typeface="微软雅黑" panose="020B0503020204020204" pitchFamily="34" charset="-122"/>
-            </a:endParaRPr>
-          </a:p>
-          <a:p>
-            <a:pPr marL="520700" indent="-520700">
-              <a:lnSpc>
-                <a:spcPct val="120000"/>
-              </a:lnSpc>
-              <a:spcBef>
-                <a:spcPts val="1200"/>
-              </a:spcBef>
-              <a:buClr>
-                <a:schemeClr val="tx2"/>
-              </a:buClr>
-              <a:buFont typeface="Wingdings" charset="2"/>
-              <a:buChar char=""/>
-            </a:pPr>
-            <a:r>
-              <a:rPr lang="zh-CN" altLang="en-US" sz="3600" dirty="0" smtClean="0">
+              <a:t>5</a:t>
+            </a:r>
+            <a:r>
+              <a:rPr lang="zh-CN" altLang="en-US" sz="3600" dirty="0">
                 <a:latin typeface="微软雅黑" panose="020B0503020204020204" pitchFamily="34" charset="-122"/>
                 <a:ea typeface="微软雅黑" panose="020B0503020204020204" pitchFamily="34" charset="-122"/>
               </a:rPr>
-              <a:t>阅读代码逻辑</a:t>
-            </a:r>
-            <a:r>
-              <a:rPr lang="en-US" altLang="zh-CN" sz="3600" dirty="0" smtClean="0">
+              <a:t>、</a:t>
+            </a:r>
+            <a:r>
+              <a:rPr lang="en-US" altLang="zh-CN" sz="3600" dirty="0">
                 <a:latin typeface="微软雅黑" panose="020B0503020204020204" pitchFamily="34" charset="-122"/>
                 <a:ea typeface="微软雅黑" panose="020B0503020204020204" pitchFamily="34" charset="-122"/>
               </a:rPr>
-              <a:t>, </a:t>
-            </a:r>
-            <a:r>
-              <a:rPr lang="zh-CN" altLang="en-US" sz="3600" dirty="0" smtClean="0">
+              <a:t>7</a:t>
+            </a:r>
+            <a:r>
+              <a:rPr lang="zh-CN" altLang="en-US" sz="3600" dirty="0">
                 <a:latin typeface="微软雅黑" panose="020B0503020204020204" pitchFamily="34" charset="-122"/>
                 <a:ea typeface="微软雅黑" panose="020B0503020204020204" pitchFamily="34" charset="-122"/>
               </a:rPr>
-              <a:t>完成练习题目的需求</a:t>
-            </a:r>
-            <a:endParaRPr lang="en-US" altLang="zh-Hans" sz="3600" dirty="0" smtClean="0">
-              <a:latin typeface="微软雅黑" panose="020B0503020204020204" pitchFamily="34" charset="-122"/>
-              <a:ea typeface="微软雅黑" panose="020B0503020204020204" pitchFamily="34" charset="-122"/>
-            </a:endParaRPr>
-          </a:p>
-          <a:p>
-            <a:pPr marL="0" indent="0">
-              <a:lnSpc>
-                <a:spcPct val="120000"/>
-              </a:lnSpc>
-              <a:spcBef>
-                <a:spcPts val="1200"/>
-              </a:spcBef>
-              <a:buClr>
-                <a:schemeClr val="tx2"/>
-              </a:buClr>
+              <a:t>。之后所有学生拍成一队，然后按顺序报数。</a:t>
+            </a:r>
+          </a:p>
+          <a:p>
+            <a:pPr marL="514350" indent="-514350">
+              <a:buFont typeface="Wingdings" panose="05000000000000000000" pitchFamily="2" charset="2"/>
+              <a:buChar char="p"/>
             </a:pPr>
-            <a:endParaRPr lang="en-US" altLang="zh-Hans" sz="800" dirty="0" smtClean="0">
-              <a:latin typeface="微软雅黑" panose="020B0503020204020204" pitchFamily="34" charset="-122"/>
-              <a:ea typeface="微软雅黑" panose="020B0503020204020204" pitchFamily="34" charset="-122"/>
-            </a:endParaRPr>
-          </a:p>
-          <a:p>
-            <a:pPr marL="520700" indent="-520700">
-              <a:lnSpc>
-                <a:spcPct val="120000"/>
-              </a:lnSpc>
-              <a:spcBef>
-                <a:spcPts val="1200"/>
-              </a:spcBef>
-              <a:buClr>
-                <a:schemeClr val="tx2"/>
-              </a:buClr>
-              <a:buFont typeface="Wingdings" charset="2"/>
-              <a:buChar char=""/>
-            </a:pPr>
-            <a:r>
-              <a:rPr lang="zh-CN" altLang="en-US" sz="3600" dirty="0" smtClean="0">
+            <a:r>
+              <a:rPr lang="zh-CN" altLang="en-US" sz="3600" dirty="0">
                 <a:latin typeface="微软雅黑" panose="020B0503020204020204" pitchFamily="34" charset="-122"/>
                 <a:ea typeface="微软雅黑" panose="020B0503020204020204" pitchFamily="34" charset="-122"/>
               </a:rPr>
-              <a:t>将代码</a:t>
-            </a:r>
-            <a:r>
-              <a:rPr lang="en-US" altLang="zh-CN" sz="3600" dirty="0" smtClean="0">
+              <a:t>学生报数时，如果所报数字是第一个特殊数（</a:t>
+            </a:r>
+            <a:r>
+              <a:rPr lang="en-US" altLang="zh-CN" sz="3600" dirty="0">
                 <a:latin typeface="微软雅黑" panose="020B0503020204020204" pitchFamily="34" charset="-122"/>
                 <a:ea typeface="微软雅黑" panose="020B0503020204020204" pitchFamily="34" charset="-122"/>
               </a:rPr>
-              <a:t>push</a:t>
-            </a:r>
-            <a:r>
-              <a:rPr lang="zh-CN" altLang="en-US" sz="3600" dirty="0" smtClean="0">
+              <a:t>3</a:t>
+            </a:r>
+            <a:r>
+              <a:rPr lang="zh-CN" altLang="en-US" sz="3600" dirty="0">
                 <a:latin typeface="微软雅黑" panose="020B0503020204020204" pitchFamily="34" charset="-122"/>
                 <a:ea typeface="微软雅黑" panose="020B0503020204020204" pitchFamily="34" charset="-122"/>
               </a:rPr>
-              <a:t>到</a:t>
-            </a:r>
-            <a:r>
-              <a:rPr lang="en-US" altLang="zh-CN" sz="3600" dirty="0" smtClean="0">
+              <a:t>）的倍数，那么不能说该数字，而要说</a:t>
+            </a:r>
+            <a:r>
+              <a:rPr lang="en-US" altLang="zh-CN" sz="3600" dirty="0">
                 <a:latin typeface="微软雅黑" panose="020B0503020204020204" pitchFamily="34" charset="-122"/>
                 <a:ea typeface="微软雅黑" panose="020B0503020204020204" pitchFamily="34" charset="-122"/>
               </a:rPr>
-              <a:t>code club</a:t>
-            </a:r>
-            <a:r>
-              <a:rPr lang="zh-CN" altLang="en-US" sz="3600" dirty="0" smtClean="0">
+              <a:t>Fizz</a:t>
+            </a:r>
+            <a:r>
+              <a:rPr lang="zh-CN" altLang="en-US" sz="3600" dirty="0">
                 <a:latin typeface="微软雅黑" panose="020B0503020204020204" pitchFamily="34" charset="-122"/>
                 <a:ea typeface="微软雅黑" panose="020B0503020204020204" pitchFamily="34" charset="-122"/>
               </a:rPr>
-              <a:t>上</a:t>
-            </a:r>
-            <a:endParaRPr lang="zh-Hans" altLang="en-US" sz="3600" dirty="0">
+              <a:t>；如果所报数字是第二个特殊数（</a:t>
+            </a:r>
+            <a:r>
+              <a:rPr lang="en-US" altLang="zh-CN" sz="3600" dirty="0">
+                <a:latin typeface="微软雅黑" panose="020B0503020204020204" pitchFamily="34" charset="-122"/>
+                <a:ea typeface="微软雅黑" panose="020B0503020204020204" pitchFamily="34" charset="-122"/>
+              </a:rPr>
+              <a:t>5</a:t>
+            </a:r>
+            <a:r>
+              <a:rPr lang="zh-CN" altLang="en-US" sz="3600" dirty="0">
+                <a:latin typeface="微软雅黑" panose="020B0503020204020204" pitchFamily="34" charset="-122"/>
+                <a:ea typeface="微软雅黑" panose="020B0503020204020204" pitchFamily="34" charset="-122"/>
+              </a:rPr>
+              <a:t>）的倍数，那么要说</a:t>
+            </a:r>
+            <a:r>
+              <a:rPr lang="en-US" altLang="zh-CN" sz="3600" dirty="0">
+                <a:latin typeface="微软雅黑" panose="020B0503020204020204" pitchFamily="34" charset="-122"/>
+                <a:ea typeface="微软雅黑" panose="020B0503020204020204" pitchFamily="34" charset="-122"/>
+              </a:rPr>
+              <a:t>Buzz</a:t>
+            </a:r>
+            <a:r>
+              <a:rPr lang="zh-CN" altLang="en-US" sz="3600" dirty="0">
+                <a:latin typeface="微软雅黑" panose="020B0503020204020204" pitchFamily="34" charset="-122"/>
+                <a:ea typeface="微软雅黑" panose="020B0503020204020204" pitchFamily="34" charset="-122"/>
+              </a:rPr>
+              <a:t>；如果所报数字是第三个特殊数（</a:t>
+            </a:r>
+            <a:r>
+              <a:rPr lang="en-US" altLang="zh-CN" sz="3600" dirty="0">
+                <a:latin typeface="微软雅黑" panose="020B0503020204020204" pitchFamily="34" charset="-122"/>
+                <a:ea typeface="微软雅黑" panose="020B0503020204020204" pitchFamily="34" charset="-122"/>
+              </a:rPr>
+              <a:t>7</a:t>
+            </a:r>
+            <a:r>
+              <a:rPr lang="zh-CN" altLang="en-US" sz="3600" dirty="0">
+                <a:latin typeface="微软雅黑" panose="020B0503020204020204" pitchFamily="34" charset="-122"/>
+                <a:ea typeface="微软雅黑" panose="020B0503020204020204" pitchFamily="34" charset="-122"/>
+              </a:rPr>
+              <a:t>）的倍数，那么要说</a:t>
+            </a:r>
+            <a:r>
+              <a:rPr lang="en-US" altLang="zh-CN" sz="3600" dirty="0">
+                <a:latin typeface="微软雅黑" panose="020B0503020204020204" pitchFamily="34" charset="-122"/>
+                <a:ea typeface="微软雅黑" panose="020B0503020204020204" pitchFamily="34" charset="-122"/>
+              </a:rPr>
+              <a:t>Whizz</a:t>
+            </a:r>
+            <a:r>
+              <a:rPr lang="zh-CN" altLang="en-US" sz="3600" dirty="0">
+                <a:latin typeface="微软雅黑" panose="020B0503020204020204" pitchFamily="34" charset="-122"/>
+                <a:ea typeface="微软雅黑" panose="020B0503020204020204" pitchFamily="34" charset="-122"/>
+              </a:rPr>
+              <a:t>。</a:t>
+            </a:r>
+            <a:endParaRPr lang="en-US" altLang="zh-CN" sz="3600" dirty="0">
               <a:latin typeface="微软雅黑" panose="020B0503020204020204" pitchFamily="34" charset="-122"/>
               <a:ea typeface="微软雅黑" panose="020B0503020204020204" pitchFamily="34" charset="-122"/>
             </a:endParaRPr>
@@ -11581,11 +11429,439 @@
               <a:defRPr/>
             </a:pPr>
             <a:fld id="{6BD71149-C6B6-DA41-AB69-4C8E97C931F0}" type="slidenum">
+              <a:rPr lang="en-US" smtClean="0">
+                <a:latin typeface="微软雅黑" panose="020B0503020204020204" pitchFamily="34" charset="-122"/>
+                <a:ea typeface="微软雅黑" panose="020B0503020204020204" pitchFamily="34" charset="-122"/>
+              </a:rPr>
+              <a:pPr>
+                <a:defRPr/>
+              </a:pPr>
+              <a:t>10</a:t>
+            </a:fld>
+            <a:endParaRPr lang="en-US">
+              <a:latin typeface="微软雅黑" panose="020B0503020204020204" pitchFamily="34" charset="-122"/>
+              <a:ea typeface="微软雅黑" panose="020B0503020204020204" pitchFamily="34" charset="-122"/>
+            </a:endParaRPr>
+          </a:p>
+        </p:txBody>
+      </p:sp>
+      <p:pic>
+        <p:nvPicPr>
+          <p:cNvPr id="5" name="Glyph Inventory 1_go-self-service.jpg"/>
+          <p:cNvPicPr/>
+          <p:nvPr/>
+        </p:nvPicPr>
+        <p:blipFill>
+          <a:blip r:embed="rId2">
+            <a:extLst/>
+          </a:blip>
+          <a:stretch>
+            <a:fillRect/>
+          </a:stretch>
+        </p:blipFill>
+        <p:spPr>
+          <a:xfrm>
+            <a:off x="385233" y="1189194"/>
+            <a:ext cx="3039534" cy="3039534"/>
+          </a:xfrm>
+          <a:prstGeom prst="rect">
+            <a:avLst/>
+          </a:prstGeom>
+          <a:ln w="12700">
+            <a:miter lim="400000"/>
+          </a:ln>
+        </p:spPr>
+      </p:pic>
+    </p:spTree>
+    <p:extLst>
+      <p:ext uri="{BB962C8B-B14F-4D97-AF65-F5344CB8AC3E}">
+        <p14:creationId xmlns:p14="http://schemas.microsoft.com/office/powerpoint/2010/main" val="1984210012"/>
+      </p:ext>
+    </p:extLst>
+  </p:cSld>
+  <p:clrMapOvr>
+    <a:masterClrMapping/>
+  </p:clrMapOvr>
+  <p:transition/>
+</p:sld>
+</file>
+
+<file path=ppt/slides/slide11.xml><?xml version="1.0" encoding="utf-8"?>
+<p:sld xmlns:a="http://schemas.openxmlformats.org/drawingml/2006/main" xmlns:r="http://schemas.openxmlformats.org/officeDocument/2006/relationships" xmlns:p="http://schemas.openxmlformats.org/presentationml/2006/main">
+  <p:cSld>
+    <p:spTree>
+      <p:nvGrpSpPr>
+        <p:cNvPr id="1" name=""/>
+        <p:cNvGrpSpPr/>
+        <p:nvPr/>
+      </p:nvGrpSpPr>
+      <p:grpSpPr>
+        <a:xfrm>
+          <a:off x="0" y="0"/>
+          <a:ext cx="0" cy="0"/>
+          <a:chOff x="0" y="0"/>
+          <a:chExt cx="0" cy="0"/>
+        </a:xfrm>
+      </p:grpSpPr>
+      <p:sp>
+        <p:nvSpPr>
+          <p:cNvPr id="2" name="标题 1"/>
+          <p:cNvSpPr>
+            <a:spLocks noGrp="1"/>
+          </p:cNvSpPr>
+          <p:nvPr>
+            <p:ph type="title"/>
+          </p:nvPr>
+        </p:nvSpPr>
+        <p:spPr>
+          <a:xfrm>
+            <a:off x="406400" y="700336"/>
+            <a:ext cx="3149600" cy="723900"/>
+          </a:xfrm>
+        </p:spPr>
+        <p:txBody>
+          <a:bodyPr/>
+          <a:lstStyle/>
+          <a:p>
+            <a:pPr algn="ctr"/>
+            <a:r>
+              <a:rPr lang="en-US" altLang="zh-Hans" sz="4800" dirty="0"/>
+              <a:t>To DO</a:t>
+            </a:r>
+            <a:endParaRPr lang="zh-Hans" altLang="en-US" sz="4800" dirty="0"/>
+          </a:p>
+        </p:txBody>
+      </p:sp>
+      <p:sp>
+        <p:nvSpPr>
+          <p:cNvPr id="3" name="内容占位符 2"/>
+          <p:cNvSpPr>
+            <a:spLocks noGrp="1"/>
+          </p:cNvSpPr>
+          <p:nvPr>
+            <p:ph idx="1"/>
+          </p:nvPr>
+        </p:nvSpPr>
+        <p:spPr/>
+        <p:txBody>
+          <a:bodyPr/>
+          <a:lstStyle/>
+          <a:p>
+            <a:pPr marL="0" indent="0">
+              <a:lnSpc>
+                <a:spcPct val="120000"/>
+              </a:lnSpc>
+              <a:spcBef>
+                <a:spcPts val="1200"/>
+              </a:spcBef>
+              <a:buClr>
+                <a:schemeClr val="tx2"/>
+              </a:buClr>
+            </a:pPr>
+            <a:endParaRPr lang="en-US" altLang="zh-Hans" sz="800" dirty="0">
+              <a:latin typeface="微软雅黑" panose="020B0503020204020204" pitchFamily="34" charset="-122"/>
+              <a:ea typeface="微软雅黑" panose="020B0503020204020204" pitchFamily="34" charset="-122"/>
+            </a:endParaRPr>
+          </a:p>
+          <a:p>
+            <a:pPr marL="0" indent="0">
+              <a:lnSpc>
+                <a:spcPct val="120000"/>
+              </a:lnSpc>
+              <a:spcBef>
+                <a:spcPts val="1200"/>
+              </a:spcBef>
+              <a:buClr>
+                <a:schemeClr val="tx2"/>
+              </a:buClr>
+            </a:pPr>
+            <a:endParaRPr lang="en-US" altLang="zh-Hans" sz="800" dirty="0">
+              <a:latin typeface="微软雅黑" panose="020B0503020204020204" pitchFamily="34" charset="-122"/>
+              <a:ea typeface="微软雅黑" panose="020B0503020204020204" pitchFamily="34" charset="-122"/>
+            </a:endParaRPr>
+          </a:p>
+          <a:p>
+            <a:pPr marL="0" indent="0">
+              <a:lnSpc>
+                <a:spcPct val="120000"/>
+              </a:lnSpc>
+              <a:spcBef>
+                <a:spcPts val="1200"/>
+              </a:spcBef>
+              <a:buClr>
+                <a:schemeClr val="tx2"/>
+              </a:buClr>
+            </a:pPr>
+            <a:endParaRPr lang="en-US" altLang="zh-CN" sz="500" dirty="0">
+              <a:latin typeface="微软雅黑" panose="020B0503020204020204" pitchFamily="34" charset="-122"/>
+              <a:ea typeface="微软雅黑" panose="020B0503020204020204" pitchFamily="34" charset="-122"/>
+            </a:endParaRPr>
+          </a:p>
+          <a:p>
+            <a:pPr marL="520700" indent="-520700" latinLnBrk="1">
+              <a:lnSpc>
+                <a:spcPct val="120000"/>
+              </a:lnSpc>
+              <a:spcBef>
+                <a:spcPts val="1200"/>
+              </a:spcBef>
+              <a:buClr>
+                <a:schemeClr val="tx2"/>
+              </a:buClr>
+              <a:buFont typeface="Wingdings" charset="2"/>
+              <a:buChar char=""/>
+            </a:pPr>
+            <a:r>
+              <a:rPr lang="en-US" altLang="zh-CN" sz="3600" dirty="0">
+                <a:latin typeface="微软雅黑" panose="020B0503020204020204" pitchFamily="34" charset="-122"/>
+                <a:ea typeface="微软雅黑" panose="020B0503020204020204" pitchFamily="34" charset="-122"/>
+              </a:rPr>
+              <a:t>F</a:t>
+            </a:r>
+            <a:r>
+              <a:rPr lang="en-US" altLang="zh-Hans" sz="3600" dirty="0">
+                <a:latin typeface="微软雅黑" panose="020B0503020204020204" pitchFamily="34" charset="-122"/>
+                <a:ea typeface="微软雅黑" panose="020B0503020204020204" pitchFamily="34" charset="-122"/>
+              </a:rPr>
+              <a:t>ork </a:t>
+            </a:r>
+            <a:r>
+              <a:rPr lang="en-US" altLang="zh-Hans" sz="3600" dirty="0">
+                <a:latin typeface="微软雅黑" panose="020B0503020204020204" pitchFamily="34" charset="-122"/>
+                <a:ea typeface="微软雅黑" panose="020B0503020204020204" pitchFamily="34" charset="-122"/>
+                <a:hlinkClick r:id="rId2"/>
+              </a:rPr>
+              <a:t>http:// </a:t>
+            </a:r>
+            <a:r>
+              <a:rPr lang="en-US" altLang="zh-Hans" sz="3600" dirty="0" err="1">
+                <a:latin typeface="微软雅黑" panose="020B0503020204020204" pitchFamily="34" charset="-122"/>
+                <a:ea typeface="微软雅黑" panose="020B0503020204020204" pitchFamily="34" charset="-122"/>
+                <a:hlinkClick r:id="rId2"/>
+              </a:rPr>
+              <a:t>github</a:t>
+            </a:r>
+            <a:r>
+              <a:rPr lang="en-US" altLang="zh-Hans" sz="3600" dirty="0">
+                <a:latin typeface="微软雅黑" panose="020B0503020204020204" pitchFamily="34" charset="-122"/>
+                <a:ea typeface="微软雅黑" panose="020B0503020204020204" pitchFamily="34" charset="-122"/>
+                <a:hlinkClick r:id="rId2"/>
+              </a:rPr>
+              <a:t> /DT</a:t>
+            </a:r>
+            <a:endParaRPr lang="en-US" altLang="zh-Hans" sz="3600" dirty="0">
+              <a:latin typeface="微软雅黑" panose="020B0503020204020204" pitchFamily="34" charset="-122"/>
+              <a:ea typeface="微软雅黑" panose="020B0503020204020204" pitchFamily="34" charset="-122"/>
+            </a:endParaRPr>
+          </a:p>
+          <a:p>
+            <a:pPr marL="520700" indent="-520700" latinLnBrk="1">
+              <a:lnSpc>
+                <a:spcPct val="120000"/>
+              </a:lnSpc>
+              <a:spcBef>
+                <a:spcPts val="1200"/>
+              </a:spcBef>
+              <a:buClr>
+                <a:schemeClr val="tx2"/>
+              </a:buClr>
+              <a:buFont typeface="Wingdings" charset="2"/>
+              <a:buChar char=""/>
+            </a:pPr>
+            <a:r>
+              <a:rPr lang="en-US" altLang="zh-Hans" sz="3600" dirty="0">
+                <a:latin typeface="微软雅黑" panose="020B0503020204020204" pitchFamily="34" charset="-122"/>
+                <a:ea typeface="微软雅黑" panose="020B0503020204020204" pitchFamily="34" charset="-122"/>
+              </a:rPr>
+              <a:t>Clone</a:t>
+            </a:r>
+            <a:r>
+              <a:rPr lang="zh-CN" altLang="en-US" sz="3600" dirty="0">
+                <a:latin typeface="微软雅黑" panose="020B0503020204020204" pitchFamily="34" charset="-122"/>
+                <a:ea typeface="微软雅黑" panose="020B0503020204020204" pitchFamily="34" charset="-122"/>
+              </a:rPr>
+              <a:t>代码到本地</a:t>
+            </a:r>
+            <a:r>
+              <a:rPr lang="en-US" altLang="zh-CN" sz="3600" dirty="0">
+                <a:latin typeface="微软雅黑" panose="020B0503020204020204" pitchFamily="34" charset="-122"/>
+                <a:ea typeface="微软雅黑" panose="020B0503020204020204" pitchFamily="34" charset="-122"/>
+              </a:rPr>
+              <a:t>, </a:t>
+            </a:r>
+            <a:r>
+              <a:rPr lang="zh-CN" altLang="en-US" sz="3600" dirty="0">
+                <a:latin typeface="微软雅黑" panose="020B0503020204020204" pitchFamily="34" charset="-122"/>
+                <a:ea typeface="微软雅黑" panose="020B0503020204020204" pitchFamily="34" charset="-122"/>
+              </a:rPr>
+              <a:t>打开工程</a:t>
+            </a:r>
+            <a:r>
+              <a:rPr lang="en-US" altLang="zh-CN" sz="3600" dirty="0">
+                <a:latin typeface="微软雅黑" panose="020B0503020204020204" pitchFamily="34" charset="-122"/>
+                <a:ea typeface="微软雅黑" panose="020B0503020204020204" pitchFamily="34" charset="-122"/>
+              </a:rPr>
+              <a:t>01-Gtest.sln</a:t>
+            </a:r>
+            <a:endParaRPr lang="en-US" altLang="zh-Hans" sz="3600" dirty="0">
+              <a:latin typeface="微软雅黑" panose="020B0503020204020204" pitchFamily="34" charset="-122"/>
+              <a:ea typeface="微软雅黑" panose="020B0503020204020204" pitchFamily="34" charset="-122"/>
+            </a:endParaRPr>
+          </a:p>
+          <a:p>
+            <a:pPr marL="0" indent="0">
+              <a:lnSpc>
+                <a:spcPct val="120000"/>
+              </a:lnSpc>
+              <a:spcBef>
+                <a:spcPts val="1200"/>
+              </a:spcBef>
+              <a:buClr>
+                <a:schemeClr val="tx2"/>
+              </a:buClr>
+            </a:pPr>
+            <a:endParaRPr lang="zh-Hans" altLang="en-US" sz="800" dirty="0">
+              <a:latin typeface="微软雅黑" panose="020B0503020204020204" pitchFamily="34" charset="-122"/>
+              <a:ea typeface="微软雅黑" panose="020B0503020204020204" pitchFamily="34" charset="-122"/>
+            </a:endParaRPr>
+          </a:p>
+          <a:p>
+            <a:pPr marL="520700" indent="-520700">
+              <a:lnSpc>
+                <a:spcPct val="120000"/>
+              </a:lnSpc>
+              <a:spcBef>
+                <a:spcPts val="1200"/>
+              </a:spcBef>
+              <a:buClr>
+                <a:schemeClr val="tx2"/>
+              </a:buClr>
+              <a:buFont typeface="Wingdings" charset="2"/>
+              <a:buChar char=""/>
+            </a:pPr>
+            <a:r>
+              <a:rPr lang="zh-CN" altLang="en-US" sz="3600" dirty="0">
+                <a:latin typeface="微软雅黑" panose="020B0503020204020204" pitchFamily="34" charset="-122"/>
+                <a:ea typeface="微软雅黑" panose="020B0503020204020204" pitchFamily="34" charset="-122"/>
+              </a:rPr>
+              <a:t>阅读代码逻辑</a:t>
+            </a:r>
+            <a:r>
+              <a:rPr lang="en-US" altLang="zh-CN" sz="3600" dirty="0">
+                <a:latin typeface="微软雅黑" panose="020B0503020204020204" pitchFamily="34" charset="-122"/>
+                <a:ea typeface="微软雅黑" panose="020B0503020204020204" pitchFamily="34" charset="-122"/>
+              </a:rPr>
+              <a:t>, </a:t>
+            </a:r>
+            <a:r>
+              <a:rPr lang="zh-CN" altLang="en-US" sz="3600" dirty="0">
+                <a:latin typeface="微软雅黑" panose="020B0503020204020204" pitchFamily="34" charset="-122"/>
+                <a:ea typeface="微软雅黑" panose="020B0503020204020204" pitchFamily="34" charset="-122"/>
+              </a:rPr>
+              <a:t>完成练习题目的需求</a:t>
+            </a:r>
+            <a:endParaRPr lang="en-US" altLang="zh-Hans" sz="3600" dirty="0">
+              <a:latin typeface="微软雅黑" panose="020B0503020204020204" pitchFamily="34" charset="-122"/>
+              <a:ea typeface="微软雅黑" panose="020B0503020204020204" pitchFamily="34" charset="-122"/>
+            </a:endParaRPr>
+          </a:p>
+          <a:p>
+            <a:pPr marL="0" indent="0">
+              <a:lnSpc>
+                <a:spcPct val="120000"/>
+              </a:lnSpc>
+              <a:spcBef>
+                <a:spcPts val="1200"/>
+              </a:spcBef>
+              <a:buClr>
+                <a:schemeClr val="tx2"/>
+              </a:buClr>
+            </a:pPr>
+            <a:endParaRPr lang="en-US" altLang="zh-Hans" sz="800" dirty="0">
+              <a:latin typeface="微软雅黑" panose="020B0503020204020204" pitchFamily="34" charset="-122"/>
+              <a:ea typeface="微软雅黑" panose="020B0503020204020204" pitchFamily="34" charset="-122"/>
+            </a:endParaRPr>
+          </a:p>
+          <a:p>
+            <a:pPr marL="520700" indent="-520700">
+              <a:lnSpc>
+                <a:spcPct val="120000"/>
+              </a:lnSpc>
+              <a:spcBef>
+                <a:spcPts val="1200"/>
+              </a:spcBef>
+              <a:buClr>
+                <a:schemeClr val="tx2"/>
+              </a:buClr>
+              <a:buFont typeface="Wingdings" charset="2"/>
+              <a:buChar char=""/>
+            </a:pPr>
+            <a:r>
+              <a:rPr lang="zh-CN" altLang="en-US" sz="3600" dirty="0">
+                <a:latin typeface="微软雅黑" panose="020B0503020204020204" pitchFamily="34" charset="-122"/>
+                <a:ea typeface="微软雅黑" panose="020B0503020204020204" pitchFamily="34" charset="-122"/>
+              </a:rPr>
+              <a:t>将代码</a:t>
+            </a:r>
+            <a:r>
+              <a:rPr lang="en-US" altLang="zh-CN" sz="3600" dirty="0">
+                <a:latin typeface="微软雅黑" panose="020B0503020204020204" pitchFamily="34" charset="-122"/>
+                <a:ea typeface="微软雅黑" panose="020B0503020204020204" pitchFamily="34" charset="-122"/>
+              </a:rPr>
+              <a:t>push</a:t>
+            </a:r>
+            <a:r>
+              <a:rPr lang="zh-CN" altLang="en-US" sz="3600" dirty="0">
+                <a:latin typeface="微软雅黑" panose="020B0503020204020204" pitchFamily="34" charset="-122"/>
+                <a:ea typeface="微软雅黑" panose="020B0503020204020204" pitchFamily="34" charset="-122"/>
+              </a:rPr>
+              <a:t>到</a:t>
+            </a:r>
+            <a:r>
+              <a:rPr lang="en-US" altLang="zh-CN" sz="3600" dirty="0">
+                <a:latin typeface="微软雅黑" panose="020B0503020204020204" pitchFamily="34" charset="-122"/>
+                <a:ea typeface="微软雅黑" panose="020B0503020204020204" pitchFamily="34" charset="-122"/>
+              </a:rPr>
+              <a:t>code club</a:t>
+            </a:r>
+            <a:r>
+              <a:rPr lang="zh-CN" altLang="en-US" sz="3600" dirty="0">
+                <a:latin typeface="微软雅黑" panose="020B0503020204020204" pitchFamily="34" charset="-122"/>
+                <a:ea typeface="微软雅黑" panose="020B0503020204020204" pitchFamily="34" charset="-122"/>
+              </a:rPr>
+              <a:t>上</a:t>
+            </a:r>
+            <a:endParaRPr lang="zh-Hans" altLang="en-US" sz="3600" dirty="0">
+              <a:latin typeface="微软雅黑" panose="020B0503020204020204" pitchFamily="34" charset="-122"/>
+              <a:ea typeface="微软雅黑" panose="020B0503020204020204" pitchFamily="34" charset="-122"/>
+            </a:endParaRPr>
+          </a:p>
+        </p:txBody>
+      </p:sp>
+      <p:sp>
+        <p:nvSpPr>
+          <p:cNvPr id="4" name="灯片编号占位符 3"/>
+          <p:cNvSpPr>
+            <a:spLocks noGrp="1"/>
+          </p:cNvSpPr>
+          <p:nvPr>
+            <p:ph type="sldNum" sz="quarter" idx="10"/>
+          </p:nvPr>
+        </p:nvSpPr>
+        <p:spPr/>
+        <p:txBody>
+          <a:bodyPr/>
+          <a:lstStyle/>
+          <a:p>
+            <a:pPr>
+              <a:defRPr/>
+            </a:pPr>
+            <a:fld id="{6BD71149-C6B6-DA41-AB69-4C8E97C931F0}" type="slidenum">
               <a:rPr lang="en-US" smtClean="0"/>
               <a:pPr>
                 <a:defRPr/>
               </a:pPr>
-              <a:t>10</a:t>
+              <a:t>11</a:t>
             </a:fld>
             <a:endParaRPr lang="en-US"/>
           </a:p>
@@ -11629,17 +11905,10 @@
     <a:masterClrMapping/>
   </p:clrMapOvr>
   <p:transition/>
-  <p:timing>
-    <p:tnLst>
-      <p:par>
-        <p:cTn id="1" dur="indefinite" restart="never" nodeType="tmRoot"/>
-      </p:par>
-    </p:tnLst>
-  </p:timing>
 </p:sld>
 </file>
 
-<file path=ppt/slides/slide11.xml><?xml version="1.0" encoding="utf-8"?>
+<file path=ppt/slides/slide12.xml><?xml version="1.0" encoding="utf-8"?>
 <p:sld xmlns:a="http://schemas.openxmlformats.org/drawingml/2006/main" xmlns:r="http://schemas.openxmlformats.org/officeDocument/2006/relationships" xmlns:p="http://schemas.openxmlformats.org/presentationml/2006/main">
   <p:cSld>
     <p:spTree>
@@ -11673,7 +11942,7 @@
           <a:p>
             <a:pPr algn="ctr"/>
             <a:r>
-              <a:rPr lang="en-US" altLang="zh-Hans" dirty="0" smtClean="0"/>
+              <a:rPr lang="en-US" altLang="zh-Hans" dirty="0"/>
               <a:t>Test-Driven Development</a:t>
             </a:r>
             <a:endParaRPr lang="zh-Hans" altLang="en-US" dirty="0"/>
@@ -11729,7 +11998,7 @@
               <a:pPr>
                 <a:defRPr/>
               </a:pPr>
-              <a:t>11</a:t>
+              <a:t>12</a:t>
             </a:fld>
             <a:endParaRPr lang="en-US"/>
           </a:p>
@@ -11746,441 +12015,10 @@
     <a:masterClrMapping/>
   </p:clrMapOvr>
   <p:transition/>
-  <p:timing>
-    <p:tnLst>
-      <p:par>
-        <p:cTn id="1" dur="indefinite" restart="never" nodeType="tmRoot"/>
-      </p:par>
-    </p:tnLst>
-  </p:timing>
-</p:sld>
-</file>
-
-<file path=ppt/slides/slide12.xml><?xml version="1.0" encoding="utf-8"?>
-<p:sld xmlns:a="http://schemas.openxmlformats.org/drawingml/2006/main" xmlns:r="http://schemas.openxmlformats.org/officeDocument/2006/relationships" xmlns:p="http://schemas.openxmlformats.org/presentationml/2006/main">
-  <p:cSld>
-    <p:spTree>
-      <p:nvGrpSpPr>
-        <p:cNvPr id="1" name=""/>
-        <p:cNvGrpSpPr/>
-        <p:nvPr/>
-      </p:nvGrpSpPr>
-      <p:grpSpPr>
-        <a:xfrm>
-          <a:off x="0" y="0"/>
-          <a:ext cx="0" cy="0"/>
-          <a:chOff x="0" y="0"/>
-          <a:chExt cx="0" cy="0"/>
-        </a:xfrm>
-      </p:grpSpPr>
-      <p:sp>
-        <p:nvSpPr>
-          <p:cNvPr id="2" name="标题 1"/>
-          <p:cNvSpPr>
-            <a:spLocks noGrp="1"/>
-          </p:cNvSpPr>
-          <p:nvPr>
-            <p:ph type="title"/>
-          </p:nvPr>
-        </p:nvSpPr>
-        <p:spPr/>
-        <p:txBody>
-          <a:bodyPr/>
-          <a:lstStyle/>
-          <a:p>
-            <a:pPr algn="ctr"/>
-            <a:r>
-              <a:rPr lang="en-US" altLang="zh-Hans" dirty="0" smtClean="0"/>
-              <a:t>TEST Fixture</a:t>
-            </a:r>
-            <a:endParaRPr lang="zh-Hans" altLang="en-US" dirty="0"/>
-          </a:p>
-        </p:txBody>
-      </p:sp>
-      <p:sp>
-        <p:nvSpPr>
-          <p:cNvPr id="3" name="内容占位符 2"/>
-          <p:cNvSpPr>
-            <a:spLocks noGrp="1"/>
-          </p:cNvSpPr>
-          <p:nvPr>
-            <p:ph idx="1"/>
-          </p:nvPr>
-        </p:nvSpPr>
-        <p:spPr/>
-        <p:txBody>
-          <a:bodyPr/>
-          <a:lstStyle/>
-          <a:p>
-            <a:pPr marL="0" lvl="0"/>
-            <a:r>
-              <a:rPr lang="en-US" altLang="zh-Hans" sz="4400" dirty="0" smtClean="0"/>
-              <a:t>A test fixture allows you to </a:t>
-            </a:r>
-            <a:r>
-              <a:rPr lang="en-US" altLang="zh-Hans" sz="4400" dirty="0" smtClean="0">
-                <a:solidFill>
-                  <a:srgbClr val="FF0000"/>
-                </a:solidFill>
-              </a:rPr>
-              <a:t>reuse</a:t>
-            </a:r>
-            <a:r>
-              <a:rPr lang="en-US" altLang="zh-Hans" sz="4400" dirty="0" smtClean="0"/>
-              <a:t> the same configuration of objects for several different tests</a:t>
-            </a:r>
-          </a:p>
-          <a:p>
-            <a:pPr marL="0"/>
-            <a:endParaRPr lang="zh-Hans" altLang="en-US" dirty="0"/>
-          </a:p>
-        </p:txBody>
-      </p:sp>
-      <p:sp>
-        <p:nvSpPr>
-          <p:cNvPr id="4" name="灯片编号占位符 3"/>
-          <p:cNvSpPr>
-            <a:spLocks noGrp="1"/>
-          </p:cNvSpPr>
-          <p:nvPr>
-            <p:ph type="sldNum" sz="quarter" idx="10"/>
-          </p:nvPr>
-        </p:nvSpPr>
-        <p:spPr/>
-        <p:txBody>
-          <a:bodyPr/>
-          <a:lstStyle/>
-          <a:p>
-            <a:pPr>
-              <a:defRPr/>
-            </a:pPr>
-            <a:fld id="{9FA9E053-A9C9-5E43-89F1-83E618EAF168}" type="slidenum">
-              <a:rPr lang="en-US" smtClean="0"/>
-              <a:pPr>
-                <a:defRPr/>
-              </a:pPr>
-              <a:t>12</a:t>
-            </a:fld>
-            <a:endParaRPr lang="en-US"/>
-          </a:p>
-        </p:txBody>
-      </p:sp>
-      <p:pic>
-        <p:nvPicPr>
-          <p:cNvPr id="4100" name="Picture 4"/>
-          <p:cNvPicPr>
-            <a:picLocks noChangeAspect="1" noChangeArrowheads="1"/>
-          </p:cNvPicPr>
-          <p:nvPr/>
-        </p:nvPicPr>
-        <p:blipFill>
-          <a:blip r:embed="rId2"/>
-          <a:srcRect/>
-          <a:stretch>
-            <a:fillRect/>
-          </a:stretch>
-        </p:blipFill>
-        <p:spPr bwMode="auto">
-          <a:xfrm>
-            <a:off x="3406056" y="3767600"/>
-            <a:ext cx="6696744" cy="5365981"/>
-          </a:xfrm>
-          <a:prstGeom prst="rect">
-            <a:avLst/>
-          </a:prstGeom>
-          <a:noFill/>
-          <a:ln w="9525">
-            <a:noFill/>
-            <a:miter lim="800000"/>
-            <a:headEnd/>
-            <a:tailEnd/>
-          </a:ln>
-        </p:spPr>
-      </p:pic>
-    </p:spTree>
-  </p:cSld>
-  <p:clrMapOvr>
-    <a:masterClrMapping/>
-  </p:clrMapOvr>
-  <p:transition/>
-  <p:timing>
-    <p:tnLst>
-      <p:par>
-        <p:cTn id="1" dur="indefinite" restart="never" nodeType="tmRoot"/>
-      </p:par>
-    </p:tnLst>
-  </p:timing>
 </p:sld>
 </file>
 
 <file path=ppt/slides/slide13.xml><?xml version="1.0" encoding="utf-8"?>
-<p:sld xmlns:a="http://schemas.openxmlformats.org/drawingml/2006/main" xmlns:r="http://schemas.openxmlformats.org/officeDocument/2006/relationships" xmlns:p="http://schemas.openxmlformats.org/presentationml/2006/main">
-  <p:cSld>
-    <p:spTree>
-      <p:nvGrpSpPr>
-        <p:cNvPr id="1" name=""/>
-        <p:cNvGrpSpPr/>
-        <p:nvPr/>
-      </p:nvGrpSpPr>
-      <p:grpSpPr>
-        <a:xfrm>
-          <a:off x="0" y="0"/>
-          <a:ext cx="0" cy="0"/>
-          <a:chOff x="0" y="0"/>
-          <a:chExt cx="0" cy="0"/>
-        </a:xfrm>
-      </p:grpSpPr>
-      <p:sp>
-        <p:nvSpPr>
-          <p:cNvPr id="2" name="标题 1"/>
-          <p:cNvSpPr>
-            <a:spLocks noGrp="1"/>
-          </p:cNvSpPr>
-          <p:nvPr>
-            <p:ph type="title"/>
-          </p:nvPr>
-        </p:nvSpPr>
-        <p:spPr/>
-        <p:txBody>
-          <a:bodyPr/>
-          <a:lstStyle/>
-          <a:p>
-            <a:pPr algn="ctr"/>
-            <a:r>
-              <a:rPr lang="en-US" altLang="zh-Hans" dirty="0" smtClean="0"/>
-              <a:t>TEST FIXTURE Internals</a:t>
-            </a:r>
-            <a:endParaRPr lang="zh-Hans" altLang="en-US" dirty="0"/>
-          </a:p>
-        </p:txBody>
-      </p:sp>
-      <p:sp>
-        <p:nvSpPr>
-          <p:cNvPr id="3" name="内容占位符 2"/>
-          <p:cNvSpPr>
-            <a:spLocks noGrp="1"/>
-          </p:cNvSpPr>
-          <p:nvPr>
-            <p:ph idx="1"/>
-          </p:nvPr>
-        </p:nvSpPr>
-        <p:spPr>
-          <a:xfrm>
-            <a:off x="6502400" y="1708596"/>
-            <a:ext cx="6121400" cy="7632700"/>
-          </a:xfrm>
-        </p:spPr>
-        <p:txBody>
-          <a:bodyPr/>
-          <a:lstStyle/>
-          <a:p>
-            <a:pPr latinLnBrk="1">
-              <a:buClr>
-                <a:schemeClr val="tx2"/>
-              </a:buClr>
-              <a:buFont typeface="Wingdings" pitchFamily="2" charset="2"/>
-              <a:buChar char="p"/>
-            </a:pPr>
-            <a:r>
-              <a:rPr lang="en-US" altLang="zh-Hans" sz="3200" dirty="0" smtClean="0">
-                <a:latin typeface="Open Sans Light"/>
-                <a:cs typeface="Calibri" pitchFamily="34" charset="0"/>
-              </a:rPr>
-              <a:t>Google Test constructs a </a:t>
-            </a:r>
-            <a:r>
-              <a:rPr lang="en-US" altLang="zh-Hans" sz="3200" dirty="0" err="1" smtClean="0">
-                <a:latin typeface="Open Sans Light"/>
-                <a:cs typeface="Calibri" pitchFamily="34" charset="0"/>
-              </a:rPr>
-              <a:t>BookSpec</a:t>
-            </a:r>
-            <a:r>
-              <a:rPr lang="en-US" altLang="zh-Hans" sz="3200" dirty="0" smtClean="0">
-                <a:latin typeface="Open Sans Light"/>
-                <a:cs typeface="Calibri" pitchFamily="34" charset="0"/>
-              </a:rPr>
-              <a:t> object (let's call it t1 ). </a:t>
-            </a:r>
-          </a:p>
-          <a:p>
-            <a:pPr latinLnBrk="1">
-              <a:buClr>
-                <a:schemeClr val="tx2"/>
-              </a:buClr>
-              <a:buFont typeface="Wingdings" pitchFamily="2" charset="2"/>
-              <a:buChar char="p"/>
-            </a:pPr>
-            <a:r>
-              <a:rPr lang="en-US" altLang="zh-Hans" sz="3200" dirty="0" smtClean="0">
-                <a:latin typeface="Open Sans Light"/>
-                <a:cs typeface="Calibri" pitchFamily="34" charset="0"/>
-              </a:rPr>
-              <a:t>t1.SetUp() initializes t1 . </a:t>
-            </a:r>
-          </a:p>
-          <a:p>
-            <a:pPr latinLnBrk="1">
-              <a:buClr>
-                <a:schemeClr val="tx2"/>
-              </a:buClr>
-              <a:buFont typeface="Wingdings" pitchFamily="2" charset="2"/>
-              <a:buChar char="p"/>
-            </a:pPr>
-            <a:r>
-              <a:rPr lang="en-US" altLang="zh-Hans" sz="3200" dirty="0" smtClean="0">
-                <a:latin typeface="Open Sans Light"/>
-                <a:cs typeface="Calibri" pitchFamily="34" charset="0"/>
-              </a:rPr>
-              <a:t>the test(</a:t>
-            </a:r>
-            <a:r>
-              <a:rPr lang="en-US" altLang="zh-Hans" sz="2800" dirty="0" err="1" smtClean="0">
-                <a:latin typeface="Open Sans Light"/>
-                <a:cs typeface="Calibri" pitchFamily="34" charset="0"/>
-              </a:rPr>
-              <a:t>ShouldAbleToBeCompared</a:t>
-            </a:r>
-            <a:r>
-              <a:rPr lang="en-US" altLang="zh-Hans" sz="2800" dirty="0" smtClean="0">
-                <a:latin typeface="Open Sans Light"/>
-                <a:cs typeface="Calibri" pitchFamily="34" charset="0"/>
-              </a:rPr>
-              <a:t>) </a:t>
-            </a:r>
-            <a:r>
-              <a:rPr lang="en-US" altLang="zh-Hans" sz="3200" dirty="0" smtClean="0">
-                <a:latin typeface="Open Sans Light"/>
-                <a:cs typeface="Calibri" pitchFamily="34" charset="0"/>
-              </a:rPr>
-              <a:t>runs on t1. </a:t>
-            </a:r>
-          </a:p>
-          <a:p>
-            <a:pPr latinLnBrk="1">
-              <a:buClr>
-                <a:schemeClr val="tx2"/>
-              </a:buClr>
-              <a:buFont typeface="Wingdings" pitchFamily="2" charset="2"/>
-              <a:buChar char="p"/>
-            </a:pPr>
-            <a:r>
-              <a:rPr lang="en-US" altLang="zh-Hans" sz="3200" dirty="0" smtClean="0">
-                <a:latin typeface="Open Sans Light"/>
-                <a:cs typeface="Calibri" pitchFamily="34" charset="0"/>
-              </a:rPr>
-              <a:t>t1.TearDown() cleans up after the test finishes. </a:t>
-            </a:r>
-          </a:p>
-          <a:p>
-            <a:pPr latinLnBrk="1">
-              <a:buClr>
-                <a:schemeClr val="tx2"/>
-              </a:buClr>
-              <a:buFont typeface="Wingdings" pitchFamily="2" charset="2"/>
-              <a:buChar char="p"/>
-            </a:pPr>
-            <a:r>
-              <a:rPr lang="en-US" altLang="zh-Hans" sz="3200" dirty="0" smtClean="0">
-                <a:latin typeface="Open Sans Light"/>
-                <a:cs typeface="Calibri" pitchFamily="34" charset="0"/>
-              </a:rPr>
-              <a:t>t1 is destructed. </a:t>
-            </a:r>
-          </a:p>
-          <a:p>
-            <a:pPr latinLnBrk="1">
-              <a:buClr>
-                <a:schemeClr val="tx2"/>
-              </a:buClr>
-              <a:buFont typeface="Wingdings" pitchFamily="2" charset="2"/>
-              <a:buChar char="p"/>
-            </a:pPr>
-            <a:endParaRPr lang="zh-Hans" altLang="en-US" sz="3200" dirty="0">
-              <a:latin typeface="Calibri" pitchFamily="34" charset="0"/>
-              <a:cs typeface="Calibri" pitchFamily="34" charset="0"/>
-            </a:endParaRPr>
-          </a:p>
-        </p:txBody>
-      </p:sp>
-      <p:sp>
-        <p:nvSpPr>
-          <p:cNvPr id="4" name="灯片编号占位符 3"/>
-          <p:cNvSpPr>
-            <a:spLocks noGrp="1"/>
-          </p:cNvSpPr>
-          <p:nvPr>
-            <p:ph type="sldNum" sz="quarter" idx="10"/>
-          </p:nvPr>
-        </p:nvSpPr>
-        <p:spPr/>
-        <p:txBody>
-          <a:bodyPr/>
-          <a:lstStyle/>
-          <a:p>
-            <a:pPr>
-              <a:defRPr/>
-            </a:pPr>
-            <a:fld id="{47194DCD-506D-1D43-A52D-140307FFEF14}" type="slidenum">
-              <a:rPr lang="en-US" smtClean="0"/>
-              <a:pPr>
-                <a:defRPr/>
-              </a:pPr>
-              <a:t>13</a:t>
-            </a:fld>
-            <a:endParaRPr lang="en-US"/>
-          </a:p>
-        </p:txBody>
-      </p:sp>
-      <p:pic>
-        <p:nvPicPr>
-          <p:cNvPr id="5124" name="Picture 4"/>
-          <p:cNvPicPr>
-            <a:picLocks noChangeAspect="1" noChangeArrowheads="1"/>
-          </p:cNvPicPr>
-          <p:nvPr/>
-        </p:nvPicPr>
-        <p:blipFill>
-          <a:blip r:embed="rId2"/>
-          <a:srcRect/>
-          <a:stretch>
-            <a:fillRect/>
-          </a:stretch>
-        </p:blipFill>
-        <p:spPr bwMode="auto">
-          <a:xfrm>
-            <a:off x="669752" y="1839490"/>
-            <a:ext cx="5448300" cy="6419850"/>
-          </a:xfrm>
-          <a:prstGeom prst="rect">
-            <a:avLst/>
-          </a:prstGeom>
-          <a:noFill/>
-          <a:ln w="9525">
-            <a:noFill/>
-            <a:miter lim="800000"/>
-            <a:headEnd/>
-            <a:tailEnd/>
-          </a:ln>
-        </p:spPr>
-      </p:pic>
-    </p:spTree>
-  </p:cSld>
-  <p:clrMapOvr>
-    <a:masterClrMapping/>
-  </p:clrMapOvr>
-  <p:transition/>
-  <p:timing>
-    <p:tnLst>
-      <p:par>
-        <p:cTn id="1" dur="indefinite" restart="never" nodeType="tmRoot"/>
-      </p:par>
-    </p:tnLst>
-  </p:timing>
-</p:sld>
-</file>
-
-<file path=ppt/slides/slide14.xml><?xml version="1.0" encoding="utf-8"?>
 <p:sld xmlns:a="http://schemas.openxmlformats.org/drawingml/2006/main" xmlns:r="http://schemas.openxmlformats.org/officeDocument/2006/relationships" xmlns:p="http://schemas.openxmlformats.org/presentationml/2006/main">
   <p:cSld>
     <p:spTree>
@@ -12219,10 +12057,16 @@
           <a:p>
             <a:pPr algn="ctr"/>
             <a:r>
-              <a:rPr lang="en-US" altLang="zh-Hans" sz="4800" dirty="0" smtClean="0"/>
-              <a:t>TO DO</a:t>
-            </a:r>
-            <a:endParaRPr lang="zh-Hans" altLang="en-US" sz="4800" dirty="0"/>
+              <a:rPr lang="en-US" altLang="zh-Hans" sz="4800" dirty="0">
+                <a:latin typeface="微软雅黑" panose="020B0503020204020204" pitchFamily="34" charset="-122"/>
+                <a:ea typeface="微软雅黑" panose="020B0503020204020204" pitchFamily="34" charset="-122"/>
+              </a:rPr>
+              <a:t>EXERCISE</a:t>
+            </a:r>
+            <a:endParaRPr lang="zh-Hans" altLang="en-US" sz="4800" dirty="0">
+              <a:latin typeface="微软雅黑" panose="020B0503020204020204" pitchFamily="34" charset="-122"/>
+              <a:ea typeface="微软雅黑" panose="020B0503020204020204" pitchFamily="34" charset="-122"/>
+            </a:endParaRPr>
           </a:p>
         </p:txBody>
       </p:sp>
@@ -12241,110 +12085,181 @@
           <a:bodyPr/>
           <a:lstStyle/>
           <a:p>
-            <a:pPr marL="0" indent="0">
-              <a:lnSpc>
-                <a:spcPct val="120000"/>
-              </a:lnSpc>
-              <a:spcBef>
-                <a:spcPts val="1200"/>
-              </a:spcBef>
-              <a:buClr>
-                <a:schemeClr val="tx2"/>
-              </a:buClr>
+            <a:pPr marL="514350" indent="-514350">
+              <a:buFont typeface="Wingdings" panose="05000000000000000000" pitchFamily="2" charset="2"/>
+              <a:buChar char="p"/>
             </a:pPr>
-            <a:endParaRPr lang="zh-Hans" altLang="en-US" sz="3600" dirty="0"/>
-          </a:p>
-          <a:p>
-            <a:pPr marL="520700" indent="-520700">
-              <a:lnSpc>
-                <a:spcPct val="120000"/>
-              </a:lnSpc>
-              <a:spcBef>
-                <a:spcPts val="1200"/>
-              </a:spcBef>
-              <a:buClr>
-                <a:schemeClr val="tx2"/>
-              </a:buClr>
-              <a:buFont typeface="Wingdings" charset="2"/>
-              <a:buChar char=""/>
+            <a:r>
+              <a:rPr lang="zh-CN" altLang="en-US" sz="3600" dirty="0">
+                <a:latin typeface="微软雅黑" panose="020B0503020204020204" pitchFamily="34" charset="-122"/>
+                <a:ea typeface="微软雅黑" panose="020B0503020204020204" pitchFamily="34" charset="-122"/>
+              </a:rPr>
+              <a:t>学生报数时，如果所报数字同时是两个特殊数的倍数情况下，也要特殊处理，比如第一个特殊数和第二个特殊数的倍数，那么不能说该数字，而是要说</a:t>
+            </a:r>
+            <a:r>
+              <a:rPr lang="en-US" altLang="zh-CN" sz="3600" dirty="0" err="1">
+                <a:latin typeface="微软雅黑" panose="020B0503020204020204" pitchFamily="34" charset="-122"/>
+                <a:ea typeface="微软雅黑" panose="020B0503020204020204" pitchFamily="34" charset="-122"/>
+              </a:rPr>
+              <a:t>FizzBuzz</a:t>
+            </a:r>
+            <a:r>
+              <a:rPr lang="en-US" altLang="zh-CN" sz="3600" dirty="0">
+                <a:latin typeface="微软雅黑" panose="020B0503020204020204" pitchFamily="34" charset="-122"/>
+                <a:ea typeface="微软雅黑" panose="020B0503020204020204" pitchFamily="34" charset="-122"/>
+              </a:rPr>
+              <a:t>, </a:t>
+            </a:r>
+            <a:r>
+              <a:rPr lang="zh-CN" altLang="en-US" sz="3600" dirty="0">
+                <a:latin typeface="微软雅黑" panose="020B0503020204020204" pitchFamily="34" charset="-122"/>
+                <a:ea typeface="微软雅黑" panose="020B0503020204020204" pitchFamily="34" charset="-122"/>
+              </a:rPr>
+              <a:t>以此类推。如果同时是三个特殊数的倍数，那么要说</a:t>
+            </a:r>
+            <a:r>
+              <a:rPr lang="en-US" altLang="zh-CN" sz="3600" dirty="0" err="1">
+                <a:latin typeface="微软雅黑" panose="020B0503020204020204" pitchFamily="34" charset="-122"/>
+                <a:ea typeface="微软雅黑" panose="020B0503020204020204" pitchFamily="34" charset="-122"/>
+              </a:rPr>
+              <a:t>FizzBuzzWhizz</a:t>
+            </a:r>
+            <a:r>
+              <a:rPr lang="zh-CN" altLang="en-US" sz="3600" dirty="0">
+                <a:latin typeface="微软雅黑" panose="020B0503020204020204" pitchFamily="34" charset="-122"/>
+                <a:ea typeface="微软雅黑" panose="020B0503020204020204" pitchFamily="34" charset="-122"/>
+              </a:rPr>
+              <a:t>。 </a:t>
+            </a:r>
+            <a:endParaRPr lang="en-US" altLang="zh-CN" sz="3600" dirty="0">
+              <a:latin typeface="微软雅黑" panose="020B0503020204020204" pitchFamily="34" charset="-122"/>
+              <a:ea typeface="微软雅黑" panose="020B0503020204020204" pitchFamily="34" charset="-122"/>
+            </a:endParaRPr>
+          </a:p>
+          <a:p>
+            <a:pPr marL="514350" indent="-514350">
+              <a:buFont typeface="Wingdings" panose="05000000000000000000" pitchFamily="2" charset="2"/>
+              <a:buChar char="p"/>
             </a:pPr>
             <a:r>
-              <a:rPr lang="zh-Hans" altLang="en-US" sz="3600" dirty="0" smtClean="0"/>
-              <a:t>使用</a:t>
-            </a:r>
-            <a:r>
-              <a:rPr lang="en-US" altLang="zh-Hans" sz="3600" dirty="0"/>
-              <a:t>Test Fixture</a:t>
-            </a:r>
-            <a:r>
-              <a:rPr lang="zh-Hans" altLang="en-US" sz="3600" dirty="0"/>
-              <a:t>对测试</a:t>
-            </a:r>
-            <a:r>
-              <a:rPr lang="zh-Hans" altLang="en-US" sz="3600" dirty="0" smtClean="0"/>
-              <a:t>代码重构</a:t>
-            </a:r>
-            <a:r>
-              <a:rPr lang="en-US" altLang="zh-Hans" sz="3600" dirty="0" smtClean="0"/>
-              <a:t>, </a:t>
-            </a:r>
-            <a:r>
-              <a:rPr lang="zh-Hans" altLang="en-US" sz="3600" dirty="0" smtClean="0"/>
-              <a:t>提取公共逻辑</a:t>
-            </a:r>
-            <a:endParaRPr lang="en-US" altLang="zh-Hans" sz="800" dirty="0"/>
-          </a:p>
-          <a:p>
-            <a:pPr marL="520700" indent="-520700">
-              <a:lnSpc>
-                <a:spcPct val="120000"/>
-              </a:lnSpc>
-              <a:spcBef>
-                <a:spcPts val="1200"/>
-              </a:spcBef>
-              <a:buClr>
-                <a:schemeClr val="tx2"/>
-              </a:buClr>
-              <a:buFont typeface="Wingdings" charset="2"/>
-              <a:buChar char=""/>
-            </a:pPr>
-            <a:endParaRPr lang="zh-Hans" altLang="en-US" sz="3600" dirty="0" smtClean="0"/>
-          </a:p>
-          <a:p>
-            <a:pPr marL="520700" indent="-520700">
-              <a:lnSpc>
-                <a:spcPct val="120000"/>
-              </a:lnSpc>
-              <a:spcBef>
-                <a:spcPts val="1200"/>
-              </a:spcBef>
-              <a:buClr>
-                <a:schemeClr val="tx2"/>
-              </a:buClr>
-              <a:buFont typeface="Wingdings" charset="2"/>
-              <a:buChar char=""/>
-            </a:pPr>
-            <a:r>
-              <a:rPr lang="zh-Hans" altLang="en-US" sz="3600" dirty="0" smtClean="0"/>
-              <a:t>将代码</a:t>
-            </a:r>
-            <a:r>
-              <a:rPr lang="en-US" altLang="zh-CN" sz="3600" dirty="0" smtClean="0"/>
-              <a:t>push</a:t>
-            </a:r>
-            <a:r>
-              <a:rPr lang="zh-CN" altLang="en-US" sz="3600" dirty="0" smtClean="0"/>
-              <a:t>到</a:t>
-            </a:r>
-            <a:r>
-              <a:rPr lang="en-US" altLang="zh-CN" sz="3600" dirty="0" err="1" smtClean="0"/>
-              <a:t>github</a:t>
-            </a:r>
-            <a:r>
-              <a:rPr lang="zh-CN" altLang="en-US" sz="3600" dirty="0" smtClean="0"/>
-              <a:t>上</a:t>
-            </a:r>
-            <a:endParaRPr lang="zh-Hans" altLang="en-US" sz="3600" dirty="0"/>
+              <a:rPr lang="zh-CN" altLang="en-US" sz="3600" dirty="0">
+                <a:latin typeface="微软雅黑" panose="020B0503020204020204" pitchFamily="34" charset="-122"/>
+                <a:ea typeface="微软雅黑" panose="020B0503020204020204" pitchFamily="34" charset="-122"/>
+              </a:rPr>
+              <a:t>学生报数时，如果所报数字包含了第一个特殊数，那么也不能说该数字，而是要说相应的单词，比如本例中第一个特殊数是</a:t>
+            </a:r>
+            <a:r>
+              <a:rPr lang="en-US" altLang="zh-CN" sz="3600" dirty="0">
+                <a:latin typeface="微软雅黑" panose="020B0503020204020204" pitchFamily="34" charset="-122"/>
+                <a:ea typeface="微软雅黑" panose="020B0503020204020204" pitchFamily="34" charset="-122"/>
+              </a:rPr>
+              <a:t>3</a:t>
+            </a:r>
+            <a:r>
+              <a:rPr lang="zh-CN" altLang="en-US" sz="3600" dirty="0">
+                <a:latin typeface="微软雅黑" panose="020B0503020204020204" pitchFamily="34" charset="-122"/>
+                <a:ea typeface="微软雅黑" panose="020B0503020204020204" pitchFamily="34" charset="-122"/>
+              </a:rPr>
+              <a:t>，那么要报</a:t>
+            </a:r>
+            <a:r>
+              <a:rPr lang="en-US" altLang="zh-CN" sz="3600" dirty="0">
+                <a:latin typeface="微软雅黑" panose="020B0503020204020204" pitchFamily="34" charset="-122"/>
+                <a:ea typeface="微软雅黑" panose="020B0503020204020204" pitchFamily="34" charset="-122"/>
+              </a:rPr>
+              <a:t>13</a:t>
+            </a:r>
+            <a:r>
+              <a:rPr lang="zh-CN" altLang="en-US" sz="3600" dirty="0">
+                <a:latin typeface="微软雅黑" panose="020B0503020204020204" pitchFamily="34" charset="-122"/>
+                <a:ea typeface="微软雅黑" panose="020B0503020204020204" pitchFamily="34" charset="-122"/>
+              </a:rPr>
+              <a:t>的同学应该说</a:t>
+            </a:r>
+            <a:r>
+              <a:rPr lang="en-US" altLang="zh-CN" sz="3600" dirty="0">
+                <a:latin typeface="微软雅黑" panose="020B0503020204020204" pitchFamily="34" charset="-122"/>
+                <a:ea typeface="微软雅黑" panose="020B0503020204020204" pitchFamily="34" charset="-122"/>
+              </a:rPr>
+              <a:t>Fizz</a:t>
+            </a:r>
+            <a:r>
+              <a:rPr lang="zh-CN" altLang="en-US" sz="3600" dirty="0">
+                <a:latin typeface="微软雅黑" panose="020B0503020204020204" pitchFamily="34" charset="-122"/>
+                <a:ea typeface="微软雅黑" panose="020B0503020204020204" pitchFamily="34" charset="-122"/>
+              </a:rPr>
+              <a:t>。如果数字中包含了第一个特殊数，那么忽略规则</a:t>
+            </a:r>
+            <a:r>
+              <a:rPr lang="en-US" altLang="zh-CN" sz="3600" dirty="0">
+                <a:latin typeface="微软雅黑" panose="020B0503020204020204" pitchFamily="34" charset="-122"/>
+                <a:ea typeface="微软雅黑" panose="020B0503020204020204" pitchFamily="34" charset="-122"/>
+              </a:rPr>
+              <a:t>3</a:t>
+            </a:r>
+            <a:r>
+              <a:rPr lang="zh-CN" altLang="en-US" sz="3600" dirty="0">
+                <a:latin typeface="微软雅黑" panose="020B0503020204020204" pitchFamily="34" charset="-122"/>
+                <a:ea typeface="微软雅黑" panose="020B0503020204020204" pitchFamily="34" charset="-122"/>
+              </a:rPr>
+              <a:t>和规则</a:t>
+            </a:r>
+            <a:r>
+              <a:rPr lang="en-US" altLang="zh-CN" sz="3600" dirty="0">
+                <a:latin typeface="微软雅黑" panose="020B0503020204020204" pitchFamily="34" charset="-122"/>
+                <a:ea typeface="微软雅黑" panose="020B0503020204020204" pitchFamily="34" charset="-122"/>
+              </a:rPr>
+              <a:t>4</a:t>
+            </a:r>
+            <a:r>
+              <a:rPr lang="zh-CN" altLang="en-US" sz="3600" dirty="0">
+                <a:latin typeface="微软雅黑" panose="020B0503020204020204" pitchFamily="34" charset="-122"/>
+                <a:ea typeface="微软雅黑" panose="020B0503020204020204" pitchFamily="34" charset="-122"/>
+              </a:rPr>
+              <a:t>，比如要报</a:t>
+            </a:r>
+            <a:r>
+              <a:rPr lang="en-US" altLang="zh-CN" sz="3600" dirty="0">
+                <a:latin typeface="微软雅黑" panose="020B0503020204020204" pitchFamily="34" charset="-122"/>
+                <a:ea typeface="微软雅黑" panose="020B0503020204020204" pitchFamily="34" charset="-122"/>
+              </a:rPr>
+              <a:t>35</a:t>
+            </a:r>
+            <a:r>
+              <a:rPr lang="zh-CN" altLang="en-US" sz="3600" dirty="0">
+                <a:latin typeface="微软雅黑" panose="020B0503020204020204" pitchFamily="34" charset="-122"/>
+                <a:ea typeface="微软雅黑" panose="020B0503020204020204" pitchFamily="34" charset="-122"/>
+              </a:rPr>
+              <a:t>的同学只报</a:t>
+            </a:r>
+            <a:r>
+              <a:rPr lang="en-US" altLang="zh-CN" sz="3600" dirty="0">
+                <a:latin typeface="微软雅黑" panose="020B0503020204020204" pitchFamily="34" charset="-122"/>
+                <a:ea typeface="微软雅黑" panose="020B0503020204020204" pitchFamily="34" charset="-122"/>
+              </a:rPr>
+              <a:t>Fizz</a:t>
+            </a:r>
+            <a:r>
+              <a:rPr lang="zh-CN" altLang="en-US" sz="3600" dirty="0">
+                <a:latin typeface="微软雅黑" panose="020B0503020204020204" pitchFamily="34" charset="-122"/>
+                <a:ea typeface="微软雅黑" panose="020B0503020204020204" pitchFamily="34" charset="-122"/>
+              </a:rPr>
+              <a:t>，不报</a:t>
+            </a:r>
+            <a:r>
+              <a:rPr lang="en-US" altLang="zh-CN" sz="3600" dirty="0" err="1">
+                <a:latin typeface="微软雅黑" panose="020B0503020204020204" pitchFamily="34" charset="-122"/>
+                <a:ea typeface="微软雅黑" panose="020B0503020204020204" pitchFamily="34" charset="-122"/>
+              </a:rPr>
+              <a:t>BuzzWhizz</a:t>
+            </a:r>
+            <a:r>
+              <a:rPr lang="zh-CN" altLang="en-US" sz="3600" dirty="0">
+                <a:latin typeface="微软雅黑" panose="020B0503020204020204" pitchFamily="34" charset="-122"/>
+                <a:ea typeface="微软雅黑" panose="020B0503020204020204" pitchFamily="34" charset="-122"/>
+              </a:rPr>
+              <a:t>。</a:t>
+            </a:r>
           </a:p>
         </p:txBody>
       </p:sp>
@@ -12367,13 +12282,3559 @@
               <a:defRPr/>
             </a:pPr>
             <a:fld id="{6BD71149-C6B6-DA41-AB69-4C8E97C931F0}" type="slidenum">
-              <a:rPr lang="en-US" smtClean="0"/>
+              <a:rPr lang="en-US" smtClean="0">
+                <a:latin typeface="微软雅黑" panose="020B0503020204020204" pitchFamily="34" charset="-122"/>
+                <a:ea typeface="微软雅黑" panose="020B0503020204020204" pitchFamily="34" charset="-122"/>
+              </a:rPr>
+              <a:pPr>
+                <a:defRPr/>
+              </a:pPr>
+              <a:t>13</a:t>
+            </a:fld>
+            <a:endParaRPr lang="en-US">
+              <a:latin typeface="微软雅黑" panose="020B0503020204020204" pitchFamily="34" charset="-122"/>
+              <a:ea typeface="微软雅黑" panose="020B0503020204020204" pitchFamily="34" charset="-122"/>
+            </a:endParaRPr>
+          </a:p>
+        </p:txBody>
+      </p:sp>
+      <p:pic>
+        <p:nvPicPr>
+          <p:cNvPr id="5" name="Glyph Inventory 1_go-self-service.jpg"/>
+          <p:cNvPicPr/>
+          <p:nvPr/>
+        </p:nvPicPr>
+        <p:blipFill>
+          <a:blip r:embed="rId2">
+            <a:extLst/>
+          </a:blip>
+          <a:stretch>
+            <a:fillRect/>
+          </a:stretch>
+        </p:blipFill>
+        <p:spPr>
+          <a:xfrm>
+            <a:off x="385233" y="1189194"/>
+            <a:ext cx="3039534" cy="3039534"/>
+          </a:xfrm>
+          <a:prstGeom prst="rect">
+            <a:avLst/>
+          </a:prstGeom>
+          <a:ln w="12700">
+            <a:miter lim="400000"/>
+          </a:ln>
+        </p:spPr>
+      </p:pic>
+    </p:spTree>
+    <p:extLst>
+      <p:ext uri="{BB962C8B-B14F-4D97-AF65-F5344CB8AC3E}">
+        <p14:creationId xmlns:p14="http://schemas.microsoft.com/office/powerpoint/2010/main" val="3670343816"/>
+      </p:ext>
+    </p:extLst>
+  </p:cSld>
+  <p:clrMapOvr>
+    <a:masterClrMapping/>
+  </p:clrMapOvr>
+  <p:transition/>
+</p:sld>
+</file>
+
+<file path=ppt/slides/slide14.xml><?xml version="1.0" encoding="utf-8"?>
+<p:sld xmlns:a="http://schemas.openxmlformats.org/drawingml/2006/main" xmlns:r="http://schemas.openxmlformats.org/officeDocument/2006/relationships" xmlns:p="http://schemas.openxmlformats.org/presentationml/2006/main">
+  <p:cSld>
+    <p:spTree>
+      <p:nvGrpSpPr>
+        <p:cNvPr id="1" name=""/>
+        <p:cNvGrpSpPr/>
+        <p:nvPr/>
+      </p:nvGrpSpPr>
+      <p:grpSpPr>
+        <a:xfrm>
+          <a:off x="0" y="0"/>
+          <a:ext cx="0" cy="0"/>
+          <a:chOff x="0" y="0"/>
+          <a:chExt cx="0" cy="0"/>
+        </a:xfrm>
+      </p:grpSpPr>
+      <p:sp>
+        <p:nvSpPr>
+          <p:cNvPr id="2" name="标题 1"/>
+          <p:cNvSpPr>
+            <a:spLocks noGrp="1"/>
+          </p:cNvSpPr>
+          <p:nvPr>
+            <p:ph type="title"/>
+          </p:nvPr>
+        </p:nvSpPr>
+        <p:spPr/>
+        <p:txBody>
+          <a:bodyPr/>
+          <a:lstStyle/>
+          <a:p>
+            <a:pPr algn="ctr"/>
+            <a:r>
+              <a:rPr lang="en-US" altLang="zh-Hans" dirty="0">
+                <a:latin typeface="微软雅黑" panose="020B0503020204020204" pitchFamily="34" charset="-122"/>
+                <a:ea typeface="微软雅黑" panose="020B0503020204020204" pitchFamily="34" charset="-122"/>
+              </a:rPr>
+              <a:t>Shared Variables</a:t>
+            </a:r>
+            <a:endParaRPr lang="zh-Hans" altLang="en-US" dirty="0">
+              <a:latin typeface="微软雅黑" panose="020B0503020204020204" pitchFamily="34" charset="-122"/>
+              <a:ea typeface="微软雅黑" panose="020B0503020204020204" pitchFamily="34" charset="-122"/>
+            </a:endParaRPr>
+          </a:p>
+        </p:txBody>
+      </p:sp>
+      <p:sp>
+        <p:nvSpPr>
+          <p:cNvPr id="4" name="灯片编号占位符 3"/>
+          <p:cNvSpPr>
+            <a:spLocks noGrp="1"/>
+          </p:cNvSpPr>
+          <p:nvPr>
+            <p:ph type="sldNum" sz="quarter" idx="10"/>
+          </p:nvPr>
+        </p:nvSpPr>
+        <p:spPr/>
+        <p:txBody>
+          <a:bodyPr/>
+          <a:lstStyle/>
+          <a:p>
+            <a:pPr>
+              <a:defRPr/>
+            </a:pPr>
+            <a:fld id="{47194DCD-506D-1D43-A52D-140307FFEF14}" type="slidenum">
+              <a:rPr lang="en-US" smtClean="0">
+                <a:latin typeface="微软雅黑" panose="020B0503020204020204" pitchFamily="34" charset="-122"/>
+                <a:ea typeface="微软雅黑" panose="020B0503020204020204" pitchFamily="34" charset="-122"/>
+              </a:rPr>
               <a:pPr>
                 <a:defRPr/>
               </a:pPr>
               <a:t>14</a:t>
             </a:fld>
+            <a:endParaRPr lang="en-US">
+              <a:latin typeface="微软雅黑" panose="020B0503020204020204" pitchFamily="34" charset="-122"/>
+              <a:ea typeface="微软雅黑" panose="020B0503020204020204" pitchFamily="34" charset="-122"/>
+            </a:endParaRPr>
+          </a:p>
+        </p:txBody>
+      </p:sp>
+      <p:pic>
+        <p:nvPicPr>
+          <p:cNvPr id="13" name="图片 12"/>
+          <p:cNvPicPr>
+            <a:picLocks noChangeAspect="1"/>
+          </p:cNvPicPr>
+          <p:nvPr/>
+        </p:nvPicPr>
+        <p:blipFill>
+          <a:blip r:embed="rId2"/>
+          <a:stretch>
+            <a:fillRect/>
+          </a:stretch>
+        </p:blipFill>
+        <p:spPr>
+          <a:xfrm>
+            <a:off x="381000" y="1391118"/>
+            <a:ext cx="6723809" cy="3752381"/>
+          </a:xfrm>
+          <a:prstGeom prst="rect">
+            <a:avLst/>
+          </a:prstGeom>
+        </p:spPr>
+      </p:pic>
+      <p:pic>
+        <p:nvPicPr>
+          <p:cNvPr id="14" name="图片 13"/>
+          <p:cNvPicPr>
+            <a:picLocks noChangeAspect="1"/>
+          </p:cNvPicPr>
+          <p:nvPr/>
+        </p:nvPicPr>
+        <p:blipFill>
+          <a:blip r:embed="rId3"/>
+          <a:stretch>
+            <a:fillRect/>
+          </a:stretch>
+        </p:blipFill>
+        <p:spPr>
+          <a:xfrm>
+            <a:off x="6138086" y="5544014"/>
+            <a:ext cx="6485714" cy="3714286"/>
+          </a:xfrm>
+          <a:prstGeom prst="rect">
+            <a:avLst/>
+          </a:prstGeom>
+        </p:spPr>
+      </p:pic>
+      <p:cxnSp>
+        <p:nvCxnSpPr>
+          <p:cNvPr id="21" name="直接连接符 20"/>
+          <p:cNvCxnSpPr/>
+          <p:nvPr/>
+        </p:nvCxnSpPr>
+        <p:spPr bwMode="auto">
+          <a:xfrm>
+            <a:off x="957784" y="1977430"/>
+            <a:ext cx="7272808" cy="0"/>
+          </a:xfrm>
+          <a:prstGeom prst="line">
+            <a:avLst/>
+          </a:prstGeom>
+          <a:ln>
+            <a:solidFill>
+              <a:srgbClr val="FF0000"/>
+            </a:solidFill>
+          </a:ln>
+          <a:extLst>
+            <a:ext uri="{91240B29-F687-4f45-9708-019B960494DF}">
+              <a14:hiddenLine xmlns="" xmlns:a14="http://schemas.microsoft.com/office/drawing/2010/main" w="25400" cap="flat" cmpd="sng" algn="ctr">
+                <a:solidFill>
+                  <a:srgbClr val="000000"/>
+                </a:solidFill>
+                <a:prstDash val="solid"/>
+                <a:round/>
+                <a:headEnd type="none" w="med" len="med"/>
+                <a:tailEnd type="none" w="med" len="med"/>
+              </a14:hiddenLine>
+            </a:ext>
+            <a:ext uri="{AF507438-7753-43e0-B8FC-AC1667EBCBE1}">
+              <a14:hiddenEffects xmlns="" xmlns:a14="http://schemas.microsoft.com/office/drawing/2010/main">
+                <a:effectLst>
+                  <a:outerShdw blurRad="63500" dist="38099" dir="2700000" algn="ctr" rotWithShape="0">
+                    <a:schemeClr val="bg2">
+                      <a:alpha val="74998"/>
+                    </a:schemeClr>
+                  </a:outerShdw>
+                </a:effectLst>
+              </a14:hiddenEffects>
+            </a:ext>
+          </a:extLst>
+        </p:spPr>
+        <p:style>
+          <a:lnRef idx="2">
+            <a:schemeClr val="accent5"/>
+          </a:lnRef>
+          <a:fillRef idx="0">
+            <a:schemeClr val="accent5"/>
+          </a:fillRef>
+          <a:effectRef idx="1">
+            <a:schemeClr val="accent5"/>
+          </a:effectRef>
+          <a:fontRef idx="minor">
+            <a:schemeClr val="tx1"/>
+          </a:fontRef>
+        </p:style>
+      </p:cxnSp>
+      <p:cxnSp>
+        <p:nvCxnSpPr>
+          <p:cNvPr id="26" name="直接连接符 25"/>
+          <p:cNvCxnSpPr/>
+          <p:nvPr/>
+        </p:nvCxnSpPr>
+        <p:spPr bwMode="auto">
+          <a:xfrm>
+            <a:off x="957784" y="3978796"/>
+            <a:ext cx="7272808" cy="0"/>
+          </a:xfrm>
+          <a:prstGeom prst="line">
+            <a:avLst/>
+          </a:prstGeom>
+          <a:ln>
+            <a:solidFill>
+              <a:srgbClr val="FF0000"/>
+            </a:solidFill>
+          </a:ln>
+          <a:extLst>
+            <a:ext uri="{91240B29-F687-4f45-9708-019B960494DF}">
+              <a14:hiddenLine xmlns="" xmlns:a14="http://schemas.microsoft.com/office/drawing/2010/main" w="25400" cap="flat" cmpd="sng" algn="ctr">
+                <a:solidFill>
+                  <a:srgbClr val="000000"/>
+                </a:solidFill>
+                <a:prstDash val="solid"/>
+                <a:round/>
+                <a:headEnd type="none" w="med" len="med"/>
+                <a:tailEnd type="none" w="med" len="med"/>
+              </a14:hiddenLine>
+            </a:ext>
+            <a:ext uri="{AF507438-7753-43e0-B8FC-AC1667EBCBE1}">
+              <a14:hiddenEffects xmlns="" xmlns:a14="http://schemas.microsoft.com/office/drawing/2010/main">
+                <a:effectLst>
+                  <a:outerShdw blurRad="63500" dist="38099" dir="2700000" algn="ctr" rotWithShape="0">
+                    <a:schemeClr val="bg2">
+                      <a:alpha val="74998"/>
+                    </a:schemeClr>
+                  </a:outerShdw>
+                </a:effectLst>
+              </a14:hiddenEffects>
+            </a:ext>
+          </a:extLst>
+        </p:spPr>
+        <p:style>
+          <a:lnRef idx="2">
+            <a:schemeClr val="accent5"/>
+          </a:lnRef>
+          <a:fillRef idx="0">
+            <a:schemeClr val="accent5"/>
+          </a:fillRef>
+          <a:effectRef idx="1">
+            <a:schemeClr val="accent5"/>
+          </a:effectRef>
+          <a:fontRef idx="minor">
+            <a:schemeClr val="tx1"/>
+          </a:fontRef>
+        </p:style>
+      </p:cxnSp>
+      <p:cxnSp>
+        <p:nvCxnSpPr>
+          <p:cNvPr id="31" name="直接箭头连接符 30"/>
+          <p:cNvCxnSpPr/>
+          <p:nvPr/>
+        </p:nvCxnSpPr>
+        <p:spPr bwMode="auto">
+          <a:xfrm>
+            <a:off x="8230592" y="1977430"/>
+            <a:ext cx="0" cy="3566584"/>
+          </a:xfrm>
+          <a:prstGeom prst="straightConnector1">
+            <a:avLst/>
+          </a:prstGeom>
+          <a:ln>
+            <a:solidFill>
+              <a:srgbClr val="FF0000"/>
+            </a:solidFill>
+            <a:tailEnd type="triangle"/>
+          </a:ln>
+          <a:extLst>
+            <a:ext uri="{91240B29-F687-4f45-9708-019B960494DF}">
+              <a14:hiddenLine xmlns="" xmlns:a14="http://schemas.microsoft.com/office/drawing/2010/main" w="25400" cap="flat" cmpd="sng" algn="ctr">
+                <a:solidFill>
+                  <a:srgbClr val="000000"/>
+                </a:solidFill>
+                <a:prstDash val="solid"/>
+                <a:round/>
+                <a:headEnd type="none" w="med" len="med"/>
+                <a:tailEnd type="none" w="med" len="med"/>
+              </a14:hiddenLine>
+            </a:ext>
+            <a:ext uri="{AF507438-7753-43e0-B8FC-AC1667EBCBE1}">
+              <a14:hiddenEffects xmlns="" xmlns:a14="http://schemas.microsoft.com/office/drawing/2010/main">
+                <a:effectLst>
+                  <a:outerShdw blurRad="63500" dist="38099" dir="2700000" algn="ctr" rotWithShape="0">
+                    <a:schemeClr val="bg2">
+                      <a:alpha val="74998"/>
+                    </a:schemeClr>
+                  </a:outerShdw>
+                </a:effectLst>
+              </a14:hiddenEffects>
+            </a:ext>
+          </a:extLst>
+        </p:spPr>
+        <p:style>
+          <a:lnRef idx="2">
+            <a:schemeClr val="accent5"/>
+          </a:lnRef>
+          <a:fillRef idx="0">
+            <a:schemeClr val="accent5"/>
+          </a:fillRef>
+          <a:effectRef idx="1">
+            <a:schemeClr val="accent5"/>
+          </a:effectRef>
+          <a:fontRef idx="minor">
+            <a:schemeClr val="tx1"/>
+          </a:fontRef>
+        </p:style>
+      </p:cxnSp>
+      <p:sp>
+        <p:nvSpPr>
+          <p:cNvPr id="35" name="文本框 34"/>
+          <p:cNvSpPr txBox="1"/>
+          <p:nvPr/>
+        </p:nvSpPr>
+        <p:spPr>
+          <a:xfrm>
+            <a:off x="8374608" y="3345010"/>
+            <a:ext cx="2209707" cy="400110"/>
+          </a:xfrm>
+          <a:prstGeom prst="rect">
+            <a:avLst/>
+          </a:prstGeom>
+          <a:noFill/>
+        </p:spPr>
+        <p:txBody>
+          <a:bodyPr wrap="none" rtlCol="0">
+            <a:spAutoFit/>
+          </a:bodyPr>
+          <a:lstStyle/>
+          <a:p>
+            <a:pPr>
+              <a:lnSpc>
+                <a:spcPct val="100000"/>
+              </a:lnSpc>
+            </a:pPr>
+            <a:r>
+              <a:rPr lang="en-US" altLang="zh-CN" sz="2000" dirty="0">
+                <a:latin typeface="微软雅黑" panose="020B0503020204020204" pitchFamily="34" charset="-122"/>
+                <a:ea typeface="微软雅黑" panose="020B0503020204020204" pitchFamily="34" charset="-122"/>
+              </a:rPr>
+              <a:t>Shared Variables</a:t>
+            </a:r>
+            <a:endParaRPr lang="zh-CN" altLang="en-US" sz="2000" dirty="0">
+              <a:latin typeface="微软雅黑" panose="020B0503020204020204" pitchFamily="34" charset="-122"/>
+              <a:ea typeface="微软雅黑" panose="020B0503020204020204" pitchFamily="34" charset="-122"/>
+            </a:endParaRPr>
+          </a:p>
+        </p:txBody>
+      </p:sp>
+      <p:sp>
+        <p:nvSpPr>
+          <p:cNvPr id="36" name="内容占位符 2"/>
+          <p:cNvSpPr>
+            <a:spLocks noGrp="1"/>
+          </p:cNvSpPr>
+          <p:nvPr>
+            <p:ph idx="1"/>
+          </p:nvPr>
+        </p:nvSpPr>
+        <p:spPr>
+          <a:xfrm>
+            <a:off x="406823" y="5980161"/>
+            <a:ext cx="5245100" cy="3325763"/>
+          </a:xfrm>
+        </p:spPr>
+        <p:txBody>
+          <a:bodyPr/>
+          <a:lstStyle/>
+          <a:p>
+            <a:pPr latinLnBrk="1">
+              <a:buClr>
+                <a:schemeClr val="tx2"/>
+              </a:buClr>
+              <a:buFont typeface="Wingdings" pitchFamily="2" charset="2"/>
+              <a:buChar char="p"/>
+            </a:pPr>
+            <a:r>
+              <a:rPr lang="en-US" altLang="zh-Hans" sz="2800" dirty="0">
+                <a:latin typeface="微软雅黑" panose="020B0503020204020204" pitchFamily="34" charset="-122"/>
+                <a:ea typeface="微软雅黑" panose="020B0503020204020204" pitchFamily="34" charset="-122"/>
+                <a:cs typeface="Calibri" pitchFamily="34" charset="0"/>
+              </a:rPr>
+              <a:t>Shared Variables need to be cleaned up</a:t>
+            </a:r>
+          </a:p>
+          <a:p>
+            <a:pPr latinLnBrk="1">
+              <a:buClr>
+                <a:schemeClr val="tx2"/>
+              </a:buClr>
+              <a:buFont typeface="Wingdings" pitchFamily="2" charset="2"/>
+              <a:buChar char="p"/>
+            </a:pPr>
+            <a:r>
+              <a:rPr lang="en-US" altLang="zh-Hans" sz="2800" dirty="0">
+                <a:latin typeface="微软雅黑" panose="020B0503020204020204" pitchFamily="34" charset="-122"/>
+                <a:ea typeface="微软雅黑" panose="020B0503020204020204" pitchFamily="34" charset="-122"/>
+                <a:cs typeface="Calibri" pitchFamily="34" charset="0"/>
+              </a:rPr>
+              <a:t>Shared variables may be changed in test cases</a:t>
+            </a:r>
+            <a:endParaRPr lang="zh-Hans" altLang="en-US" sz="2800" dirty="0">
+              <a:latin typeface="微软雅黑" panose="020B0503020204020204" pitchFamily="34" charset="-122"/>
+              <a:ea typeface="微软雅黑" panose="020B0503020204020204" pitchFamily="34" charset="-122"/>
+              <a:cs typeface="Calibri" pitchFamily="34" charset="0"/>
+            </a:endParaRPr>
+          </a:p>
+        </p:txBody>
+      </p:sp>
+    </p:spTree>
+    <p:extLst>
+      <p:ext uri="{BB962C8B-B14F-4D97-AF65-F5344CB8AC3E}">
+        <p14:creationId xmlns:p14="http://schemas.microsoft.com/office/powerpoint/2010/main" val="3158631713"/>
+      </p:ext>
+    </p:extLst>
+  </p:cSld>
+  <p:clrMapOvr>
+    <a:masterClrMapping/>
+  </p:clrMapOvr>
+  <p:transition/>
+</p:sld>
+</file>
+
+<file path=ppt/slides/slide15.xml><?xml version="1.0" encoding="utf-8"?>
+<p:sld xmlns:a="http://schemas.openxmlformats.org/drawingml/2006/main" xmlns:r="http://schemas.openxmlformats.org/officeDocument/2006/relationships" xmlns:p="http://schemas.openxmlformats.org/presentationml/2006/main">
+  <p:cSld>
+    <p:spTree>
+      <p:nvGrpSpPr>
+        <p:cNvPr id="1" name=""/>
+        <p:cNvGrpSpPr/>
+        <p:nvPr/>
+      </p:nvGrpSpPr>
+      <p:grpSpPr>
+        <a:xfrm>
+          <a:off x="0" y="0"/>
+          <a:ext cx="0" cy="0"/>
+          <a:chOff x="0" y="0"/>
+          <a:chExt cx="0" cy="0"/>
+        </a:xfrm>
+      </p:grpSpPr>
+      <p:sp>
+        <p:nvSpPr>
+          <p:cNvPr id="2" name="标题 1"/>
+          <p:cNvSpPr>
+            <a:spLocks noGrp="1"/>
+          </p:cNvSpPr>
+          <p:nvPr>
+            <p:ph type="title"/>
+          </p:nvPr>
+        </p:nvSpPr>
+        <p:spPr/>
+        <p:txBody>
+          <a:bodyPr/>
+          <a:lstStyle/>
+          <a:p>
+            <a:pPr algn="ctr"/>
+            <a:r>
+              <a:rPr lang="en-US" altLang="zh-Hans" dirty="0"/>
+              <a:t>TEST Fixture</a:t>
+            </a:r>
+            <a:endParaRPr lang="zh-Hans" altLang="en-US" dirty="0"/>
+          </a:p>
+        </p:txBody>
+      </p:sp>
+      <p:sp>
+        <p:nvSpPr>
+          <p:cNvPr id="3" name="内容占位符 2"/>
+          <p:cNvSpPr>
+            <a:spLocks noGrp="1"/>
+          </p:cNvSpPr>
+          <p:nvPr>
+            <p:ph idx="1"/>
+          </p:nvPr>
+        </p:nvSpPr>
+        <p:spPr/>
+        <p:txBody>
+          <a:bodyPr/>
+          <a:lstStyle/>
+          <a:p>
+            <a:pPr marL="0" lvl="0"/>
+            <a:r>
+              <a:rPr lang="en-US" altLang="zh-Hans" sz="4400" dirty="0"/>
+              <a:t>A test fixture allows you to </a:t>
+            </a:r>
+            <a:r>
+              <a:rPr lang="en-US" altLang="zh-Hans" sz="4400" dirty="0">
+                <a:solidFill>
+                  <a:srgbClr val="FF0000"/>
+                </a:solidFill>
+              </a:rPr>
+              <a:t>reuse</a:t>
+            </a:r>
+            <a:r>
+              <a:rPr lang="en-US" altLang="zh-Hans" sz="4400" dirty="0"/>
+              <a:t> the same configuration of objects for several different tests</a:t>
+            </a:r>
+          </a:p>
+          <a:p>
+            <a:pPr marL="0"/>
+            <a:endParaRPr lang="zh-Hans" altLang="en-US" dirty="0"/>
+          </a:p>
+        </p:txBody>
+      </p:sp>
+      <p:sp>
+        <p:nvSpPr>
+          <p:cNvPr id="4" name="灯片编号占位符 3"/>
+          <p:cNvSpPr>
+            <a:spLocks noGrp="1"/>
+          </p:cNvSpPr>
+          <p:nvPr>
+            <p:ph type="sldNum" sz="quarter" idx="10"/>
+          </p:nvPr>
+        </p:nvSpPr>
+        <p:spPr/>
+        <p:txBody>
+          <a:bodyPr/>
+          <a:lstStyle/>
+          <a:p>
+            <a:pPr>
+              <a:defRPr/>
+            </a:pPr>
+            <a:fld id="{9FA9E053-A9C9-5E43-89F1-83E618EAF168}" type="slidenum">
+              <a:rPr lang="en-US" smtClean="0"/>
+              <a:pPr>
+                <a:defRPr/>
+              </a:pPr>
+              <a:t>15</a:t>
+            </a:fld>
             <a:endParaRPr lang="en-US"/>
+          </a:p>
+        </p:txBody>
+      </p:sp>
+      <p:pic>
+        <p:nvPicPr>
+          <p:cNvPr id="6" name="图片 5"/>
+          <p:cNvPicPr>
+            <a:picLocks noChangeAspect="1"/>
+          </p:cNvPicPr>
+          <p:nvPr/>
+        </p:nvPicPr>
+        <p:blipFill>
+          <a:blip r:embed="rId2"/>
+          <a:stretch>
+            <a:fillRect/>
+          </a:stretch>
+        </p:blipFill>
+        <p:spPr>
+          <a:xfrm>
+            <a:off x="4558184" y="2921829"/>
+            <a:ext cx="7128792" cy="6695869"/>
+          </a:xfrm>
+          <a:prstGeom prst="rect">
+            <a:avLst/>
+          </a:prstGeom>
+        </p:spPr>
+      </p:pic>
+      <p:grpSp>
+        <p:nvGrpSpPr>
+          <p:cNvPr id="9" name="组合 8"/>
+          <p:cNvGrpSpPr/>
+          <p:nvPr/>
+        </p:nvGrpSpPr>
+        <p:grpSpPr>
+          <a:xfrm>
+            <a:off x="1253053" y="3464911"/>
+            <a:ext cx="3305131" cy="498565"/>
+            <a:chOff x="4308677" y="3896959"/>
+            <a:chExt cx="3305131" cy="498565"/>
+          </a:xfrm>
+        </p:grpSpPr>
+        <p:sp>
+          <p:nvSpPr>
+            <p:cNvPr id="10" name="箭头: 燕尾形 9"/>
+            <p:cNvSpPr/>
+            <p:nvPr/>
+          </p:nvSpPr>
+          <p:spPr bwMode="auto">
+            <a:xfrm>
+              <a:off x="6569831" y="3896959"/>
+              <a:ext cx="1043977" cy="498565"/>
+            </a:xfrm>
+            <a:prstGeom prst="notchedRightArrow">
+              <a:avLst/>
+            </a:prstGeom>
+            <a:solidFill>
+              <a:srgbClr val="FF0000"/>
+            </a:solidFill>
+            <a:ln>
+              <a:noFill/>
+            </a:ln>
+          </p:spPr>
+          <p:style>
+            <a:lnRef idx="0">
+              <a:scrgbClr r="0" g="0" b="0"/>
+            </a:lnRef>
+            <a:fillRef idx="0">
+              <a:scrgbClr r="0" g="0" b="0"/>
+            </a:fillRef>
+            <a:effectRef idx="0">
+              <a:scrgbClr r="0" g="0" b="0"/>
+            </a:effectRef>
+            <a:fontRef idx="minor">
+              <a:schemeClr val="lt1"/>
+            </a:fontRef>
+          </p:style>
+          <p:txBody>
+            <a:bodyPr lIns="457200" tIns="228600" rIns="457200" bIns="228600" rtlCol="0" anchor="ctr"/>
+            <a:lstStyle/>
+            <a:p>
+              <a:pPr algn="ctr">
+                <a:lnSpc>
+                  <a:spcPct val="100000"/>
+                </a:lnSpc>
+              </a:pPr>
+              <a:endParaRPr lang="zh-CN" altLang="en-US" dirty="0">
+                <a:solidFill>
+                  <a:schemeClr val="tx1"/>
+                </a:solidFill>
+                <a:latin typeface="微软雅黑" panose="020B0503020204020204" pitchFamily="34" charset="-122"/>
+                <a:ea typeface="微软雅黑" panose="020B0503020204020204" pitchFamily="34" charset="-122"/>
+              </a:endParaRPr>
+            </a:p>
+          </p:txBody>
+        </p:sp>
+        <p:sp>
+          <p:nvSpPr>
+            <p:cNvPr id="11" name="文本框 10"/>
+            <p:cNvSpPr txBox="1"/>
+            <p:nvPr/>
+          </p:nvSpPr>
+          <p:spPr>
+            <a:xfrm>
+              <a:off x="4308677" y="3946187"/>
+              <a:ext cx="2209707" cy="400110"/>
+            </a:xfrm>
+            <a:prstGeom prst="rect">
+              <a:avLst/>
+            </a:prstGeom>
+            <a:noFill/>
+          </p:spPr>
+          <p:txBody>
+            <a:bodyPr wrap="none" rtlCol="0">
+              <a:spAutoFit/>
+            </a:bodyPr>
+            <a:lstStyle/>
+            <a:p>
+              <a:pPr>
+                <a:lnSpc>
+                  <a:spcPct val="100000"/>
+                </a:lnSpc>
+              </a:pPr>
+              <a:r>
+                <a:rPr lang="en-US" altLang="zh-CN" sz="2000" dirty="0">
+                  <a:latin typeface="微软雅黑" panose="020B0503020204020204" pitchFamily="34" charset="-122"/>
+                  <a:ea typeface="微软雅黑" panose="020B0503020204020204" pitchFamily="34" charset="-122"/>
+                </a:rPr>
+                <a:t>Shared Variables</a:t>
+              </a:r>
+              <a:endParaRPr lang="zh-CN" altLang="en-US" sz="2000" dirty="0">
+                <a:latin typeface="微软雅黑" panose="020B0503020204020204" pitchFamily="34" charset="-122"/>
+                <a:ea typeface="微软雅黑" panose="020B0503020204020204" pitchFamily="34" charset="-122"/>
+              </a:endParaRPr>
+            </a:p>
+          </p:txBody>
+        </p:sp>
+      </p:grpSp>
+      <p:grpSp>
+        <p:nvGrpSpPr>
+          <p:cNvPr id="12" name="组合 11"/>
+          <p:cNvGrpSpPr/>
+          <p:nvPr/>
+        </p:nvGrpSpPr>
+        <p:grpSpPr>
+          <a:xfrm>
+            <a:off x="1194483" y="4516760"/>
+            <a:ext cx="3363701" cy="498565"/>
+            <a:chOff x="4250107" y="3896959"/>
+            <a:chExt cx="3363701" cy="498565"/>
+          </a:xfrm>
+        </p:grpSpPr>
+        <p:sp>
+          <p:nvSpPr>
+            <p:cNvPr id="13" name="箭头: 燕尾形 12"/>
+            <p:cNvSpPr/>
+            <p:nvPr/>
+          </p:nvSpPr>
+          <p:spPr bwMode="auto">
+            <a:xfrm>
+              <a:off x="6569831" y="3896959"/>
+              <a:ext cx="1043977" cy="498565"/>
+            </a:xfrm>
+            <a:prstGeom prst="notchedRightArrow">
+              <a:avLst/>
+            </a:prstGeom>
+            <a:solidFill>
+              <a:srgbClr val="FF0000"/>
+            </a:solidFill>
+            <a:ln>
+              <a:noFill/>
+            </a:ln>
+          </p:spPr>
+          <p:style>
+            <a:lnRef idx="0">
+              <a:scrgbClr r="0" g="0" b="0"/>
+            </a:lnRef>
+            <a:fillRef idx="0">
+              <a:scrgbClr r="0" g="0" b="0"/>
+            </a:fillRef>
+            <a:effectRef idx="0">
+              <a:scrgbClr r="0" g="0" b="0"/>
+            </a:effectRef>
+            <a:fontRef idx="minor">
+              <a:schemeClr val="lt1"/>
+            </a:fontRef>
+          </p:style>
+          <p:txBody>
+            <a:bodyPr lIns="457200" tIns="228600" rIns="457200" bIns="228600" rtlCol="0" anchor="ctr"/>
+            <a:lstStyle/>
+            <a:p>
+              <a:pPr algn="ctr">
+                <a:lnSpc>
+                  <a:spcPct val="100000"/>
+                </a:lnSpc>
+              </a:pPr>
+              <a:endParaRPr lang="zh-CN" altLang="en-US" dirty="0">
+                <a:solidFill>
+                  <a:schemeClr val="tx1"/>
+                </a:solidFill>
+                <a:latin typeface="微软雅黑" panose="020B0503020204020204" pitchFamily="34" charset="-122"/>
+                <a:ea typeface="微软雅黑" panose="020B0503020204020204" pitchFamily="34" charset="-122"/>
+              </a:endParaRPr>
+            </a:p>
+          </p:txBody>
+        </p:sp>
+        <p:sp>
+          <p:nvSpPr>
+            <p:cNvPr id="14" name="文本框 13"/>
+            <p:cNvSpPr txBox="1"/>
+            <p:nvPr/>
+          </p:nvSpPr>
+          <p:spPr>
+            <a:xfrm>
+              <a:off x="4250107" y="3946187"/>
+              <a:ext cx="2326855" cy="400110"/>
+            </a:xfrm>
+            <a:prstGeom prst="rect">
+              <a:avLst/>
+            </a:prstGeom>
+            <a:noFill/>
+          </p:spPr>
+          <p:txBody>
+            <a:bodyPr wrap="none" rtlCol="0">
+              <a:spAutoFit/>
+            </a:bodyPr>
+            <a:lstStyle/>
+            <a:p>
+              <a:pPr>
+                <a:lnSpc>
+                  <a:spcPct val="100000"/>
+                </a:lnSpc>
+              </a:pPr>
+              <a:r>
+                <a:rPr lang="en-US" altLang="zh-CN" sz="2000" dirty="0">
+                  <a:latin typeface="微软雅黑" panose="020B0503020204020204" pitchFamily="34" charset="-122"/>
+                  <a:ea typeface="微软雅黑" panose="020B0503020204020204" pitchFamily="34" charset="-122"/>
+                </a:rPr>
+                <a:t>Prepare Test Data</a:t>
+              </a:r>
+              <a:endParaRPr lang="zh-CN" altLang="en-US" sz="2000" dirty="0">
+                <a:latin typeface="微软雅黑" panose="020B0503020204020204" pitchFamily="34" charset="-122"/>
+                <a:ea typeface="微软雅黑" panose="020B0503020204020204" pitchFamily="34" charset="-122"/>
+              </a:endParaRPr>
+            </a:p>
+          </p:txBody>
+        </p:sp>
+      </p:grpSp>
+      <p:grpSp>
+        <p:nvGrpSpPr>
+          <p:cNvPr id="15" name="组合 14"/>
+          <p:cNvGrpSpPr/>
+          <p:nvPr/>
+        </p:nvGrpSpPr>
+        <p:grpSpPr>
+          <a:xfrm>
+            <a:off x="674596" y="6284619"/>
+            <a:ext cx="3883588" cy="498565"/>
+            <a:chOff x="3730220" y="3896959"/>
+            <a:chExt cx="3883588" cy="498565"/>
+          </a:xfrm>
+        </p:grpSpPr>
+        <p:sp>
+          <p:nvSpPr>
+            <p:cNvPr id="16" name="箭头: 燕尾形 15"/>
+            <p:cNvSpPr/>
+            <p:nvPr/>
+          </p:nvSpPr>
+          <p:spPr bwMode="auto">
+            <a:xfrm>
+              <a:off x="6569831" y="3896959"/>
+              <a:ext cx="1043977" cy="498565"/>
+            </a:xfrm>
+            <a:prstGeom prst="notchedRightArrow">
+              <a:avLst/>
+            </a:prstGeom>
+            <a:solidFill>
+              <a:srgbClr val="FF0000"/>
+            </a:solidFill>
+            <a:ln>
+              <a:noFill/>
+            </a:ln>
+          </p:spPr>
+          <p:style>
+            <a:lnRef idx="0">
+              <a:scrgbClr r="0" g="0" b="0"/>
+            </a:lnRef>
+            <a:fillRef idx="0">
+              <a:scrgbClr r="0" g="0" b="0"/>
+            </a:fillRef>
+            <a:effectRef idx="0">
+              <a:scrgbClr r="0" g="0" b="0"/>
+            </a:effectRef>
+            <a:fontRef idx="minor">
+              <a:schemeClr val="lt1"/>
+            </a:fontRef>
+          </p:style>
+          <p:txBody>
+            <a:bodyPr lIns="457200" tIns="228600" rIns="457200" bIns="228600" rtlCol="0" anchor="ctr"/>
+            <a:lstStyle/>
+            <a:p>
+              <a:pPr algn="ctr">
+                <a:lnSpc>
+                  <a:spcPct val="100000"/>
+                </a:lnSpc>
+              </a:pPr>
+              <a:endParaRPr lang="zh-CN" altLang="en-US" dirty="0">
+                <a:solidFill>
+                  <a:schemeClr val="tx1"/>
+                </a:solidFill>
+                <a:latin typeface="微软雅黑" panose="020B0503020204020204" pitchFamily="34" charset="-122"/>
+                <a:ea typeface="微软雅黑" panose="020B0503020204020204" pitchFamily="34" charset="-122"/>
+              </a:endParaRPr>
+            </a:p>
+          </p:txBody>
+        </p:sp>
+        <p:sp>
+          <p:nvSpPr>
+            <p:cNvPr id="17" name="文本框 16"/>
+            <p:cNvSpPr txBox="1"/>
+            <p:nvPr/>
+          </p:nvSpPr>
+          <p:spPr>
+            <a:xfrm>
+              <a:off x="3730220" y="3946187"/>
+              <a:ext cx="2936573" cy="400110"/>
+            </a:xfrm>
+            <a:prstGeom prst="rect">
+              <a:avLst/>
+            </a:prstGeom>
+            <a:noFill/>
+          </p:spPr>
+          <p:txBody>
+            <a:bodyPr wrap="none" rtlCol="0">
+              <a:spAutoFit/>
+            </a:bodyPr>
+            <a:lstStyle/>
+            <a:p>
+              <a:pPr>
+                <a:lnSpc>
+                  <a:spcPct val="100000"/>
+                </a:lnSpc>
+              </a:pPr>
+              <a:r>
+                <a:rPr lang="en-US" altLang="zh-CN" sz="2000" dirty="0">
+                  <a:latin typeface="微软雅黑" panose="020B0503020204020204" pitchFamily="34" charset="-122"/>
+                  <a:ea typeface="微软雅黑" panose="020B0503020204020204" pitchFamily="34" charset="-122"/>
+                </a:rPr>
+                <a:t>Clean Up Environment</a:t>
+              </a:r>
+              <a:endParaRPr lang="zh-CN" altLang="en-US" sz="2000" dirty="0">
+                <a:latin typeface="微软雅黑" panose="020B0503020204020204" pitchFamily="34" charset="-122"/>
+                <a:ea typeface="微软雅黑" panose="020B0503020204020204" pitchFamily="34" charset="-122"/>
+              </a:endParaRPr>
+            </a:p>
+          </p:txBody>
+        </p:sp>
+      </p:grpSp>
+      <p:grpSp>
+        <p:nvGrpSpPr>
+          <p:cNvPr id="18" name="组合 17"/>
+          <p:cNvGrpSpPr/>
+          <p:nvPr/>
+        </p:nvGrpSpPr>
+        <p:grpSpPr>
+          <a:xfrm>
+            <a:off x="1223625" y="7253064"/>
+            <a:ext cx="3334559" cy="498565"/>
+            <a:chOff x="4279249" y="3896959"/>
+            <a:chExt cx="3334559" cy="498565"/>
+          </a:xfrm>
+        </p:grpSpPr>
+        <p:sp>
+          <p:nvSpPr>
+            <p:cNvPr id="19" name="箭头: 燕尾形 18"/>
+            <p:cNvSpPr/>
+            <p:nvPr/>
+          </p:nvSpPr>
+          <p:spPr bwMode="auto">
+            <a:xfrm>
+              <a:off x="6569831" y="3896959"/>
+              <a:ext cx="1043977" cy="498565"/>
+            </a:xfrm>
+            <a:prstGeom prst="notchedRightArrow">
+              <a:avLst/>
+            </a:prstGeom>
+            <a:solidFill>
+              <a:srgbClr val="FF0000"/>
+            </a:solidFill>
+            <a:ln>
+              <a:noFill/>
+            </a:ln>
+          </p:spPr>
+          <p:style>
+            <a:lnRef idx="0">
+              <a:scrgbClr r="0" g="0" b="0"/>
+            </a:lnRef>
+            <a:fillRef idx="0">
+              <a:scrgbClr r="0" g="0" b="0"/>
+            </a:fillRef>
+            <a:effectRef idx="0">
+              <a:scrgbClr r="0" g="0" b="0"/>
+            </a:effectRef>
+            <a:fontRef idx="minor">
+              <a:schemeClr val="lt1"/>
+            </a:fontRef>
+          </p:style>
+          <p:txBody>
+            <a:bodyPr lIns="457200" tIns="228600" rIns="457200" bIns="228600" rtlCol="0" anchor="ctr"/>
+            <a:lstStyle/>
+            <a:p>
+              <a:pPr algn="ctr">
+                <a:lnSpc>
+                  <a:spcPct val="100000"/>
+                </a:lnSpc>
+              </a:pPr>
+              <a:endParaRPr lang="zh-CN" altLang="en-US" dirty="0">
+                <a:solidFill>
+                  <a:schemeClr val="tx1"/>
+                </a:solidFill>
+                <a:latin typeface="微软雅黑" panose="020B0503020204020204" pitchFamily="34" charset="-122"/>
+                <a:ea typeface="微软雅黑" panose="020B0503020204020204" pitchFamily="34" charset="-122"/>
+              </a:endParaRPr>
+            </a:p>
+          </p:txBody>
+        </p:sp>
+        <p:sp>
+          <p:nvSpPr>
+            <p:cNvPr id="20" name="文本框 19"/>
+            <p:cNvSpPr txBox="1"/>
+            <p:nvPr/>
+          </p:nvSpPr>
+          <p:spPr>
+            <a:xfrm>
+              <a:off x="4279249" y="3946187"/>
+              <a:ext cx="2268570" cy="400110"/>
+            </a:xfrm>
+            <a:prstGeom prst="rect">
+              <a:avLst/>
+            </a:prstGeom>
+            <a:noFill/>
+          </p:spPr>
+          <p:txBody>
+            <a:bodyPr wrap="none" rtlCol="0">
+              <a:spAutoFit/>
+            </a:bodyPr>
+            <a:lstStyle/>
+            <a:p>
+              <a:pPr>
+                <a:lnSpc>
+                  <a:spcPct val="100000"/>
+                </a:lnSpc>
+              </a:pPr>
+              <a:r>
+                <a:rPr lang="en-US" altLang="zh-CN" sz="2000" dirty="0">
+                  <a:latin typeface="微软雅黑" panose="020B0503020204020204" pitchFamily="34" charset="-122"/>
+                  <a:ea typeface="微软雅黑" panose="020B0503020204020204" pitchFamily="34" charset="-122"/>
+                </a:rPr>
+                <a:t>Helper Functions</a:t>
+              </a:r>
+              <a:endParaRPr lang="zh-CN" altLang="en-US" sz="2000" dirty="0">
+                <a:latin typeface="微软雅黑" panose="020B0503020204020204" pitchFamily="34" charset="-122"/>
+                <a:ea typeface="微软雅黑" panose="020B0503020204020204" pitchFamily="34" charset="-122"/>
+              </a:endParaRPr>
+            </a:p>
+          </p:txBody>
+        </p:sp>
+      </p:grpSp>
+    </p:spTree>
+    <p:extLst>
+      <p:ext uri="{BB962C8B-B14F-4D97-AF65-F5344CB8AC3E}">
+        <p14:creationId xmlns:p14="http://schemas.microsoft.com/office/powerpoint/2010/main" val="4109707553"/>
+      </p:ext>
+    </p:extLst>
+  </p:cSld>
+  <p:clrMapOvr>
+    <a:masterClrMapping/>
+  </p:clrMapOvr>
+  <p:transition/>
+</p:sld>
+</file>
+
+<file path=ppt/slides/slide16.xml><?xml version="1.0" encoding="utf-8"?>
+<p:sld xmlns:a="http://schemas.openxmlformats.org/drawingml/2006/main" xmlns:r="http://schemas.openxmlformats.org/officeDocument/2006/relationships" xmlns:p="http://schemas.openxmlformats.org/presentationml/2006/main">
+  <p:cSld>
+    <p:spTree>
+      <p:nvGrpSpPr>
+        <p:cNvPr id="1" name=""/>
+        <p:cNvGrpSpPr/>
+        <p:nvPr/>
+      </p:nvGrpSpPr>
+      <p:grpSpPr>
+        <a:xfrm>
+          <a:off x="0" y="0"/>
+          <a:ext cx="0" cy="0"/>
+          <a:chOff x="0" y="0"/>
+          <a:chExt cx="0" cy="0"/>
+        </a:xfrm>
+      </p:grpSpPr>
+      <p:sp>
+        <p:nvSpPr>
+          <p:cNvPr id="2" name="标题 1"/>
+          <p:cNvSpPr>
+            <a:spLocks noGrp="1"/>
+          </p:cNvSpPr>
+          <p:nvPr>
+            <p:ph type="title"/>
+          </p:nvPr>
+        </p:nvSpPr>
+        <p:spPr/>
+        <p:txBody>
+          <a:bodyPr/>
+          <a:lstStyle/>
+          <a:p>
+            <a:pPr algn="ctr"/>
+            <a:r>
+              <a:rPr lang="en-US" altLang="zh-Hans" dirty="0">
+                <a:latin typeface="微软雅黑" panose="020B0503020204020204" pitchFamily="34" charset="-122"/>
+                <a:ea typeface="微软雅黑" panose="020B0503020204020204" pitchFamily="34" charset="-122"/>
+              </a:rPr>
+              <a:t>TEST FIXTURE Internals</a:t>
+            </a:r>
+            <a:endParaRPr lang="zh-Hans" altLang="en-US" dirty="0">
+              <a:latin typeface="微软雅黑" panose="020B0503020204020204" pitchFamily="34" charset="-122"/>
+              <a:ea typeface="微软雅黑" panose="020B0503020204020204" pitchFamily="34" charset="-122"/>
+            </a:endParaRPr>
+          </a:p>
+        </p:txBody>
+      </p:sp>
+      <p:sp>
+        <p:nvSpPr>
+          <p:cNvPr id="3" name="内容占位符 2"/>
+          <p:cNvSpPr>
+            <a:spLocks noGrp="1"/>
+          </p:cNvSpPr>
+          <p:nvPr>
+            <p:ph idx="1"/>
+          </p:nvPr>
+        </p:nvSpPr>
+        <p:spPr>
+          <a:xfrm>
+            <a:off x="7521996" y="1708596"/>
+            <a:ext cx="5245100" cy="7632700"/>
+          </a:xfrm>
+        </p:spPr>
+        <p:txBody>
+          <a:bodyPr/>
+          <a:lstStyle/>
+          <a:p>
+            <a:pPr latinLnBrk="1">
+              <a:buClr>
+                <a:schemeClr val="tx2"/>
+              </a:buClr>
+              <a:buFont typeface="Wingdings" pitchFamily="2" charset="2"/>
+              <a:buChar char="p"/>
+            </a:pPr>
+            <a:r>
+              <a:rPr lang="en-US" altLang="zh-Hans" sz="2800" dirty="0">
+                <a:latin typeface="微软雅黑" panose="020B0503020204020204" pitchFamily="34" charset="-122"/>
+                <a:ea typeface="微软雅黑" panose="020B0503020204020204" pitchFamily="34" charset="-122"/>
+                <a:cs typeface="Calibri" pitchFamily="34" charset="0"/>
+              </a:rPr>
+              <a:t>Google Test constructs a Student object (let's call it t1 ). </a:t>
+            </a:r>
+          </a:p>
+          <a:p>
+            <a:pPr latinLnBrk="1">
+              <a:buClr>
+                <a:schemeClr val="tx2"/>
+              </a:buClr>
+              <a:buFont typeface="Wingdings" pitchFamily="2" charset="2"/>
+              <a:buChar char="p"/>
+            </a:pPr>
+            <a:r>
+              <a:rPr lang="en-US" altLang="zh-Hans" sz="2800" dirty="0">
+                <a:latin typeface="微软雅黑" panose="020B0503020204020204" pitchFamily="34" charset="-122"/>
+                <a:ea typeface="微软雅黑" panose="020B0503020204020204" pitchFamily="34" charset="-122"/>
+                <a:cs typeface="Calibri" pitchFamily="34" charset="0"/>
+              </a:rPr>
+              <a:t>t1.SetUp() initializes t1 . </a:t>
+            </a:r>
+          </a:p>
+          <a:p>
+            <a:pPr latinLnBrk="1">
+              <a:buClr>
+                <a:schemeClr val="tx2"/>
+              </a:buClr>
+              <a:buFont typeface="Wingdings" pitchFamily="2" charset="2"/>
+              <a:buChar char="p"/>
+            </a:pPr>
+            <a:r>
+              <a:rPr lang="en-US" altLang="zh-Hans" sz="2800" dirty="0">
+                <a:latin typeface="微软雅黑" panose="020B0503020204020204" pitchFamily="34" charset="-122"/>
+                <a:ea typeface="微软雅黑" panose="020B0503020204020204" pitchFamily="34" charset="-122"/>
+                <a:cs typeface="Calibri" pitchFamily="34" charset="0"/>
+              </a:rPr>
+              <a:t>the test(</a:t>
+            </a:r>
+            <a:r>
+              <a:rPr lang="en-US" altLang="zh-Hans" sz="2400" dirty="0" err="1">
+                <a:latin typeface="微软雅黑" panose="020B0503020204020204" pitchFamily="34" charset="-122"/>
+                <a:ea typeface="微软雅黑" panose="020B0503020204020204" pitchFamily="34" charset="-122"/>
+                <a:cs typeface="Calibri" pitchFamily="34" charset="0"/>
+              </a:rPr>
+              <a:t>ShouldSayWordForSpecialNumber</a:t>
+            </a:r>
+            <a:r>
+              <a:rPr lang="en-US" altLang="zh-Hans" sz="2400" dirty="0">
+                <a:latin typeface="微软雅黑" panose="020B0503020204020204" pitchFamily="34" charset="-122"/>
+                <a:ea typeface="微软雅黑" panose="020B0503020204020204" pitchFamily="34" charset="-122"/>
+                <a:cs typeface="Calibri" pitchFamily="34" charset="0"/>
+              </a:rPr>
+              <a:t>) </a:t>
+            </a:r>
+            <a:r>
+              <a:rPr lang="en-US" altLang="zh-Hans" sz="2800" dirty="0">
+                <a:latin typeface="微软雅黑" panose="020B0503020204020204" pitchFamily="34" charset="-122"/>
+                <a:ea typeface="微软雅黑" panose="020B0503020204020204" pitchFamily="34" charset="-122"/>
+                <a:cs typeface="Calibri" pitchFamily="34" charset="0"/>
+              </a:rPr>
+              <a:t>runs on t1. </a:t>
+            </a:r>
+          </a:p>
+          <a:p>
+            <a:pPr latinLnBrk="1">
+              <a:buClr>
+                <a:schemeClr val="tx2"/>
+              </a:buClr>
+              <a:buFont typeface="Wingdings" pitchFamily="2" charset="2"/>
+              <a:buChar char="p"/>
+            </a:pPr>
+            <a:r>
+              <a:rPr lang="en-US" altLang="zh-Hans" sz="2800" dirty="0">
+                <a:latin typeface="微软雅黑" panose="020B0503020204020204" pitchFamily="34" charset="-122"/>
+                <a:ea typeface="微软雅黑" panose="020B0503020204020204" pitchFamily="34" charset="-122"/>
+                <a:cs typeface="Calibri" pitchFamily="34" charset="0"/>
+              </a:rPr>
+              <a:t>t1.TearDown() cleans up after the test finishes. </a:t>
+            </a:r>
+          </a:p>
+          <a:p>
+            <a:pPr latinLnBrk="1">
+              <a:buClr>
+                <a:schemeClr val="tx2"/>
+              </a:buClr>
+              <a:buFont typeface="Wingdings" pitchFamily="2" charset="2"/>
+              <a:buChar char="p"/>
+            </a:pPr>
+            <a:r>
+              <a:rPr lang="en-US" altLang="zh-Hans" sz="2800" dirty="0">
+                <a:latin typeface="微软雅黑" panose="020B0503020204020204" pitchFamily="34" charset="-122"/>
+                <a:ea typeface="微软雅黑" panose="020B0503020204020204" pitchFamily="34" charset="-122"/>
+                <a:cs typeface="Calibri" pitchFamily="34" charset="0"/>
+              </a:rPr>
+              <a:t>t1 is destructed. </a:t>
+            </a:r>
+          </a:p>
+          <a:p>
+            <a:pPr latinLnBrk="1">
+              <a:buClr>
+                <a:schemeClr val="tx2"/>
+              </a:buClr>
+              <a:buFont typeface="Wingdings" pitchFamily="2" charset="2"/>
+              <a:buChar char="p"/>
+            </a:pPr>
+            <a:r>
+              <a:rPr lang="en-US" altLang="zh-Hans" sz="2800" dirty="0" err="1">
+                <a:solidFill>
+                  <a:srgbClr val="FF0000"/>
+                </a:solidFill>
+                <a:latin typeface="微软雅黑" panose="020B0503020204020204" pitchFamily="34" charset="-122"/>
+                <a:ea typeface="微软雅黑" panose="020B0503020204020204" pitchFamily="34" charset="-122"/>
+                <a:cs typeface="Calibri" pitchFamily="34" charset="0"/>
+              </a:rPr>
+              <a:t>SetUp</a:t>
+            </a:r>
+            <a:r>
+              <a:rPr lang="en-US" altLang="zh-Hans" sz="2800" dirty="0">
+                <a:solidFill>
+                  <a:srgbClr val="FF0000"/>
+                </a:solidFill>
+                <a:latin typeface="微软雅黑" panose="020B0503020204020204" pitchFamily="34" charset="-122"/>
+                <a:ea typeface="微软雅黑" panose="020B0503020204020204" pitchFamily="34" charset="-122"/>
+                <a:cs typeface="Calibri" pitchFamily="34" charset="0"/>
+              </a:rPr>
+              <a:t>() &amp; </a:t>
+            </a:r>
+            <a:r>
+              <a:rPr lang="en-US" altLang="zh-Hans" sz="2800" dirty="0" err="1">
+                <a:solidFill>
+                  <a:srgbClr val="FF0000"/>
+                </a:solidFill>
+                <a:latin typeface="微软雅黑" panose="020B0503020204020204" pitchFamily="34" charset="-122"/>
+                <a:ea typeface="微软雅黑" panose="020B0503020204020204" pitchFamily="34" charset="-122"/>
+                <a:cs typeface="Calibri" pitchFamily="34" charset="0"/>
+              </a:rPr>
+              <a:t>TearDown</a:t>
+            </a:r>
+            <a:r>
+              <a:rPr lang="en-US" altLang="zh-Hans" sz="2800" dirty="0">
+                <a:solidFill>
+                  <a:srgbClr val="FF0000"/>
+                </a:solidFill>
+                <a:latin typeface="微软雅黑" panose="020B0503020204020204" pitchFamily="34" charset="-122"/>
+                <a:ea typeface="微软雅黑" panose="020B0503020204020204" pitchFamily="34" charset="-122"/>
+                <a:cs typeface="Calibri" pitchFamily="34" charset="0"/>
+              </a:rPr>
+              <a:t>() will be executed for each test</a:t>
+            </a:r>
+          </a:p>
+          <a:p>
+            <a:pPr latinLnBrk="1">
+              <a:buClr>
+                <a:schemeClr val="tx2"/>
+              </a:buClr>
+              <a:buFont typeface="Wingdings" pitchFamily="2" charset="2"/>
+              <a:buChar char="p"/>
+            </a:pPr>
+            <a:endParaRPr lang="zh-Hans" altLang="en-US" sz="2800" dirty="0">
+              <a:latin typeface="微软雅黑" panose="020B0503020204020204" pitchFamily="34" charset="-122"/>
+              <a:ea typeface="微软雅黑" panose="020B0503020204020204" pitchFamily="34" charset="-122"/>
+              <a:cs typeface="Calibri" pitchFamily="34" charset="0"/>
+            </a:endParaRPr>
+          </a:p>
+        </p:txBody>
+      </p:sp>
+      <p:sp>
+        <p:nvSpPr>
+          <p:cNvPr id="4" name="灯片编号占位符 3"/>
+          <p:cNvSpPr>
+            <a:spLocks noGrp="1"/>
+          </p:cNvSpPr>
+          <p:nvPr>
+            <p:ph type="sldNum" sz="quarter" idx="10"/>
+          </p:nvPr>
+        </p:nvSpPr>
+        <p:spPr/>
+        <p:txBody>
+          <a:bodyPr/>
+          <a:lstStyle/>
+          <a:p>
+            <a:pPr>
+              <a:defRPr/>
+            </a:pPr>
+            <a:fld id="{47194DCD-506D-1D43-A52D-140307FFEF14}" type="slidenum">
+              <a:rPr lang="en-US" smtClean="0">
+                <a:latin typeface="微软雅黑" panose="020B0503020204020204" pitchFamily="34" charset="-122"/>
+                <a:ea typeface="微软雅黑" panose="020B0503020204020204" pitchFamily="34" charset="-122"/>
+              </a:rPr>
+              <a:pPr>
+                <a:defRPr/>
+              </a:pPr>
+              <a:t>16</a:t>
+            </a:fld>
+            <a:endParaRPr lang="en-US">
+              <a:latin typeface="微软雅黑" panose="020B0503020204020204" pitchFamily="34" charset="-122"/>
+              <a:ea typeface="微软雅黑" panose="020B0503020204020204" pitchFamily="34" charset="-122"/>
+            </a:endParaRPr>
+          </a:p>
+        </p:txBody>
+      </p:sp>
+      <p:pic>
+        <p:nvPicPr>
+          <p:cNvPr id="6" name="图片 5"/>
+          <p:cNvPicPr>
+            <a:picLocks noChangeAspect="1"/>
+          </p:cNvPicPr>
+          <p:nvPr/>
+        </p:nvPicPr>
+        <p:blipFill>
+          <a:blip r:embed="rId2"/>
+          <a:stretch>
+            <a:fillRect/>
+          </a:stretch>
+        </p:blipFill>
+        <p:spPr>
+          <a:xfrm>
+            <a:off x="393205" y="1708596"/>
+            <a:ext cx="7057143" cy="6628571"/>
+          </a:xfrm>
+          <a:prstGeom prst="rect">
+            <a:avLst/>
+          </a:prstGeom>
+        </p:spPr>
+      </p:pic>
+    </p:spTree>
+    <p:extLst>
+      <p:ext uri="{BB962C8B-B14F-4D97-AF65-F5344CB8AC3E}">
+        <p14:creationId xmlns:p14="http://schemas.microsoft.com/office/powerpoint/2010/main" val="350077874"/>
+      </p:ext>
+    </p:extLst>
+  </p:cSld>
+  <p:clrMapOvr>
+    <a:masterClrMapping/>
+  </p:clrMapOvr>
+  <p:transition/>
+</p:sld>
+</file>
+
+<file path=ppt/slides/slide17.xml><?xml version="1.0" encoding="utf-8"?>
+<p:sld xmlns:a="http://schemas.openxmlformats.org/drawingml/2006/main" xmlns:r="http://schemas.openxmlformats.org/officeDocument/2006/relationships" xmlns:p="http://schemas.openxmlformats.org/presentationml/2006/main">
+  <p:cSld>
+    <p:spTree>
+      <p:nvGrpSpPr>
+        <p:cNvPr id="1" name=""/>
+        <p:cNvGrpSpPr/>
+        <p:nvPr/>
+      </p:nvGrpSpPr>
+      <p:grpSpPr>
+        <a:xfrm>
+          <a:off x="0" y="0"/>
+          <a:ext cx="0" cy="0"/>
+          <a:chOff x="0" y="0"/>
+          <a:chExt cx="0" cy="0"/>
+        </a:xfrm>
+      </p:grpSpPr>
+      <p:sp>
+        <p:nvSpPr>
+          <p:cNvPr id="2" name="标题 1"/>
+          <p:cNvSpPr>
+            <a:spLocks noGrp="1"/>
+          </p:cNvSpPr>
+          <p:nvPr>
+            <p:ph type="title"/>
+          </p:nvPr>
+        </p:nvSpPr>
+        <p:spPr/>
+        <p:txBody>
+          <a:bodyPr/>
+          <a:lstStyle/>
+          <a:p>
+            <a:pPr algn="ctr"/>
+            <a:r>
+              <a:rPr lang="en-US" altLang="zh-Hans" dirty="0">
+                <a:latin typeface="微软雅黑" panose="020B0503020204020204" pitchFamily="34" charset="-122"/>
+                <a:ea typeface="微软雅黑" panose="020B0503020204020204" pitchFamily="34" charset="-122"/>
+              </a:rPr>
+              <a:t>Test Case Issues</a:t>
+            </a:r>
+            <a:endParaRPr lang="zh-Hans" altLang="en-US" dirty="0">
+              <a:latin typeface="微软雅黑" panose="020B0503020204020204" pitchFamily="34" charset="-122"/>
+              <a:ea typeface="微软雅黑" panose="020B0503020204020204" pitchFamily="34" charset="-122"/>
+            </a:endParaRPr>
+          </a:p>
+        </p:txBody>
+      </p:sp>
+      <p:sp>
+        <p:nvSpPr>
+          <p:cNvPr id="4" name="灯片编号占位符 3"/>
+          <p:cNvSpPr>
+            <a:spLocks noGrp="1"/>
+          </p:cNvSpPr>
+          <p:nvPr>
+            <p:ph type="sldNum" sz="quarter" idx="10"/>
+          </p:nvPr>
+        </p:nvSpPr>
+        <p:spPr/>
+        <p:txBody>
+          <a:bodyPr/>
+          <a:lstStyle/>
+          <a:p>
+            <a:pPr>
+              <a:defRPr/>
+            </a:pPr>
+            <a:fld id="{47194DCD-506D-1D43-A52D-140307FFEF14}" type="slidenum">
+              <a:rPr lang="en-US" smtClean="0">
+                <a:latin typeface="微软雅黑" panose="020B0503020204020204" pitchFamily="34" charset="-122"/>
+                <a:ea typeface="微软雅黑" panose="020B0503020204020204" pitchFamily="34" charset="-122"/>
+              </a:rPr>
+              <a:pPr>
+                <a:defRPr/>
+              </a:pPr>
+              <a:t>17</a:t>
+            </a:fld>
+            <a:endParaRPr lang="en-US">
+              <a:latin typeface="微软雅黑" panose="020B0503020204020204" pitchFamily="34" charset="-122"/>
+              <a:ea typeface="微软雅黑" panose="020B0503020204020204" pitchFamily="34" charset="-122"/>
+            </a:endParaRPr>
+          </a:p>
+        </p:txBody>
+      </p:sp>
+      <p:grpSp>
+        <p:nvGrpSpPr>
+          <p:cNvPr id="22" name="组合 21"/>
+          <p:cNvGrpSpPr/>
+          <p:nvPr/>
+        </p:nvGrpSpPr>
+        <p:grpSpPr>
+          <a:xfrm>
+            <a:off x="381000" y="1329531"/>
+            <a:ext cx="7900952" cy="3853334"/>
+            <a:chOff x="381000" y="1329531"/>
+            <a:chExt cx="7900952" cy="3853334"/>
+          </a:xfrm>
+        </p:grpSpPr>
+        <p:pic>
+          <p:nvPicPr>
+            <p:cNvPr id="7" name="图片 6"/>
+            <p:cNvPicPr>
+              <a:picLocks noChangeAspect="1"/>
+            </p:cNvPicPr>
+            <p:nvPr/>
+          </p:nvPicPr>
+          <p:blipFill>
+            <a:blip r:embed="rId2"/>
+            <a:stretch>
+              <a:fillRect/>
+            </a:stretch>
+          </p:blipFill>
+          <p:spPr>
+            <a:xfrm>
+              <a:off x="381000" y="1329531"/>
+              <a:ext cx="7900952" cy="3853334"/>
+            </a:xfrm>
+            <a:prstGeom prst="rect">
+              <a:avLst/>
+            </a:prstGeom>
+          </p:spPr>
+        </p:pic>
+        <p:cxnSp>
+          <p:nvCxnSpPr>
+            <p:cNvPr id="11" name="直接连接符 10"/>
+            <p:cNvCxnSpPr/>
+            <p:nvPr/>
+          </p:nvCxnSpPr>
+          <p:spPr bwMode="auto">
+            <a:xfrm>
+              <a:off x="1004392" y="2847876"/>
+              <a:ext cx="5714032" cy="0"/>
+            </a:xfrm>
+            <a:prstGeom prst="line">
+              <a:avLst/>
+            </a:prstGeom>
+            <a:ln>
+              <a:solidFill>
+                <a:srgbClr val="FF0000"/>
+              </a:solidFill>
+            </a:ln>
+            <a:extLst>
+              <a:ext uri="{91240B29-F687-4f45-9708-019B960494DF}">
+                <a14:hiddenLine xmlns="" xmlns:a14="http://schemas.microsoft.com/office/drawing/2010/main" w="25400" cap="flat" cmpd="sng" algn="ctr">
+                  <a:solidFill>
+                    <a:srgbClr val="000000"/>
+                  </a:solidFill>
+                  <a:prstDash val="solid"/>
+                  <a:round/>
+                  <a:headEnd type="none" w="med" len="med"/>
+                  <a:tailEnd type="none" w="med" len="med"/>
+                </a14:hiddenLine>
+              </a:ext>
+              <a:ext uri="{AF507438-7753-43e0-B8FC-AC1667EBCBE1}">
+                <a14:hiddenEffects xmlns="" xmlns:a14="http://schemas.microsoft.com/office/drawing/2010/main">
+                  <a:effectLst>
+                    <a:outerShdw blurRad="63500" dist="38099" dir="2700000" algn="ctr" rotWithShape="0">
+                      <a:schemeClr val="bg2">
+                        <a:alpha val="74998"/>
+                      </a:schemeClr>
+                    </a:outerShdw>
+                  </a:effectLst>
+                </a14:hiddenEffects>
+              </a:ext>
+            </a:extLst>
+          </p:spPr>
+          <p:style>
+            <a:lnRef idx="2">
+              <a:schemeClr val="accent5"/>
+            </a:lnRef>
+            <a:fillRef idx="0">
+              <a:schemeClr val="accent5"/>
+            </a:fillRef>
+            <a:effectRef idx="1">
+              <a:schemeClr val="accent5"/>
+            </a:effectRef>
+            <a:fontRef idx="minor">
+              <a:schemeClr val="tx1"/>
+            </a:fontRef>
+          </p:style>
+        </p:cxnSp>
+        <p:cxnSp>
+          <p:nvCxnSpPr>
+            <p:cNvPr id="15" name="直接连接符 14"/>
+            <p:cNvCxnSpPr/>
+            <p:nvPr/>
+          </p:nvCxnSpPr>
+          <p:spPr bwMode="auto">
+            <a:xfrm>
+              <a:off x="994867" y="4535810"/>
+              <a:ext cx="6650136" cy="0"/>
+            </a:xfrm>
+            <a:prstGeom prst="line">
+              <a:avLst/>
+            </a:prstGeom>
+            <a:ln>
+              <a:solidFill>
+                <a:srgbClr val="FF0000"/>
+              </a:solidFill>
+            </a:ln>
+            <a:extLst>
+              <a:ext uri="{91240B29-F687-4f45-9708-019B960494DF}">
+                <a14:hiddenLine xmlns="" xmlns:a14="http://schemas.microsoft.com/office/drawing/2010/main" w="25400" cap="flat" cmpd="sng" algn="ctr">
+                  <a:solidFill>
+                    <a:srgbClr val="000000"/>
+                  </a:solidFill>
+                  <a:prstDash val="solid"/>
+                  <a:round/>
+                  <a:headEnd type="none" w="med" len="med"/>
+                  <a:tailEnd type="none" w="med" len="med"/>
+                </a14:hiddenLine>
+              </a:ext>
+              <a:ext uri="{AF507438-7753-43e0-B8FC-AC1667EBCBE1}">
+                <a14:hiddenEffects xmlns="" xmlns:a14="http://schemas.microsoft.com/office/drawing/2010/main">
+                  <a:effectLst>
+                    <a:outerShdw blurRad="63500" dist="38099" dir="2700000" algn="ctr" rotWithShape="0">
+                      <a:schemeClr val="bg2">
+                        <a:alpha val="74998"/>
+                      </a:schemeClr>
+                    </a:outerShdw>
+                  </a:effectLst>
+                </a14:hiddenEffects>
+              </a:ext>
+            </a:extLst>
+          </p:spPr>
+          <p:style>
+            <a:lnRef idx="2">
+              <a:schemeClr val="accent5"/>
+            </a:lnRef>
+            <a:fillRef idx="0">
+              <a:schemeClr val="accent5"/>
+            </a:fillRef>
+            <a:effectRef idx="1">
+              <a:schemeClr val="accent5"/>
+            </a:effectRef>
+            <a:fontRef idx="minor">
+              <a:schemeClr val="tx1"/>
+            </a:fontRef>
+          </p:style>
+        </p:cxnSp>
+      </p:grpSp>
+      <p:grpSp>
+        <p:nvGrpSpPr>
+          <p:cNvPr id="24" name="组合 23"/>
+          <p:cNvGrpSpPr/>
+          <p:nvPr/>
+        </p:nvGrpSpPr>
+        <p:grpSpPr>
+          <a:xfrm>
+            <a:off x="4814874" y="5809490"/>
+            <a:ext cx="7823238" cy="3704381"/>
+            <a:chOff x="4814874" y="5809490"/>
+            <a:chExt cx="7823238" cy="3704381"/>
+          </a:xfrm>
+        </p:grpSpPr>
+        <p:pic>
+          <p:nvPicPr>
+            <p:cNvPr id="8" name="图片 7"/>
+            <p:cNvPicPr>
+              <a:picLocks noChangeAspect="1"/>
+            </p:cNvPicPr>
+            <p:nvPr/>
+          </p:nvPicPr>
+          <p:blipFill>
+            <a:blip r:embed="rId3"/>
+            <a:stretch>
+              <a:fillRect/>
+            </a:stretch>
+          </p:blipFill>
+          <p:spPr>
+            <a:xfrm>
+              <a:off x="4814874" y="5809490"/>
+              <a:ext cx="7823238" cy="3704381"/>
+            </a:xfrm>
+            <a:prstGeom prst="rect">
+              <a:avLst/>
+            </a:prstGeom>
+          </p:spPr>
+        </p:pic>
+        <p:grpSp>
+          <p:nvGrpSpPr>
+            <p:cNvPr id="23" name="组合 22"/>
+            <p:cNvGrpSpPr/>
+            <p:nvPr/>
+          </p:nvGrpSpPr>
+          <p:grpSpPr>
+            <a:xfrm>
+              <a:off x="5340747" y="7219156"/>
+              <a:ext cx="6058197" cy="1728192"/>
+              <a:chOff x="5340747" y="7219156"/>
+              <a:chExt cx="6058197" cy="1728192"/>
+            </a:xfrm>
+          </p:grpSpPr>
+          <p:cxnSp>
+            <p:nvCxnSpPr>
+              <p:cNvPr id="17" name="直接连接符 16"/>
+              <p:cNvCxnSpPr/>
+              <p:nvPr/>
+            </p:nvCxnSpPr>
+            <p:spPr bwMode="auto">
+              <a:xfrm>
+                <a:off x="5340747" y="7219156"/>
+                <a:ext cx="5914181" cy="0"/>
+              </a:xfrm>
+              <a:prstGeom prst="line">
+                <a:avLst/>
+              </a:prstGeom>
+              <a:ln>
+                <a:solidFill>
+                  <a:srgbClr val="FF0000"/>
+                </a:solidFill>
+              </a:ln>
+              <a:extLst>
+                <a:ext uri="{91240B29-F687-4f45-9708-019B960494DF}">
+                  <a14:hiddenLine xmlns="" xmlns:a14="http://schemas.microsoft.com/office/drawing/2010/main" w="25400" cap="flat" cmpd="sng" algn="ctr">
+                    <a:solidFill>
+                      <a:srgbClr val="000000"/>
+                    </a:solidFill>
+                    <a:prstDash val="solid"/>
+                    <a:round/>
+                    <a:headEnd type="none" w="med" len="med"/>
+                    <a:tailEnd type="none" w="med" len="med"/>
+                  </a14:hiddenLine>
+                </a:ext>
+                <a:ext uri="{AF507438-7753-43e0-B8FC-AC1667EBCBE1}">
+                  <a14:hiddenEffects xmlns="" xmlns:a14="http://schemas.microsoft.com/office/drawing/2010/main">
+                    <a:effectLst>
+                      <a:outerShdw blurRad="63500" dist="38099" dir="2700000" algn="ctr" rotWithShape="0">
+                        <a:schemeClr val="bg2">
+                          <a:alpha val="74998"/>
+                        </a:schemeClr>
+                      </a:outerShdw>
+                    </a:effectLst>
+                  </a14:hiddenEffects>
+                </a:ext>
+              </a:extLst>
+            </p:spPr>
+            <p:style>
+              <a:lnRef idx="2">
+                <a:schemeClr val="accent5"/>
+              </a:lnRef>
+              <a:fillRef idx="0">
+                <a:schemeClr val="accent5"/>
+              </a:fillRef>
+              <a:effectRef idx="1">
+                <a:schemeClr val="accent5"/>
+              </a:effectRef>
+              <a:fontRef idx="minor">
+                <a:schemeClr val="tx1"/>
+              </a:fontRef>
+            </p:style>
+          </p:cxnSp>
+          <p:cxnSp>
+            <p:nvCxnSpPr>
+              <p:cNvPr id="19" name="直接连接符 18"/>
+              <p:cNvCxnSpPr/>
+              <p:nvPr/>
+            </p:nvCxnSpPr>
+            <p:spPr bwMode="auto">
+              <a:xfrm>
+                <a:off x="5340747" y="8947348"/>
+                <a:ext cx="6058197" cy="0"/>
+              </a:xfrm>
+              <a:prstGeom prst="line">
+                <a:avLst/>
+              </a:prstGeom>
+              <a:ln>
+                <a:solidFill>
+                  <a:srgbClr val="FF0000"/>
+                </a:solidFill>
+              </a:ln>
+              <a:extLst>
+                <a:ext uri="{91240B29-F687-4f45-9708-019B960494DF}">
+                  <a14:hiddenLine xmlns="" xmlns:a14="http://schemas.microsoft.com/office/drawing/2010/main" w="25400" cap="flat" cmpd="sng" algn="ctr">
+                    <a:solidFill>
+                      <a:srgbClr val="000000"/>
+                    </a:solidFill>
+                    <a:prstDash val="solid"/>
+                    <a:round/>
+                    <a:headEnd type="none" w="med" len="med"/>
+                    <a:tailEnd type="none" w="med" len="med"/>
+                  </a14:hiddenLine>
+                </a:ext>
+                <a:ext uri="{AF507438-7753-43e0-B8FC-AC1667EBCBE1}">
+                  <a14:hiddenEffects xmlns="" xmlns:a14="http://schemas.microsoft.com/office/drawing/2010/main">
+                    <a:effectLst>
+                      <a:outerShdw blurRad="63500" dist="38099" dir="2700000" algn="ctr" rotWithShape="0">
+                        <a:schemeClr val="bg2">
+                          <a:alpha val="74998"/>
+                        </a:schemeClr>
+                      </a:outerShdw>
+                    </a:effectLst>
+                  </a14:hiddenEffects>
+                </a:ext>
+              </a:extLst>
+            </p:spPr>
+            <p:style>
+              <a:lnRef idx="2">
+                <a:schemeClr val="accent5"/>
+              </a:lnRef>
+              <a:fillRef idx="0">
+                <a:schemeClr val="accent5"/>
+              </a:fillRef>
+              <a:effectRef idx="1">
+                <a:schemeClr val="accent5"/>
+              </a:effectRef>
+              <a:fontRef idx="minor">
+                <a:schemeClr val="tx1"/>
+              </a:fontRef>
+            </p:style>
+          </p:cxnSp>
+        </p:grpSp>
+      </p:grpSp>
+      <p:sp>
+        <p:nvSpPr>
+          <p:cNvPr id="9" name="箭头: 燕尾形 8"/>
+          <p:cNvSpPr/>
+          <p:nvPr/>
+        </p:nvSpPr>
+        <p:spPr bwMode="auto">
+          <a:xfrm rot="2700000">
+            <a:off x="5206257" y="5020550"/>
+            <a:ext cx="643500" cy="657754"/>
+          </a:xfrm>
+          <a:prstGeom prst="notchedRightArrow">
+            <a:avLst/>
+          </a:prstGeom>
+          <a:solidFill>
+            <a:srgbClr val="FF0000"/>
+          </a:solidFill>
+          <a:ln>
+            <a:solidFill>
+              <a:srgbClr val="FF0000"/>
+            </a:solidFill>
+          </a:ln>
+        </p:spPr>
+        <p:style>
+          <a:lnRef idx="0">
+            <a:schemeClr val="accent5"/>
+          </a:lnRef>
+          <a:fillRef idx="3">
+            <a:schemeClr val="accent5"/>
+          </a:fillRef>
+          <a:effectRef idx="3">
+            <a:schemeClr val="accent5"/>
+          </a:effectRef>
+          <a:fontRef idx="minor">
+            <a:schemeClr val="lt1"/>
+          </a:fontRef>
+        </p:style>
+        <p:txBody>
+          <a:bodyPr lIns="457200" tIns="228600" rIns="457200" bIns="228600" rtlCol="0" anchor="ctr"/>
+          <a:lstStyle/>
+          <a:p>
+            <a:pPr algn="ctr">
+              <a:lnSpc>
+                <a:spcPct val="100000"/>
+              </a:lnSpc>
+            </a:pPr>
+            <a:endParaRPr lang="zh-CN" altLang="en-US" dirty="0">
+              <a:solidFill>
+                <a:schemeClr val="tx1"/>
+              </a:solidFill>
+              <a:ea typeface="ＭＳ Ｐゴシック" charset="0"/>
+            </a:endParaRPr>
+          </a:p>
+        </p:txBody>
+      </p:sp>
+    </p:spTree>
+    <p:extLst>
+      <p:ext uri="{BB962C8B-B14F-4D97-AF65-F5344CB8AC3E}">
+        <p14:creationId xmlns:p14="http://schemas.microsoft.com/office/powerpoint/2010/main" val="1010401058"/>
+      </p:ext>
+    </p:extLst>
+  </p:cSld>
+  <p:clrMapOvr>
+    <a:masterClrMapping/>
+  </p:clrMapOvr>
+  <p:transition/>
+</p:sld>
+</file>
+
+<file path=ppt/slides/slide18.xml><?xml version="1.0" encoding="utf-8"?>
+<p:sld xmlns:a="http://schemas.openxmlformats.org/drawingml/2006/main" xmlns:r="http://schemas.openxmlformats.org/officeDocument/2006/relationships" xmlns:p="http://schemas.openxmlformats.org/presentationml/2006/main">
+  <p:cSld>
+    <p:spTree>
+      <p:nvGrpSpPr>
+        <p:cNvPr id="1" name=""/>
+        <p:cNvGrpSpPr/>
+        <p:nvPr/>
+      </p:nvGrpSpPr>
+      <p:grpSpPr>
+        <a:xfrm>
+          <a:off x="0" y="0"/>
+          <a:ext cx="0" cy="0"/>
+          <a:chOff x="0" y="0"/>
+          <a:chExt cx="0" cy="0"/>
+        </a:xfrm>
+      </p:grpSpPr>
+      <p:sp>
+        <p:nvSpPr>
+          <p:cNvPr id="2" name="Title 1"/>
+          <p:cNvSpPr>
+            <a:spLocks noGrp="1"/>
+          </p:cNvSpPr>
+          <p:nvPr>
+            <p:ph type="title"/>
+          </p:nvPr>
+        </p:nvSpPr>
+        <p:spPr/>
+        <p:txBody>
+          <a:bodyPr/>
+          <a:lstStyle/>
+          <a:p>
+            <a:pPr algn="ctr"/>
+            <a:r>
+              <a:rPr lang="en-US" dirty="0"/>
+              <a:t>Single RESPONSIBILITY PRINCPILE</a:t>
+            </a:r>
+          </a:p>
+        </p:txBody>
+      </p:sp>
+      <p:pic>
+        <p:nvPicPr>
+          <p:cNvPr id="7" name="Picture 2" descr="SingleResponsibilityPrinciple2_71060858"/>
+          <p:cNvPicPr>
+            <a:picLocks noGrp="1" noChangeAspect="1" noChangeArrowheads="1"/>
+          </p:cNvPicPr>
+          <p:nvPr>
+            <p:ph idx="1"/>
+          </p:nvPr>
+        </p:nvPicPr>
+        <p:blipFill>
+          <a:blip r:embed="rId2">
+            <a:extLst>
+              <a:ext uri="{28A0092B-C50C-407E-A947-70E740481C1C}">
+                <a14:useLocalDpi xmlns:a14="http://schemas.microsoft.com/office/drawing/2010/main" val="0"/>
+              </a:ext>
+            </a:extLst>
+          </a:blip>
+          <a:srcRect/>
+          <a:stretch>
+            <a:fillRect/>
+          </a:stretch>
+        </p:blipFill>
+        <p:spPr bwMode="auto">
+          <a:xfrm>
+            <a:off x="1497844" y="1492424"/>
+            <a:ext cx="10009112" cy="7459459"/>
+          </a:xfrm>
+          <a:prstGeom prst="rect">
+            <a:avLst/>
+          </a:prstGeom>
+          <a:noFill/>
+          <a:extLst>
+            <a:ext uri="{909E8E84-426E-40DD-AFC4-6F175D3DCCD1}">
+              <a14:hiddenFill xmlns:a14="http://schemas.microsoft.com/office/drawing/2010/main">
+                <a:solidFill>
+                  <a:srgbClr val="FFFFFF"/>
+                </a:solidFill>
+              </a14:hiddenFill>
+            </a:ext>
+          </a:extLst>
+        </p:spPr>
+      </p:pic>
+    </p:spTree>
+    <p:extLst>
+      <p:ext uri="{BB962C8B-B14F-4D97-AF65-F5344CB8AC3E}">
+        <p14:creationId xmlns:p14="http://schemas.microsoft.com/office/powerpoint/2010/main" val="1339510610"/>
+      </p:ext>
+    </p:extLst>
+  </p:cSld>
+  <p:clrMapOvr>
+    <a:masterClrMapping/>
+  </p:clrMapOvr>
+  <p:transition/>
+</p:sld>
+</file>
+
+<file path=ppt/slides/slide19.xml><?xml version="1.0" encoding="utf-8"?>
+<p:sld xmlns:a="http://schemas.openxmlformats.org/drawingml/2006/main" xmlns:r="http://schemas.openxmlformats.org/officeDocument/2006/relationships" xmlns:p="http://schemas.openxmlformats.org/presentationml/2006/main">
+  <p:cSld>
+    <p:spTree>
+      <p:nvGrpSpPr>
+        <p:cNvPr id="1" name=""/>
+        <p:cNvGrpSpPr/>
+        <p:nvPr/>
+      </p:nvGrpSpPr>
+      <p:grpSpPr>
+        <a:xfrm>
+          <a:off x="0" y="0"/>
+          <a:ext cx="0" cy="0"/>
+          <a:chOff x="0" y="0"/>
+          <a:chExt cx="0" cy="0"/>
+        </a:xfrm>
+      </p:grpSpPr>
+      <p:sp>
+        <p:nvSpPr>
+          <p:cNvPr id="2" name="标题 1"/>
+          <p:cNvSpPr>
+            <a:spLocks noGrp="1"/>
+          </p:cNvSpPr>
+          <p:nvPr>
+            <p:ph type="title"/>
+          </p:nvPr>
+        </p:nvSpPr>
+        <p:spPr/>
+        <p:txBody>
+          <a:bodyPr/>
+          <a:lstStyle/>
+          <a:p>
+            <a:pPr algn="ctr"/>
+            <a:r>
+              <a:rPr lang="en-US" altLang="zh-Hans" dirty="0">
+                <a:latin typeface="微软雅黑" panose="020B0503020204020204" pitchFamily="34" charset="-122"/>
+                <a:ea typeface="微软雅黑" panose="020B0503020204020204" pitchFamily="34" charset="-122"/>
+              </a:rPr>
+              <a:t>Responsibility of Student</a:t>
+            </a:r>
+            <a:endParaRPr lang="zh-Hans" altLang="en-US" dirty="0">
+              <a:latin typeface="微软雅黑" panose="020B0503020204020204" pitchFamily="34" charset="-122"/>
+              <a:ea typeface="微软雅黑" panose="020B0503020204020204" pitchFamily="34" charset="-122"/>
+            </a:endParaRPr>
+          </a:p>
+        </p:txBody>
+      </p:sp>
+      <p:sp>
+        <p:nvSpPr>
+          <p:cNvPr id="4" name="灯片编号占位符 3"/>
+          <p:cNvSpPr>
+            <a:spLocks noGrp="1"/>
+          </p:cNvSpPr>
+          <p:nvPr>
+            <p:ph type="sldNum" sz="quarter" idx="10"/>
+          </p:nvPr>
+        </p:nvSpPr>
+        <p:spPr/>
+        <p:txBody>
+          <a:bodyPr/>
+          <a:lstStyle/>
+          <a:p>
+            <a:pPr>
+              <a:defRPr/>
+            </a:pPr>
+            <a:fld id="{47194DCD-506D-1D43-A52D-140307FFEF14}" type="slidenum">
+              <a:rPr lang="en-US" smtClean="0">
+                <a:latin typeface="微软雅黑" panose="020B0503020204020204" pitchFamily="34" charset="-122"/>
+                <a:ea typeface="微软雅黑" panose="020B0503020204020204" pitchFamily="34" charset="-122"/>
+              </a:rPr>
+              <a:pPr>
+                <a:defRPr/>
+              </a:pPr>
+              <a:t>19</a:t>
+            </a:fld>
+            <a:endParaRPr lang="en-US">
+              <a:latin typeface="微软雅黑" panose="020B0503020204020204" pitchFamily="34" charset="-122"/>
+              <a:ea typeface="微软雅黑" panose="020B0503020204020204" pitchFamily="34" charset="-122"/>
+            </a:endParaRPr>
+          </a:p>
+        </p:txBody>
+      </p:sp>
+      <p:pic>
+        <p:nvPicPr>
+          <p:cNvPr id="5" name="图片 4"/>
+          <p:cNvPicPr>
+            <a:picLocks noChangeAspect="1"/>
+          </p:cNvPicPr>
+          <p:nvPr/>
+        </p:nvPicPr>
+        <p:blipFill>
+          <a:blip r:embed="rId2"/>
+          <a:stretch>
+            <a:fillRect/>
+          </a:stretch>
+        </p:blipFill>
+        <p:spPr>
+          <a:xfrm>
+            <a:off x="381000" y="1705010"/>
+            <a:ext cx="7638095" cy="6914286"/>
+          </a:xfrm>
+          <a:prstGeom prst="rect">
+            <a:avLst/>
+          </a:prstGeom>
+        </p:spPr>
+      </p:pic>
+      <p:grpSp>
+        <p:nvGrpSpPr>
+          <p:cNvPr id="13" name="组合 12"/>
+          <p:cNvGrpSpPr/>
+          <p:nvPr/>
+        </p:nvGrpSpPr>
+        <p:grpSpPr>
+          <a:xfrm flipH="1">
+            <a:off x="7870558" y="2504632"/>
+            <a:ext cx="3412771" cy="498565"/>
+            <a:chOff x="4208491" y="3896959"/>
+            <a:chExt cx="3405317" cy="498565"/>
+          </a:xfrm>
+        </p:grpSpPr>
+        <p:sp>
+          <p:nvSpPr>
+            <p:cNvPr id="14" name="箭头: 燕尾形 13"/>
+            <p:cNvSpPr/>
+            <p:nvPr/>
+          </p:nvSpPr>
+          <p:spPr bwMode="auto">
+            <a:xfrm>
+              <a:off x="6569831" y="3896959"/>
+              <a:ext cx="1043977" cy="498565"/>
+            </a:xfrm>
+            <a:prstGeom prst="notchedRightArrow">
+              <a:avLst/>
+            </a:prstGeom>
+            <a:solidFill>
+              <a:srgbClr val="FF0000"/>
+            </a:solidFill>
+            <a:ln>
+              <a:noFill/>
+            </a:ln>
+          </p:spPr>
+          <p:style>
+            <a:lnRef idx="0">
+              <a:scrgbClr r="0" g="0" b="0"/>
+            </a:lnRef>
+            <a:fillRef idx="0">
+              <a:scrgbClr r="0" g="0" b="0"/>
+            </a:fillRef>
+            <a:effectRef idx="0">
+              <a:scrgbClr r="0" g="0" b="0"/>
+            </a:effectRef>
+            <a:fontRef idx="minor">
+              <a:schemeClr val="lt1"/>
+            </a:fontRef>
+          </p:style>
+          <p:txBody>
+            <a:bodyPr lIns="457200" tIns="228600" rIns="457200" bIns="228600" rtlCol="0" anchor="ctr"/>
+            <a:lstStyle/>
+            <a:p>
+              <a:pPr algn="ctr">
+                <a:lnSpc>
+                  <a:spcPct val="100000"/>
+                </a:lnSpc>
+              </a:pPr>
+              <a:endParaRPr lang="zh-CN" altLang="en-US" dirty="0">
+                <a:solidFill>
+                  <a:schemeClr val="tx1"/>
+                </a:solidFill>
+                <a:latin typeface="微软雅黑" panose="020B0503020204020204" pitchFamily="34" charset="-122"/>
+                <a:ea typeface="微软雅黑" panose="020B0503020204020204" pitchFamily="34" charset="-122"/>
+              </a:endParaRPr>
+            </a:p>
+          </p:txBody>
+        </p:sp>
+        <p:sp>
+          <p:nvSpPr>
+            <p:cNvPr id="16" name="文本框 15"/>
+            <p:cNvSpPr txBox="1"/>
+            <p:nvPr/>
+          </p:nvSpPr>
+          <p:spPr>
+            <a:xfrm>
+              <a:off x="4208491" y="3946187"/>
+              <a:ext cx="2410065" cy="400110"/>
+            </a:xfrm>
+            <a:prstGeom prst="rect">
+              <a:avLst/>
+            </a:prstGeom>
+            <a:noFill/>
+          </p:spPr>
+          <p:txBody>
+            <a:bodyPr wrap="none" rtlCol="0">
+              <a:spAutoFit/>
+            </a:bodyPr>
+            <a:lstStyle/>
+            <a:p>
+              <a:pPr>
+                <a:lnSpc>
+                  <a:spcPct val="100000"/>
+                </a:lnSpc>
+              </a:pPr>
+              <a:r>
+                <a:rPr lang="en-US" altLang="zh-CN" sz="2000" dirty="0">
+                  <a:latin typeface="微软雅黑" panose="020B0503020204020204" pitchFamily="34" charset="-122"/>
+                  <a:ea typeface="微软雅黑" panose="020B0503020204020204" pitchFamily="34" charset="-122"/>
+                </a:rPr>
+                <a:t>Special Word Rule</a:t>
+              </a:r>
+              <a:endParaRPr lang="zh-CN" altLang="en-US" sz="2000" dirty="0">
+                <a:latin typeface="微软雅黑" panose="020B0503020204020204" pitchFamily="34" charset="-122"/>
+                <a:ea typeface="微软雅黑" panose="020B0503020204020204" pitchFamily="34" charset="-122"/>
+              </a:endParaRPr>
+            </a:p>
+          </p:txBody>
+        </p:sp>
+      </p:grpSp>
+      <p:grpSp>
+        <p:nvGrpSpPr>
+          <p:cNvPr id="18" name="组合 17"/>
+          <p:cNvGrpSpPr/>
+          <p:nvPr/>
+        </p:nvGrpSpPr>
+        <p:grpSpPr>
+          <a:xfrm flipH="1">
+            <a:off x="7870558" y="5130876"/>
+            <a:ext cx="3115766" cy="498565"/>
+            <a:chOff x="4504848" y="3896959"/>
+            <a:chExt cx="3108960" cy="498565"/>
+          </a:xfrm>
+        </p:grpSpPr>
+        <p:sp>
+          <p:nvSpPr>
+            <p:cNvPr id="20" name="箭头: 燕尾形 19"/>
+            <p:cNvSpPr/>
+            <p:nvPr/>
+          </p:nvSpPr>
+          <p:spPr bwMode="auto">
+            <a:xfrm>
+              <a:off x="6569831" y="3896959"/>
+              <a:ext cx="1043977" cy="498565"/>
+            </a:xfrm>
+            <a:prstGeom prst="notchedRightArrow">
+              <a:avLst/>
+            </a:prstGeom>
+            <a:solidFill>
+              <a:srgbClr val="FF0000"/>
+            </a:solidFill>
+            <a:ln>
+              <a:noFill/>
+            </a:ln>
+          </p:spPr>
+          <p:style>
+            <a:lnRef idx="0">
+              <a:scrgbClr r="0" g="0" b="0"/>
+            </a:lnRef>
+            <a:fillRef idx="0">
+              <a:scrgbClr r="0" g="0" b="0"/>
+            </a:fillRef>
+            <a:effectRef idx="0">
+              <a:scrgbClr r="0" g="0" b="0"/>
+            </a:effectRef>
+            <a:fontRef idx="minor">
+              <a:schemeClr val="lt1"/>
+            </a:fontRef>
+          </p:style>
+          <p:txBody>
+            <a:bodyPr lIns="457200" tIns="228600" rIns="457200" bIns="228600" rtlCol="0" anchor="ctr"/>
+            <a:lstStyle/>
+            <a:p>
+              <a:pPr algn="ctr">
+                <a:lnSpc>
+                  <a:spcPct val="100000"/>
+                </a:lnSpc>
+              </a:pPr>
+              <a:endParaRPr lang="zh-CN" altLang="en-US" dirty="0">
+                <a:solidFill>
+                  <a:schemeClr val="tx1"/>
+                </a:solidFill>
+                <a:latin typeface="微软雅黑" panose="020B0503020204020204" pitchFamily="34" charset="-122"/>
+                <a:ea typeface="微软雅黑" panose="020B0503020204020204" pitchFamily="34" charset="-122"/>
+              </a:endParaRPr>
+            </a:p>
+          </p:txBody>
+        </p:sp>
+        <p:sp>
+          <p:nvSpPr>
+            <p:cNvPr id="21" name="文本框 20"/>
+            <p:cNvSpPr txBox="1"/>
+            <p:nvPr/>
+          </p:nvSpPr>
+          <p:spPr>
+            <a:xfrm>
+              <a:off x="4504848" y="3946187"/>
+              <a:ext cx="1817353" cy="400110"/>
+            </a:xfrm>
+            <a:prstGeom prst="rect">
+              <a:avLst/>
+            </a:prstGeom>
+            <a:noFill/>
+          </p:spPr>
+          <p:txBody>
+            <a:bodyPr wrap="none" rtlCol="0">
+              <a:spAutoFit/>
+            </a:bodyPr>
+            <a:lstStyle/>
+            <a:p>
+              <a:pPr>
+                <a:lnSpc>
+                  <a:spcPct val="100000"/>
+                </a:lnSpc>
+              </a:pPr>
+              <a:r>
+                <a:rPr lang="en-US" altLang="zh-CN" sz="2000" dirty="0">
+                  <a:latin typeface="微软雅黑" panose="020B0503020204020204" pitchFamily="34" charset="-122"/>
+                  <a:ea typeface="微软雅黑" panose="020B0503020204020204" pitchFamily="34" charset="-122"/>
+                </a:rPr>
+                <a:t>Multiple Rule</a:t>
+              </a:r>
+              <a:endParaRPr lang="zh-CN" altLang="en-US" sz="2000" dirty="0">
+                <a:latin typeface="微软雅黑" panose="020B0503020204020204" pitchFamily="34" charset="-122"/>
+                <a:ea typeface="微软雅黑" panose="020B0503020204020204" pitchFamily="34" charset="-122"/>
+              </a:endParaRPr>
+            </a:p>
+          </p:txBody>
+        </p:sp>
+      </p:grpSp>
+      <p:grpSp>
+        <p:nvGrpSpPr>
+          <p:cNvPr id="22" name="组合 21"/>
+          <p:cNvGrpSpPr/>
+          <p:nvPr/>
+        </p:nvGrpSpPr>
+        <p:grpSpPr>
+          <a:xfrm flipH="1">
+            <a:off x="7870564" y="7757120"/>
+            <a:ext cx="3052447" cy="498565"/>
+            <a:chOff x="4568026" y="3896959"/>
+            <a:chExt cx="3045782" cy="498565"/>
+          </a:xfrm>
+        </p:grpSpPr>
+        <p:sp>
+          <p:nvSpPr>
+            <p:cNvPr id="23" name="箭头: 燕尾形 22"/>
+            <p:cNvSpPr/>
+            <p:nvPr/>
+          </p:nvSpPr>
+          <p:spPr bwMode="auto">
+            <a:xfrm>
+              <a:off x="6569831" y="3896959"/>
+              <a:ext cx="1043977" cy="498565"/>
+            </a:xfrm>
+            <a:prstGeom prst="notchedRightArrow">
+              <a:avLst/>
+            </a:prstGeom>
+            <a:solidFill>
+              <a:srgbClr val="FF0000"/>
+            </a:solidFill>
+            <a:ln>
+              <a:noFill/>
+            </a:ln>
+          </p:spPr>
+          <p:style>
+            <a:lnRef idx="0">
+              <a:scrgbClr r="0" g="0" b="0"/>
+            </a:lnRef>
+            <a:fillRef idx="0">
+              <a:scrgbClr r="0" g="0" b="0"/>
+            </a:fillRef>
+            <a:effectRef idx="0">
+              <a:scrgbClr r="0" g="0" b="0"/>
+            </a:effectRef>
+            <a:fontRef idx="minor">
+              <a:schemeClr val="lt1"/>
+            </a:fontRef>
+          </p:style>
+          <p:txBody>
+            <a:bodyPr lIns="457200" tIns="228600" rIns="457200" bIns="228600" rtlCol="0" anchor="ctr"/>
+            <a:lstStyle/>
+            <a:p>
+              <a:pPr algn="ctr">
+                <a:lnSpc>
+                  <a:spcPct val="100000"/>
+                </a:lnSpc>
+              </a:pPr>
+              <a:endParaRPr lang="zh-CN" altLang="en-US" dirty="0">
+                <a:solidFill>
+                  <a:schemeClr val="tx1"/>
+                </a:solidFill>
+                <a:latin typeface="微软雅黑" panose="020B0503020204020204" pitchFamily="34" charset="-122"/>
+                <a:ea typeface="微软雅黑" panose="020B0503020204020204" pitchFamily="34" charset="-122"/>
+              </a:endParaRPr>
+            </a:p>
+          </p:txBody>
+        </p:sp>
+        <p:sp>
+          <p:nvSpPr>
+            <p:cNvPr id="24" name="文本框 23"/>
+            <p:cNvSpPr txBox="1"/>
+            <p:nvPr/>
+          </p:nvSpPr>
+          <p:spPr>
+            <a:xfrm>
+              <a:off x="4568026" y="3946187"/>
+              <a:ext cx="1690995" cy="400110"/>
+            </a:xfrm>
+            <a:prstGeom prst="rect">
+              <a:avLst/>
+            </a:prstGeom>
+            <a:noFill/>
+          </p:spPr>
+          <p:txBody>
+            <a:bodyPr wrap="none" rtlCol="0">
+              <a:spAutoFit/>
+            </a:bodyPr>
+            <a:lstStyle/>
+            <a:p>
+              <a:pPr>
+                <a:lnSpc>
+                  <a:spcPct val="100000"/>
+                </a:lnSpc>
+              </a:pPr>
+              <a:r>
+                <a:rPr lang="en-US" altLang="zh-CN" sz="2000" dirty="0">
+                  <a:latin typeface="微软雅黑" panose="020B0503020204020204" pitchFamily="34" charset="-122"/>
+                  <a:ea typeface="微软雅黑" panose="020B0503020204020204" pitchFamily="34" charset="-122"/>
+                </a:rPr>
+                <a:t>Default Rule</a:t>
+              </a:r>
+              <a:endParaRPr lang="zh-CN" altLang="en-US" sz="2000" dirty="0">
+                <a:latin typeface="微软雅黑" panose="020B0503020204020204" pitchFamily="34" charset="-122"/>
+                <a:ea typeface="微软雅黑" panose="020B0503020204020204" pitchFamily="34" charset="-122"/>
+              </a:endParaRPr>
+            </a:p>
+          </p:txBody>
+        </p:sp>
+      </p:grpSp>
+    </p:spTree>
+    <p:extLst>
+      <p:ext uri="{BB962C8B-B14F-4D97-AF65-F5344CB8AC3E}">
+        <p14:creationId xmlns:p14="http://schemas.microsoft.com/office/powerpoint/2010/main" val="2918874195"/>
+      </p:ext>
+    </p:extLst>
+  </p:cSld>
+  <p:clrMapOvr>
+    <a:masterClrMapping/>
+  </p:clrMapOvr>
+  <p:transition/>
+</p:sld>
+</file>
+
+<file path=ppt/slides/slide2.xml><?xml version="1.0" encoding="utf-8"?>
+<p:sld xmlns:a="http://schemas.openxmlformats.org/drawingml/2006/main" xmlns:r="http://schemas.openxmlformats.org/officeDocument/2006/relationships" xmlns:p="http://schemas.openxmlformats.org/presentationml/2006/main">
+  <p:cSld>
+    <p:spTree>
+      <p:nvGrpSpPr>
+        <p:cNvPr id="1" name=""/>
+        <p:cNvGrpSpPr/>
+        <p:nvPr/>
+      </p:nvGrpSpPr>
+      <p:grpSpPr>
+        <a:xfrm>
+          <a:off x="0" y="0"/>
+          <a:ext cx="0" cy="0"/>
+          <a:chOff x="0" y="0"/>
+          <a:chExt cx="0" cy="0"/>
+        </a:xfrm>
+      </p:grpSpPr>
+      <p:sp>
+        <p:nvSpPr>
+          <p:cNvPr id="12289" name="Rectangle 1"/>
+          <p:cNvSpPr>
+            <a:spLocks noGrp="1" noChangeArrowheads="1"/>
+          </p:cNvSpPr>
+          <p:nvPr>
+            <p:ph type="title"/>
+          </p:nvPr>
+        </p:nvSpPr>
+        <p:spPr/>
+        <p:txBody>
+          <a:bodyPr/>
+          <a:lstStyle/>
+          <a:p>
+            <a:pPr>
+              <a:defRPr/>
+            </a:pPr>
+            <a:r>
+              <a:rPr lang="en-US" dirty="0"/>
+              <a:t>Unit Testing</a:t>
+            </a:r>
+          </a:p>
+        </p:txBody>
+      </p:sp>
+      <p:sp>
+        <p:nvSpPr>
+          <p:cNvPr id="12290" name="Rectangle 2"/>
+          <p:cNvSpPr>
+            <a:spLocks noGrp="1" noChangeArrowheads="1"/>
+          </p:cNvSpPr>
+          <p:nvPr>
+            <p:ph idx="1"/>
+          </p:nvPr>
+        </p:nvSpPr>
+        <p:spPr/>
+        <p:txBody>
+          <a:bodyPr/>
+          <a:lstStyle/>
+          <a:p>
+            <a:pPr marL="0" indent="0" eaLnBrk="1" hangingPunct="1">
+              <a:defRPr/>
+            </a:pPr>
+            <a:r>
+              <a:rPr lang="en-US" dirty="0"/>
+              <a:t>With Google Test</a:t>
+            </a:r>
+          </a:p>
+        </p:txBody>
+      </p:sp>
+      <p:sp>
+        <p:nvSpPr>
+          <p:cNvPr id="4" name="Slide Number Placeholder 3"/>
+          <p:cNvSpPr>
+            <a:spLocks noGrp="1"/>
+          </p:cNvSpPr>
+          <p:nvPr>
+            <p:ph type="sldNum" sz="quarter" idx="10"/>
+          </p:nvPr>
+        </p:nvSpPr>
+        <p:spPr/>
+        <p:txBody>
+          <a:bodyPr/>
+          <a:lstStyle/>
+          <a:p>
+            <a:pPr>
+              <a:defRPr/>
+            </a:pPr>
+            <a:fld id="{FF174A22-F644-8D40-AF6E-ACD99327719B}" type="slidenum">
+              <a:rPr lang="en-US"/>
+              <a:pPr>
+                <a:defRPr/>
+              </a:pPr>
+              <a:t>2</a:t>
+            </a:fld>
+            <a:endParaRPr lang="en-US"/>
+          </a:p>
+        </p:txBody>
+      </p:sp>
+    </p:spTree>
+  </p:cSld>
+  <p:clrMapOvr>
+    <a:masterClrMapping/>
+  </p:clrMapOvr>
+  <p:transition/>
+</p:sld>
+</file>
+
+<file path=ppt/slides/slide20.xml><?xml version="1.0" encoding="utf-8"?>
+<p:sld xmlns:a="http://schemas.openxmlformats.org/drawingml/2006/main" xmlns:r="http://schemas.openxmlformats.org/officeDocument/2006/relationships" xmlns:p="http://schemas.openxmlformats.org/presentationml/2006/main">
+  <p:cSld>
+    <p:spTree>
+      <p:nvGrpSpPr>
+        <p:cNvPr id="1" name=""/>
+        <p:cNvGrpSpPr/>
+        <p:nvPr/>
+      </p:nvGrpSpPr>
+      <p:grpSpPr>
+        <a:xfrm>
+          <a:off x="0" y="0"/>
+          <a:ext cx="0" cy="0"/>
+          <a:chOff x="0" y="0"/>
+          <a:chExt cx="0" cy="0"/>
+        </a:xfrm>
+      </p:grpSpPr>
+      <p:sp>
+        <p:nvSpPr>
+          <p:cNvPr id="2" name="标题 1"/>
+          <p:cNvSpPr>
+            <a:spLocks noGrp="1"/>
+          </p:cNvSpPr>
+          <p:nvPr>
+            <p:ph type="title"/>
+          </p:nvPr>
+        </p:nvSpPr>
+        <p:spPr/>
+        <p:txBody>
+          <a:bodyPr/>
+          <a:lstStyle/>
+          <a:p>
+            <a:pPr algn="ctr"/>
+            <a:r>
+              <a:rPr lang="en-US" altLang="zh-Hans" dirty="0">
+                <a:latin typeface="微软雅黑" panose="020B0503020204020204" pitchFamily="34" charset="-122"/>
+                <a:ea typeface="微软雅黑" panose="020B0503020204020204" pitchFamily="34" charset="-122"/>
+              </a:rPr>
+              <a:t>Extracting Rules</a:t>
+            </a:r>
+            <a:endParaRPr lang="zh-Hans" altLang="en-US" dirty="0">
+              <a:latin typeface="微软雅黑" panose="020B0503020204020204" pitchFamily="34" charset="-122"/>
+              <a:ea typeface="微软雅黑" panose="020B0503020204020204" pitchFamily="34" charset="-122"/>
+            </a:endParaRPr>
+          </a:p>
+        </p:txBody>
+      </p:sp>
+      <p:sp>
+        <p:nvSpPr>
+          <p:cNvPr id="4" name="灯片编号占位符 3"/>
+          <p:cNvSpPr>
+            <a:spLocks noGrp="1"/>
+          </p:cNvSpPr>
+          <p:nvPr>
+            <p:ph type="sldNum" sz="quarter" idx="10"/>
+          </p:nvPr>
+        </p:nvSpPr>
+        <p:spPr/>
+        <p:txBody>
+          <a:bodyPr/>
+          <a:lstStyle/>
+          <a:p>
+            <a:pPr>
+              <a:defRPr/>
+            </a:pPr>
+            <a:fld id="{47194DCD-506D-1D43-A52D-140307FFEF14}" type="slidenum">
+              <a:rPr lang="en-US" smtClean="0">
+                <a:latin typeface="微软雅黑" panose="020B0503020204020204" pitchFamily="34" charset="-122"/>
+                <a:ea typeface="微软雅黑" panose="020B0503020204020204" pitchFamily="34" charset="-122"/>
+              </a:rPr>
+              <a:pPr>
+                <a:defRPr/>
+              </a:pPr>
+              <a:t>20</a:t>
+            </a:fld>
+            <a:endParaRPr lang="en-US">
+              <a:latin typeface="微软雅黑" panose="020B0503020204020204" pitchFamily="34" charset="-122"/>
+              <a:ea typeface="微软雅黑" panose="020B0503020204020204" pitchFamily="34" charset="-122"/>
+            </a:endParaRPr>
+          </a:p>
+        </p:txBody>
+      </p:sp>
+      <p:grpSp>
+        <p:nvGrpSpPr>
+          <p:cNvPr id="13" name="组合 12"/>
+          <p:cNvGrpSpPr/>
+          <p:nvPr/>
+        </p:nvGrpSpPr>
+        <p:grpSpPr>
+          <a:xfrm flipH="1">
+            <a:off x="7870558" y="2504632"/>
+            <a:ext cx="3412771" cy="498565"/>
+            <a:chOff x="4208492" y="3896959"/>
+            <a:chExt cx="3405316" cy="498565"/>
+          </a:xfrm>
+        </p:grpSpPr>
+        <p:sp>
+          <p:nvSpPr>
+            <p:cNvPr id="14" name="箭头: 燕尾形 13"/>
+            <p:cNvSpPr/>
+            <p:nvPr/>
+          </p:nvSpPr>
+          <p:spPr bwMode="auto">
+            <a:xfrm>
+              <a:off x="6569831" y="3896959"/>
+              <a:ext cx="1043977" cy="498565"/>
+            </a:xfrm>
+            <a:prstGeom prst="notchedRightArrow">
+              <a:avLst/>
+            </a:prstGeom>
+            <a:solidFill>
+              <a:srgbClr val="FF0000"/>
+            </a:solidFill>
+            <a:ln>
+              <a:noFill/>
+            </a:ln>
+          </p:spPr>
+          <p:style>
+            <a:lnRef idx="0">
+              <a:scrgbClr r="0" g="0" b="0"/>
+            </a:lnRef>
+            <a:fillRef idx="0">
+              <a:scrgbClr r="0" g="0" b="0"/>
+            </a:fillRef>
+            <a:effectRef idx="0">
+              <a:scrgbClr r="0" g="0" b="0"/>
+            </a:effectRef>
+            <a:fontRef idx="minor">
+              <a:schemeClr val="lt1"/>
+            </a:fontRef>
+          </p:style>
+          <p:txBody>
+            <a:bodyPr lIns="457200" tIns="228600" rIns="457200" bIns="228600" rtlCol="0" anchor="ctr"/>
+            <a:lstStyle/>
+            <a:p>
+              <a:pPr algn="ctr">
+                <a:lnSpc>
+                  <a:spcPct val="100000"/>
+                </a:lnSpc>
+              </a:pPr>
+              <a:endParaRPr lang="zh-CN" altLang="en-US" dirty="0">
+                <a:solidFill>
+                  <a:schemeClr val="tx1"/>
+                </a:solidFill>
+                <a:latin typeface="微软雅黑" panose="020B0503020204020204" pitchFamily="34" charset="-122"/>
+                <a:ea typeface="微软雅黑" panose="020B0503020204020204" pitchFamily="34" charset="-122"/>
+              </a:endParaRPr>
+            </a:p>
+          </p:txBody>
+        </p:sp>
+        <p:sp>
+          <p:nvSpPr>
+            <p:cNvPr id="16" name="文本框 15"/>
+            <p:cNvSpPr txBox="1"/>
+            <p:nvPr/>
+          </p:nvSpPr>
+          <p:spPr>
+            <a:xfrm>
+              <a:off x="4208492" y="3946187"/>
+              <a:ext cx="2410065" cy="400110"/>
+            </a:xfrm>
+            <a:prstGeom prst="rect">
+              <a:avLst/>
+            </a:prstGeom>
+            <a:noFill/>
+          </p:spPr>
+          <p:txBody>
+            <a:bodyPr wrap="none" rtlCol="0">
+              <a:spAutoFit/>
+            </a:bodyPr>
+            <a:lstStyle/>
+            <a:p>
+              <a:pPr>
+                <a:lnSpc>
+                  <a:spcPct val="100000"/>
+                </a:lnSpc>
+              </a:pPr>
+              <a:r>
+                <a:rPr lang="en-US" altLang="zh-CN" sz="2000" dirty="0">
+                  <a:latin typeface="微软雅黑" panose="020B0503020204020204" pitchFamily="34" charset="-122"/>
+                  <a:ea typeface="微软雅黑" panose="020B0503020204020204" pitchFamily="34" charset="-122"/>
+                </a:rPr>
+                <a:t>Special Word Rule</a:t>
+              </a:r>
+              <a:endParaRPr lang="zh-CN" altLang="en-US" sz="2000" dirty="0">
+                <a:latin typeface="微软雅黑" panose="020B0503020204020204" pitchFamily="34" charset="-122"/>
+                <a:ea typeface="微软雅黑" panose="020B0503020204020204" pitchFamily="34" charset="-122"/>
+              </a:endParaRPr>
+            </a:p>
+          </p:txBody>
+        </p:sp>
+      </p:grpSp>
+      <p:grpSp>
+        <p:nvGrpSpPr>
+          <p:cNvPr id="18" name="组合 17"/>
+          <p:cNvGrpSpPr/>
+          <p:nvPr/>
+        </p:nvGrpSpPr>
+        <p:grpSpPr>
+          <a:xfrm flipH="1">
+            <a:off x="7870558" y="5130876"/>
+            <a:ext cx="3115766" cy="498565"/>
+            <a:chOff x="4504848" y="3896959"/>
+            <a:chExt cx="3108960" cy="498565"/>
+          </a:xfrm>
+        </p:grpSpPr>
+        <p:sp>
+          <p:nvSpPr>
+            <p:cNvPr id="20" name="箭头: 燕尾形 19"/>
+            <p:cNvSpPr/>
+            <p:nvPr/>
+          </p:nvSpPr>
+          <p:spPr bwMode="auto">
+            <a:xfrm>
+              <a:off x="6569831" y="3896959"/>
+              <a:ext cx="1043977" cy="498565"/>
+            </a:xfrm>
+            <a:prstGeom prst="notchedRightArrow">
+              <a:avLst/>
+            </a:prstGeom>
+            <a:solidFill>
+              <a:srgbClr val="FF0000"/>
+            </a:solidFill>
+            <a:ln>
+              <a:noFill/>
+            </a:ln>
+          </p:spPr>
+          <p:style>
+            <a:lnRef idx="0">
+              <a:scrgbClr r="0" g="0" b="0"/>
+            </a:lnRef>
+            <a:fillRef idx="0">
+              <a:scrgbClr r="0" g="0" b="0"/>
+            </a:fillRef>
+            <a:effectRef idx="0">
+              <a:scrgbClr r="0" g="0" b="0"/>
+            </a:effectRef>
+            <a:fontRef idx="minor">
+              <a:schemeClr val="lt1"/>
+            </a:fontRef>
+          </p:style>
+          <p:txBody>
+            <a:bodyPr lIns="457200" tIns="228600" rIns="457200" bIns="228600" rtlCol="0" anchor="ctr"/>
+            <a:lstStyle/>
+            <a:p>
+              <a:pPr algn="ctr">
+                <a:lnSpc>
+                  <a:spcPct val="100000"/>
+                </a:lnSpc>
+              </a:pPr>
+              <a:endParaRPr lang="zh-CN" altLang="en-US" dirty="0">
+                <a:solidFill>
+                  <a:schemeClr val="tx1"/>
+                </a:solidFill>
+                <a:latin typeface="微软雅黑" panose="020B0503020204020204" pitchFamily="34" charset="-122"/>
+                <a:ea typeface="微软雅黑" panose="020B0503020204020204" pitchFamily="34" charset="-122"/>
+              </a:endParaRPr>
+            </a:p>
+          </p:txBody>
+        </p:sp>
+        <p:sp>
+          <p:nvSpPr>
+            <p:cNvPr id="21" name="文本框 20"/>
+            <p:cNvSpPr txBox="1"/>
+            <p:nvPr/>
+          </p:nvSpPr>
+          <p:spPr>
+            <a:xfrm>
+              <a:off x="4504848" y="3946187"/>
+              <a:ext cx="1817353" cy="400110"/>
+            </a:xfrm>
+            <a:prstGeom prst="rect">
+              <a:avLst/>
+            </a:prstGeom>
+            <a:noFill/>
+          </p:spPr>
+          <p:txBody>
+            <a:bodyPr wrap="none" rtlCol="0">
+              <a:spAutoFit/>
+            </a:bodyPr>
+            <a:lstStyle/>
+            <a:p>
+              <a:pPr>
+                <a:lnSpc>
+                  <a:spcPct val="100000"/>
+                </a:lnSpc>
+              </a:pPr>
+              <a:r>
+                <a:rPr lang="en-US" altLang="zh-CN" sz="2000" dirty="0">
+                  <a:latin typeface="微软雅黑" panose="020B0503020204020204" pitchFamily="34" charset="-122"/>
+                  <a:ea typeface="微软雅黑" panose="020B0503020204020204" pitchFamily="34" charset="-122"/>
+                </a:rPr>
+                <a:t>Multiple Rule</a:t>
+              </a:r>
+              <a:endParaRPr lang="zh-CN" altLang="en-US" sz="2000" dirty="0">
+                <a:latin typeface="微软雅黑" panose="020B0503020204020204" pitchFamily="34" charset="-122"/>
+                <a:ea typeface="微软雅黑" panose="020B0503020204020204" pitchFamily="34" charset="-122"/>
+              </a:endParaRPr>
+            </a:p>
+          </p:txBody>
+        </p:sp>
+      </p:grpSp>
+      <p:grpSp>
+        <p:nvGrpSpPr>
+          <p:cNvPr id="22" name="组合 21"/>
+          <p:cNvGrpSpPr/>
+          <p:nvPr/>
+        </p:nvGrpSpPr>
+        <p:grpSpPr>
+          <a:xfrm flipH="1">
+            <a:off x="7870564" y="7757120"/>
+            <a:ext cx="3052447" cy="498565"/>
+            <a:chOff x="4568026" y="3896959"/>
+            <a:chExt cx="3045782" cy="498565"/>
+          </a:xfrm>
+        </p:grpSpPr>
+        <p:sp>
+          <p:nvSpPr>
+            <p:cNvPr id="23" name="箭头: 燕尾形 22"/>
+            <p:cNvSpPr/>
+            <p:nvPr/>
+          </p:nvSpPr>
+          <p:spPr bwMode="auto">
+            <a:xfrm>
+              <a:off x="6569831" y="3896959"/>
+              <a:ext cx="1043977" cy="498565"/>
+            </a:xfrm>
+            <a:prstGeom prst="notchedRightArrow">
+              <a:avLst/>
+            </a:prstGeom>
+            <a:solidFill>
+              <a:srgbClr val="FF0000"/>
+            </a:solidFill>
+            <a:ln>
+              <a:noFill/>
+            </a:ln>
+          </p:spPr>
+          <p:style>
+            <a:lnRef idx="0">
+              <a:scrgbClr r="0" g="0" b="0"/>
+            </a:lnRef>
+            <a:fillRef idx="0">
+              <a:scrgbClr r="0" g="0" b="0"/>
+            </a:fillRef>
+            <a:effectRef idx="0">
+              <a:scrgbClr r="0" g="0" b="0"/>
+            </a:effectRef>
+            <a:fontRef idx="minor">
+              <a:schemeClr val="lt1"/>
+            </a:fontRef>
+          </p:style>
+          <p:txBody>
+            <a:bodyPr lIns="457200" tIns="228600" rIns="457200" bIns="228600" rtlCol="0" anchor="ctr"/>
+            <a:lstStyle/>
+            <a:p>
+              <a:pPr algn="ctr">
+                <a:lnSpc>
+                  <a:spcPct val="100000"/>
+                </a:lnSpc>
+              </a:pPr>
+              <a:endParaRPr lang="zh-CN" altLang="en-US" dirty="0">
+                <a:solidFill>
+                  <a:schemeClr val="tx1"/>
+                </a:solidFill>
+                <a:latin typeface="微软雅黑" panose="020B0503020204020204" pitchFamily="34" charset="-122"/>
+                <a:ea typeface="微软雅黑" panose="020B0503020204020204" pitchFamily="34" charset="-122"/>
+              </a:endParaRPr>
+            </a:p>
+          </p:txBody>
+        </p:sp>
+        <p:sp>
+          <p:nvSpPr>
+            <p:cNvPr id="24" name="文本框 23"/>
+            <p:cNvSpPr txBox="1"/>
+            <p:nvPr/>
+          </p:nvSpPr>
+          <p:spPr>
+            <a:xfrm>
+              <a:off x="4568026" y="3946187"/>
+              <a:ext cx="1690995" cy="400110"/>
+            </a:xfrm>
+            <a:prstGeom prst="rect">
+              <a:avLst/>
+            </a:prstGeom>
+            <a:noFill/>
+          </p:spPr>
+          <p:txBody>
+            <a:bodyPr wrap="none" rtlCol="0">
+              <a:spAutoFit/>
+            </a:bodyPr>
+            <a:lstStyle/>
+            <a:p>
+              <a:pPr>
+                <a:lnSpc>
+                  <a:spcPct val="100000"/>
+                </a:lnSpc>
+              </a:pPr>
+              <a:r>
+                <a:rPr lang="en-US" altLang="zh-CN" sz="2000" dirty="0">
+                  <a:latin typeface="微软雅黑" panose="020B0503020204020204" pitchFamily="34" charset="-122"/>
+                  <a:ea typeface="微软雅黑" panose="020B0503020204020204" pitchFamily="34" charset="-122"/>
+                </a:rPr>
+                <a:t>Default Rule</a:t>
+              </a:r>
+              <a:endParaRPr lang="zh-CN" altLang="en-US" sz="2000" dirty="0">
+                <a:latin typeface="微软雅黑" panose="020B0503020204020204" pitchFamily="34" charset="-122"/>
+                <a:ea typeface="微软雅黑" panose="020B0503020204020204" pitchFamily="34" charset="-122"/>
+              </a:endParaRPr>
+            </a:p>
+          </p:txBody>
+        </p:sp>
+      </p:grpSp>
+      <p:pic>
+        <p:nvPicPr>
+          <p:cNvPr id="7" name="图片 6"/>
+          <p:cNvPicPr>
+            <a:picLocks noChangeAspect="1"/>
+          </p:cNvPicPr>
+          <p:nvPr/>
+        </p:nvPicPr>
+        <p:blipFill>
+          <a:blip r:embed="rId2"/>
+          <a:stretch>
+            <a:fillRect/>
+          </a:stretch>
+        </p:blipFill>
+        <p:spPr>
+          <a:xfrm>
+            <a:off x="381000" y="1276400"/>
+            <a:ext cx="7310471" cy="7848872"/>
+          </a:xfrm>
+          <a:prstGeom prst="rect">
+            <a:avLst/>
+          </a:prstGeom>
+        </p:spPr>
+      </p:pic>
+    </p:spTree>
+    <p:extLst>
+      <p:ext uri="{BB962C8B-B14F-4D97-AF65-F5344CB8AC3E}">
+        <p14:creationId xmlns:p14="http://schemas.microsoft.com/office/powerpoint/2010/main" val="2913949096"/>
+      </p:ext>
+    </p:extLst>
+  </p:cSld>
+  <p:clrMapOvr>
+    <a:masterClrMapping/>
+  </p:clrMapOvr>
+  <p:transition/>
+</p:sld>
+</file>
+
+<file path=ppt/slides/slide21.xml><?xml version="1.0" encoding="utf-8"?>
+<p:sld xmlns:a="http://schemas.openxmlformats.org/drawingml/2006/main" xmlns:r="http://schemas.openxmlformats.org/officeDocument/2006/relationships" xmlns:p="http://schemas.openxmlformats.org/presentationml/2006/main">
+  <p:cSld>
+    <p:spTree>
+      <p:nvGrpSpPr>
+        <p:cNvPr id="1" name=""/>
+        <p:cNvGrpSpPr/>
+        <p:nvPr/>
+      </p:nvGrpSpPr>
+      <p:grpSpPr>
+        <a:xfrm>
+          <a:off x="0" y="0"/>
+          <a:ext cx="0" cy="0"/>
+          <a:chOff x="0" y="0"/>
+          <a:chExt cx="0" cy="0"/>
+        </a:xfrm>
+      </p:grpSpPr>
+      <p:pic>
+        <p:nvPicPr>
+          <p:cNvPr id="1028" name="Picture 4" descr="http://www.0571gb.com/d/file/p/d0c3fc91dc315b8cb4158d591f745d6e.jpg"/>
+          <p:cNvPicPr>
+            <a:picLocks noChangeAspect="1" noChangeArrowheads="1"/>
+          </p:cNvPicPr>
+          <p:nvPr/>
+        </p:nvPicPr>
+        <p:blipFill>
+          <a:blip r:embed="rId2">
+            <a:extLst>
+              <a:ext uri="{28A0092B-C50C-407E-A947-70E740481C1C}">
+                <a14:useLocalDpi xmlns:a14="http://schemas.microsoft.com/office/drawing/2010/main" val="0"/>
+              </a:ext>
+            </a:extLst>
+          </a:blip>
+          <a:srcRect/>
+          <a:stretch>
+            <a:fillRect/>
+          </a:stretch>
+        </p:blipFill>
+        <p:spPr bwMode="auto">
+          <a:xfrm>
+            <a:off x="3550072" y="6378513"/>
+            <a:ext cx="1657399" cy="1691397"/>
+          </a:xfrm>
+          <a:prstGeom prst="rect">
+            <a:avLst/>
+          </a:prstGeom>
+          <a:noFill/>
+          <a:extLst>
+            <a:ext uri="{909E8E84-426E-40DD-AFC4-6F175D3DCCD1}">
+              <a14:hiddenFill xmlns:a14="http://schemas.microsoft.com/office/drawing/2010/main">
+                <a:solidFill>
+                  <a:srgbClr val="FFFFFF"/>
+                </a:solidFill>
+              </a14:hiddenFill>
+            </a:ext>
+          </a:extLst>
+        </p:spPr>
+      </p:pic>
+      <p:sp>
+        <p:nvSpPr>
+          <p:cNvPr id="2" name="标题 1"/>
+          <p:cNvSpPr>
+            <a:spLocks noGrp="1"/>
+          </p:cNvSpPr>
+          <p:nvPr>
+            <p:ph type="title"/>
+          </p:nvPr>
+        </p:nvSpPr>
+        <p:spPr/>
+        <p:txBody>
+          <a:bodyPr/>
+          <a:lstStyle/>
+          <a:p>
+            <a:pPr algn="ctr"/>
+            <a:r>
+              <a:rPr lang="en-US" altLang="zh-Hans" dirty="0">
+                <a:latin typeface="微软雅黑" panose="020B0503020204020204" pitchFamily="34" charset="-122"/>
+                <a:ea typeface="微软雅黑" panose="020B0503020204020204" pitchFamily="34" charset="-122"/>
+              </a:rPr>
+              <a:t>Applying Rules</a:t>
+            </a:r>
+            <a:endParaRPr lang="zh-Hans" altLang="en-US" dirty="0">
+              <a:latin typeface="微软雅黑" panose="020B0503020204020204" pitchFamily="34" charset="-122"/>
+              <a:ea typeface="微软雅黑" panose="020B0503020204020204" pitchFamily="34" charset="-122"/>
+            </a:endParaRPr>
+          </a:p>
+        </p:txBody>
+      </p:sp>
+      <p:sp>
+        <p:nvSpPr>
+          <p:cNvPr id="4" name="灯片编号占位符 3"/>
+          <p:cNvSpPr>
+            <a:spLocks noGrp="1"/>
+          </p:cNvSpPr>
+          <p:nvPr>
+            <p:ph type="sldNum" sz="quarter" idx="10"/>
+          </p:nvPr>
+        </p:nvSpPr>
+        <p:spPr/>
+        <p:txBody>
+          <a:bodyPr/>
+          <a:lstStyle/>
+          <a:p>
+            <a:pPr>
+              <a:defRPr/>
+            </a:pPr>
+            <a:fld id="{47194DCD-506D-1D43-A52D-140307FFEF14}" type="slidenum">
+              <a:rPr lang="en-US" smtClean="0">
+                <a:latin typeface="微软雅黑" panose="020B0503020204020204" pitchFamily="34" charset="-122"/>
+                <a:ea typeface="微软雅黑" panose="020B0503020204020204" pitchFamily="34" charset="-122"/>
+              </a:rPr>
+              <a:pPr>
+                <a:defRPr/>
+              </a:pPr>
+              <a:t>21</a:t>
+            </a:fld>
+            <a:endParaRPr lang="en-US">
+              <a:latin typeface="微软雅黑" panose="020B0503020204020204" pitchFamily="34" charset="-122"/>
+              <a:ea typeface="微软雅黑" panose="020B0503020204020204" pitchFamily="34" charset="-122"/>
+            </a:endParaRPr>
+          </a:p>
+        </p:txBody>
+      </p:sp>
+      <p:pic>
+        <p:nvPicPr>
+          <p:cNvPr id="3" name="图片 2"/>
+          <p:cNvPicPr>
+            <a:picLocks noChangeAspect="1"/>
+          </p:cNvPicPr>
+          <p:nvPr/>
+        </p:nvPicPr>
+        <p:blipFill>
+          <a:blip r:embed="rId3"/>
+          <a:stretch>
+            <a:fillRect/>
+          </a:stretch>
+        </p:blipFill>
+        <p:spPr>
+          <a:xfrm>
+            <a:off x="381000" y="1348408"/>
+            <a:ext cx="7197677" cy="4126885"/>
+          </a:xfrm>
+          <a:prstGeom prst="rect">
+            <a:avLst/>
+          </a:prstGeom>
+        </p:spPr>
+      </p:pic>
+      <p:grpSp>
+        <p:nvGrpSpPr>
+          <p:cNvPr id="13" name="组合 12"/>
+          <p:cNvGrpSpPr/>
+          <p:nvPr/>
+        </p:nvGrpSpPr>
+        <p:grpSpPr>
+          <a:xfrm flipH="1">
+            <a:off x="6106730" y="2331940"/>
+            <a:ext cx="3023596" cy="498565"/>
+            <a:chOff x="4596816" y="3896959"/>
+            <a:chExt cx="3016992" cy="498565"/>
+          </a:xfrm>
+        </p:grpSpPr>
+        <p:sp>
+          <p:nvSpPr>
+            <p:cNvPr id="14" name="箭头: 燕尾形 13"/>
+            <p:cNvSpPr/>
+            <p:nvPr/>
+          </p:nvSpPr>
+          <p:spPr bwMode="auto">
+            <a:xfrm>
+              <a:off x="6569831" y="3896959"/>
+              <a:ext cx="1043977" cy="498565"/>
+            </a:xfrm>
+            <a:prstGeom prst="notchedRightArrow">
+              <a:avLst/>
+            </a:prstGeom>
+            <a:solidFill>
+              <a:srgbClr val="FF0000"/>
+            </a:solidFill>
+            <a:ln>
+              <a:noFill/>
+            </a:ln>
+          </p:spPr>
+          <p:style>
+            <a:lnRef idx="0">
+              <a:scrgbClr r="0" g="0" b="0"/>
+            </a:lnRef>
+            <a:fillRef idx="0">
+              <a:scrgbClr r="0" g="0" b="0"/>
+            </a:fillRef>
+            <a:effectRef idx="0">
+              <a:scrgbClr r="0" g="0" b="0"/>
+            </a:effectRef>
+            <a:fontRef idx="minor">
+              <a:schemeClr val="lt1"/>
+            </a:fontRef>
+          </p:style>
+          <p:txBody>
+            <a:bodyPr lIns="457200" tIns="228600" rIns="457200" bIns="228600" rtlCol="0" anchor="ctr"/>
+            <a:lstStyle/>
+            <a:p>
+              <a:pPr algn="ctr">
+                <a:lnSpc>
+                  <a:spcPct val="100000"/>
+                </a:lnSpc>
+              </a:pPr>
+              <a:endParaRPr lang="zh-CN" altLang="en-US" dirty="0">
+                <a:solidFill>
+                  <a:schemeClr val="tx1"/>
+                </a:solidFill>
+                <a:latin typeface="微软雅黑" panose="020B0503020204020204" pitchFamily="34" charset="-122"/>
+                <a:ea typeface="微软雅黑" panose="020B0503020204020204" pitchFamily="34" charset="-122"/>
+              </a:endParaRPr>
+            </a:p>
+          </p:txBody>
+        </p:sp>
+        <p:sp>
+          <p:nvSpPr>
+            <p:cNvPr id="16" name="文本框 15"/>
+            <p:cNvSpPr txBox="1"/>
+            <p:nvPr/>
+          </p:nvSpPr>
+          <p:spPr>
+            <a:xfrm>
+              <a:off x="4596816" y="3946187"/>
+              <a:ext cx="1633412" cy="400110"/>
+            </a:xfrm>
+            <a:prstGeom prst="rect">
+              <a:avLst/>
+            </a:prstGeom>
+            <a:noFill/>
+          </p:spPr>
+          <p:txBody>
+            <a:bodyPr wrap="none" rtlCol="0">
+              <a:spAutoFit/>
+            </a:bodyPr>
+            <a:lstStyle/>
+            <a:p>
+              <a:pPr>
+                <a:lnSpc>
+                  <a:spcPct val="100000"/>
+                </a:lnSpc>
+              </a:pPr>
+              <a:r>
+                <a:rPr lang="en-US" altLang="zh-CN" sz="2000" dirty="0">
+                  <a:latin typeface="微软雅黑" panose="020B0503020204020204" pitchFamily="34" charset="-122"/>
+                  <a:ea typeface="微软雅黑" panose="020B0503020204020204" pitchFamily="34" charset="-122"/>
+                </a:rPr>
+                <a:t>Game Rules</a:t>
+              </a:r>
+              <a:endParaRPr lang="zh-CN" altLang="en-US" sz="2000" dirty="0">
+                <a:latin typeface="微软雅黑" panose="020B0503020204020204" pitchFamily="34" charset="-122"/>
+                <a:ea typeface="微软雅黑" panose="020B0503020204020204" pitchFamily="34" charset="-122"/>
+              </a:endParaRPr>
+            </a:p>
+          </p:txBody>
+        </p:sp>
+      </p:grpSp>
+      <p:pic>
+        <p:nvPicPr>
+          <p:cNvPr id="5" name="图片 4"/>
+          <p:cNvPicPr>
+            <a:picLocks noChangeAspect="1"/>
+          </p:cNvPicPr>
+          <p:nvPr/>
+        </p:nvPicPr>
+        <p:blipFill>
+          <a:blip r:embed="rId4"/>
+          <a:stretch>
+            <a:fillRect/>
+          </a:stretch>
+        </p:blipFill>
+        <p:spPr>
+          <a:xfrm>
+            <a:off x="5596942" y="6028928"/>
+            <a:ext cx="6963859" cy="3168352"/>
+          </a:xfrm>
+          <a:prstGeom prst="rect">
+            <a:avLst/>
+          </a:prstGeom>
+        </p:spPr>
+      </p:pic>
+      <p:sp>
+        <p:nvSpPr>
+          <p:cNvPr id="30" name="文本框 29"/>
+          <p:cNvSpPr txBox="1"/>
+          <p:nvPr/>
+        </p:nvSpPr>
+        <p:spPr>
+          <a:xfrm flipH="1">
+            <a:off x="597744" y="6562493"/>
+            <a:ext cx="3240360" cy="1323439"/>
+          </a:xfrm>
+          <a:prstGeom prst="rect">
+            <a:avLst/>
+          </a:prstGeom>
+          <a:noFill/>
+        </p:spPr>
+        <p:txBody>
+          <a:bodyPr wrap="square" rtlCol="0">
+            <a:spAutoFit/>
+          </a:bodyPr>
+          <a:lstStyle/>
+          <a:p>
+            <a:pPr>
+              <a:lnSpc>
+                <a:spcPct val="100000"/>
+              </a:lnSpc>
+            </a:pPr>
+            <a:r>
+              <a:rPr lang="en-US" altLang="zh-CN" sz="4000" dirty="0">
+                <a:solidFill>
+                  <a:schemeClr val="tx1"/>
+                </a:solidFill>
+                <a:latin typeface="微软雅黑" panose="020B0503020204020204" pitchFamily="34" charset="-122"/>
+                <a:ea typeface="微软雅黑" panose="020B0503020204020204" pitchFamily="34" charset="-122"/>
+              </a:rPr>
+              <a:t>How To Test </a:t>
+            </a:r>
+            <a:r>
+              <a:rPr lang="en-US" altLang="zh-CN" sz="4000" dirty="0" err="1">
+                <a:solidFill>
+                  <a:schemeClr val="tx1"/>
+                </a:solidFill>
+                <a:latin typeface="微软雅黑" panose="020B0503020204020204" pitchFamily="34" charset="-122"/>
+                <a:ea typeface="微软雅黑" panose="020B0503020204020204" pitchFamily="34" charset="-122"/>
+              </a:rPr>
+              <a:t>student_say</a:t>
+            </a:r>
+            <a:r>
+              <a:rPr lang="en-US" altLang="zh-CN" sz="4000" dirty="0">
+                <a:solidFill>
+                  <a:schemeClr val="tx1"/>
+                </a:solidFill>
+                <a:latin typeface="微软雅黑" panose="020B0503020204020204" pitchFamily="34" charset="-122"/>
+                <a:ea typeface="微软雅黑" panose="020B0503020204020204" pitchFamily="34" charset="-122"/>
+              </a:rPr>
+              <a:t>()</a:t>
+            </a:r>
+            <a:endParaRPr lang="zh-CN" altLang="en-US" sz="4000" dirty="0">
+              <a:solidFill>
+                <a:schemeClr val="tx1"/>
+              </a:solidFill>
+              <a:latin typeface="微软雅黑" panose="020B0503020204020204" pitchFamily="34" charset="-122"/>
+              <a:ea typeface="微软雅黑" panose="020B0503020204020204" pitchFamily="34" charset="-122"/>
+            </a:endParaRPr>
+          </a:p>
+        </p:txBody>
+      </p:sp>
+    </p:spTree>
+    <p:extLst>
+      <p:ext uri="{BB962C8B-B14F-4D97-AF65-F5344CB8AC3E}">
+        <p14:creationId xmlns:p14="http://schemas.microsoft.com/office/powerpoint/2010/main" val="1633318666"/>
+      </p:ext>
+    </p:extLst>
+  </p:cSld>
+  <p:clrMapOvr>
+    <a:masterClrMapping/>
+  </p:clrMapOvr>
+  <p:transition/>
+</p:sld>
+</file>
+
+<file path=ppt/slides/slide22.xml><?xml version="1.0" encoding="utf-8"?>
+<p:sld xmlns:a="http://schemas.openxmlformats.org/drawingml/2006/main" xmlns:r="http://schemas.openxmlformats.org/officeDocument/2006/relationships" xmlns:p="http://schemas.openxmlformats.org/presentationml/2006/main">
+  <p:cSld>
+    <p:spTree>
+      <p:nvGrpSpPr>
+        <p:cNvPr id="1" name=""/>
+        <p:cNvGrpSpPr/>
+        <p:nvPr/>
+      </p:nvGrpSpPr>
+      <p:grpSpPr>
+        <a:xfrm>
+          <a:off x="0" y="0"/>
+          <a:ext cx="0" cy="0"/>
+          <a:chOff x="0" y="0"/>
+          <a:chExt cx="0" cy="0"/>
+        </a:xfrm>
+      </p:grpSpPr>
+      <p:sp>
+        <p:nvSpPr>
+          <p:cNvPr id="2" name="标题 1"/>
+          <p:cNvSpPr>
+            <a:spLocks noGrp="1"/>
+          </p:cNvSpPr>
+          <p:nvPr>
+            <p:ph type="title"/>
+          </p:nvPr>
+        </p:nvSpPr>
+        <p:spPr>
+          <a:xfrm>
+            <a:off x="406400" y="700336"/>
+            <a:ext cx="3149600" cy="723900"/>
+          </a:xfrm>
+        </p:spPr>
+        <p:txBody>
+          <a:bodyPr/>
+          <a:lstStyle/>
+          <a:p>
+            <a:pPr algn="ctr"/>
+            <a:r>
+              <a:rPr lang="en-US" altLang="zh-Hans" sz="4800" dirty="0">
+                <a:latin typeface="微软雅黑" panose="020B0503020204020204" pitchFamily="34" charset="-122"/>
+                <a:ea typeface="微软雅黑" panose="020B0503020204020204" pitchFamily="34" charset="-122"/>
+              </a:rPr>
+              <a:t>TO DO</a:t>
+            </a:r>
+            <a:endParaRPr lang="zh-Hans" altLang="en-US" sz="4800" dirty="0">
+              <a:latin typeface="微软雅黑" panose="020B0503020204020204" pitchFamily="34" charset="-122"/>
+              <a:ea typeface="微软雅黑" panose="020B0503020204020204" pitchFamily="34" charset="-122"/>
+            </a:endParaRPr>
+          </a:p>
+        </p:txBody>
+      </p:sp>
+      <p:sp>
+        <p:nvSpPr>
+          <p:cNvPr id="3" name="内容占位符 2"/>
+          <p:cNvSpPr>
+            <a:spLocks noGrp="1"/>
+          </p:cNvSpPr>
+          <p:nvPr>
+            <p:ph idx="1"/>
+          </p:nvPr>
+        </p:nvSpPr>
+        <p:spPr/>
+        <p:txBody>
+          <a:bodyPr/>
+          <a:lstStyle/>
+          <a:p>
+            <a:pPr marL="0" indent="0">
+              <a:lnSpc>
+                <a:spcPct val="120000"/>
+              </a:lnSpc>
+              <a:spcBef>
+                <a:spcPts val="1200"/>
+              </a:spcBef>
+              <a:buClr>
+                <a:schemeClr val="tx2"/>
+              </a:buClr>
+            </a:pPr>
+            <a:endParaRPr lang="zh-Hans" altLang="en-US" sz="3600" dirty="0">
+              <a:latin typeface="微软雅黑" panose="020B0503020204020204" pitchFamily="34" charset="-122"/>
+              <a:ea typeface="微软雅黑" panose="020B0503020204020204" pitchFamily="34" charset="-122"/>
+            </a:endParaRPr>
+          </a:p>
+          <a:p>
+            <a:pPr marL="520700" indent="-520700">
+              <a:lnSpc>
+                <a:spcPct val="120000"/>
+              </a:lnSpc>
+              <a:spcBef>
+                <a:spcPts val="1200"/>
+              </a:spcBef>
+              <a:buClr>
+                <a:schemeClr val="tx2"/>
+              </a:buClr>
+              <a:buFont typeface="Wingdings" charset="2"/>
+              <a:buChar char=""/>
+            </a:pPr>
+            <a:r>
+              <a:rPr lang="zh-CN" altLang="en-US" sz="3600" dirty="0">
+                <a:latin typeface="微软雅黑" panose="020B0503020204020204" pitchFamily="34" charset="-122"/>
+                <a:ea typeface="微软雅黑" panose="020B0503020204020204" pitchFamily="34" charset="-122"/>
+              </a:rPr>
+              <a:t>重构</a:t>
+            </a:r>
+            <a:r>
+              <a:rPr lang="en-US" altLang="zh-CN" sz="3600" dirty="0" err="1">
+                <a:latin typeface="微软雅黑" panose="020B0503020204020204" pitchFamily="34" charset="-122"/>
+                <a:ea typeface="微软雅黑" panose="020B0503020204020204" pitchFamily="34" charset="-122"/>
+              </a:rPr>
+              <a:t>student_say</a:t>
+            </a:r>
+            <a:r>
+              <a:rPr lang="en-US" altLang="zh-CN" sz="3600" dirty="0">
+                <a:latin typeface="微软雅黑" panose="020B0503020204020204" pitchFamily="34" charset="-122"/>
+                <a:ea typeface="微软雅黑" panose="020B0503020204020204" pitchFamily="34" charset="-122"/>
+              </a:rPr>
+              <a:t>()</a:t>
+            </a:r>
+            <a:r>
+              <a:rPr lang="zh-CN" altLang="en-US" sz="3600" dirty="0">
+                <a:latin typeface="微软雅黑" panose="020B0503020204020204" pitchFamily="34" charset="-122"/>
+                <a:ea typeface="微软雅黑" panose="020B0503020204020204" pitchFamily="34" charset="-122"/>
+              </a:rPr>
+              <a:t>的实现</a:t>
+            </a:r>
+            <a:r>
+              <a:rPr lang="en-US" altLang="zh-CN" sz="3600" dirty="0">
+                <a:latin typeface="微软雅黑" panose="020B0503020204020204" pitchFamily="34" charset="-122"/>
+                <a:ea typeface="微软雅黑" panose="020B0503020204020204" pitchFamily="34" charset="-122"/>
+              </a:rPr>
+              <a:t>, </a:t>
+            </a:r>
+            <a:r>
+              <a:rPr lang="zh-CN" altLang="en-US" sz="3600" dirty="0">
+                <a:latin typeface="微软雅黑" panose="020B0503020204020204" pitchFamily="34" charset="-122"/>
+                <a:ea typeface="微软雅黑" panose="020B0503020204020204" pitchFamily="34" charset="-122"/>
+              </a:rPr>
+              <a:t>并针对不同规则进行测试</a:t>
+            </a:r>
+            <a:endParaRPr lang="zh-Hans" altLang="en-US" sz="3600" dirty="0">
+              <a:latin typeface="微软雅黑" panose="020B0503020204020204" pitchFamily="34" charset="-122"/>
+              <a:ea typeface="微软雅黑" panose="020B0503020204020204" pitchFamily="34" charset="-122"/>
+            </a:endParaRPr>
+          </a:p>
+          <a:p>
+            <a:pPr marL="520700" indent="-520700">
+              <a:lnSpc>
+                <a:spcPct val="120000"/>
+              </a:lnSpc>
+              <a:spcBef>
+                <a:spcPts val="1200"/>
+              </a:spcBef>
+              <a:buClr>
+                <a:schemeClr val="tx2"/>
+              </a:buClr>
+              <a:buFont typeface="Wingdings" charset="2"/>
+              <a:buChar char=""/>
+            </a:pPr>
+            <a:r>
+              <a:rPr lang="zh-CN" altLang="en-US" sz="3600" dirty="0">
+                <a:latin typeface="微软雅黑" panose="020B0503020204020204" pitchFamily="34" charset="-122"/>
+                <a:ea typeface="微软雅黑" panose="020B0503020204020204" pitchFamily="34" charset="-122"/>
+              </a:rPr>
+              <a:t>通过</a:t>
+            </a:r>
+            <a:r>
+              <a:rPr lang="en-US" altLang="zh-CN" sz="3600" dirty="0">
+                <a:latin typeface="微软雅黑" panose="020B0503020204020204" pitchFamily="34" charset="-122"/>
+                <a:ea typeface="微软雅黑" panose="020B0503020204020204" pitchFamily="34" charset="-122"/>
+              </a:rPr>
+              <a:t>Test Fixture</a:t>
+            </a:r>
+            <a:r>
+              <a:rPr lang="zh-CN" altLang="en-US" sz="3600" dirty="0">
+                <a:latin typeface="微软雅黑" panose="020B0503020204020204" pitchFamily="34" charset="-122"/>
+                <a:ea typeface="微软雅黑" panose="020B0503020204020204" pitchFamily="34" charset="-122"/>
+              </a:rPr>
+              <a:t>重构测试用例</a:t>
+            </a:r>
+            <a:r>
+              <a:rPr lang="en-US" altLang="zh-CN" sz="3600" dirty="0">
+                <a:latin typeface="微软雅黑" panose="020B0503020204020204" pitchFamily="34" charset="-122"/>
+                <a:ea typeface="微软雅黑" panose="020B0503020204020204" pitchFamily="34" charset="-122"/>
+              </a:rPr>
+              <a:t>(bonus)</a:t>
+            </a:r>
+            <a:endParaRPr lang="zh-Hans" altLang="en-US" sz="3600" dirty="0">
+              <a:latin typeface="微软雅黑" panose="020B0503020204020204" pitchFamily="34" charset="-122"/>
+              <a:ea typeface="微软雅黑" panose="020B0503020204020204" pitchFamily="34" charset="-122"/>
+            </a:endParaRPr>
+          </a:p>
+        </p:txBody>
+      </p:sp>
+      <p:sp>
+        <p:nvSpPr>
+          <p:cNvPr id="4" name="灯片编号占位符 3"/>
+          <p:cNvSpPr>
+            <a:spLocks noGrp="1"/>
+          </p:cNvSpPr>
+          <p:nvPr>
+            <p:ph type="sldNum" sz="quarter" idx="10"/>
+          </p:nvPr>
+        </p:nvSpPr>
+        <p:spPr/>
+        <p:txBody>
+          <a:bodyPr/>
+          <a:lstStyle/>
+          <a:p>
+            <a:pPr>
+              <a:defRPr/>
+            </a:pPr>
+            <a:fld id="{6BD71149-C6B6-DA41-AB69-4C8E97C931F0}" type="slidenum">
+              <a:rPr lang="en-US" smtClean="0">
+                <a:latin typeface="微软雅黑" panose="020B0503020204020204" pitchFamily="34" charset="-122"/>
+                <a:ea typeface="微软雅黑" panose="020B0503020204020204" pitchFamily="34" charset="-122"/>
+              </a:rPr>
+              <a:pPr>
+                <a:defRPr/>
+              </a:pPr>
+              <a:t>22</a:t>
+            </a:fld>
+            <a:endParaRPr lang="en-US">
+              <a:latin typeface="微软雅黑" panose="020B0503020204020204" pitchFamily="34" charset="-122"/>
+              <a:ea typeface="微软雅黑" panose="020B0503020204020204" pitchFamily="34" charset="-122"/>
+            </a:endParaRPr>
           </a:p>
         </p:txBody>
       </p:sp>
@@ -12410,17 +15871,10 @@
     <a:masterClrMapping/>
   </p:clrMapOvr>
   <p:transition/>
-  <p:timing>
-    <p:tnLst>
-      <p:par>
-        <p:cTn id="1" dur="indefinite" restart="never" nodeType="tmRoot"/>
-      </p:par>
-    </p:tnLst>
-  </p:timing>
 </p:sld>
 </file>
 
-<file path=ppt/slides/slide15.xml><?xml version="1.0" encoding="utf-8"?>
+<file path=ppt/slides/slide23.xml><?xml version="1.0" encoding="utf-8"?>
 <p:sld xmlns:a="http://schemas.openxmlformats.org/drawingml/2006/main" xmlns:r="http://schemas.openxmlformats.org/officeDocument/2006/relationships" xmlns:p="http://schemas.openxmlformats.org/presentationml/2006/main">
   <p:cSld>
     <p:spTree>
@@ -12454,10 +15908,9 @@
           <a:p>
             <a:pPr algn="ctr"/>
             <a:r>
-              <a:rPr lang="en-US" dirty="0" smtClean="0"/>
+              <a:rPr lang="en-US" dirty="0"/>
               <a:t>Reference</a:t>
             </a:r>
-            <a:endParaRPr lang="en-US" dirty="0"/>
           </a:p>
         </p:txBody>
       </p:sp>
@@ -12478,40 +15931,22 @@
           <a:p>
             <a:pPr latinLnBrk="1"/>
             <a:r>
-              <a:rPr lang="en-US" dirty="0" smtClean="0">
+              <a:rPr lang="en-US" dirty="0">
                 <a:hlinkClick r:id="rId2"/>
               </a:rPr>
-              <a:t>https</a:t>
-            </a:r>
-            <a:r>
-              <a:rPr lang="en-US" dirty="0" smtClean="0">
-                <a:hlinkClick r:id="rId2"/>
-              </a:rPr>
-              <a:t>://code.google.com/p/googletest/wiki/Primer</a:t>
-            </a:r>
-            <a:endParaRPr lang="en-US" dirty="0" smtClean="0"/>
+              <a:t>https://code.google.com/p/googletest/wiki/Primer</a:t>
+            </a:r>
+            <a:endParaRPr lang="en-US" dirty="0"/>
           </a:p>
           <a:p>
             <a:pPr latinLnBrk="1"/>
-            <a:r>
-              <a:rPr lang="en-US" dirty="0" smtClean="0">
-                <a:hlinkClick r:id="rId3"/>
-              </a:rPr>
-              <a:t>https</a:t>
-            </a:r>
             <a:r>
               <a:rPr lang="en-US" dirty="0">
                 <a:hlinkClick r:id="rId3"/>
               </a:rPr>
-              <a:t>://</a:t>
-            </a:r>
-            <a:r>
-              <a:rPr lang="en-US" dirty="0" smtClean="0">
-                <a:hlinkClick r:id="rId3"/>
-              </a:rPr>
-              <a:t>code.google.com/p/googletest/wiki/AdvancedGuide</a:t>
-            </a:r>
-            <a:endParaRPr lang="en-US" dirty="0" smtClean="0"/>
+              <a:t>https://code.google.com/p/googletest/wiki/AdvancedGuide</a:t>
+            </a:r>
+            <a:endParaRPr lang="en-US" dirty="0"/>
           </a:p>
           <a:p>
             <a:pPr latinLnBrk="1"/>
@@ -12519,31 +15954,25 @@
               <a:rPr lang="en-US" dirty="0">
                 <a:hlinkClick r:id="rId4"/>
               </a:rPr>
-              <a:t>https://</a:t>
-            </a:r>
-            <a:r>
-              <a:rPr lang="en-US" dirty="0" smtClean="0">
-                <a:hlinkClick r:id="rId4"/>
-              </a:rPr>
-              <a:t>code.google.com/p/googletest/wiki/FAQ</a:t>
-            </a:r>
-            <a:endParaRPr lang="en-US" dirty="0" smtClean="0"/>
+              <a:t>https://code.google.com/p/googletest/wiki/FAQ</a:t>
+            </a:r>
+            <a:endParaRPr lang="en-US" dirty="0"/>
           </a:p>
           <a:p>
             <a:pPr latinLnBrk="1"/>
             <a:r>
-              <a:rPr lang="en-US" altLang="zh-CN" dirty="0" smtClean="0"/>
+              <a:rPr lang="en-US" altLang="zh-CN" dirty="0"/>
               <a:t>《</a:t>
             </a:r>
             <a:r>
-              <a:rPr lang="zh-CN" altLang="en-US" dirty="0" smtClean="0"/>
+              <a:rPr lang="zh-CN" altLang="en-US" dirty="0"/>
               <a:t>测试驱动开发</a:t>
             </a:r>
             <a:r>
-              <a:rPr lang="en-US" altLang="zh-CN" dirty="0" smtClean="0"/>
+              <a:rPr lang="en-US" altLang="zh-CN" dirty="0"/>
               <a:t>》</a:t>
             </a:r>
-            <a:endParaRPr lang="en-US" dirty="0" smtClean="0"/>
+            <a:endParaRPr lang="en-US" dirty="0"/>
           </a:p>
           <a:p>
             <a:pPr marL="0" indent="0" latinLnBrk="1">
@@ -12576,7 +16005,7 @@
               <a:pPr>
                 <a:defRPr/>
               </a:pPr>
-              <a:t>15</a:t>
+              <a:t>23</a:t>
             </a:fld>
             <a:endParaRPr lang="en-US"/>
           </a:p>
@@ -12593,17 +16022,10 @@
     <a:masterClrMapping/>
   </p:clrMapOvr>
   <p:transition/>
-  <p:timing>
-    <p:tnLst>
-      <p:par>
-        <p:cTn id="1" dur="indefinite" restart="never" nodeType="tmRoot"/>
-      </p:par>
-    </p:tnLst>
-  </p:timing>
 </p:sld>
 </file>
 
-<file path=ppt/slides/slide16.xml><?xml version="1.0" encoding="utf-8"?>
+<file path=ppt/slides/slide24.xml><?xml version="1.0" encoding="utf-8"?>
 <p:sld xmlns:a="http://schemas.openxmlformats.org/drawingml/2006/main" xmlns:r="http://schemas.openxmlformats.org/officeDocument/2006/relationships" xmlns:p="http://schemas.openxmlformats.org/presentationml/2006/main">
   <p:cSld>
     <p:spTree>
@@ -12650,7 +16072,7 @@
               <a:defRPr/>
             </a:pPr>
             <a:r>
-              <a:rPr lang="en-US" altLang="zh-CN" sz="8400" cap="all" spc="-400" dirty="0" smtClean="0">
+              <a:rPr lang="en-US" altLang="zh-CN" sz="8400" cap="all" spc="-400" dirty="0">
                 <a:latin typeface="+mj-lt"/>
                 <a:ea typeface="+mj-ea"/>
                 <a:cs typeface="+mj-cs"/>
@@ -12697,17 +16119,10 @@
     <a:masterClrMapping/>
   </p:clrMapOvr>
   <p:transition/>
-  <p:timing>
-    <p:tnLst>
-      <p:par>
-        <p:cTn id="1" dur="indefinite" restart="never" nodeType="tmRoot"/>
-      </p:par>
-    </p:tnLst>
-  </p:timing>
 </p:sld>
 </file>
 
-<file path=ppt/slides/slide17.xml><?xml version="1.0" encoding="utf-8"?>
+<file path=ppt/slides/slide25.xml><?xml version="1.0" encoding="utf-8"?>
 <p:sld xmlns:a="http://schemas.openxmlformats.org/drawingml/2006/main" xmlns:r="http://schemas.openxmlformats.org/officeDocument/2006/relationships" xmlns:p="http://schemas.openxmlformats.org/presentationml/2006/main">
   <p:cSld>
     <p:spTree>
@@ -12743,7 +16158,7 @@
               <a:defRPr/>
             </a:pPr>
             <a:r>
-              <a:rPr lang="en-US" smtClean="0"/>
+              <a:rPr lang="en-US"/>
               <a:t>THANK YOU</a:t>
             </a:r>
           </a:p>
@@ -12802,18 +16217,13 @@
               </a:spcBef>
             </a:pPr>
             <a:r>
-              <a:rPr lang="en-US" dirty="0" smtClean="0">
+              <a:rPr lang="en-US" dirty="0">
                 <a:latin typeface="Open Sans Light" charset="0"/>
                 <a:ea typeface="ヒラギノ角ゴ ProN W3" charset="0"/>
                 <a:cs typeface="ヒラギノ角ゴ ProN W3" charset="0"/>
               </a:rPr>
               <a:t>Wu Kun</a:t>
             </a:r>
-            <a:endParaRPr lang="en-US" dirty="0">
-              <a:latin typeface="Open Sans Light" charset="0"/>
-              <a:ea typeface="ヒラギノ角ゴ ProN W3" charset="0"/>
-              <a:cs typeface="ヒラギノ角ゴ ProN W3" charset="0"/>
-            </a:endParaRPr>
           </a:p>
           <a:p>
             <a:pPr>
@@ -12822,7 +16232,7 @@
               </a:spcBef>
             </a:pPr>
             <a:r>
-              <a:rPr lang="en-US" dirty="0" err="1" smtClean="0">
+              <a:rPr lang="en-US" dirty="0" err="1">
                 <a:latin typeface="Open Sans Light" charset="0"/>
                 <a:ea typeface="ヒラギノ角ゴ ProN W3" charset="0"/>
                 <a:cs typeface="ヒラギノ角ゴ ProN W3" charset="0"/>
@@ -12843,125 +16253,6 @@
     <a:masterClrMapping/>
   </p:clrMapOvr>
   <p:transition/>
-  <p:timing>
-    <p:tnLst>
-      <p:par>
-        <p:cTn id="1" dur="indefinite" restart="never" nodeType="tmRoot"/>
-      </p:par>
-    </p:tnLst>
-  </p:timing>
-</p:sld>
-</file>
-
-<file path=ppt/slides/slide2.xml><?xml version="1.0" encoding="utf-8"?>
-<p:sld xmlns:a="http://schemas.openxmlformats.org/drawingml/2006/main" xmlns:r="http://schemas.openxmlformats.org/officeDocument/2006/relationships" xmlns:p="http://schemas.openxmlformats.org/presentationml/2006/main">
-  <p:cSld>
-    <p:spTree>
-      <p:nvGrpSpPr>
-        <p:cNvPr id="1" name=""/>
-        <p:cNvGrpSpPr/>
-        <p:nvPr/>
-      </p:nvGrpSpPr>
-      <p:grpSpPr>
-        <a:xfrm>
-          <a:off x="0" y="0"/>
-          <a:ext cx="0" cy="0"/>
-          <a:chOff x="0" y="0"/>
-          <a:chExt cx="0" cy="0"/>
-        </a:xfrm>
-      </p:grpSpPr>
-      <p:sp>
-        <p:nvSpPr>
-          <p:cNvPr id="12289" name="Rectangle 1"/>
-          <p:cNvSpPr>
-            <a:spLocks noGrp="1" noChangeArrowheads="1"/>
-          </p:cNvSpPr>
-          <p:nvPr>
-            <p:ph type="title"/>
-          </p:nvPr>
-        </p:nvSpPr>
-        <p:spPr/>
-        <p:txBody>
-          <a:bodyPr/>
-          <a:lstStyle/>
-          <a:p>
-            <a:pPr>
-              <a:defRPr/>
-            </a:pPr>
-            <a:r>
-              <a:rPr lang="en-US" dirty="0" smtClean="0"/>
-              <a:t>Unit Testing</a:t>
-            </a:r>
-          </a:p>
-        </p:txBody>
-      </p:sp>
-      <p:sp>
-        <p:nvSpPr>
-          <p:cNvPr id="12290" name="Rectangle 2"/>
-          <p:cNvSpPr>
-            <a:spLocks noGrp="1" noChangeArrowheads="1"/>
-          </p:cNvSpPr>
-          <p:nvPr>
-            <p:ph idx="1"/>
-          </p:nvPr>
-        </p:nvSpPr>
-        <p:spPr/>
-        <p:txBody>
-          <a:bodyPr/>
-          <a:lstStyle/>
-          <a:p>
-            <a:pPr marL="0" indent="0" eaLnBrk="1" hangingPunct="1">
-              <a:defRPr/>
-            </a:pPr>
-            <a:r>
-              <a:rPr lang="en-US" dirty="0" smtClean="0"/>
-              <a:t>With Google Test</a:t>
-            </a:r>
-          </a:p>
-        </p:txBody>
-      </p:sp>
-      <p:sp>
-        <p:nvSpPr>
-          <p:cNvPr id="4" name="Slide Number Placeholder 3"/>
-          <p:cNvSpPr>
-            <a:spLocks noGrp="1"/>
-          </p:cNvSpPr>
-          <p:nvPr>
-            <p:ph type="sldNum" sz="quarter" idx="10"/>
-          </p:nvPr>
-        </p:nvSpPr>
-        <p:spPr/>
-        <p:txBody>
-          <a:bodyPr/>
-          <a:lstStyle/>
-          <a:p>
-            <a:pPr>
-              <a:defRPr/>
-            </a:pPr>
-            <a:fld id="{FF174A22-F644-8D40-AF6E-ACD99327719B}" type="slidenum">
-              <a:rPr lang="en-US"/>
-              <a:pPr>
-                <a:defRPr/>
-              </a:pPr>
-              <a:t>2</a:t>
-            </a:fld>
-            <a:endParaRPr lang="en-US"/>
-          </a:p>
-        </p:txBody>
-      </p:sp>
-    </p:spTree>
-  </p:cSld>
-  <p:clrMapOvr>
-    <a:masterClrMapping/>
-  </p:clrMapOvr>
-  <p:transition/>
-  <p:timing>
-    <p:tnLst>
-      <p:par>
-        <p:cTn id="1" dur="indefinite" restart="never" nodeType="tmRoot"/>
-      </p:par>
-    </p:tnLst>
-  </p:timing>
 </p:sld>
 </file>
 
@@ -12999,10 +16290,16 @@
           <a:p>
             <a:pPr algn="ctr"/>
             <a:r>
-              <a:rPr lang="en-US" altLang="zh-Hans" dirty="0" smtClean="0"/>
+              <a:rPr lang="en-US" altLang="zh-Hans" sz="4000" dirty="0">
+                <a:latin typeface="微软雅黑" panose="020B0503020204020204" pitchFamily="34" charset="-122"/>
+                <a:ea typeface="微软雅黑" panose="020B0503020204020204" pitchFamily="34" charset="-122"/>
+              </a:rPr>
               <a:t>Why Google Test</a:t>
             </a:r>
-            <a:endParaRPr lang="zh-Hans" altLang="en-US" dirty="0"/>
+            <a:endParaRPr lang="zh-Hans" altLang="en-US" sz="4000" dirty="0">
+              <a:latin typeface="微软雅黑" panose="020B0503020204020204" pitchFamily="34" charset="-122"/>
+              <a:ea typeface="微软雅黑" panose="020B0503020204020204" pitchFamily="34" charset="-122"/>
+            </a:endParaRPr>
           </a:p>
         </p:txBody>
       </p:sp>
@@ -13022,46 +16319,54 @@
           <a:lstStyle/>
           <a:p>
             <a:r>
-              <a:rPr lang="en-US" altLang="zh-Hans" sz="3400" dirty="0" smtClean="0"/>
+              <a:rPr lang="en-US" altLang="zh-Hans" dirty="0">
+                <a:latin typeface="微软雅黑" panose="020B0503020204020204" pitchFamily="34" charset="-122"/>
+                <a:ea typeface="微软雅黑" panose="020B0503020204020204" pitchFamily="34" charset="-122"/>
+              </a:rPr>
               <a:t>Google Test is designed to be portable</a:t>
             </a:r>
           </a:p>
           <a:p>
             <a:r>
-              <a:rPr lang="en-US" altLang="zh-Hans" sz="3400" dirty="0" smtClean="0"/>
+              <a:rPr lang="en-US" altLang="zh-Hans" dirty="0">
+                <a:latin typeface="微软雅黑" panose="020B0503020204020204" pitchFamily="34" charset="-122"/>
+                <a:ea typeface="微软雅黑" panose="020B0503020204020204" pitchFamily="34" charset="-122"/>
+              </a:rPr>
               <a:t>You can decide which tests to run using name patterns</a:t>
             </a:r>
           </a:p>
           <a:p>
             <a:r>
-              <a:rPr lang="en-US" altLang="zh-Hans" sz="3400" dirty="0" smtClean="0"/>
+              <a:rPr lang="en-US" altLang="zh-Hans" dirty="0">
+                <a:latin typeface="微软雅黑" panose="020B0503020204020204" pitchFamily="34" charset="-122"/>
+                <a:ea typeface="微软雅黑" panose="020B0503020204020204" pitchFamily="34" charset="-122"/>
+              </a:rPr>
               <a:t>Google Test can generate XML test result reports </a:t>
             </a:r>
           </a:p>
           <a:p>
             <a:r>
-              <a:rPr lang="en-US" altLang="zh-Hans" sz="3400" dirty="0"/>
-              <a:t>Easy to write assertions that generate informative </a:t>
-            </a:r>
-            <a:r>
-              <a:rPr lang="en-US" altLang="zh-Hans" sz="3400" dirty="0" smtClean="0"/>
-              <a:t>messages</a:t>
-            </a:r>
-          </a:p>
-          <a:p>
-            <a:r>
-              <a:rPr lang="en-US" altLang="zh-Hans" sz="3400" dirty="0"/>
+              <a:rPr lang="en-US" altLang="zh-Hans" dirty="0">
+                <a:latin typeface="微软雅黑" panose="020B0503020204020204" pitchFamily="34" charset="-122"/>
+                <a:ea typeface="微软雅黑" panose="020B0503020204020204" pitchFamily="34" charset="-122"/>
+              </a:rPr>
+              <a:t>Easy to write assertions that generate informative messages</a:t>
+            </a:r>
+          </a:p>
+          <a:p>
+            <a:r>
+              <a:rPr lang="en-US" altLang="zh-Hans" dirty="0">
+                <a:latin typeface="微软雅黑" panose="020B0503020204020204" pitchFamily="34" charset="-122"/>
+                <a:ea typeface="微软雅黑" panose="020B0503020204020204" pitchFamily="34" charset="-122"/>
+              </a:rPr>
               <a:t>Google Test automatically detects your tests and doesn't require you to enumerate them in order to run them</a:t>
             </a:r>
           </a:p>
           <a:p>
-            <a:r>
-              <a:rPr lang="en-US" altLang="zh-Hans" sz="3400" dirty="0"/>
-              <a:t>Simple things are easy in Google Test, while hard things are possible</a:t>
-            </a:r>
-          </a:p>
-          <a:p>
-            <a:endParaRPr lang="zh-Hans" altLang="en-US" sz="3400" dirty="0"/>
+            <a:endParaRPr lang="zh-Hans" altLang="en-US" dirty="0">
+              <a:latin typeface="微软雅黑" panose="020B0503020204020204" pitchFamily="34" charset="-122"/>
+              <a:ea typeface="微软雅黑" panose="020B0503020204020204" pitchFamily="34" charset="-122"/>
+            </a:endParaRPr>
           </a:p>
         </p:txBody>
       </p:sp>
@@ -13084,13 +16389,19 @@
               <a:defRPr/>
             </a:pPr>
             <a:fld id="{28FE6BA1-A7B4-7B4F-846F-93E3CD6980EB}" type="slidenum">
-              <a:rPr lang="en-US" smtClean="0"/>
+              <a:rPr lang="en-US" sz="1200" smtClean="0">
+                <a:latin typeface="微软雅黑" panose="020B0503020204020204" pitchFamily="34" charset="-122"/>
+                <a:ea typeface="微软雅黑" panose="020B0503020204020204" pitchFamily="34" charset="-122"/>
+              </a:rPr>
               <a:pPr>
                 <a:defRPr/>
               </a:pPr>
               <a:t>3</a:t>
             </a:fld>
-            <a:endParaRPr lang="en-US"/>
+            <a:endParaRPr lang="en-US" sz="1200">
+              <a:latin typeface="微软雅黑" panose="020B0503020204020204" pitchFamily="34" charset="-122"/>
+              <a:ea typeface="微软雅黑" panose="020B0503020204020204" pitchFamily="34" charset="-122"/>
+            </a:endParaRPr>
           </a:p>
         </p:txBody>
       </p:sp>
@@ -13426,106 +16737,18 @@
                             </p:stCondLst>
                             <p:childTnLst>
                               <p:par>
-                                <p:cTn id="30" presetID="9" presetClass="entr" presetSubtype="0" fill="hold" grpId="0" nodeType="clickEffect">
-                                  <p:stCondLst>
-                                    <p:cond delay="0"/>
-                                  </p:stCondLst>
-                                  <p:childTnLst>
-                                    <p:set>
-                                      <p:cBhvr>
-                                        <p:cTn id="31" dur="1" fill="hold">
-                                          <p:stCondLst>
-                                            <p:cond delay="0"/>
-                                          </p:stCondLst>
-                                        </p:cTn>
-                                        <p:tgtEl>
-                                          <p:spTgt spid="3">
-                                            <p:txEl>
-                                              <p:pRg st="5" end="5"/>
-                                            </p:txEl>
-                                          </p:spTgt>
-                                        </p:tgtEl>
-                                        <p:attrNameLst>
-                                          <p:attrName>style.visibility</p:attrName>
-                                        </p:attrNameLst>
-                                      </p:cBhvr>
-                                      <p:to>
-                                        <p:strVal val="visible"/>
-                                      </p:to>
-                                    </p:set>
-                                    <p:animEffect transition="in" filter="dissolve">
-                                      <p:cBhvr>
-                                        <p:cTn id="32" dur="500"/>
-                                        <p:tgtEl>
-                                          <p:spTgt spid="3">
-                                            <p:txEl>
-                                              <p:pRg st="5" end="5"/>
-                                            </p:txEl>
-                                          </p:spTgt>
-                                        </p:tgtEl>
-                                      </p:cBhvr>
-                                    </p:animEffect>
-                                  </p:childTnLst>
-                                </p:cTn>
-                              </p:par>
-                            </p:childTnLst>
-                          </p:cTn>
-                        </p:par>
-                      </p:childTnLst>
-                    </p:cTn>
-                  </p:par>
-                  <p:par>
-                    <p:cTn id="33" fill="hold">
-                      <p:stCondLst>
-                        <p:cond delay="indefinite"/>
-                      </p:stCondLst>
-                      <p:childTnLst>
-                        <p:par>
-                          <p:cTn id="34" fill="hold">
-                            <p:stCondLst>
-                              <p:cond delay="0"/>
-                            </p:stCondLst>
-                            <p:childTnLst>
-                              <p:par>
-                                <p:cTn id="35" presetID="3" presetClass="emph" presetSubtype="2" fill="hold" nodeType="clickEffect">
+                                <p:cTn id="30" presetID="3" presetClass="emph" presetSubtype="2" fill="hold" nodeType="clickEffect">
                                   <p:stCondLst>
                                     <p:cond delay="0"/>
                                   </p:stCondLst>
                                   <p:childTnLst>
                                     <p:animClr clrSpc="rgb" dir="cw">
                                       <p:cBhvr override="childStyle">
-                                        <p:cTn id="36" dur="500" fill="hold"/>
+                                        <p:cTn id="31" dur="500" fill="hold"/>
                                         <p:tgtEl>
                                           <p:spTgt spid="3">
                                             <p:txEl>
                                               <p:pRg st="4" end="4"/>
-                                            </p:txEl>
-                                          </p:spTgt>
-                                        </p:tgtEl>
-                                        <p:attrNameLst>
-                                          <p:attrName>style.color</p:attrName>
-                                        </p:attrNameLst>
-                                      </p:cBhvr>
-                                      <p:to>
-                                        <a:srgbClr val="FF0000"/>
-                                      </p:to>
-                                    </p:animClr>
-                                  </p:childTnLst>
-                                </p:cTn>
-                              </p:par>
-                              <p:par>
-                                <p:cTn id="37" presetID="3" presetClass="emph" presetSubtype="2" fill="hold" nodeType="withEffect">
-                                  <p:stCondLst>
-                                    <p:cond delay="0"/>
-                                  </p:stCondLst>
-                                  <p:childTnLst>
-                                    <p:animClr clrSpc="rgb" dir="cw">
-                                      <p:cBhvr override="childStyle">
-                                        <p:cTn id="38" dur="500" fill="hold"/>
-                                        <p:tgtEl>
-                                          <p:spTgt spid="3">
-                                            <p:txEl>
-                                              <p:pRg st="5" end="5"/>
                                             </p:txEl>
                                           </p:spTgt>
                                         </p:tgtEl>
@@ -13608,7 +16831,7 @@
           <a:p>
             <a:pPr algn="ctr"/>
             <a:r>
-              <a:rPr lang="en-US" altLang="zh-Hans" dirty="0" smtClean="0"/>
+              <a:rPr lang="en-US" altLang="zh-Hans" dirty="0"/>
               <a:t>BASIC CONCEPTS</a:t>
             </a:r>
             <a:endParaRPr lang="zh-Hans" altLang="en-US" dirty="0"/>
@@ -13661,13 +16884,13 @@
           <a:p>
             <a:pPr marL="0" lvl="0"/>
             <a:r>
-              <a:rPr lang="en-US" altLang="zh-Hans" sz="4400" dirty="0" smtClean="0">
+              <a:rPr lang="en-US" altLang="zh-Hans" sz="4400" dirty="0">
                 <a:sym typeface="Calibri"/>
               </a:rPr>
               <a:t>Start by writing </a:t>
             </a:r>
             <a:r>
-              <a:rPr lang="en-US" altLang="zh-Hans" sz="4400" dirty="0" smtClean="0">
+              <a:rPr lang="en-US" altLang="zh-Hans" sz="4400" dirty="0">
                 <a:solidFill>
                   <a:srgbClr val="FF0000"/>
                 </a:solidFill>
@@ -13676,7 +16899,7 @@
               <a:t>assertions</a:t>
             </a:r>
             <a:r>
-              <a:rPr lang="en-US" altLang="zh-Hans" sz="4400" dirty="0" smtClean="0">
+              <a:rPr lang="en-US" altLang="zh-Hans" sz="4400" dirty="0">
                 <a:sym typeface="Calibri"/>
               </a:rPr>
               <a:t>. An assertion's result can be success, nonfatal failure, or fatal failure</a:t>
@@ -13725,13 +16948,6 @@
     <a:masterClrMapping/>
   </p:clrMapOvr>
   <p:transition/>
-  <p:timing>
-    <p:tnLst>
-      <p:par>
-        <p:cTn id="1" dur="indefinite" restart="never" nodeType="tmRoot"/>
-      </p:par>
-    </p:tnLst>
-  </p:timing>
 </p:sld>
 </file>
 
@@ -13769,7 +16985,7 @@
           <a:p>
             <a:pPr algn="ctr"/>
             <a:r>
-              <a:rPr lang="en-US" altLang="zh-Hans" dirty="0" smtClean="0"/>
+              <a:rPr lang="en-US" altLang="zh-Hans" dirty="0"/>
               <a:t>ASSERTIONS</a:t>
             </a:r>
             <a:endParaRPr lang="zh-Hans" altLang="en-US" dirty="0"/>
@@ -13792,17 +17008,17 @@
           <a:lstStyle/>
           <a:p>
             <a:r>
-              <a:rPr lang="en-US" altLang="zh-Hans" sz="3400" dirty="0" smtClean="0"/>
+              <a:rPr lang="en-US" altLang="zh-Hans" sz="3400" dirty="0"/>
               <a:t>EXPECT_* generate nonfatal failures, which don't abort the current function</a:t>
             </a:r>
           </a:p>
           <a:p>
             <a:r>
-              <a:rPr lang="en-US" altLang="zh-Hans" sz="3400" dirty="0" smtClean="0"/>
+              <a:rPr lang="en-US" altLang="zh-Hans" sz="3400" dirty="0"/>
               <a:t>ASSERT_* generate fatal failures when they fail, and </a:t>
             </a:r>
             <a:r>
-              <a:rPr lang="en-US" altLang="zh-Hans" sz="3400" dirty="0" smtClean="0">
+              <a:rPr lang="en-US" altLang="zh-Hans" sz="3400" dirty="0">
                 <a:solidFill>
                   <a:srgbClr val="FF0000"/>
                 </a:solidFill>
@@ -13876,13 +17092,6 @@
     <a:masterClrMapping/>
   </p:clrMapOvr>
   <p:transition/>
-  <p:timing>
-    <p:tnLst>
-      <p:par>
-        <p:cTn id="1" dur="indefinite" restart="never" nodeType="tmRoot"/>
-      </p:par>
-    </p:tnLst>
-  </p:timing>
 </p:sld>
 </file>
 
@@ -13920,7 +17129,7 @@
           <a:p>
             <a:pPr algn="ctr"/>
             <a:r>
-              <a:rPr lang="en-US" altLang="zh-Hans" dirty="0" smtClean="0"/>
+              <a:rPr lang="en-US" altLang="zh-Hans" dirty="0"/>
               <a:t>Requirement</a:t>
             </a:r>
             <a:endParaRPr lang="zh-Hans" altLang="en-US" dirty="0"/>
@@ -13943,20 +17152,20 @@
           <a:lstStyle/>
           <a:p>
             <a:r>
-              <a:rPr lang="en-US" altLang="zh-Hans" sz="3400" dirty="0" smtClean="0"/>
+              <a:rPr lang="en-US" altLang="zh-Hans" sz="3400" dirty="0"/>
               <a:t>Value arguments must be comparable by the assertion's comparison operator</a:t>
             </a:r>
           </a:p>
           <a:p>
             <a:r>
-              <a:rPr lang="en-US" altLang="zh-Hans" sz="3400" dirty="0" smtClean="0"/>
+              <a:rPr lang="en-US" altLang="zh-Hans" sz="3400" dirty="0"/>
               <a:t>Values must support the &lt;&lt; operator for streaming to an std::</a:t>
             </a:r>
             <a:r>
-              <a:rPr lang="en-US" altLang="zh-Hans" sz="3400" dirty="0" err="1" smtClean="0"/>
+              <a:rPr lang="en-US" altLang="zh-Hans" sz="3400" dirty="0" err="1"/>
               <a:t>ostream</a:t>
             </a:r>
-            <a:endParaRPr lang="en-US" altLang="zh-Hans" sz="3400" dirty="0" smtClean="0"/>
+            <a:endParaRPr lang="en-US" altLang="zh-Hans" sz="3400" dirty="0"/>
           </a:p>
           <a:p>
             <a:endParaRPr lang="zh-Hans" altLang="en-US" sz="3400" dirty="0"/>
@@ -14030,13 +17239,6 @@
     <a:masterClrMapping/>
   </p:clrMapOvr>
   <p:transition/>
-  <p:timing>
-    <p:tnLst>
-      <p:par>
-        <p:cTn id="1" dur="indefinite" restart="never" nodeType="tmRoot"/>
-      </p:par>
-    </p:tnLst>
-  </p:timing>
 </p:sld>
 </file>
 
@@ -14074,7 +17276,7 @@
           <a:p>
             <a:pPr algn="ctr"/>
             <a:r>
-              <a:rPr lang="en-US" altLang="zh-Hans" dirty="0" smtClean="0"/>
+              <a:rPr lang="en-US" altLang="zh-Hans" dirty="0"/>
               <a:t>TEST STRUCTURE</a:t>
             </a:r>
             <a:endParaRPr lang="zh-Hans" altLang="en-US" dirty="0"/>
@@ -14210,7 +17412,7 @@
             <a:effectLst/>
             <a:extLst>
               <a:ext uri="{C572A759-6A51-4108-AA02-DFA0A04FC94B}">
-                <ma14:wrappingTextBoxFlag xmlns="" xmlns:ma14="http://schemas.microsoft.com/office/mac/drawingml/2011/main" val="1"/>
+                <ma14:wrappingTextBoxFlag xmlns:ma14="http://schemas.microsoft.com/office/mac/drawingml/2011/main" xmlns="" val="1"/>
               </a:ext>
             </a:extLst>
           </p:spPr>
@@ -14380,7 +17582,7 @@
                 </a:lnSpc>
                 <a:defRPr sz="1800"/>
               </a:pPr>
-              <a:endParaRPr lang="en-US" sz="2400" dirty="0" smtClean="0">
+              <a:endParaRPr lang="en-US" sz="2400" dirty="0">
                 <a:latin typeface="+mn-lt"/>
                 <a:ea typeface="+mn-ea"/>
                 <a:cs typeface="+mn-cs"/>
@@ -14395,22 +17597,13 @@
                 <a:defRPr sz="1800"/>
               </a:pPr>
               <a:r>
-                <a:rPr sz="2400" dirty="0" smtClean="0">
-                  <a:latin typeface="+mn-lt"/>
-                  <a:ea typeface="+mn-ea"/>
-                  <a:cs typeface="+mn-cs"/>
-                  <a:sym typeface="Calibri"/>
-                </a:rPr>
-                <a:t>Test </a:t>
-              </a:r>
-              <a:r>
                 <a:rPr sz="2400" dirty="0">
                   <a:latin typeface="+mn-lt"/>
                   <a:ea typeface="+mn-ea"/>
                   <a:cs typeface="+mn-cs"/>
                   <a:sym typeface="Calibri"/>
                 </a:rPr>
-                <a:t>Program</a:t>
+                <a:t>Test Program</a:t>
               </a:r>
             </a:p>
           </p:txBody>
@@ -14501,7 +17694,7 @@
             <a:effectLst/>
             <a:extLst>
               <a:ext uri="{C572A759-6A51-4108-AA02-DFA0A04FC94B}">
-                <ma14:wrappingTextBoxFlag xmlns="" xmlns:ma14="http://schemas.microsoft.com/office/mac/drawingml/2011/main" val="1"/>
+                <ma14:wrappingTextBoxFlag xmlns:ma14="http://schemas.microsoft.com/office/mac/drawingml/2011/main" xmlns="" val="1"/>
               </a:ext>
             </a:extLst>
           </p:spPr>
@@ -14629,7 +17822,7 @@
                 </a:lnSpc>
                 <a:defRPr sz="1800"/>
               </a:pPr>
-              <a:endParaRPr lang="en-US" sz="2400" dirty="0" smtClean="0">
+              <a:endParaRPr lang="en-US" sz="2400" dirty="0">
                 <a:latin typeface="+mn-lt"/>
                 <a:ea typeface="+mn-ea"/>
                 <a:cs typeface="+mn-cs"/>
@@ -14644,22 +17837,13 @@
                 <a:defRPr sz="1800"/>
               </a:pPr>
               <a:r>
-                <a:rPr sz="2400" dirty="0" smtClean="0">
-                  <a:latin typeface="+mn-lt"/>
-                  <a:ea typeface="+mn-ea"/>
-                  <a:cs typeface="+mn-cs"/>
-                  <a:sym typeface="Calibri"/>
-                </a:rPr>
-                <a:t>Test </a:t>
-              </a:r>
-              <a:r>
                 <a:rPr sz="2400" dirty="0">
                   <a:latin typeface="+mn-lt"/>
                   <a:ea typeface="+mn-ea"/>
                   <a:cs typeface="+mn-cs"/>
                   <a:sym typeface="Calibri"/>
                 </a:rPr>
-                <a:t>Case</a:t>
+                <a:t>Test Case</a:t>
               </a:r>
             </a:p>
           </p:txBody>
@@ -14750,7 +17934,7 @@
             <a:effectLst/>
             <a:extLst>
               <a:ext uri="{C572A759-6A51-4108-AA02-DFA0A04FC94B}">
-                <ma14:wrappingTextBoxFlag xmlns="" xmlns:ma14="http://schemas.microsoft.com/office/mac/drawingml/2011/main" val="1"/>
+                <ma14:wrappingTextBoxFlag xmlns:ma14="http://schemas.microsoft.com/office/mac/drawingml/2011/main" xmlns="" val="1"/>
               </a:ext>
             </a:extLst>
           </p:spPr>
@@ -14878,7 +18062,7 @@
                 </a:lnSpc>
                 <a:defRPr sz="1800"/>
               </a:pPr>
-              <a:endParaRPr lang="en-US" sz="2400" dirty="0" smtClean="0">
+              <a:endParaRPr lang="en-US" sz="2400" dirty="0">
                 <a:latin typeface="+mn-lt"/>
                 <a:ea typeface="+mn-ea"/>
                 <a:cs typeface="+mn-cs"/>
@@ -14893,22 +18077,13 @@
                 <a:defRPr sz="1800"/>
               </a:pPr>
               <a:r>
-                <a:rPr sz="2400" dirty="0" smtClean="0">
-                  <a:latin typeface="+mn-lt"/>
-                  <a:ea typeface="+mn-ea"/>
-                  <a:cs typeface="+mn-cs"/>
-                  <a:sym typeface="Calibri"/>
-                </a:rPr>
-                <a:t>Test </a:t>
-              </a:r>
-              <a:r>
                 <a:rPr sz="2400" dirty="0">
                   <a:latin typeface="+mn-lt"/>
                   <a:ea typeface="+mn-ea"/>
                   <a:cs typeface="+mn-cs"/>
                   <a:sym typeface="Calibri"/>
                 </a:rPr>
-                <a:t>Case</a:t>
+                <a:t>Test Case</a:t>
               </a:r>
             </a:p>
           </p:txBody>
@@ -14999,7 +18174,7 @@
             <a:effectLst/>
             <a:extLst>
               <a:ext uri="{C572A759-6A51-4108-AA02-DFA0A04FC94B}">
-                <ma14:wrappingTextBoxFlag xmlns="" xmlns:ma14="http://schemas.microsoft.com/office/mac/drawingml/2011/main" val="1"/>
+                <ma14:wrappingTextBoxFlag xmlns:ma14="http://schemas.microsoft.com/office/mac/drawingml/2011/main" xmlns="" val="1"/>
               </a:ext>
             </a:extLst>
           </p:spPr>
@@ -15117,7 +18292,7 @@
             <a:effectLst/>
             <a:extLst>
               <a:ext uri="{C572A759-6A51-4108-AA02-DFA0A04FC94B}">
-                <ma14:wrappingTextBoxFlag xmlns="" xmlns:ma14="http://schemas.microsoft.com/office/mac/drawingml/2011/main" val="1"/>
+                <ma14:wrappingTextBoxFlag xmlns:ma14="http://schemas.microsoft.com/office/mac/drawingml/2011/main" xmlns="" val="1"/>
               </a:ext>
             </a:extLst>
           </p:spPr>
@@ -15235,7 +18410,7 @@
             <a:effectLst/>
             <a:extLst>
               <a:ext uri="{C572A759-6A51-4108-AA02-DFA0A04FC94B}">
-                <ma14:wrappingTextBoxFlag xmlns="" xmlns:ma14="http://schemas.microsoft.com/office/mac/drawingml/2011/main" val="1"/>
+                <ma14:wrappingTextBoxFlag xmlns:ma14="http://schemas.microsoft.com/office/mac/drawingml/2011/main" xmlns="" val="1"/>
               </a:ext>
             </a:extLst>
           </p:spPr>
@@ -15353,7 +18528,7 @@
             <a:effectLst/>
             <a:extLst>
               <a:ext uri="{C572A759-6A51-4108-AA02-DFA0A04FC94B}">
-                <ma14:wrappingTextBoxFlag xmlns="" xmlns:ma14="http://schemas.microsoft.com/office/mac/drawingml/2011/main" val="1"/>
+                <ma14:wrappingTextBoxFlag xmlns:ma14="http://schemas.microsoft.com/office/mac/drawingml/2011/main" xmlns="" val="1"/>
               </a:ext>
             </a:extLst>
           </p:spPr>
@@ -15471,7 +18646,7 @@
             <a:effectLst/>
             <a:extLst>
               <a:ext uri="{C572A759-6A51-4108-AA02-DFA0A04FC94B}">
-                <ma14:wrappingTextBoxFlag xmlns="" xmlns:ma14="http://schemas.microsoft.com/office/mac/drawingml/2011/main" val="1"/>
+                <ma14:wrappingTextBoxFlag xmlns:ma14="http://schemas.microsoft.com/office/mac/drawingml/2011/main" xmlns="" val="1"/>
               </a:ext>
             </a:extLst>
           </p:spPr>
@@ -15589,7 +18764,7 @@
             <a:effectLst/>
             <a:extLst>
               <a:ext uri="{C572A759-6A51-4108-AA02-DFA0A04FC94B}">
-                <ma14:wrappingTextBoxFlag xmlns="" xmlns:ma14="http://schemas.microsoft.com/office/mac/drawingml/2011/main" val="1"/>
+                <ma14:wrappingTextBoxFlag xmlns:ma14="http://schemas.microsoft.com/office/mac/drawingml/2011/main" xmlns="" val="1"/>
               </a:ext>
             </a:extLst>
           </p:spPr>
@@ -15707,7 +18882,7 @@
             <a:effectLst/>
             <a:extLst>
               <a:ext uri="{C572A759-6A51-4108-AA02-DFA0A04FC94B}">
-                <ma14:wrappingTextBoxFlag xmlns="" xmlns:ma14="http://schemas.microsoft.com/office/mac/drawingml/2011/main" val="1"/>
+                <ma14:wrappingTextBoxFlag xmlns:ma14="http://schemas.microsoft.com/office/mac/drawingml/2011/main" xmlns="" val="1"/>
               </a:ext>
             </a:extLst>
           </p:spPr>
@@ -15778,13 +18953,6 @@
     <a:masterClrMapping/>
   </p:clrMapOvr>
   <p:transition/>
-  <p:timing>
-    <p:tnLst>
-      <p:par>
-        <p:cTn id="1" dur="indefinite" restart="never" nodeType="tmRoot"/>
-      </p:par>
-    </p:tnLst>
-  </p:timing>
 </p:sld>
 </file>
 
@@ -15822,7 +18990,7 @@
           <a:p>
             <a:pPr algn="ctr"/>
             <a:r>
-              <a:rPr lang="en-US" altLang="zh-Hans" spc="-210" dirty="0" smtClean="0"/>
+              <a:rPr lang="en-US" altLang="zh-Hans" spc="-210" dirty="0"/>
               <a:t>USING GTEST</a:t>
             </a:r>
             <a:endParaRPr lang="zh-Hans" altLang="en-US" dirty="0"/>
@@ -15845,63 +19013,63 @@
           <a:lstStyle/>
           <a:p>
             <a:r>
-              <a:rPr lang="en-US" altLang="zh-Hans" sz="3400" dirty="0" smtClean="0"/>
+              <a:rPr lang="en-US" altLang="zh-Hans" sz="3400" dirty="0"/>
               <a:t>include &lt;</a:t>
             </a:r>
             <a:r>
-              <a:rPr lang="en-US" altLang="zh-Hans" sz="3400" dirty="0" err="1" smtClean="0"/>
+              <a:rPr lang="en-US" altLang="zh-Hans" sz="3400" dirty="0" err="1"/>
               <a:t>gtest</a:t>
             </a:r>
             <a:r>
-              <a:rPr lang="en-US" altLang="zh-Hans" sz="3400" dirty="0" smtClean="0"/>
+              <a:rPr lang="en-US" altLang="zh-Hans" sz="3400" dirty="0"/>
               <a:t>/</a:t>
             </a:r>
             <a:r>
-              <a:rPr lang="en-US" altLang="zh-Hans" sz="3400" dirty="0" err="1" smtClean="0"/>
+              <a:rPr lang="en-US" altLang="zh-Hans" sz="3400" dirty="0" err="1"/>
               <a:t>gtest.h</a:t>
             </a:r>
             <a:r>
-              <a:rPr lang="en-US" altLang="zh-Hans" sz="3400" dirty="0" smtClean="0"/>
+              <a:rPr lang="en-US" altLang="zh-Hans" sz="3400" dirty="0"/>
               <a:t>&gt;</a:t>
             </a:r>
           </a:p>
           <a:p>
             <a:r>
-              <a:rPr lang="en-US" altLang="zh-Hans" sz="3400" dirty="0" smtClean="0"/>
+              <a:rPr lang="en-US" altLang="zh-Hans" sz="3400" dirty="0"/>
               <a:t>write your tests in any source files</a:t>
             </a:r>
           </a:p>
           <a:p>
             <a:r>
-              <a:rPr lang="en-US" altLang="zh-Hans" sz="3400" dirty="0" smtClean="0"/>
+              <a:rPr lang="en-US" altLang="zh-Hans" sz="3400" dirty="0"/>
               <a:t>initialize </a:t>
             </a:r>
             <a:r>
-              <a:rPr lang="en-US" altLang="zh-Hans" sz="3400" dirty="0" err="1" smtClean="0"/>
+              <a:rPr lang="en-US" altLang="zh-Hans" sz="3400" dirty="0" err="1"/>
               <a:t>gtest</a:t>
             </a:r>
             <a:r>
-              <a:rPr lang="en-US" altLang="zh-Hans" sz="3400" dirty="0" smtClean="0"/>
+              <a:rPr lang="en-US" altLang="zh-Hans" sz="3400" dirty="0"/>
               <a:t> by </a:t>
             </a:r>
             <a:r>
-              <a:rPr lang="en-US" altLang="zh-Hans" sz="3400" dirty="0" err="1" smtClean="0"/>
+              <a:rPr lang="en-US" altLang="zh-Hans" sz="3400" dirty="0" err="1"/>
               <a:t>InitGoogleTest</a:t>
             </a:r>
             <a:r>
-              <a:rPr lang="en-US" altLang="zh-Hans" sz="3400" dirty="0" smtClean="0"/>
+              <a:rPr lang="en-US" altLang="zh-Hans" sz="3400" dirty="0"/>
               <a:t>()</a:t>
             </a:r>
           </a:p>
           <a:p>
             <a:r>
-              <a:rPr lang="en-US" altLang="zh-Hans" sz="3400" dirty="0" smtClean="0"/>
+              <a:rPr lang="en-US" altLang="zh-Hans" sz="3400" dirty="0"/>
               <a:t>call RUN_ALL_TESTS() in main() function</a:t>
             </a:r>
           </a:p>
           <a:p>
             <a:r>
-              <a:rPr lang="en-US" altLang="zh-Hans" sz="3400" dirty="0" smtClean="0"/>
+              <a:rPr lang="en-US" altLang="zh-Hans" sz="3400" dirty="0"/>
               <a:t>compile and run</a:t>
             </a:r>
           </a:p>
@@ -15977,13 +19145,6 @@
     <a:masterClrMapping/>
   </p:clrMapOvr>
   <p:transition/>
-  <p:timing>
-    <p:tnLst>
-      <p:par>
-        <p:cTn id="1" dur="indefinite" restart="never" nodeType="tmRoot"/>
-      </p:par>
-    </p:tnLst>
-  </p:timing>
 </p:sld>
 </file>
 
@@ -16014,22 +19175,23 @@
             <p:ph type="title"/>
           </p:nvPr>
         </p:nvSpPr>
-        <p:spPr>
-          <a:xfrm>
-            <a:off x="406400" y="700336"/>
-            <a:ext cx="3149600" cy="723900"/>
-          </a:xfrm>
-        </p:spPr>
+        <p:spPr/>
         <p:txBody>
           <a:bodyPr/>
           <a:lstStyle/>
           <a:p>
             <a:pPr algn="ctr"/>
             <a:r>
-              <a:rPr lang="en-US" altLang="zh-Hans" sz="4800" dirty="0" smtClean="0"/>
-              <a:t>EXERCISE</a:t>
-            </a:r>
-            <a:endParaRPr lang="zh-Hans" altLang="en-US" sz="4800" dirty="0"/>
+              <a:rPr lang="en-US" altLang="zh-Hans" spc="-210" dirty="0">
+                <a:latin typeface="微软雅黑" panose="020B0503020204020204" pitchFamily="34" charset="-122"/>
+                <a:ea typeface="微软雅黑" panose="020B0503020204020204" pitchFamily="34" charset="-122"/>
+              </a:rPr>
+              <a:t>Working With C Code</a:t>
+            </a:r>
+            <a:endParaRPr lang="zh-Hans" altLang="en-US" dirty="0">
+              <a:latin typeface="微软雅黑" panose="020B0503020204020204" pitchFamily="34" charset="-122"/>
+              <a:ea typeface="微软雅黑" panose="020B0503020204020204" pitchFamily="34" charset="-122"/>
+            </a:endParaRPr>
           </a:p>
         </p:txBody>
       </p:sp>
@@ -16043,305 +19205,46 @@
             <p:ph idx="1"/>
           </p:nvPr>
         </p:nvSpPr>
-        <p:spPr/>
+        <p:spPr>
+          <a:xfrm>
+            <a:off x="381000" y="1422400"/>
+            <a:ext cx="12242800" cy="738358"/>
+          </a:xfrm>
+        </p:spPr>
         <p:txBody>
           <a:bodyPr/>
           <a:lstStyle/>
           <a:p>
-            <a:pPr marL="0" indent="0">
-              <a:lnSpc>
-                <a:spcPct val="120000"/>
-              </a:lnSpc>
-              <a:spcBef>
-                <a:spcPts val="1200"/>
-              </a:spcBef>
-              <a:buClr>
-                <a:schemeClr val="tx2"/>
-              </a:buClr>
-            </a:pPr>
-            <a:endParaRPr lang="en-US" altLang="zh-Hans" sz="800" dirty="0">
-              <a:latin typeface="微软雅黑" panose="020B0503020204020204" pitchFamily="34" charset="-122"/>
-              <a:ea typeface="微软雅黑" panose="020B0503020204020204" pitchFamily="34" charset="-122"/>
-            </a:endParaRPr>
-          </a:p>
-          <a:p>
-            <a:pPr marL="0" indent="0">
-              <a:lnSpc>
-                <a:spcPct val="120000"/>
-              </a:lnSpc>
-              <a:spcBef>
-                <a:spcPts val="1200"/>
-              </a:spcBef>
-              <a:buClr>
-                <a:schemeClr val="tx2"/>
-              </a:buClr>
-            </a:pPr>
-            <a:r>
-              <a:rPr lang="zh-Hans" altLang="en-US" sz="3600" dirty="0" smtClean="0">
+            <a:r>
+              <a:rPr lang="en-US" altLang="zh-Hans" sz="3400" dirty="0">
                 <a:latin typeface="微软雅黑" panose="020B0503020204020204" pitchFamily="34" charset="-122"/>
                 <a:ea typeface="微软雅黑" panose="020B0503020204020204" pitchFamily="34" charset="-122"/>
               </a:rPr>
-              <a:t>图书馆</a:t>
-            </a:r>
-            <a:r>
-              <a:rPr lang="zh-Hans" altLang="en-US" sz="3600" dirty="0">
+              <a:t>Wrap C headers with </a:t>
+            </a:r>
+            <a:r>
+              <a:rPr lang="en-US" altLang="zh-Hans" sz="3400" dirty="0" err="1">
+                <a:solidFill>
+                  <a:srgbClr val="FF0000"/>
+                </a:solidFill>
                 <a:latin typeface="微软雅黑" panose="020B0503020204020204" pitchFamily="34" charset="-122"/>
                 <a:ea typeface="微软雅黑" panose="020B0503020204020204" pitchFamily="34" charset="-122"/>
               </a:rPr>
-              <a:t>有一名图书管理员</a:t>
-            </a:r>
-            <a:r>
-              <a:rPr lang="en-US" altLang="zh-Hans" sz="3600" dirty="0">
+              <a:t>extern“C</a:t>
+            </a:r>
+            <a:r>
+              <a:rPr lang="en-US" altLang="zh-Hans" sz="3400" dirty="0">
+                <a:solidFill>
+                  <a:srgbClr val="FF0000"/>
+                </a:solidFill>
                 <a:latin typeface="微软雅黑" panose="020B0503020204020204" pitchFamily="34" charset="-122"/>
                 <a:ea typeface="微软雅黑" panose="020B0503020204020204" pitchFamily="34" charset="-122"/>
               </a:rPr>
-              <a:t>(Librarian), </a:t>
-            </a:r>
-            <a:r>
-              <a:rPr lang="zh-Hans" altLang="en-US" sz="3600" dirty="0">
-                <a:latin typeface="微软雅黑" panose="020B0503020204020204" pitchFamily="34" charset="-122"/>
-                <a:ea typeface="微软雅黑" panose="020B0503020204020204" pitchFamily="34" charset="-122"/>
-              </a:rPr>
-              <a:t>他能够帮助</a:t>
-            </a:r>
-            <a:r>
-              <a:rPr lang="zh-Hans" altLang="en-US" sz="3600" dirty="0" smtClean="0">
-                <a:latin typeface="微软雅黑" panose="020B0503020204020204" pitchFamily="34" charset="-122"/>
-                <a:ea typeface="微软雅黑" panose="020B0503020204020204" pitchFamily="34" charset="-122"/>
-              </a:rPr>
-              <a:t>图书馆存</a:t>
-            </a:r>
-            <a:r>
-              <a:rPr lang="zh-Hans" altLang="en-US" sz="3600" dirty="0">
-                <a:latin typeface="微软雅黑" panose="020B0503020204020204" pitchFamily="34" charset="-122"/>
-                <a:ea typeface="微软雅黑" panose="020B0503020204020204" pitchFamily="34" charset="-122"/>
-              </a:rPr>
-              <a:t>书</a:t>
-            </a:r>
-            <a:r>
-              <a:rPr lang="en-US" altLang="zh-Hans" sz="3600" dirty="0">
-                <a:latin typeface="微软雅黑" panose="020B0503020204020204" pitchFamily="34" charset="-122"/>
-                <a:ea typeface="微软雅黑" panose="020B0503020204020204" pitchFamily="34" charset="-122"/>
-              </a:rPr>
-              <a:t>(Store), </a:t>
-            </a:r>
-            <a:r>
-              <a:rPr lang="zh-Hans" altLang="en-US" sz="3600" dirty="0">
-                <a:latin typeface="微软雅黑" panose="020B0503020204020204" pitchFamily="34" charset="-122"/>
-                <a:ea typeface="微软雅黑" panose="020B0503020204020204" pitchFamily="34" charset="-122"/>
-              </a:rPr>
-              <a:t>并且向我们提供借书服务</a:t>
-            </a:r>
-            <a:r>
-              <a:rPr lang="en-US" altLang="zh-Hans" sz="3600" dirty="0">
-                <a:latin typeface="微软雅黑" panose="020B0503020204020204" pitchFamily="34" charset="-122"/>
-                <a:ea typeface="微软雅黑" panose="020B0503020204020204" pitchFamily="34" charset="-122"/>
-              </a:rPr>
-              <a:t>(borrow</a:t>
-            </a:r>
-            <a:r>
-              <a:rPr lang="en-US" altLang="zh-Hans" sz="3600" dirty="0" smtClean="0">
-                <a:latin typeface="微软雅黑" panose="020B0503020204020204" pitchFamily="34" charset="-122"/>
-                <a:ea typeface="微软雅黑" panose="020B0503020204020204" pitchFamily="34" charset="-122"/>
-              </a:rPr>
-              <a:t>):</a:t>
-            </a:r>
-          </a:p>
-          <a:p>
-            <a:pPr marL="0" indent="0">
-              <a:lnSpc>
-                <a:spcPct val="120000"/>
-              </a:lnSpc>
-              <a:spcBef>
-                <a:spcPts val="1200"/>
-              </a:spcBef>
-              <a:buClr>
-                <a:schemeClr val="tx2"/>
-              </a:buClr>
-            </a:pPr>
-            <a:endParaRPr lang="en-US" altLang="zh-Hans" sz="800" dirty="0" smtClean="0">
-              <a:latin typeface="微软雅黑" panose="020B0503020204020204" pitchFamily="34" charset="-122"/>
-              <a:ea typeface="微软雅黑" panose="020B0503020204020204" pitchFamily="34" charset="-122"/>
-            </a:endParaRPr>
-          </a:p>
-          <a:p>
-            <a:pPr marL="520700" indent="-520700">
-              <a:lnSpc>
-                <a:spcPct val="120000"/>
-              </a:lnSpc>
-              <a:spcBef>
-                <a:spcPts val="1200"/>
-              </a:spcBef>
-              <a:buClr>
-                <a:schemeClr val="tx2"/>
-              </a:buClr>
-              <a:buFont typeface="Wingdings" charset="2"/>
-              <a:buChar char=""/>
-            </a:pPr>
-            <a:r>
-              <a:rPr lang="zh-Hans" altLang="en-US" sz="3600" dirty="0">
-                <a:latin typeface="微软雅黑" panose="020B0503020204020204" pitchFamily="34" charset="-122"/>
-                <a:ea typeface="微软雅黑" panose="020B0503020204020204" pitchFamily="34" charset="-122"/>
-              </a:rPr>
-              <a:t>当管理员存书后</a:t>
-            </a:r>
-            <a:r>
-              <a:rPr lang="en-US" altLang="zh-Hans" sz="3600" dirty="0">
-                <a:latin typeface="微软雅黑" panose="020B0503020204020204" pitchFamily="34" charset="-122"/>
-                <a:ea typeface="微软雅黑" panose="020B0503020204020204" pitchFamily="34" charset="-122"/>
-              </a:rPr>
-              <a:t>, </a:t>
-            </a:r>
-            <a:r>
-              <a:rPr lang="zh-Hans" altLang="en-US" sz="3600" dirty="0">
-                <a:latin typeface="微软雅黑" panose="020B0503020204020204" pitchFamily="34" charset="-122"/>
-                <a:ea typeface="微软雅黑" panose="020B0503020204020204" pitchFamily="34" charset="-122"/>
-              </a:rPr>
-              <a:t>他会告诉我们当前图书馆的现存图书</a:t>
-            </a:r>
-            <a:r>
-              <a:rPr lang="zh-Hans" altLang="en-US" sz="3600" dirty="0" smtClean="0">
-                <a:latin typeface="微软雅黑" panose="020B0503020204020204" pitchFamily="34" charset="-122"/>
-                <a:ea typeface="微软雅黑" panose="020B0503020204020204" pitchFamily="34" charset="-122"/>
-              </a:rPr>
-              <a:t>数量</a:t>
-            </a:r>
-            <a:endParaRPr lang="en-US" altLang="zh-Hans" sz="3600" dirty="0" smtClean="0">
-              <a:latin typeface="微软雅黑" panose="020B0503020204020204" pitchFamily="34" charset="-122"/>
-              <a:ea typeface="微软雅黑" panose="020B0503020204020204" pitchFamily="34" charset="-122"/>
-            </a:endParaRPr>
-          </a:p>
-          <a:p>
-            <a:pPr marL="0" indent="0">
-              <a:lnSpc>
-                <a:spcPct val="120000"/>
-              </a:lnSpc>
-              <a:spcBef>
-                <a:spcPts val="1200"/>
-              </a:spcBef>
-              <a:buClr>
-                <a:schemeClr val="tx2"/>
-              </a:buClr>
-            </a:pPr>
-            <a:endParaRPr lang="zh-Hans" altLang="en-US" sz="800" dirty="0">
-              <a:latin typeface="微软雅黑" panose="020B0503020204020204" pitchFamily="34" charset="-122"/>
-              <a:ea typeface="微软雅黑" panose="020B0503020204020204" pitchFamily="34" charset="-122"/>
-            </a:endParaRPr>
-          </a:p>
-          <a:p>
-            <a:pPr marL="520700" indent="-520700">
-              <a:lnSpc>
-                <a:spcPct val="120000"/>
-              </a:lnSpc>
-              <a:spcBef>
-                <a:spcPts val="1200"/>
-              </a:spcBef>
-              <a:buClr>
-                <a:schemeClr val="tx2"/>
-              </a:buClr>
-              <a:buFont typeface="Wingdings" charset="2"/>
-              <a:buChar char=""/>
-            </a:pPr>
-            <a:r>
-              <a:rPr lang="zh-Hans" altLang="en-US" sz="3600" dirty="0">
-                <a:latin typeface="微软雅黑" panose="020B0503020204020204" pitchFamily="34" charset="-122"/>
-                <a:ea typeface="微软雅黑" panose="020B0503020204020204" pitchFamily="34" charset="-122"/>
-              </a:rPr>
-              <a:t>当向管理员借书后</a:t>
-            </a:r>
-            <a:r>
-              <a:rPr lang="en-US" altLang="zh-Hans" sz="3600" dirty="0">
-                <a:latin typeface="微软雅黑" panose="020B0503020204020204" pitchFamily="34" charset="-122"/>
-                <a:ea typeface="微软雅黑" panose="020B0503020204020204" pitchFamily="34" charset="-122"/>
-              </a:rPr>
-              <a:t>, </a:t>
-            </a:r>
-            <a:r>
-              <a:rPr lang="zh-Hans" altLang="en-US" sz="3600" dirty="0">
-                <a:latin typeface="微软雅黑" panose="020B0503020204020204" pitchFamily="34" charset="-122"/>
-                <a:ea typeface="微软雅黑" panose="020B0503020204020204" pitchFamily="34" charset="-122"/>
-              </a:rPr>
-              <a:t>他会告诉我们当前图书馆的剩余图书</a:t>
-            </a:r>
-            <a:r>
-              <a:rPr lang="zh-Hans" altLang="en-US" sz="3600" dirty="0" smtClean="0">
-                <a:latin typeface="微软雅黑" panose="020B0503020204020204" pitchFamily="34" charset="-122"/>
-                <a:ea typeface="微软雅黑" panose="020B0503020204020204" pitchFamily="34" charset="-122"/>
-              </a:rPr>
-              <a:t>数量</a:t>
-            </a:r>
-            <a:endParaRPr lang="en-US" altLang="zh-Hans" sz="3600" dirty="0">
-              <a:latin typeface="微软雅黑" panose="020B0503020204020204" pitchFamily="34" charset="-122"/>
-              <a:ea typeface="微软雅黑" panose="020B0503020204020204" pitchFamily="34" charset="-122"/>
-            </a:endParaRPr>
-          </a:p>
-          <a:p>
-            <a:pPr marL="0" indent="0">
-              <a:lnSpc>
-                <a:spcPct val="120000"/>
-              </a:lnSpc>
-              <a:spcBef>
-                <a:spcPts val="1200"/>
-              </a:spcBef>
-              <a:buClr>
-                <a:schemeClr val="tx2"/>
-              </a:buClr>
-            </a:pPr>
-            <a:endParaRPr lang="en-US" altLang="zh-Hans" sz="800" dirty="0" smtClean="0">
-              <a:latin typeface="微软雅黑" panose="020B0503020204020204" pitchFamily="34" charset="-122"/>
-              <a:ea typeface="微软雅黑" panose="020B0503020204020204" pitchFamily="34" charset="-122"/>
-            </a:endParaRPr>
-          </a:p>
-          <a:p>
-            <a:pPr marL="520700" indent="-520700">
-              <a:lnSpc>
-                <a:spcPct val="120000"/>
-              </a:lnSpc>
-              <a:spcBef>
-                <a:spcPts val="1200"/>
-              </a:spcBef>
-              <a:buClr>
-                <a:schemeClr val="tx2"/>
-              </a:buClr>
-              <a:buFont typeface="Wingdings" charset="2"/>
-              <a:buChar char=""/>
-            </a:pPr>
-            <a:r>
-              <a:rPr lang="zh-Hans" altLang="en-US" sz="3600" dirty="0" smtClean="0">
-                <a:latin typeface="微软雅黑" panose="020B0503020204020204" pitchFamily="34" charset="-122"/>
-                <a:ea typeface="微软雅黑" panose="020B0503020204020204" pitchFamily="34" charset="-122"/>
-              </a:rPr>
-              <a:t>当向管理员借书时</a:t>
-            </a:r>
-            <a:r>
-              <a:rPr lang="en-US" altLang="zh-Hans" sz="3600" dirty="0" smtClean="0">
-                <a:latin typeface="微软雅黑" panose="020B0503020204020204" pitchFamily="34" charset="-122"/>
-                <a:ea typeface="微软雅黑" panose="020B0503020204020204" pitchFamily="34" charset="-122"/>
-              </a:rPr>
-              <a:t>, </a:t>
-            </a:r>
-            <a:r>
-              <a:rPr lang="zh-Hans" altLang="en-US" sz="3600" dirty="0" smtClean="0">
-                <a:latin typeface="微软雅黑" panose="020B0503020204020204" pitchFamily="34" charset="-122"/>
-                <a:ea typeface="微软雅黑" panose="020B0503020204020204" pitchFamily="34" charset="-122"/>
-              </a:rPr>
-              <a:t>如果馆内没有这本书</a:t>
-            </a:r>
-            <a:r>
-              <a:rPr lang="en-US" altLang="zh-Hans" sz="3600" dirty="0" smtClean="0">
-                <a:latin typeface="微软雅黑" panose="020B0503020204020204" pitchFamily="34" charset="-122"/>
-                <a:ea typeface="微软雅黑" panose="020B0503020204020204" pitchFamily="34" charset="-122"/>
-              </a:rPr>
-              <a:t>, </a:t>
-            </a:r>
-            <a:r>
-              <a:rPr lang="zh-CN" altLang="en-US" sz="3600" dirty="0" smtClean="0">
-                <a:latin typeface="微软雅黑" panose="020B0503020204020204" pitchFamily="34" charset="-122"/>
-                <a:ea typeface="微软雅黑" panose="020B0503020204020204" pitchFamily="34" charset="-122"/>
-              </a:rPr>
-              <a:t>则会收到一个无法借书的消息</a:t>
-            </a:r>
-            <a:endParaRPr lang="zh-Hans" altLang="en-US" sz="3600" dirty="0">
+              <a:t>”</a:t>
+            </a:r>
+          </a:p>
+          <a:p>
+            <a:endParaRPr lang="zh-Hans" altLang="en-US" sz="3400" dirty="0">
               <a:latin typeface="微软雅黑" panose="020B0503020204020204" pitchFamily="34" charset="-122"/>
               <a:ea typeface="微软雅黑" panose="020B0503020204020204" pitchFamily="34" charset="-122"/>
             </a:endParaRPr>
@@ -16366,48 +19269,797 @@
             <a:pPr>
               <a:defRPr/>
             </a:pPr>
-            <a:fld id="{6BD71149-C6B6-DA41-AB69-4C8E97C931F0}" type="slidenum">
-              <a:rPr lang="en-US" smtClean="0"/>
+            <a:fld id="{28FE6BA1-A7B4-7B4F-846F-93E3CD6980EB}" type="slidenum">
+              <a:rPr lang="en-US" smtClean="0">
+                <a:latin typeface="微软雅黑" panose="020B0503020204020204" pitchFamily="34" charset="-122"/>
+                <a:ea typeface="微软雅黑" panose="020B0503020204020204" pitchFamily="34" charset="-122"/>
+              </a:rPr>
               <a:pPr>
                 <a:defRPr/>
               </a:pPr>
               <a:t>9</a:t>
             </a:fld>
-            <a:endParaRPr lang="en-US"/>
+            <a:endParaRPr lang="en-US">
+              <a:latin typeface="微软雅黑" panose="020B0503020204020204" pitchFamily="34" charset="-122"/>
+              <a:ea typeface="微软雅黑" panose="020B0503020204020204" pitchFamily="34" charset="-122"/>
+            </a:endParaRPr>
           </a:p>
         </p:txBody>
       </p:sp>
-      <p:pic>
-        <p:nvPicPr>
-          <p:cNvPr id="5" name="Glyph Inventory 1_go-self-service.jpg"/>
-          <p:cNvPicPr/>
+      <p:grpSp>
+        <p:nvGrpSpPr>
+          <p:cNvPr id="31" name="组合 30"/>
+          <p:cNvGrpSpPr/>
           <p:nvPr/>
-        </p:nvPicPr>
-        <p:blipFill>
-          <a:blip r:embed="rId2">
-            <a:extLst/>
-          </a:blip>
-          <a:stretch>
-            <a:fillRect/>
-          </a:stretch>
-        </p:blipFill>
+        </p:nvGrpSpPr>
+        <p:grpSpPr>
+          <a:xfrm>
+            <a:off x="199425" y="2336678"/>
+            <a:ext cx="5724301" cy="3048314"/>
+            <a:chOff x="199425" y="2446290"/>
+            <a:chExt cx="5724301" cy="3048314"/>
+          </a:xfrm>
+        </p:grpSpPr>
+        <p:pic>
+          <p:nvPicPr>
+            <p:cNvPr id="9" name="图片 8"/>
+            <p:cNvPicPr>
+              <a:picLocks noChangeAspect="1"/>
+            </p:cNvPicPr>
+            <p:nvPr/>
+          </p:nvPicPr>
+          <p:blipFill>
+            <a:blip r:embed="rId2"/>
+            <a:stretch>
+              <a:fillRect/>
+            </a:stretch>
+          </p:blipFill>
+          <p:spPr>
+            <a:xfrm>
+              <a:off x="357765" y="2941878"/>
+              <a:ext cx="5407623" cy="2521396"/>
+            </a:xfrm>
+            <a:prstGeom prst="rect">
+              <a:avLst/>
+            </a:prstGeom>
+          </p:spPr>
+        </p:pic>
+        <p:sp>
+          <p:nvSpPr>
+            <p:cNvPr id="16" name="文本框 15"/>
+            <p:cNvSpPr txBox="1"/>
+            <p:nvPr/>
+          </p:nvSpPr>
+          <p:spPr>
+            <a:xfrm>
+              <a:off x="415710" y="2446290"/>
+              <a:ext cx="1888659" cy="584775"/>
+            </a:xfrm>
+            <a:prstGeom prst="rect">
+              <a:avLst/>
+            </a:prstGeom>
+            <a:noFill/>
+          </p:spPr>
+          <p:txBody>
+            <a:bodyPr wrap="none" rtlCol="0">
+              <a:spAutoFit/>
+            </a:bodyPr>
+            <a:lstStyle/>
+            <a:p>
+              <a:pPr>
+                <a:lnSpc>
+                  <a:spcPct val="100000"/>
+                </a:lnSpc>
+              </a:pPr>
+              <a:r>
+                <a:rPr lang="en-US" altLang="zh-CN" sz="3200" dirty="0" err="1">
+                  <a:latin typeface="微软雅黑" panose="020B0503020204020204" pitchFamily="34" charset="-122"/>
+                  <a:ea typeface="微软雅黑" panose="020B0503020204020204" pitchFamily="34" charset="-122"/>
+                </a:rPr>
+                <a:t>c_code.h</a:t>
+              </a:r>
+              <a:endParaRPr lang="zh-CN" altLang="en-US" sz="3200" dirty="0">
+                <a:latin typeface="微软雅黑" panose="020B0503020204020204" pitchFamily="34" charset="-122"/>
+                <a:ea typeface="微软雅黑" panose="020B0503020204020204" pitchFamily="34" charset="-122"/>
+              </a:endParaRPr>
+            </a:p>
+          </p:txBody>
+        </p:sp>
+        <p:sp>
+          <p:nvSpPr>
+            <p:cNvPr id="17" name="矩形: 圆角 16"/>
+            <p:cNvSpPr/>
+            <p:nvPr/>
+          </p:nvSpPr>
+          <p:spPr bwMode="auto">
+            <a:xfrm>
+              <a:off x="199425" y="2446290"/>
+              <a:ext cx="5724301" cy="3048314"/>
+            </a:xfrm>
+            <a:prstGeom prst="roundRect">
+              <a:avLst>
+                <a:gd name="adj" fmla="val 13138"/>
+              </a:avLst>
+            </a:prstGeom>
+            <a:noFill/>
+            <a:ln>
+              <a:solidFill>
+                <a:schemeClr val="tx1"/>
+              </a:solidFill>
+            </a:ln>
+          </p:spPr>
+          <p:txBody>
+            <a:bodyPr lIns="457200" tIns="228600" rIns="457200" bIns="228600" rtlCol="0" anchor="ctr"/>
+            <a:lstStyle/>
+            <a:p>
+              <a:pPr algn="ctr">
+                <a:lnSpc>
+                  <a:spcPct val="100000"/>
+                </a:lnSpc>
+              </a:pPr>
+              <a:endParaRPr lang="zh-CN" altLang="en-US" dirty="0">
+                <a:solidFill>
+                  <a:schemeClr val="tx1"/>
+                </a:solidFill>
+                <a:latin typeface="微软雅黑" panose="020B0503020204020204" pitchFamily="34" charset="-122"/>
+                <a:ea typeface="微软雅黑" panose="020B0503020204020204" pitchFamily="34" charset="-122"/>
+              </a:endParaRPr>
+            </a:p>
+          </p:txBody>
+        </p:sp>
+      </p:grpSp>
+      <p:grpSp>
+        <p:nvGrpSpPr>
+          <p:cNvPr id="6144" name="组合 6143"/>
+          <p:cNvGrpSpPr/>
+          <p:nvPr/>
+        </p:nvGrpSpPr>
+        <p:grpSpPr>
+          <a:xfrm>
+            <a:off x="199425" y="5704660"/>
+            <a:ext cx="5724301" cy="3130646"/>
+            <a:chOff x="199425" y="5697804"/>
+            <a:chExt cx="5724301" cy="3130646"/>
+          </a:xfrm>
+        </p:grpSpPr>
+        <p:pic>
+          <p:nvPicPr>
+            <p:cNvPr id="8" name="图片 7"/>
+            <p:cNvPicPr>
+              <a:picLocks noChangeAspect="1"/>
+            </p:cNvPicPr>
+            <p:nvPr/>
+          </p:nvPicPr>
+          <p:blipFill>
+            <a:blip r:embed="rId3"/>
+            <a:stretch>
+              <a:fillRect/>
+            </a:stretch>
+          </p:blipFill>
+          <p:spPr>
+            <a:xfrm>
+              <a:off x="390153" y="6204699"/>
+              <a:ext cx="3964509" cy="2594362"/>
+            </a:xfrm>
+            <a:prstGeom prst="rect">
+              <a:avLst/>
+            </a:prstGeom>
+          </p:spPr>
+        </p:pic>
+        <p:sp>
+          <p:nvSpPr>
+            <p:cNvPr id="18" name="文本框 17"/>
+            <p:cNvSpPr txBox="1"/>
+            <p:nvPr/>
+          </p:nvSpPr>
+          <p:spPr>
+            <a:xfrm>
+              <a:off x="415710" y="5697804"/>
+              <a:ext cx="1888659" cy="584775"/>
+            </a:xfrm>
+            <a:prstGeom prst="rect">
+              <a:avLst/>
+            </a:prstGeom>
+            <a:noFill/>
+          </p:spPr>
+          <p:txBody>
+            <a:bodyPr wrap="none" rtlCol="0">
+              <a:spAutoFit/>
+            </a:bodyPr>
+            <a:lstStyle/>
+            <a:p>
+              <a:pPr>
+                <a:lnSpc>
+                  <a:spcPct val="100000"/>
+                </a:lnSpc>
+              </a:pPr>
+              <a:r>
+                <a:rPr lang="en-US" altLang="zh-CN" sz="3200" dirty="0" err="1">
+                  <a:latin typeface="微软雅黑" panose="020B0503020204020204" pitchFamily="34" charset="-122"/>
+                  <a:ea typeface="微软雅黑" panose="020B0503020204020204" pitchFamily="34" charset="-122"/>
+                </a:rPr>
+                <a:t>c_code.c</a:t>
+              </a:r>
+              <a:endParaRPr lang="zh-CN" altLang="en-US" sz="3200" dirty="0">
+                <a:latin typeface="微软雅黑" panose="020B0503020204020204" pitchFamily="34" charset="-122"/>
+                <a:ea typeface="微软雅黑" panose="020B0503020204020204" pitchFamily="34" charset="-122"/>
+              </a:endParaRPr>
+            </a:p>
+          </p:txBody>
+        </p:sp>
+        <p:sp>
+          <p:nvSpPr>
+            <p:cNvPr id="20" name="矩形: 圆角 19"/>
+            <p:cNvSpPr/>
+            <p:nvPr/>
+          </p:nvSpPr>
+          <p:spPr bwMode="auto">
+            <a:xfrm>
+              <a:off x="199425" y="5780136"/>
+              <a:ext cx="5724301" cy="3048314"/>
+            </a:xfrm>
+            <a:prstGeom prst="roundRect">
+              <a:avLst>
+                <a:gd name="adj" fmla="val 13138"/>
+              </a:avLst>
+            </a:prstGeom>
+            <a:noFill/>
+            <a:ln>
+              <a:solidFill>
+                <a:schemeClr val="tx1"/>
+              </a:solidFill>
+            </a:ln>
+          </p:spPr>
+          <p:txBody>
+            <a:bodyPr lIns="457200" tIns="228600" rIns="457200" bIns="228600" rtlCol="0" anchor="ctr"/>
+            <a:lstStyle/>
+            <a:p>
+              <a:pPr algn="ctr">
+                <a:lnSpc>
+                  <a:spcPct val="100000"/>
+                </a:lnSpc>
+              </a:pPr>
+              <a:endParaRPr lang="zh-CN" altLang="en-US" dirty="0">
+                <a:solidFill>
+                  <a:schemeClr val="tx1"/>
+                </a:solidFill>
+                <a:latin typeface="微软雅黑" panose="020B0503020204020204" pitchFamily="34" charset="-122"/>
+                <a:ea typeface="微软雅黑" panose="020B0503020204020204" pitchFamily="34" charset="-122"/>
+              </a:endParaRPr>
+            </a:p>
+          </p:txBody>
+        </p:sp>
+      </p:grpSp>
+      <p:grpSp>
+        <p:nvGrpSpPr>
+          <p:cNvPr id="6145" name="组合 6144"/>
+          <p:cNvGrpSpPr/>
+          <p:nvPr/>
+        </p:nvGrpSpPr>
+        <p:grpSpPr>
+          <a:xfrm>
+            <a:off x="7171826" y="2160758"/>
+            <a:ext cx="5756409" cy="5238822"/>
+            <a:chOff x="7171826" y="2446290"/>
+            <a:chExt cx="5756409" cy="5238822"/>
+          </a:xfrm>
+        </p:grpSpPr>
+        <p:pic>
+          <p:nvPicPr>
+            <p:cNvPr id="19" name="图片 18"/>
+            <p:cNvPicPr>
+              <a:picLocks noChangeAspect="1"/>
+            </p:cNvPicPr>
+            <p:nvPr/>
+          </p:nvPicPr>
+          <p:blipFill>
+            <a:blip r:embed="rId4"/>
+            <a:stretch>
+              <a:fillRect/>
+            </a:stretch>
+          </p:blipFill>
+          <p:spPr>
+            <a:xfrm>
+              <a:off x="7415378" y="3137734"/>
+              <a:ext cx="5512857" cy="4314762"/>
+            </a:xfrm>
+            <a:prstGeom prst="rect">
+              <a:avLst/>
+            </a:prstGeom>
+          </p:spPr>
+        </p:pic>
+        <p:sp>
+          <p:nvSpPr>
+            <p:cNvPr id="21" name="矩形: 圆角 20"/>
+            <p:cNvSpPr/>
+            <p:nvPr/>
+          </p:nvSpPr>
+          <p:spPr bwMode="auto">
+            <a:xfrm>
+              <a:off x="7171826" y="2446290"/>
+              <a:ext cx="5711937" cy="5238822"/>
+            </a:xfrm>
+            <a:prstGeom prst="roundRect">
+              <a:avLst>
+                <a:gd name="adj" fmla="val 13138"/>
+              </a:avLst>
+            </a:prstGeom>
+            <a:noFill/>
+            <a:ln>
+              <a:solidFill>
+                <a:schemeClr val="tx1"/>
+              </a:solidFill>
+            </a:ln>
+          </p:spPr>
+          <p:txBody>
+            <a:bodyPr lIns="457200" tIns="228600" rIns="457200" bIns="228600" rtlCol="0" anchor="ctr"/>
+            <a:lstStyle/>
+            <a:p>
+              <a:pPr algn="ctr">
+                <a:lnSpc>
+                  <a:spcPct val="100000"/>
+                </a:lnSpc>
+              </a:pPr>
+              <a:endParaRPr lang="zh-CN" altLang="en-US" dirty="0">
+                <a:solidFill>
+                  <a:schemeClr val="tx1"/>
+                </a:solidFill>
+                <a:latin typeface="微软雅黑" panose="020B0503020204020204" pitchFamily="34" charset="-122"/>
+                <a:ea typeface="微软雅黑" panose="020B0503020204020204" pitchFamily="34" charset="-122"/>
+              </a:endParaRPr>
+            </a:p>
+          </p:txBody>
+        </p:sp>
+        <p:sp>
+          <p:nvSpPr>
+            <p:cNvPr id="23" name="文本框 22"/>
+            <p:cNvSpPr txBox="1"/>
+            <p:nvPr/>
+          </p:nvSpPr>
+          <p:spPr>
+            <a:xfrm>
+              <a:off x="7354191" y="2552959"/>
+              <a:ext cx="3275064" cy="584775"/>
+            </a:xfrm>
+            <a:prstGeom prst="rect">
+              <a:avLst/>
+            </a:prstGeom>
+            <a:noFill/>
+          </p:spPr>
+          <p:txBody>
+            <a:bodyPr wrap="none" rtlCol="0">
+              <a:spAutoFit/>
+            </a:bodyPr>
+            <a:lstStyle/>
+            <a:p>
+              <a:pPr>
+                <a:lnSpc>
+                  <a:spcPct val="100000"/>
+                </a:lnSpc>
+              </a:pPr>
+              <a:r>
+                <a:rPr lang="en-US" altLang="zh-CN" sz="3200" dirty="0">
+                  <a:latin typeface="微软雅黑" panose="020B0503020204020204" pitchFamily="34" charset="-122"/>
+                  <a:ea typeface="微软雅黑" panose="020B0503020204020204" pitchFamily="34" charset="-122"/>
+                </a:rPr>
+                <a:t>c_code_test.cpp</a:t>
+              </a:r>
+              <a:endParaRPr lang="zh-CN" altLang="en-US" sz="3200" dirty="0">
+                <a:latin typeface="微软雅黑" panose="020B0503020204020204" pitchFamily="34" charset="-122"/>
+                <a:ea typeface="微软雅黑" panose="020B0503020204020204" pitchFamily="34" charset="-122"/>
+              </a:endParaRPr>
+            </a:p>
+          </p:txBody>
+        </p:sp>
+      </p:grpSp>
+      <p:grpSp>
+        <p:nvGrpSpPr>
+          <p:cNvPr id="28" name="组合 27"/>
+          <p:cNvGrpSpPr/>
+          <p:nvPr/>
+        </p:nvGrpSpPr>
+        <p:grpSpPr>
+          <a:xfrm>
+            <a:off x="6082066" y="3539649"/>
+            <a:ext cx="1083251" cy="576064"/>
+            <a:chOff x="6082066" y="3868688"/>
+            <a:chExt cx="1083251" cy="576064"/>
+          </a:xfrm>
+        </p:grpSpPr>
+        <p:sp>
+          <p:nvSpPr>
+            <p:cNvPr id="12" name="箭头: 燕尾形 11"/>
+            <p:cNvSpPr/>
+            <p:nvPr/>
+          </p:nvSpPr>
+          <p:spPr bwMode="auto">
+            <a:xfrm>
+              <a:off x="6082066" y="3868688"/>
+              <a:ext cx="1043977" cy="576064"/>
+            </a:xfrm>
+            <a:prstGeom prst="notchedRightArrow">
+              <a:avLst/>
+            </a:prstGeom>
+            <a:solidFill>
+              <a:srgbClr val="FF0000"/>
+            </a:solidFill>
+            <a:ln>
+              <a:noFill/>
+            </a:ln>
+          </p:spPr>
+          <p:style>
+            <a:lnRef idx="0">
+              <a:scrgbClr r="0" g="0" b="0"/>
+            </a:lnRef>
+            <a:fillRef idx="0">
+              <a:scrgbClr r="0" g="0" b="0"/>
+            </a:fillRef>
+            <a:effectRef idx="0">
+              <a:scrgbClr r="0" g="0" b="0"/>
+            </a:effectRef>
+            <a:fontRef idx="minor">
+              <a:schemeClr val="lt1"/>
+            </a:fontRef>
+          </p:style>
+          <p:txBody>
+            <a:bodyPr lIns="457200" tIns="228600" rIns="457200" bIns="228600" rtlCol="0" anchor="ctr"/>
+            <a:lstStyle/>
+            <a:p>
+              <a:pPr algn="ctr">
+                <a:lnSpc>
+                  <a:spcPct val="100000"/>
+                </a:lnSpc>
+              </a:pPr>
+              <a:endParaRPr lang="zh-CN" altLang="en-US" dirty="0">
+                <a:solidFill>
+                  <a:schemeClr val="tx1"/>
+                </a:solidFill>
+                <a:latin typeface="微软雅黑" panose="020B0503020204020204" pitchFamily="34" charset="-122"/>
+                <a:ea typeface="微软雅黑" panose="020B0503020204020204" pitchFamily="34" charset="-122"/>
+              </a:endParaRPr>
+            </a:p>
+          </p:txBody>
+        </p:sp>
+        <p:sp>
+          <p:nvSpPr>
+            <p:cNvPr id="22" name="文本框 21"/>
+            <p:cNvSpPr txBox="1"/>
+            <p:nvPr/>
+          </p:nvSpPr>
+          <p:spPr>
+            <a:xfrm>
+              <a:off x="6087778" y="3946187"/>
+              <a:ext cx="1077539" cy="400110"/>
+            </a:xfrm>
+            <a:prstGeom prst="rect">
+              <a:avLst/>
+            </a:prstGeom>
+            <a:noFill/>
+          </p:spPr>
+          <p:txBody>
+            <a:bodyPr wrap="none" rtlCol="0">
+              <a:spAutoFit/>
+            </a:bodyPr>
+            <a:lstStyle/>
+            <a:p>
+              <a:pPr>
+                <a:lnSpc>
+                  <a:spcPct val="100000"/>
+                </a:lnSpc>
+              </a:pPr>
+              <a:r>
+                <a:rPr lang="en-US" altLang="zh-CN" sz="2000" dirty="0">
+                  <a:latin typeface="微软雅黑" panose="020B0503020204020204" pitchFamily="34" charset="-122"/>
+                  <a:ea typeface="微软雅黑" panose="020B0503020204020204" pitchFamily="34" charset="-122"/>
+                </a:rPr>
+                <a:t>include</a:t>
+              </a:r>
+              <a:endParaRPr lang="zh-CN" altLang="en-US" sz="2000" dirty="0">
+                <a:latin typeface="微软雅黑" panose="020B0503020204020204" pitchFamily="34" charset="-122"/>
+                <a:ea typeface="微软雅黑" panose="020B0503020204020204" pitchFamily="34" charset="-122"/>
+              </a:endParaRPr>
+            </a:p>
+          </p:txBody>
+        </p:sp>
+      </p:grpSp>
+      <p:grpSp>
+        <p:nvGrpSpPr>
+          <p:cNvPr id="6146" name="组合 6145"/>
+          <p:cNvGrpSpPr/>
+          <p:nvPr/>
+        </p:nvGrpSpPr>
+        <p:grpSpPr>
+          <a:xfrm>
+            <a:off x="6099167" y="5997047"/>
+            <a:ext cx="1043977" cy="576064"/>
+            <a:chOff x="6099167" y="6224427"/>
+            <a:chExt cx="1043977" cy="576064"/>
+          </a:xfrm>
+        </p:grpSpPr>
+        <p:sp>
+          <p:nvSpPr>
+            <p:cNvPr id="24" name="箭头: 燕尾形 23"/>
+            <p:cNvSpPr/>
+            <p:nvPr/>
+          </p:nvSpPr>
+          <p:spPr bwMode="auto">
+            <a:xfrm rot="19663424">
+              <a:off x="6099167" y="6224427"/>
+              <a:ext cx="1043977" cy="576064"/>
+            </a:xfrm>
+            <a:prstGeom prst="notchedRightArrow">
+              <a:avLst/>
+            </a:prstGeom>
+            <a:solidFill>
+              <a:srgbClr val="FF0000"/>
+            </a:solidFill>
+            <a:ln>
+              <a:noFill/>
+            </a:ln>
+          </p:spPr>
+          <p:style>
+            <a:lnRef idx="0">
+              <a:scrgbClr r="0" g="0" b="0"/>
+            </a:lnRef>
+            <a:fillRef idx="0">
+              <a:scrgbClr r="0" g="0" b="0"/>
+            </a:fillRef>
+            <a:effectRef idx="0">
+              <a:scrgbClr r="0" g="0" b="0"/>
+            </a:effectRef>
+            <a:fontRef idx="minor">
+              <a:schemeClr val="lt1"/>
+            </a:fontRef>
+          </p:style>
+          <p:txBody>
+            <a:bodyPr lIns="457200" tIns="228600" rIns="457200" bIns="228600" rtlCol="0" anchor="ctr"/>
+            <a:lstStyle/>
+            <a:p>
+              <a:pPr algn="ctr">
+                <a:lnSpc>
+                  <a:spcPct val="100000"/>
+                </a:lnSpc>
+              </a:pPr>
+              <a:endParaRPr lang="zh-CN" altLang="en-US" dirty="0">
+                <a:solidFill>
+                  <a:schemeClr val="tx1"/>
+                </a:solidFill>
+                <a:latin typeface="微软雅黑" panose="020B0503020204020204" pitchFamily="34" charset="-122"/>
+                <a:ea typeface="微软雅黑" panose="020B0503020204020204" pitchFamily="34" charset="-122"/>
+              </a:endParaRPr>
+            </a:p>
+          </p:txBody>
+        </p:sp>
+        <p:sp>
+          <p:nvSpPr>
+            <p:cNvPr id="26" name="文本框 25"/>
+            <p:cNvSpPr txBox="1"/>
+            <p:nvPr/>
+          </p:nvSpPr>
+          <p:spPr>
+            <a:xfrm rot="19680000">
+              <a:off x="6259670" y="6323552"/>
+              <a:ext cx="620683" cy="400110"/>
+            </a:xfrm>
+            <a:prstGeom prst="rect">
+              <a:avLst/>
+            </a:prstGeom>
+            <a:noFill/>
+          </p:spPr>
+          <p:txBody>
+            <a:bodyPr wrap="none" rtlCol="0">
+              <a:spAutoFit/>
+            </a:bodyPr>
+            <a:lstStyle/>
+            <a:p>
+              <a:pPr>
+                <a:lnSpc>
+                  <a:spcPct val="100000"/>
+                </a:lnSpc>
+              </a:pPr>
+              <a:r>
+                <a:rPr lang="en-US" altLang="zh-CN" sz="2000" dirty="0">
+                  <a:latin typeface="微软雅黑" panose="020B0503020204020204" pitchFamily="34" charset="-122"/>
+                  <a:ea typeface="微软雅黑" panose="020B0503020204020204" pitchFamily="34" charset="-122"/>
+                </a:rPr>
+                <a:t>link</a:t>
+              </a:r>
+              <a:endParaRPr lang="zh-CN" altLang="en-US" sz="2000" dirty="0">
+                <a:latin typeface="微软雅黑" panose="020B0503020204020204" pitchFamily="34" charset="-122"/>
+                <a:ea typeface="微软雅黑" panose="020B0503020204020204" pitchFamily="34" charset="-122"/>
+              </a:endParaRPr>
+            </a:p>
+          </p:txBody>
+        </p:sp>
+      </p:grpSp>
+      <p:sp>
+        <p:nvSpPr>
+          <p:cNvPr id="25" name="文本框 24"/>
+          <p:cNvSpPr txBox="1"/>
+          <p:nvPr/>
+        </p:nvSpPr>
         <p:spPr>
           <a:xfrm>
-            <a:off x="385233" y="1189194"/>
-            <a:ext cx="3039534" cy="3039534"/>
+            <a:off x="7169900" y="7506249"/>
+            <a:ext cx="5319756" cy="2308324"/>
           </a:xfrm>
           <a:prstGeom prst="rect">
             <a:avLst/>
           </a:prstGeom>
-          <a:ln w="12700">
-            <a:miter lim="400000"/>
-          </a:ln>
+          <a:noFill/>
         </p:spPr>
-      </p:pic>
+        <p:txBody>
+          <a:bodyPr wrap="square" rtlCol="0">
+            <a:spAutoFit/>
+          </a:bodyPr>
+          <a:lstStyle/>
+          <a:p>
+            <a:pPr algn="l">
+              <a:lnSpc>
+                <a:spcPct val="100000"/>
+              </a:lnSpc>
+            </a:pPr>
+            <a:r>
+              <a:rPr lang="en-US" altLang="zh-CN" dirty="0">
+                <a:latin typeface="微软雅黑" panose="020B0503020204020204" pitchFamily="34" charset="-122"/>
+                <a:ea typeface="微软雅黑" panose="020B0503020204020204" pitchFamily="34" charset="-122"/>
+              </a:rPr>
+              <a:t>$ </a:t>
+            </a:r>
+            <a:r>
+              <a:rPr lang="en-US" altLang="zh-CN" dirty="0" err="1">
+                <a:latin typeface="微软雅黑" panose="020B0503020204020204" pitchFamily="34" charset="-122"/>
+                <a:ea typeface="微软雅黑" panose="020B0503020204020204" pitchFamily="34" charset="-122"/>
+              </a:rPr>
+              <a:t>objdump</a:t>
+            </a:r>
+            <a:r>
+              <a:rPr lang="en-US" altLang="zh-CN" dirty="0">
+                <a:latin typeface="微软雅黑" panose="020B0503020204020204" pitchFamily="34" charset="-122"/>
+                <a:ea typeface="微软雅黑" panose="020B0503020204020204" pitchFamily="34" charset="-122"/>
+              </a:rPr>
+              <a:t> -t </a:t>
+            </a:r>
+            <a:r>
+              <a:rPr lang="en-US" altLang="zh-CN" dirty="0" err="1">
+                <a:latin typeface="微软雅黑" panose="020B0503020204020204" pitchFamily="34" charset="-122"/>
+                <a:ea typeface="微软雅黑" panose="020B0503020204020204" pitchFamily="34" charset="-122"/>
+              </a:rPr>
+              <a:t>c.o</a:t>
+            </a:r>
+            <a:r>
+              <a:rPr lang="en-US" altLang="zh-CN" dirty="0">
+                <a:latin typeface="微软雅黑" panose="020B0503020204020204" pitchFamily="34" charset="-122"/>
+                <a:ea typeface="微软雅黑" panose="020B0503020204020204" pitchFamily="34" charset="-122"/>
+              </a:rPr>
+              <a:t> </a:t>
+            </a:r>
+            <a:r>
+              <a:rPr lang="en-US" altLang="zh-CN" dirty="0" err="1">
+                <a:latin typeface="微软雅黑" panose="020B0503020204020204" pitchFamily="34" charset="-122"/>
+                <a:ea typeface="微软雅黑" panose="020B0503020204020204" pitchFamily="34" charset="-122"/>
+              </a:rPr>
+              <a:t>cpp.o</a:t>
+            </a:r>
+            <a:endParaRPr lang="en-US" altLang="zh-CN" dirty="0">
+              <a:latin typeface="微软雅黑" panose="020B0503020204020204" pitchFamily="34" charset="-122"/>
+              <a:ea typeface="微软雅黑" panose="020B0503020204020204" pitchFamily="34" charset="-122"/>
+            </a:endParaRPr>
+          </a:p>
+          <a:p>
+            <a:pPr algn="l">
+              <a:lnSpc>
+                <a:spcPct val="100000"/>
+              </a:lnSpc>
+            </a:pPr>
+            <a:r>
+              <a:rPr lang="en-US" altLang="zh-CN" dirty="0" err="1">
+                <a:latin typeface="微软雅黑" panose="020B0503020204020204" pitchFamily="34" charset="-122"/>
+                <a:ea typeface="微软雅黑" panose="020B0503020204020204" pitchFamily="34" charset="-122"/>
+              </a:rPr>
+              <a:t>c.o</a:t>
+            </a:r>
+            <a:r>
+              <a:rPr lang="en-US" altLang="zh-CN" dirty="0">
+                <a:latin typeface="微软雅黑" panose="020B0503020204020204" pitchFamily="34" charset="-122"/>
+                <a:ea typeface="微软雅黑" panose="020B0503020204020204" pitchFamily="34" charset="-122"/>
+              </a:rPr>
+              <a:t> SYMBOL TABLE:</a:t>
+            </a:r>
+          </a:p>
+          <a:p>
+            <a:pPr algn="l">
+              <a:lnSpc>
+                <a:spcPct val="100000"/>
+              </a:lnSpc>
+            </a:pPr>
+            <a:r>
+              <a:rPr lang="en-US" altLang="zh-CN" dirty="0">
+                <a:latin typeface="微软雅黑" panose="020B0503020204020204" pitchFamily="34" charset="-122"/>
+                <a:ea typeface="微软雅黑" panose="020B0503020204020204" pitchFamily="34" charset="-122"/>
+              </a:rPr>
+              <a:t>F .text	0000000000000014 </a:t>
+            </a:r>
+            <a:r>
+              <a:rPr lang="en-US" altLang="zh-CN" dirty="0">
+                <a:solidFill>
+                  <a:srgbClr val="FF0000"/>
+                </a:solidFill>
+                <a:latin typeface="微软雅黑" panose="020B0503020204020204" pitchFamily="34" charset="-122"/>
+                <a:ea typeface="微软雅黑" panose="020B0503020204020204" pitchFamily="34" charset="-122"/>
+              </a:rPr>
+              <a:t>add</a:t>
+            </a:r>
+          </a:p>
+          <a:p>
+            <a:pPr algn="l">
+              <a:lnSpc>
+                <a:spcPct val="100000"/>
+              </a:lnSpc>
+            </a:pPr>
+            <a:r>
+              <a:rPr lang="en-US" altLang="zh-CN" dirty="0" err="1">
+                <a:latin typeface="微软雅黑" panose="020B0503020204020204" pitchFamily="34" charset="-122"/>
+                <a:ea typeface="微软雅黑" panose="020B0503020204020204" pitchFamily="34" charset="-122"/>
+              </a:rPr>
+              <a:t>cpp.o</a:t>
+            </a:r>
+            <a:r>
+              <a:rPr lang="en-US" altLang="zh-CN" dirty="0">
+                <a:latin typeface="微软雅黑" panose="020B0503020204020204" pitchFamily="34" charset="-122"/>
+                <a:ea typeface="微软雅黑" panose="020B0503020204020204" pitchFamily="34" charset="-122"/>
+              </a:rPr>
+              <a:t> SYMBOL TABLE:</a:t>
+            </a:r>
+          </a:p>
+          <a:p>
+            <a:pPr algn="l">
+              <a:lnSpc>
+                <a:spcPct val="100000"/>
+              </a:lnSpc>
+            </a:pPr>
+            <a:r>
+              <a:rPr lang="en-US" altLang="zh-CN" dirty="0">
+                <a:latin typeface="微软雅黑" panose="020B0503020204020204" pitchFamily="34" charset="-122"/>
+                <a:ea typeface="微软雅黑" panose="020B0503020204020204" pitchFamily="34" charset="-122"/>
+              </a:rPr>
+              <a:t>F .text	0000000000000014 </a:t>
+            </a:r>
+            <a:r>
+              <a:rPr lang="en-US" altLang="zh-CN" dirty="0">
+                <a:solidFill>
+                  <a:srgbClr val="FF0000"/>
+                </a:solidFill>
+                <a:latin typeface="微软雅黑" panose="020B0503020204020204" pitchFamily="34" charset="-122"/>
+                <a:ea typeface="微软雅黑" panose="020B0503020204020204" pitchFamily="34" charset="-122"/>
+              </a:rPr>
+              <a:t>_Z3addii</a:t>
+            </a:r>
+          </a:p>
+          <a:p>
+            <a:pPr algn="l">
+              <a:lnSpc>
+                <a:spcPct val="100000"/>
+              </a:lnSpc>
+            </a:pPr>
+            <a:r>
+              <a:rPr lang="en-US" altLang="zh-CN" dirty="0">
+                <a:latin typeface="微软雅黑" panose="020B0503020204020204" pitchFamily="34" charset="-122"/>
+                <a:ea typeface="微软雅黑" panose="020B0503020204020204" pitchFamily="34" charset="-122"/>
+              </a:rPr>
+              <a:t> </a:t>
+            </a:r>
+            <a:endParaRPr lang="zh-CN" altLang="en-US" dirty="0">
+              <a:latin typeface="微软雅黑" panose="020B0503020204020204" pitchFamily="34" charset="-122"/>
+              <a:ea typeface="微软雅黑" panose="020B0503020204020204" pitchFamily="34" charset="-122"/>
+            </a:endParaRPr>
+          </a:p>
+        </p:txBody>
+      </p:sp>
     </p:spTree>
     <p:extLst>
       <p:ext uri="{BB962C8B-B14F-4D97-AF65-F5344CB8AC3E}">
-        <p14:creationId xmlns:p14="http://schemas.microsoft.com/office/powerpoint/2010/main" val="1984210012"/>
+        <p14:creationId xmlns:p14="http://schemas.microsoft.com/office/powerpoint/2010/main" val="4178481697"/>
       </p:ext>
     </p:extLst>
   </p:cSld>
@@ -16436,56 +20088,37 @@
                             </p:stCondLst>
                             <p:childTnLst>
                               <p:par>
-                                <p:cTn id="5" presetID="3" presetClass="emph" presetSubtype="2" fill="hold" nodeType="clickEffect">
+                                <p:cTn id="5" presetID="10" presetClass="entr" presetSubtype="0" fill="hold" grpId="0" nodeType="clickEffect">
                                   <p:stCondLst>
                                     <p:cond delay="0"/>
                                   </p:stCondLst>
                                   <p:childTnLst>
-                                    <p:animClr clrSpc="rgb" dir="cw">
-                                      <p:cBhvr override="childStyle">
-                                        <p:cTn id="6" dur="500" fill="hold"/>
+                                    <p:set>
+                                      <p:cBhvr>
+                                        <p:cTn id="6" dur="1" fill="hold">
+                                          <p:stCondLst>
+                                            <p:cond delay="0"/>
+                                          </p:stCondLst>
+                                        </p:cTn>
                                         <p:tgtEl>
-                                          <p:spTgt spid="3">
-                                            <p:txEl>
-                                              <p:pRg st="5" end="5"/>
-                                            </p:txEl>
-                                          </p:spTgt>
+                                          <p:spTgt spid="25"/>
                                         </p:tgtEl>
                                         <p:attrNameLst>
-                                          <p:attrName>style.color</p:attrName>
+                                          <p:attrName>style.visibility</p:attrName>
                                         </p:attrNameLst>
                                       </p:cBhvr>
                                       <p:to>
-                                        <a:srgbClr val="FF0000"/>
+                                        <p:strVal val="visible"/>
                                       </p:to>
-                                    </p:animClr>
-                                  </p:childTnLst>
-                                </p:cTn>
-                              </p:par>
-                              <p:par>
-                                <p:cTn id="7" presetID="3" presetClass="emph" presetSubtype="2" fill="hold" nodeType="withEffect">
-                                  <p:stCondLst>
-                                    <p:cond delay="0"/>
-                                  </p:stCondLst>
-                                  <p:childTnLst>
-                                    <p:animClr clrSpc="rgb" dir="cw">
-                                      <p:cBhvr override="childStyle">
-                                        <p:cTn id="8" dur="500" fill="hold"/>
+                                    </p:set>
+                                    <p:animEffect transition="in" filter="fade">
+                                      <p:cBhvr>
+                                        <p:cTn id="7" dur="500"/>
                                         <p:tgtEl>
-                                          <p:spTgt spid="3">
-                                            <p:txEl>
-                                              <p:pRg st="7" end="7"/>
-                                            </p:txEl>
-                                          </p:spTgt>
+                                          <p:spTgt spid="25"/>
                                         </p:tgtEl>
-                                        <p:attrNameLst>
-                                          <p:attrName>style.color</p:attrName>
-                                        </p:attrNameLst>
                                       </p:cBhvr>
-                                      <p:to>
-                                        <a:srgbClr val="FF0000"/>
-                                      </p:to>
-                                    </p:animClr>
+                                    </p:animEffect>
                                   </p:childTnLst>
                                 </p:cTn>
                               </p:par>
@@ -16516,6 +20149,9 @@
         </p:cTn>
       </p:par>
     </p:tnLst>
+    <p:bldLst>
+      <p:bldP spid="25" grpId="0"/>
+    </p:bldLst>
   </p:timing>
 </p:sld>
 </file>
@@ -16784,7 +20420,7 @@
         <a:effectLst/>
         <a:extLst>
           <a:ext uri="{91240B29-F687-4f45-9708-019B960494DF}">
-            <a14:hiddenLine xmlns:a14="http://schemas.microsoft.com/office/drawing/2010/main" xmlns="" w="25400" cap="flat" cmpd="sng" algn="ctr">
+            <a14:hiddenLine xmlns="" xmlns:a14="http://schemas.microsoft.com/office/drawing/2010/main" w="25400" cap="flat" cmpd="sng" algn="ctr">
               <a:solidFill>
                 <a:srgbClr val="000000"/>
               </a:solidFill>
@@ -16795,7 +20431,7 @@
             </a14:hiddenLine>
           </a:ext>
           <a:ext uri="{AF507438-7753-43e0-B8FC-AC1667EBCBE1}">
-            <a14:hiddenEffects xmlns:a14="http://schemas.microsoft.com/office/drawing/2010/main" xmlns="">
+            <a14:hiddenEffects xmlns="" xmlns:a14="http://schemas.microsoft.com/office/drawing/2010/main">
               <a:effectLst>
                 <a:outerShdw blurRad="63500" dist="38099" dir="2700000" algn="ctr" rotWithShape="0">
                   <a:schemeClr val="bg2">
@@ -17171,7 +20807,7 @@
         <a:effectLst/>
         <a:extLst>
           <a:ext uri="{91240B29-F687-4f45-9708-019B960494DF}">
-            <a14:hiddenLine xmlns:a14="http://schemas.microsoft.com/office/drawing/2010/main" xmlns="" w="25400" cap="flat" cmpd="sng" algn="ctr">
+            <a14:hiddenLine xmlns="" xmlns:a14="http://schemas.microsoft.com/office/drawing/2010/main" w="25400" cap="flat" cmpd="sng" algn="ctr">
               <a:solidFill>
                 <a:srgbClr val="000000"/>
               </a:solidFill>
@@ -17182,7 +20818,7 @@
             </a14:hiddenLine>
           </a:ext>
           <a:ext uri="{AF507438-7753-43e0-B8FC-AC1667EBCBE1}">
-            <a14:hiddenEffects xmlns:a14="http://schemas.microsoft.com/office/drawing/2010/main" xmlns="">
+            <a14:hiddenEffects xmlns="" xmlns:a14="http://schemas.microsoft.com/office/drawing/2010/main">
               <a:effectLst>
                 <a:outerShdw blurRad="63500" dist="38099" dir="2700000" algn="ctr" rotWithShape="0">
                   <a:schemeClr val="bg2">
@@ -17558,7 +21194,7 @@
         <a:effectLst/>
         <a:extLst>
           <a:ext uri="{91240B29-F687-4f45-9708-019B960494DF}">
-            <a14:hiddenLine xmlns:a14="http://schemas.microsoft.com/office/drawing/2010/main" xmlns="" w="25400" cap="flat" cmpd="sng" algn="ctr">
+            <a14:hiddenLine xmlns="" xmlns:a14="http://schemas.microsoft.com/office/drawing/2010/main" w="25400" cap="flat" cmpd="sng" algn="ctr">
               <a:solidFill>
                 <a:srgbClr val="000000"/>
               </a:solidFill>
@@ -17569,7 +21205,7 @@
             </a14:hiddenLine>
           </a:ext>
           <a:ext uri="{AF507438-7753-43e0-B8FC-AC1667EBCBE1}">
-            <a14:hiddenEffects xmlns:a14="http://schemas.microsoft.com/office/drawing/2010/main" xmlns="">
+            <a14:hiddenEffects xmlns="" xmlns:a14="http://schemas.microsoft.com/office/drawing/2010/main">
               <a:effectLst>
                 <a:outerShdw blurRad="63500" dist="38099" dir="2700000" algn="ctr" rotWithShape="0">
                   <a:schemeClr val="bg2">
